--- a/image/kpexec.pptx
+++ b/image/kpexec.pptx
@@ -213,7 +213,7 @@
           <a:p>
             <a:fld id="{6CD5550B-26C4-49A9-A5BA-636EF7BE6CE9}" type="datetimeFigureOut">
               <a:rPr lang="ko-KR" altLang="en-US" smtClean="0"/>
-              <a:t>2020-02-20</a:t>
+              <a:t>2020-02-24</a:t>
             </a:fld>
             <a:endParaRPr lang="ko-KR" altLang="en-US"/>
           </a:p>
@@ -743,7 +743,7 @@
           <a:p>
             <a:fld id="{FB30EDBD-1C2D-4C1E-B459-B60219FAB484}" type="datetimeFigureOut">
               <a:rPr lang="ko-KR" altLang="en-US" smtClean="0"/>
-              <a:t>2020-02-20</a:t>
+              <a:t>2020-02-24</a:t>
             </a:fld>
             <a:endParaRPr lang="ko-KR" altLang="en-US"/>
           </a:p>
@@ -906,7 +906,7 @@
           <a:p>
             <a:fld id="{FB30EDBD-1C2D-4C1E-B459-B60219FAB484}" type="datetimeFigureOut">
               <a:rPr lang="ko-KR" altLang="en-US" smtClean="0"/>
-              <a:t>2020-02-20</a:t>
+              <a:t>2020-02-24</a:t>
             </a:fld>
             <a:endParaRPr lang="ko-KR" altLang="en-US"/>
           </a:p>
@@ -1079,7 +1079,7 @@
           <a:p>
             <a:fld id="{FB30EDBD-1C2D-4C1E-B459-B60219FAB484}" type="datetimeFigureOut">
               <a:rPr lang="ko-KR" altLang="en-US" smtClean="0"/>
-              <a:t>2020-02-20</a:t>
+              <a:t>2020-02-24</a:t>
             </a:fld>
             <a:endParaRPr lang="ko-KR" altLang="en-US"/>
           </a:p>
@@ -1242,7 +1242,7 @@
           <a:p>
             <a:fld id="{FB30EDBD-1C2D-4C1E-B459-B60219FAB484}" type="datetimeFigureOut">
               <a:rPr lang="ko-KR" altLang="en-US" smtClean="0"/>
-              <a:t>2020-02-20</a:t>
+              <a:t>2020-02-24</a:t>
             </a:fld>
             <a:endParaRPr lang="ko-KR" altLang="en-US"/>
           </a:p>
@@ -1482,7 +1482,7 @@
           <a:p>
             <a:fld id="{FB30EDBD-1C2D-4C1E-B459-B60219FAB484}" type="datetimeFigureOut">
               <a:rPr lang="ko-KR" altLang="en-US" smtClean="0"/>
-              <a:t>2020-02-20</a:t>
+              <a:t>2020-02-24</a:t>
             </a:fld>
             <a:endParaRPr lang="ko-KR" altLang="en-US"/>
           </a:p>
@@ -1762,7 +1762,7 @@
           <a:p>
             <a:fld id="{FB30EDBD-1C2D-4C1E-B459-B60219FAB484}" type="datetimeFigureOut">
               <a:rPr lang="ko-KR" altLang="en-US" smtClean="0"/>
-              <a:t>2020-02-20</a:t>
+              <a:t>2020-02-24</a:t>
             </a:fld>
             <a:endParaRPr lang="ko-KR" altLang="en-US"/>
           </a:p>
@@ -2176,7 +2176,7 @@
           <a:p>
             <a:fld id="{FB30EDBD-1C2D-4C1E-B459-B60219FAB484}" type="datetimeFigureOut">
               <a:rPr lang="ko-KR" altLang="en-US" smtClean="0"/>
-              <a:t>2020-02-20</a:t>
+              <a:t>2020-02-24</a:t>
             </a:fld>
             <a:endParaRPr lang="ko-KR" altLang="en-US"/>
           </a:p>
@@ -2288,7 +2288,7 @@
           <a:p>
             <a:fld id="{FB30EDBD-1C2D-4C1E-B459-B60219FAB484}" type="datetimeFigureOut">
               <a:rPr lang="ko-KR" altLang="en-US" smtClean="0"/>
-              <a:t>2020-02-20</a:t>
+              <a:t>2020-02-24</a:t>
             </a:fld>
             <a:endParaRPr lang="ko-KR" altLang="en-US"/>
           </a:p>
@@ -2378,7 +2378,7 @@
           <a:p>
             <a:fld id="{FB30EDBD-1C2D-4C1E-B459-B60219FAB484}" type="datetimeFigureOut">
               <a:rPr lang="ko-KR" altLang="en-US" smtClean="0"/>
-              <a:t>2020-02-20</a:t>
+              <a:t>2020-02-24</a:t>
             </a:fld>
             <a:endParaRPr lang="ko-KR" altLang="en-US"/>
           </a:p>
@@ -2648,7 +2648,7 @@
           <a:p>
             <a:fld id="{FB30EDBD-1C2D-4C1E-B459-B60219FAB484}" type="datetimeFigureOut">
               <a:rPr lang="ko-KR" altLang="en-US" smtClean="0"/>
-              <a:t>2020-02-20</a:t>
+              <a:t>2020-02-24</a:t>
             </a:fld>
             <a:endParaRPr lang="ko-KR" altLang="en-US"/>
           </a:p>
@@ -2895,7 +2895,7 @@
           <a:p>
             <a:fld id="{FB30EDBD-1C2D-4C1E-B459-B60219FAB484}" type="datetimeFigureOut">
               <a:rPr lang="ko-KR" altLang="en-US" smtClean="0"/>
-              <a:t>2020-02-20</a:t>
+              <a:t>2020-02-24</a:t>
             </a:fld>
             <a:endParaRPr lang="ko-KR" altLang="en-US"/>
           </a:p>
@@ -3101,7 +3101,7 @@
           <a:p>
             <a:fld id="{FB30EDBD-1C2D-4C1E-B459-B60219FAB484}" type="datetimeFigureOut">
               <a:rPr lang="ko-KR" altLang="en-US" smtClean="0"/>
-              <a:t>2020-02-20</a:t>
+              <a:t>2020-02-24</a:t>
             </a:fld>
             <a:endParaRPr lang="ko-KR" altLang="en-US"/>
           </a:p>
@@ -3525,8 +3525,8 @@
         </p:nvSpPr>
         <p:spPr>
           <a:xfrm>
-            <a:off x="3251946" y="1059582"/>
-            <a:ext cx="1392062" cy="343769"/>
+            <a:off x="3464234" y="915566"/>
+            <a:ext cx="966160" cy="343769"/>
           </a:xfrm>
           <a:prstGeom prst="roundRect">
             <a:avLst>
@@ -3555,7 +3555,7 @@
             <a:pPr algn="ctr"/>
             <a:r>
               <a:rPr lang="en-US" altLang="ko-KR" sz="1200" b="1"/>
-              <a:t>kubectl-pexec</a:t>
+              <a:t>kpexec</a:t>
             </a:r>
             <a:endParaRPr lang="ko-KR" altLang="en-US" sz="1200" b="1"/>
           </a:p>
@@ -3575,8 +3575,8 @@
         </p:nvSpPr>
         <p:spPr>
           <a:xfrm>
-            <a:off x="1055299" y="1489834"/>
-            <a:ext cx="3470672" cy="2683023"/>
+            <a:off x="1055299" y="1345818"/>
+            <a:ext cx="3470672" cy="3026132"/>
           </a:xfrm>
           <a:prstGeom prst="roundRect">
             <a:avLst>
@@ -3625,12 +3625,12 @@
         </p:nvSpPr>
         <p:spPr>
           <a:xfrm>
-            <a:off x="1160079" y="1579422"/>
-            <a:ext cx="2204483" cy="1470534"/>
+            <a:off x="1160079" y="1435405"/>
+            <a:ext cx="2204483" cy="1827721"/>
           </a:xfrm>
           <a:prstGeom prst="roundRect">
             <a:avLst>
-              <a:gd name="adj" fmla="val 4701"/>
+              <a:gd name="adj" fmla="val 4006"/>
             </a:avLst>
           </a:prstGeom>
         </p:spPr>
@@ -3654,23 +3654,15 @@
           <a:p>
             <a:pPr algn="ctr"/>
             <a:r>
-              <a:rPr lang="en-US" altLang="ko-KR" sz="1200" b="1" err="1"/>
-              <a:t>cnsenter</a:t>
-            </a:r>
+              <a:rPr lang="en-US" altLang="ko-KR" sz="1200" b="1"/>
+              <a:t>Nodepause</a:t>
+            </a:r>
+          </a:p>
+          <a:p>
+            <a:pPr algn="ctr"/>
             <a:r>
               <a:rPr lang="en-US" altLang="ko-KR" sz="1200"/>
-              <a:t> </a:t>
-            </a:r>
-          </a:p>
-          <a:p>
-            <a:pPr algn="ctr"/>
-            <a:r>
-              <a:rPr lang="en-US" altLang="ko-KR" sz="1200" err="1"/>
-              <a:t>Daemonset</a:t>
-            </a:r>
-            <a:r>
-              <a:rPr lang="en-US" altLang="ko-KR" sz="1200"/>
-              <a:t> Pod</a:t>
+              <a:t>Daemonset Pod</a:t>
             </a:r>
             <a:endParaRPr lang="en-US" altLang="ko-KR" sz="1050"/>
           </a:p>
@@ -3713,7 +3705,7 @@
         </p:nvSpPr>
         <p:spPr>
           <a:xfrm>
-            <a:off x="1149281" y="3149924"/>
+            <a:off x="1149281" y="3349423"/>
             <a:ext cx="3002362" cy="734495"/>
           </a:xfrm>
           <a:prstGeom prst="roundRect">
@@ -3762,7 +3754,7 @@
         </p:nvSpPr>
         <p:spPr>
           <a:xfrm>
-            <a:off x="1236741" y="3224636"/>
+            <a:off x="1236741" y="3424135"/>
             <a:ext cx="1158087" cy="573487"/>
           </a:xfrm>
           <a:prstGeom prst="roundRect">
@@ -3812,7 +3804,7 @@
         </p:nvSpPr>
         <p:spPr>
           <a:xfrm>
-            <a:off x="2539646" y="3224636"/>
+            <a:off x="2539646" y="3424135"/>
             <a:ext cx="1158087" cy="573487"/>
           </a:xfrm>
           <a:prstGeom prst="roundRect">
@@ -3862,7 +3854,7 @@
         </p:nvSpPr>
         <p:spPr>
           <a:xfrm>
-            <a:off x="3470278" y="2043433"/>
+            <a:off x="3470278" y="1899417"/>
             <a:ext cx="960116" cy="343769"/>
           </a:xfrm>
           <a:prstGeom prst="roundRect">
@@ -3912,7 +3904,7 @@
         </p:nvSpPr>
         <p:spPr>
           <a:xfrm>
-            <a:off x="3464234" y="2504707"/>
+            <a:off x="3464234" y="2360691"/>
             <a:ext cx="967486" cy="343769"/>
           </a:xfrm>
           <a:prstGeom prst="roundRect">
@@ -3965,7 +3957,7 @@
         </p:nvCxnSpPr>
         <p:spPr>
           <a:xfrm flipH="1">
-            <a:off x="3947977" y="2387202"/>
+            <a:off x="3947977" y="2243186"/>
             <a:ext cx="2359" cy="117505"/>
           </a:xfrm>
           <a:prstGeom prst="line">
@@ -4012,7 +4004,7 @@
         </p:nvCxnSpPr>
         <p:spPr>
           <a:xfrm>
-            <a:off x="3950336" y="1923190"/>
+            <a:off x="3950336" y="1779174"/>
             <a:ext cx="0" cy="120243"/>
           </a:xfrm>
           <a:prstGeom prst="line">
@@ -4055,7 +4047,7 @@
         </p:nvSpPr>
         <p:spPr>
           <a:xfrm>
-            <a:off x="3470278" y="1579421"/>
+            <a:off x="3470278" y="1435405"/>
             <a:ext cx="960116" cy="343769"/>
           </a:xfrm>
           <a:prstGeom prst="roundRect">
@@ -4084,17 +4076,17 @@
           <a:p>
             <a:pPr algn="ctr"/>
             <a:r>
-              <a:rPr lang="en-US" altLang="ko-KR" sz="1200"/>
+              <a:rPr lang="en-US" altLang="ko-KR" sz="1100"/>
               <a:t>K8s API </a:t>
             </a:r>
           </a:p>
           <a:p>
             <a:pPr algn="ctr"/>
             <a:r>
-              <a:rPr lang="en-US" altLang="ko-KR" sz="1200"/>
+              <a:rPr lang="en-US" altLang="ko-KR" sz="1100"/>
               <a:t>Server</a:t>
             </a:r>
-            <a:endParaRPr lang="ko-KR" altLang="en-US" sz="1200"/>
+            <a:endParaRPr lang="ko-KR" altLang="en-US" sz="1100"/>
           </a:p>
         </p:txBody>
       </p:sp>
@@ -4112,7 +4104,7 @@
         </p:nvSpPr>
         <p:spPr>
           <a:xfrm>
-            <a:off x="1358920" y="3297976"/>
+            <a:off x="1358920" y="3497475"/>
             <a:ext cx="913730" cy="246314"/>
           </a:xfrm>
           <a:prstGeom prst="roundRect">
@@ -4141,10 +4133,10 @@
           <a:p>
             <a:pPr algn="ctr"/>
             <a:r>
-              <a:rPr lang="en-US" altLang="ko-KR" sz="1100"/>
-              <a:t>Binary</a:t>
-            </a:r>
-            <a:endParaRPr lang="ko-KR" altLang="en-US" sz="1100"/>
+              <a:rPr lang="en-US" altLang="ko-KR" sz="1000"/>
+              <a:t>Command</a:t>
+            </a:r>
+            <a:endParaRPr lang="ko-KR" altLang="en-US" sz="1000"/>
           </a:p>
         </p:txBody>
       </p:sp>
@@ -4162,7 +4154,7 @@
         </p:nvSpPr>
         <p:spPr>
           <a:xfrm>
-            <a:off x="2661824" y="3297976"/>
+            <a:off x="2661824" y="3497475"/>
             <a:ext cx="913730" cy="246314"/>
           </a:xfrm>
           <a:prstGeom prst="roundRect">
@@ -4191,10 +4183,10 @@
           <a:p>
             <a:pPr algn="ctr"/>
             <a:r>
-              <a:rPr lang="en-US" altLang="ko-KR" sz="1100"/>
-              <a:t>Binary</a:t>
-            </a:r>
-            <a:endParaRPr lang="ko-KR" altLang="en-US" sz="1100"/>
+              <a:rPr lang="en-US" altLang="ko-KR" sz="1000"/>
+              <a:t>Command</a:t>
+            </a:r>
+            <a:endParaRPr lang="ko-KR" altLang="en-US" sz="1000"/>
           </a:p>
         </p:txBody>
       </p:sp>
@@ -4212,8 +4204,8 @@
         </p:nvSpPr>
         <p:spPr>
           <a:xfrm>
-            <a:off x="1236742" y="2260013"/>
-            <a:ext cx="2050806" cy="705222"/>
+            <a:off x="1236742" y="2115996"/>
+            <a:ext cx="2050806" cy="1073737"/>
           </a:xfrm>
           <a:prstGeom prst="roundRect">
             <a:avLst>
@@ -4261,7 +4253,7 @@
         </p:nvSpPr>
         <p:spPr>
           <a:xfrm>
-            <a:off x="1313837" y="2641978"/>
+            <a:off x="1313837" y="2497962"/>
             <a:ext cx="913730" cy="246314"/>
           </a:xfrm>
           <a:prstGeom prst="roundRect">
@@ -4309,14 +4301,14 @@
           <p:cNvCxnSpPr>
             <a:cxnSpLocks/>
             <a:stCxn id="72" idx="2"/>
-            <a:endCxn id="63" idx="0"/>
+            <a:endCxn id="46" idx="0"/>
           </p:cNvCxnSpPr>
           <p:nvPr/>
         </p:nvCxnSpPr>
         <p:spPr>
           <a:xfrm>
-            <a:off x="1770702" y="2888292"/>
-            <a:ext cx="45083" cy="409684"/>
+            <a:off x="1770702" y="2744276"/>
+            <a:ext cx="0" cy="105000"/>
           </a:xfrm>
           <a:prstGeom prst="line">
             <a:avLst/>
@@ -4356,14 +4348,14 @@
           <p:cNvCxnSpPr>
             <a:cxnSpLocks/>
             <a:stCxn id="55" idx="2"/>
-            <a:endCxn id="64" idx="0"/>
+            <a:endCxn id="47" idx="0"/>
           </p:cNvCxnSpPr>
           <p:nvPr/>
         </p:nvCxnSpPr>
         <p:spPr>
           <a:xfrm>
-            <a:off x="2762264" y="2888292"/>
-            <a:ext cx="356425" cy="409684"/>
+            <a:off x="2762264" y="2744276"/>
+            <a:ext cx="1754" cy="105000"/>
           </a:xfrm>
           <a:prstGeom prst="line">
             <a:avLst/>
@@ -4405,7 +4397,7 @@
         </p:nvSpPr>
         <p:spPr>
           <a:xfrm>
-            <a:off x="2307153" y="2323656"/>
+            <a:off x="2307153" y="2179640"/>
             <a:ext cx="913730" cy="246314"/>
           </a:xfrm>
           <a:prstGeom prst="roundRect">
@@ -4455,7 +4447,7 @@
         </p:nvSpPr>
         <p:spPr>
           <a:xfrm>
-            <a:off x="2305399" y="2641978"/>
+            <a:off x="2305399" y="2497962"/>
             <a:ext cx="913730" cy="246314"/>
           </a:xfrm>
           <a:prstGeom prst="roundRect">
@@ -4509,7 +4501,7 @@
         </p:nvCxnSpPr>
         <p:spPr>
           <a:xfrm flipV="1">
-            <a:off x="3219129" y="2676592"/>
+            <a:off x="3219129" y="2532576"/>
             <a:ext cx="245105" cy="88543"/>
           </a:xfrm>
           <a:prstGeom prst="line">
@@ -4556,7 +4548,7 @@
         </p:nvCxnSpPr>
         <p:spPr>
           <a:xfrm flipV="1">
-            <a:off x="2227567" y="2676592"/>
+            <a:off x="2227567" y="2532576"/>
             <a:ext cx="1236667" cy="88543"/>
           </a:xfrm>
           <a:prstGeom prst="line">
@@ -4599,8 +4591,8 @@
         </p:nvSpPr>
         <p:spPr>
           <a:xfrm flipH="1">
-            <a:off x="4644008" y="1489834"/>
-            <a:ext cx="3470672" cy="2683023"/>
+            <a:off x="4644008" y="1345818"/>
+            <a:ext cx="3470672" cy="3026132"/>
           </a:xfrm>
           <a:prstGeom prst="roundRect">
             <a:avLst>
@@ -4649,12 +4641,12 @@
         </p:nvSpPr>
         <p:spPr>
           <a:xfrm flipH="1">
-            <a:off x="5805417" y="1579422"/>
-            <a:ext cx="2204483" cy="1470534"/>
+            <a:off x="5805416" y="1435405"/>
+            <a:ext cx="2204483" cy="1827721"/>
           </a:xfrm>
           <a:prstGeom prst="roundRect">
             <a:avLst>
-              <a:gd name="adj" fmla="val 4701"/>
+              <a:gd name="adj" fmla="val 3659"/>
             </a:avLst>
           </a:prstGeom>
         </p:spPr>
@@ -4678,12 +4670,8 @@
           <a:p>
             <a:pPr algn="ctr"/>
             <a:r>
-              <a:rPr lang="en-US" altLang="ko-KR" sz="1200" b="1" err="1"/>
-              <a:t>cnsenter</a:t>
-            </a:r>
-            <a:r>
-              <a:rPr lang="en-US" altLang="ko-KR" sz="1200"/>
-              <a:t> </a:t>
+              <a:rPr lang="en-US" altLang="ko-KR" sz="1200" b="1"/>
+              <a:t>Nodepause</a:t>
             </a:r>
           </a:p>
           <a:p>
@@ -4737,7 +4725,7 @@
         </p:nvSpPr>
         <p:spPr>
           <a:xfrm flipH="1">
-            <a:off x="5018336" y="3149924"/>
+            <a:off x="5018336" y="3349423"/>
             <a:ext cx="3002362" cy="734495"/>
           </a:xfrm>
           <a:prstGeom prst="roundRect">
@@ -4785,7 +4773,7 @@
         </p:nvSpPr>
         <p:spPr>
           <a:xfrm flipH="1">
-            <a:off x="6775151" y="3224636"/>
+            <a:off x="6775151" y="3424135"/>
             <a:ext cx="1158087" cy="573487"/>
           </a:xfrm>
           <a:prstGeom prst="roundRect">
@@ -4835,7 +4823,7 @@
         </p:nvSpPr>
         <p:spPr>
           <a:xfrm flipH="1">
-            <a:off x="5472246" y="3224636"/>
+            <a:off x="5472246" y="3424135"/>
             <a:ext cx="1158087" cy="573487"/>
           </a:xfrm>
           <a:prstGeom prst="roundRect">
@@ -4885,7 +4873,7 @@
         </p:nvSpPr>
         <p:spPr>
           <a:xfrm flipH="1">
-            <a:off x="4739585" y="2043433"/>
+            <a:off x="4739585" y="1899417"/>
             <a:ext cx="960116" cy="343769"/>
           </a:xfrm>
           <a:prstGeom prst="roundRect">
@@ -4935,7 +4923,7 @@
         </p:nvSpPr>
         <p:spPr>
           <a:xfrm flipH="1">
-            <a:off x="4738259" y="2504707"/>
+            <a:off x="4738259" y="2360691"/>
             <a:ext cx="967486" cy="343769"/>
           </a:xfrm>
           <a:prstGeom prst="roundRect">
@@ -4988,7 +4976,7 @@
         </p:nvCxnSpPr>
         <p:spPr>
           <a:xfrm>
-            <a:off x="5219643" y="2387202"/>
+            <a:off x="5219643" y="2243186"/>
             <a:ext cx="2359" cy="117505"/>
           </a:xfrm>
           <a:prstGeom prst="line">
@@ -5035,7 +5023,7 @@
         </p:nvCxnSpPr>
         <p:spPr>
           <a:xfrm>
-            <a:off x="4430394" y="1751306"/>
+            <a:off x="4430394" y="1607290"/>
             <a:ext cx="789249" cy="292127"/>
           </a:xfrm>
           <a:prstGeom prst="line">
@@ -5078,7 +5066,7 @@
         </p:nvSpPr>
         <p:spPr>
           <a:xfrm flipH="1">
-            <a:off x="6897329" y="3297976"/>
+            <a:off x="6897329" y="3497475"/>
             <a:ext cx="913730" cy="246314"/>
           </a:xfrm>
           <a:prstGeom prst="roundRect">
@@ -5107,10 +5095,10 @@
           <a:p>
             <a:pPr algn="ctr"/>
             <a:r>
-              <a:rPr lang="en-US" altLang="ko-KR" sz="1100"/>
-              <a:t>Binary</a:t>
-            </a:r>
-            <a:endParaRPr lang="ko-KR" altLang="en-US" sz="1100"/>
+              <a:rPr lang="en-US" altLang="ko-KR" sz="1000"/>
+              <a:t>Command</a:t>
+            </a:r>
+            <a:endParaRPr lang="ko-KR" altLang="en-US" sz="1000"/>
           </a:p>
         </p:txBody>
       </p:sp>
@@ -5128,7 +5116,7 @@
         </p:nvSpPr>
         <p:spPr>
           <a:xfrm flipH="1">
-            <a:off x="5594425" y="3297976"/>
+            <a:off x="5594425" y="3497475"/>
             <a:ext cx="913730" cy="246314"/>
           </a:xfrm>
           <a:prstGeom prst="roundRect">
@@ -5157,10 +5145,10 @@
           <a:p>
             <a:pPr algn="ctr"/>
             <a:r>
-              <a:rPr lang="en-US" altLang="ko-KR" sz="1100"/>
-              <a:t>Binary</a:t>
-            </a:r>
-            <a:endParaRPr lang="ko-KR" altLang="en-US" sz="1100"/>
+              <a:rPr lang="en-US" altLang="ko-KR" sz="1000"/>
+              <a:t>Command</a:t>
+            </a:r>
+            <a:endParaRPr lang="ko-KR" altLang="en-US" sz="1000"/>
           </a:p>
         </p:txBody>
       </p:sp>
@@ -5178,8 +5166,8 @@
         </p:nvSpPr>
         <p:spPr>
           <a:xfrm flipH="1">
-            <a:off x="5882431" y="2260013"/>
-            <a:ext cx="2050806" cy="705222"/>
+            <a:off x="5882431" y="2115997"/>
+            <a:ext cx="2050806" cy="1073736"/>
           </a:xfrm>
           <a:prstGeom prst="roundRect">
             <a:avLst>
@@ -5228,7 +5216,7 @@
         </p:nvSpPr>
         <p:spPr>
           <a:xfrm flipH="1">
-            <a:off x="6942412" y="2641978"/>
+            <a:off x="6942412" y="2497962"/>
             <a:ext cx="913730" cy="246314"/>
           </a:xfrm>
           <a:prstGeom prst="roundRect">
@@ -5276,14 +5264,14 @@
           <p:cNvCxnSpPr>
             <a:cxnSpLocks/>
             <a:stCxn id="90" idx="2"/>
-            <a:endCxn id="87" idx="0"/>
+            <a:endCxn id="66" idx="0"/>
           </p:cNvCxnSpPr>
           <p:nvPr/>
         </p:nvCxnSpPr>
         <p:spPr>
-          <a:xfrm flipH="1">
-            <a:off x="7354194" y="2888292"/>
-            <a:ext cx="45083" cy="409684"/>
+          <a:xfrm>
+            <a:off x="7399277" y="2744276"/>
+            <a:ext cx="0" cy="105000"/>
           </a:xfrm>
           <a:prstGeom prst="line">
             <a:avLst/>
@@ -5323,14 +5311,14 @@
           <p:cNvCxnSpPr>
             <a:cxnSpLocks/>
             <a:stCxn id="94" idx="2"/>
-            <a:endCxn id="88" idx="0"/>
+            <a:endCxn id="62" idx="0"/>
           </p:cNvCxnSpPr>
           <p:nvPr/>
         </p:nvCxnSpPr>
         <p:spPr>
           <a:xfrm flipH="1">
-            <a:off x="6051290" y="2888292"/>
-            <a:ext cx="356425" cy="409684"/>
+            <a:off x="6405961" y="2744276"/>
+            <a:ext cx="1754" cy="105000"/>
           </a:xfrm>
           <a:prstGeom prst="line">
             <a:avLst/>
@@ -5372,7 +5360,7 @@
         </p:nvSpPr>
         <p:spPr>
           <a:xfrm flipH="1">
-            <a:off x="5949096" y="2323656"/>
+            <a:off x="5949096" y="2179640"/>
             <a:ext cx="913730" cy="246314"/>
           </a:xfrm>
           <a:prstGeom prst="roundRect">
@@ -5422,7 +5410,7 @@
         </p:nvSpPr>
         <p:spPr>
           <a:xfrm flipH="1">
-            <a:off x="5950850" y="2641978"/>
+            <a:off x="5950850" y="2497962"/>
             <a:ext cx="913730" cy="246314"/>
           </a:xfrm>
           <a:prstGeom prst="roundRect">
@@ -5476,7 +5464,7 @@
         </p:nvCxnSpPr>
         <p:spPr>
           <a:xfrm flipH="1" flipV="1">
-            <a:off x="5705745" y="2676592"/>
+            <a:off x="5705745" y="2532576"/>
             <a:ext cx="245105" cy="88543"/>
           </a:xfrm>
           <a:prstGeom prst="line">
@@ -5523,7 +5511,7 @@
         </p:nvCxnSpPr>
         <p:spPr>
           <a:xfrm flipH="1" flipV="1">
-            <a:off x="5705745" y="2676592"/>
+            <a:off x="5705745" y="2532576"/>
             <a:ext cx="1236667" cy="88543"/>
           </a:xfrm>
           <a:prstGeom prst="line">
@@ -5570,8 +5558,396 @@
         </p:nvCxnSpPr>
         <p:spPr>
           <a:xfrm flipH="1" flipV="1">
-            <a:off x="3947977" y="1403351"/>
-            <a:ext cx="2359" cy="176070"/>
+            <a:off x="3947314" y="1259335"/>
+            <a:ext cx="3022" cy="176070"/>
+          </a:xfrm>
+          <a:prstGeom prst="line">
+            <a:avLst/>
+          </a:prstGeom>
+          <a:ln w="28575">
+            <a:solidFill>
+              <a:schemeClr val="tx1"/>
+            </a:solidFill>
+            <a:headEnd type="none" w="med" len="med"/>
+            <a:tailEnd type="none" w="med" len="med"/>
+          </a:ln>
+        </p:spPr>
+        <p:style>
+          <a:lnRef idx="1">
+            <a:schemeClr val="accent1"/>
+          </a:lnRef>
+          <a:fillRef idx="0">
+            <a:schemeClr val="accent1"/>
+          </a:fillRef>
+          <a:effectRef idx="0">
+            <a:schemeClr val="accent1"/>
+          </a:effectRef>
+          <a:fontRef idx="minor">
+            <a:schemeClr val="tx1"/>
+          </a:fontRef>
+        </p:style>
+      </p:cxnSp>
+      <p:sp>
+        <p:nvSpPr>
+          <p:cNvPr id="46" name="사각형: 둥근 모서리 45">
+            <a:extLst>
+              <a:ext uri="{FF2B5EF4-FFF2-40B4-BE49-F238E27FC236}">
+                <a16:creationId xmlns:a16="http://schemas.microsoft.com/office/drawing/2014/main" id="{E638F109-C238-440B-8F71-6C0F9120968A}"/>
+              </a:ext>
+            </a:extLst>
+          </p:cNvPr>
+          <p:cNvSpPr/>
+          <p:nvPr/>
+        </p:nvSpPr>
+        <p:spPr>
+          <a:xfrm>
+            <a:off x="1313837" y="2849276"/>
+            <a:ext cx="913730" cy="246314"/>
+          </a:xfrm>
+          <a:prstGeom prst="roundRect">
+            <a:avLst>
+              <a:gd name="adj" fmla="val 12203"/>
+            </a:avLst>
+          </a:prstGeom>
+        </p:spPr>
+        <p:style>
+          <a:lnRef idx="2">
+            <a:schemeClr val="dk1"/>
+          </a:lnRef>
+          <a:fillRef idx="1">
+            <a:schemeClr val="lt1"/>
+          </a:fillRef>
+          <a:effectRef idx="0">
+            <a:schemeClr val="dk1"/>
+          </a:effectRef>
+          <a:fontRef idx="minor">
+            <a:schemeClr val="dk1"/>
+          </a:fontRef>
+        </p:style>
+        <p:txBody>
+          <a:bodyPr rtlCol="0" anchor="ctr"/>
+          <a:lstStyle/>
+          <a:p>
+            <a:pPr algn="ctr"/>
+            <a:r>
+              <a:rPr lang="en-US" altLang="ko-KR" sz="1100"/>
+              <a:t>nsenter</a:t>
+            </a:r>
+            <a:endParaRPr lang="ko-KR" altLang="en-US" sz="1100"/>
+          </a:p>
+        </p:txBody>
+      </p:sp>
+      <p:sp>
+        <p:nvSpPr>
+          <p:cNvPr id="47" name="사각형: 둥근 모서리 46">
+            <a:extLst>
+              <a:ext uri="{FF2B5EF4-FFF2-40B4-BE49-F238E27FC236}">
+                <a16:creationId xmlns:a16="http://schemas.microsoft.com/office/drawing/2014/main" id="{43E17E76-AC8C-415B-8348-03B59B0B371D}"/>
+              </a:ext>
+            </a:extLst>
+          </p:cNvPr>
+          <p:cNvSpPr/>
+          <p:nvPr/>
+        </p:nvSpPr>
+        <p:spPr>
+          <a:xfrm>
+            <a:off x="2307153" y="2849276"/>
+            <a:ext cx="913730" cy="246314"/>
+          </a:xfrm>
+          <a:prstGeom prst="roundRect">
+            <a:avLst>
+              <a:gd name="adj" fmla="val 12203"/>
+            </a:avLst>
+          </a:prstGeom>
+        </p:spPr>
+        <p:style>
+          <a:lnRef idx="2">
+            <a:schemeClr val="dk1"/>
+          </a:lnRef>
+          <a:fillRef idx="1">
+            <a:schemeClr val="lt1"/>
+          </a:fillRef>
+          <a:effectRef idx="0">
+            <a:schemeClr val="dk1"/>
+          </a:effectRef>
+          <a:fontRef idx="minor">
+            <a:schemeClr val="dk1"/>
+          </a:fontRef>
+        </p:style>
+        <p:txBody>
+          <a:bodyPr rtlCol="0" anchor="ctr"/>
+          <a:lstStyle/>
+          <a:p>
+            <a:pPr algn="ctr"/>
+            <a:r>
+              <a:rPr lang="en-US" altLang="ko-KR" sz="1100"/>
+              <a:t>nsenter</a:t>
+            </a:r>
+            <a:endParaRPr lang="ko-KR" altLang="en-US" sz="1100"/>
+          </a:p>
+        </p:txBody>
+      </p:sp>
+      <p:cxnSp>
+        <p:nvCxnSpPr>
+          <p:cNvPr id="52" name="직선 연결선 51">
+            <a:extLst>
+              <a:ext uri="{FF2B5EF4-FFF2-40B4-BE49-F238E27FC236}">
+                <a16:creationId xmlns:a16="http://schemas.microsoft.com/office/drawing/2014/main" id="{4E81C1BD-2C14-434C-A265-E755B041616C}"/>
+              </a:ext>
+            </a:extLst>
+          </p:cNvPr>
+          <p:cNvCxnSpPr>
+            <a:cxnSpLocks/>
+            <a:stCxn id="46" idx="2"/>
+            <a:endCxn id="63" idx="0"/>
+          </p:cNvCxnSpPr>
+          <p:nvPr/>
+        </p:nvCxnSpPr>
+        <p:spPr>
+          <a:xfrm>
+            <a:off x="1770702" y="3095590"/>
+            <a:ext cx="45083" cy="401885"/>
+          </a:xfrm>
+          <a:prstGeom prst="line">
+            <a:avLst/>
+          </a:prstGeom>
+          <a:ln w="28575">
+            <a:solidFill>
+              <a:schemeClr val="tx1"/>
+            </a:solidFill>
+            <a:headEnd type="none" w="med" len="med"/>
+            <a:tailEnd type="none" w="med" len="med"/>
+          </a:ln>
+        </p:spPr>
+        <p:style>
+          <a:lnRef idx="1">
+            <a:schemeClr val="accent1"/>
+          </a:lnRef>
+          <a:fillRef idx="0">
+            <a:schemeClr val="accent1"/>
+          </a:fillRef>
+          <a:effectRef idx="0">
+            <a:schemeClr val="accent1"/>
+          </a:effectRef>
+          <a:fontRef idx="minor">
+            <a:schemeClr val="tx1"/>
+          </a:fontRef>
+        </p:style>
+      </p:cxnSp>
+      <p:cxnSp>
+        <p:nvCxnSpPr>
+          <p:cNvPr id="56" name="직선 연결선 55">
+            <a:extLst>
+              <a:ext uri="{FF2B5EF4-FFF2-40B4-BE49-F238E27FC236}">
+                <a16:creationId xmlns:a16="http://schemas.microsoft.com/office/drawing/2014/main" id="{9B5A586D-DA3C-4C50-8D9C-3B806FC1C14F}"/>
+              </a:ext>
+            </a:extLst>
+          </p:cNvPr>
+          <p:cNvCxnSpPr>
+            <a:cxnSpLocks/>
+            <a:stCxn id="47" idx="2"/>
+            <a:endCxn id="64" idx="0"/>
+          </p:cNvCxnSpPr>
+          <p:nvPr/>
+        </p:nvCxnSpPr>
+        <p:spPr>
+          <a:xfrm>
+            <a:off x="2764018" y="3095590"/>
+            <a:ext cx="354671" cy="401885"/>
+          </a:xfrm>
+          <a:prstGeom prst="line">
+            <a:avLst/>
+          </a:prstGeom>
+          <a:ln w="28575">
+            <a:solidFill>
+              <a:schemeClr val="tx1"/>
+            </a:solidFill>
+            <a:headEnd type="none" w="med" len="med"/>
+            <a:tailEnd type="none" w="med" len="med"/>
+          </a:ln>
+        </p:spPr>
+        <p:style>
+          <a:lnRef idx="1">
+            <a:schemeClr val="accent1"/>
+          </a:lnRef>
+          <a:fillRef idx="0">
+            <a:schemeClr val="accent1"/>
+          </a:fillRef>
+          <a:effectRef idx="0">
+            <a:schemeClr val="accent1"/>
+          </a:effectRef>
+          <a:fontRef idx="minor">
+            <a:schemeClr val="tx1"/>
+          </a:fontRef>
+        </p:style>
+      </p:cxnSp>
+      <p:sp>
+        <p:nvSpPr>
+          <p:cNvPr id="62" name="사각형: 둥근 모서리 61">
+            <a:extLst>
+              <a:ext uri="{FF2B5EF4-FFF2-40B4-BE49-F238E27FC236}">
+                <a16:creationId xmlns:a16="http://schemas.microsoft.com/office/drawing/2014/main" id="{03145B5C-5A65-48B2-863E-EF5CC7AAE702}"/>
+              </a:ext>
+            </a:extLst>
+          </p:cNvPr>
+          <p:cNvSpPr/>
+          <p:nvPr/>
+        </p:nvSpPr>
+        <p:spPr>
+          <a:xfrm>
+            <a:off x="5949096" y="2849276"/>
+            <a:ext cx="913730" cy="246314"/>
+          </a:xfrm>
+          <a:prstGeom prst="roundRect">
+            <a:avLst>
+              <a:gd name="adj" fmla="val 12203"/>
+            </a:avLst>
+          </a:prstGeom>
+        </p:spPr>
+        <p:style>
+          <a:lnRef idx="2">
+            <a:schemeClr val="dk1"/>
+          </a:lnRef>
+          <a:fillRef idx="1">
+            <a:schemeClr val="lt1"/>
+          </a:fillRef>
+          <a:effectRef idx="0">
+            <a:schemeClr val="dk1"/>
+          </a:effectRef>
+          <a:fontRef idx="minor">
+            <a:schemeClr val="dk1"/>
+          </a:fontRef>
+        </p:style>
+        <p:txBody>
+          <a:bodyPr rtlCol="0" anchor="ctr"/>
+          <a:lstStyle/>
+          <a:p>
+            <a:pPr algn="ctr"/>
+            <a:r>
+              <a:rPr lang="en-US" altLang="ko-KR" sz="1100"/>
+              <a:t>nsenter</a:t>
+            </a:r>
+            <a:endParaRPr lang="ko-KR" altLang="en-US" sz="1100"/>
+          </a:p>
+        </p:txBody>
+      </p:sp>
+      <p:sp>
+        <p:nvSpPr>
+          <p:cNvPr id="66" name="사각형: 둥근 모서리 65">
+            <a:extLst>
+              <a:ext uri="{FF2B5EF4-FFF2-40B4-BE49-F238E27FC236}">
+                <a16:creationId xmlns:a16="http://schemas.microsoft.com/office/drawing/2014/main" id="{90EB8EB8-EFED-46B2-A33F-82DC65B83631}"/>
+              </a:ext>
+            </a:extLst>
+          </p:cNvPr>
+          <p:cNvSpPr/>
+          <p:nvPr/>
+        </p:nvSpPr>
+        <p:spPr>
+          <a:xfrm>
+            <a:off x="6942412" y="2849276"/>
+            <a:ext cx="913730" cy="246314"/>
+          </a:xfrm>
+          <a:prstGeom prst="roundRect">
+            <a:avLst>
+              <a:gd name="adj" fmla="val 12203"/>
+            </a:avLst>
+          </a:prstGeom>
+        </p:spPr>
+        <p:style>
+          <a:lnRef idx="2">
+            <a:schemeClr val="dk1"/>
+          </a:lnRef>
+          <a:fillRef idx="1">
+            <a:schemeClr val="lt1"/>
+          </a:fillRef>
+          <a:effectRef idx="0">
+            <a:schemeClr val="dk1"/>
+          </a:effectRef>
+          <a:fontRef idx="minor">
+            <a:schemeClr val="dk1"/>
+          </a:fontRef>
+        </p:style>
+        <p:txBody>
+          <a:bodyPr rtlCol="0" anchor="ctr"/>
+          <a:lstStyle/>
+          <a:p>
+            <a:pPr algn="ctr"/>
+            <a:r>
+              <a:rPr lang="en-US" altLang="ko-KR" sz="1100"/>
+              <a:t>nsenter</a:t>
+            </a:r>
+            <a:endParaRPr lang="ko-KR" altLang="en-US" sz="1100"/>
+          </a:p>
+        </p:txBody>
+      </p:sp>
+      <p:cxnSp>
+        <p:nvCxnSpPr>
+          <p:cNvPr id="67" name="직선 연결선 66">
+            <a:extLst>
+              <a:ext uri="{FF2B5EF4-FFF2-40B4-BE49-F238E27FC236}">
+                <a16:creationId xmlns:a16="http://schemas.microsoft.com/office/drawing/2014/main" id="{AAD09970-ACAD-40B8-BB5A-543E4F241B50}"/>
+              </a:ext>
+            </a:extLst>
+          </p:cNvPr>
+          <p:cNvCxnSpPr>
+            <a:cxnSpLocks/>
+            <a:stCxn id="66" idx="2"/>
+            <a:endCxn id="87" idx="0"/>
+          </p:cNvCxnSpPr>
+          <p:nvPr/>
+        </p:nvCxnSpPr>
+        <p:spPr>
+          <a:xfrm flipH="1">
+            <a:off x="7354194" y="3095590"/>
+            <a:ext cx="45083" cy="401885"/>
+          </a:xfrm>
+          <a:prstGeom prst="line">
+            <a:avLst/>
+          </a:prstGeom>
+          <a:ln w="28575">
+            <a:solidFill>
+              <a:schemeClr val="tx1"/>
+            </a:solidFill>
+            <a:headEnd type="none" w="med" len="med"/>
+            <a:tailEnd type="none" w="med" len="med"/>
+          </a:ln>
+        </p:spPr>
+        <p:style>
+          <a:lnRef idx="1">
+            <a:schemeClr val="accent1"/>
+          </a:lnRef>
+          <a:fillRef idx="0">
+            <a:schemeClr val="accent1"/>
+          </a:fillRef>
+          <a:effectRef idx="0">
+            <a:schemeClr val="accent1"/>
+          </a:effectRef>
+          <a:fontRef idx="minor">
+            <a:schemeClr val="tx1"/>
+          </a:fontRef>
+        </p:style>
+      </p:cxnSp>
+      <p:cxnSp>
+        <p:nvCxnSpPr>
+          <p:cNvPr id="69" name="직선 연결선 68">
+            <a:extLst>
+              <a:ext uri="{FF2B5EF4-FFF2-40B4-BE49-F238E27FC236}">
+                <a16:creationId xmlns:a16="http://schemas.microsoft.com/office/drawing/2014/main" id="{E10E4720-4A03-485E-89D2-6D1CFFDEF44A}"/>
+              </a:ext>
+            </a:extLst>
+          </p:cNvPr>
+          <p:cNvCxnSpPr>
+            <a:cxnSpLocks/>
+            <a:stCxn id="62" idx="2"/>
+            <a:endCxn id="88" idx="0"/>
+          </p:cNvCxnSpPr>
+          <p:nvPr/>
+        </p:nvCxnSpPr>
+        <p:spPr>
+          <a:xfrm flipH="1">
+            <a:off x="6051290" y="3095590"/>
+            <a:ext cx="354671" cy="401885"/>
           </a:xfrm>
           <a:prstGeom prst="line">
             <a:avLst/>

--- a/image/kpexec.pptx
+++ b/image/kpexec.pptx
@@ -5,10 +5,15 @@
     <p:sldMasterId id="2147483648" r:id="rId1"/>
   </p:sldMasterIdLst>
   <p:notesMasterIdLst>
-    <p:notesMasterId r:id="rId3"/>
+    <p:notesMasterId r:id="rId8"/>
   </p:notesMasterIdLst>
   <p:sldIdLst>
     <p:sldId id="424" r:id="rId2"/>
+    <p:sldId id="426" r:id="rId3"/>
+    <p:sldId id="429" r:id="rId4"/>
+    <p:sldId id="428" r:id="rId5"/>
+    <p:sldId id="427" r:id="rId6"/>
+    <p:sldId id="425" r:id="rId7"/>
   </p:sldIdLst>
   <p:sldSz cx="9144000" cy="5143500" type="screen16x9"/>
   <p:notesSz cx="6858000" cy="9144000"/>
@@ -213,7 +218,7 @@
           <a:p>
             <a:fld id="{6CD5550B-26C4-49A9-A5BA-636EF7BE6CE9}" type="datetimeFigureOut">
               <a:rPr lang="ko-KR" altLang="en-US" smtClean="0"/>
-              <a:t>2020-02-24</a:t>
+              <a:t>2021-02-15</a:t>
             </a:fld>
             <a:endParaRPr lang="ko-KR" altLang="en-US"/>
           </a:p>
@@ -564,6 +569,342 @@
 </p:notes>
 </file>
 
+<file path=ppt/notesSlides/notesSlide2.xml><?xml version="1.0" encoding="utf-8"?>
+<p:notes xmlns:a="http://schemas.openxmlformats.org/drawingml/2006/main" xmlns:r="http://schemas.openxmlformats.org/officeDocument/2006/relationships" xmlns:p="http://schemas.openxmlformats.org/presentationml/2006/main">
+  <p:cSld>
+    <p:spTree>
+      <p:nvGrpSpPr>
+        <p:cNvPr id="1" name=""/>
+        <p:cNvGrpSpPr/>
+        <p:nvPr/>
+      </p:nvGrpSpPr>
+      <p:grpSpPr>
+        <a:xfrm>
+          <a:off x="0" y="0"/>
+          <a:ext cx="0" cy="0"/>
+          <a:chOff x="0" y="0"/>
+          <a:chExt cx="0" cy="0"/>
+        </a:xfrm>
+      </p:grpSpPr>
+      <p:sp>
+        <p:nvSpPr>
+          <p:cNvPr id="2" name="슬라이드 이미지 개체 틀 1"/>
+          <p:cNvSpPr>
+            <a:spLocks noGrp="1" noRot="1" noChangeAspect="1"/>
+          </p:cNvSpPr>
+          <p:nvPr>
+            <p:ph type="sldImg"/>
+          </p:nvPr>
+        </p:nvSpPr>
+        <p:spPr/>
+      </p:sp>
+      <p:sp>
+        <p:nvSpPr>
+          <p:cNvPr id="3" name="슬라이드 노트 개체 틀 2"/>
+          <p:cNvSpPr>
+            <a:spLocks noGrp="1"/>
+          </p:cNvSpPr>
+          <p:nvPr>
+            <p:ph type="body" idx="1"/>
+          </p:nvPr>
+        </p:nvSpPr>
+        <p:spPr/>
+        <p:txBody>
+          <a:bodyPr/>
+          <a:lstStyle/>
+          <a:p>
+            <a:endParaRPr lang="ko-KR" altLang="en-US"/>
+          </a:p>
+        </p:txBody>
+      </p:sp>
+      <p:sp>
+        <p:nvSpPr>
+          <p:cNvPr id="4" name="슬라이드 번호 개체 틀 3"/>
+          <p:cNvSpPr>
+            <a:spLocks noGrp="1"/>
+          </p:cNvSpPr>
+          <p:nvPr>
+            <p:ph type="sldNum" sz="quarter" idx="10"/>
+          </p:nvPr>
+        </p:nvSpPr>
+        <p:spPr/>
+        <p:txBody>
+          <a:bodyPr/>
+          <a:lstStyle/>
+          <a:p>
+            <a:fld id="{BA5DFA43-8D57-47FB-BC46-057616015C3B}" type="slidenum">
+              <a:rPr lang="ko-KR" altLang="en-US" smtClean="0"/>
+              <a:t>3</a:t>
+            </a:fld>
+            <a:endParaRPr lang="ko-KR" altLang="en-US"/>
+          </a:p>
+        </p:txBody>
+      </p:sp>
+    </p:spTree>
+    <p:extLst>
+      <p:ext uri="{BB962C8B-B14F-4D97-AF65-F5344CB8AC3E}">
+        <p14:creationId xmlns:p14="http://schemas.microsoft.com/office/powerpoint/2010/main" val="961549107"/>
+      </p:ext>
+    </p:extLst>
+  </p:cSld>
+  <p:clrMapOvr>
+    <a:masterClrMapping/>
+  </p:clrMapOvr>
+</p:notes>
+</file>
+
+<file path=ppt/notesSlides/notesSlide3.xml><?xml version="1.0" encoding="utf-8"?>
+<p:notes xmlns:a="http://schemas.openxmlformats.org/drawingml/2006/main" xmlns:r="http://schemas.openxmlformats.org/officeDocument/2006/relationships" xmlns:p="http://schemas.openxmlformats.org/presentationml/2006/main">
+  <p:cSld>
+    <p:spTree>
+      <p:nvGrpSpPr>
+        <p:cNvPr id="1" name=""/>
+        <p:cNvGrpSpPr/>
+        <p:nvPr/>
+      </p:nvGrpSpPr>
+      <p:grpSpPr>
+        <a:xfrm>
+          <a:off x="0" y="0"/>
+          <a:ext cx="0" cy="0"/>
+          <a:chOff x="0" y="0"/>
+          <a:chExt cx="0" cy="0"/>
+        </a:xfrm>
+      </p:grpSpPr>
+      <p:sp>
+        <p:nvSpPr>
+          <p:cNvPr id="2" name="슬라이드 이미지 개체 틀 1"/>
+          <p:cNvSpPr>
+            <a:spLocks noGrp="1" noRot="1" noChangeAspect="1"/>
+          </p:cNvSpPr>
+          <p:nvPr>
+            <p:ph type="sldImg"/>
+          </p:nvPr>
+        </p:nvSpPr>
+        <p:spPr/>
+      </p:sp>
+      <p:sp>
+        <p:nvSpPr>
+          <p:cNvPr id="3" name="슬라이드 노트 개체 틀 2"/>
+          <p:cNvSpPr>
+            <a:spLocks noGrp="1"/>
+          </p:cNvSpPr>
+          <p:nvPr>
+            <p:ph type="body" idx="1"/>
+          </p:nvPr>
+        </p:nvSpPr>
+        <p:spPr/>
+        <p:txBody>
+          <a:bodyPr/>
+          <a:lstStyle/>
+          <a:p>
+            <a:endParaRPr lang="ko-KR" altLang="en-US"/>
+          </a:p>
+        </p:txBody>
+      </p:sp>
+      <p:sp>
+        <p:nvSpPr>
+          <p:cNvPr id="4" name="슬라이드 번호 개체 틀 3"/>
+          <p:cNvSpPr>
+            <a:spLocks noGrp="1"/>
+          </p:cNvSpPr>
+          <p:nvPr>
+            <p:ph type="sldNum" sz="quarter" idx="10"/>
+          </p:nvPr>
+        </p:nvSpPr>
+        <p:spPr/>
+        <p:txBody>
+          <a:bodyPr/>
+          <a:lstStyle/>
+          <a:p>
+            <a:fld id="{BA5DFA43-8D57-47FB-BC46-057616015C3B}" type="slidenum">
+              <a:rPr lang="ko-KR" altLang="en-US" smtClean="0"/>
+              <a:t>4</a:t>
+            </a:fld>
+            <a:endParaRPr lang="ko-KR" altLang="en-US"/>
+          </a:p>
+        </p:txBody>
+      </p:sp>
+    </p:spTree>
+    <p:extLst>
+      <p:ext uri="{BB962C8B-B14F-4D97-AF65-F5344CB8AC3E}">
+        <p14:creationId xmlns:p14="http://schemas.microsoft.com/office/powerpoint/2010/main" val="657382645"/>
+      </p:ext>
+    </p:extLst>
+  </p:cSld>
+  <p:clrMapOvr>
+    <a:masterClrMapping/>
+  </p:clrMapOvr>
+</p:notes>
+</file>
+
+<file path=ppt/notesSlides/notesSlide4.xml><?xml version="1.0" encoding="utf-8"?>
+<p:notes xmlns:a="http://schemas.openxmlformats.org/drawingml/2006/main" xmlns:r="http://schemas.openxmlformats.org/officeDocument/2006/relationships" xmlns:p="http://schemas.openxmlformats.org/presentationml/2006/main">
+  <p:cSld>
+    <p:spTree>
+      <p:nvGrpSpPr>
+        <p:cNvPr id="1" name=""/>
+        <p:cNvGrpSpPr/>
+        <p:nvPr/>
+      </p:nvGrpSpPr>
+      <p:grpSpPr>
+        <a:xfrm>
+          <a:off x="0" y="0"/>
+          <a:ext cx="0" cy="0"/>
+          <a:chOff x="0" y="0"/>
+          <a:chExt cx="0" cy="0"/>
+        </a:xfrm>
+      </p:grpSpPr>
+      <p:sp>
+        <p:nvSpPr>
+          <p:cNvPr id="2" name="슬라이드 이미지 개체 틀 1"/>
+          <p:cNvSpPr>
+            <a:spLocks noGrp="1" noRot="1" noChangeAspect="1"/>
+          </p:cNvSpPr>
+          <p:nvPr>
+            <p:ph type="sldImg"/>
+          </p:nvPr>
+        </p:nvSpPr>
+        <p:spPr/>
+      </p:sp>
+      <p:sp>
+        <p:nvSpPr>
+          <p:cNvPr id="3" name="슬라이드 노트 개체 틀 2"/>
+          <p:cNvSpPr>
+            <a:spLocks noGrp="1"/>
+          </p:cNvSpPr>
+          <p:nvPr>
+            <p:ph type="body" idx="1"/>
+          </p:nvPr>
+        </p:nvSpPr>
+        <p:spPr/>
+        <p:txBody>
+          <a:bodyPr/>
+          <a:lstStyle/>
+          <a:p>
+            <a:endParaRPr lang="ko-KR" altLang="en-US"/>
+          </a:p>
+        </p:txBody>
+      </p:sp>
+      <p:sp>
+        <p:nvSpPr>
+          <p:cNvPr id="4" name="슬라이드 번호 개체 틀 3"/>
+          <p:cNvSpPr>
+            <a:spLocks noGrp="1"/>
+          </p:cNvSpPr>
+          <p:nvPr>
+            <p:ph type="sldNum" sz="quarter" idx="10"/>
+          </p:nvPr>
+        </p:nvSpPr>
+        <p:spPr/>
+        <p:txBody>
+          <a:bodyPr/>
+          <a:lstStyle/>
+          <a:p>
+            <a:fld id="{BA5DFA43-8D57-47FB-BC46-057616015C3B}" type="slidenum">
+              <a:rPr lang="ko-KR" altLang="en-US" smtClean="0"/>
+              <a:t>5</a:t>
+            </a:fld>
+            <a:endParaRPr lang="ko-KR" altLang="en-US"/>
+          </a:p>
+        </p:txBody>
+      </p:sp>
+    </p:spTree>
+    <p:extLst>
+      <p:ext uri="{BB962C8B-B14F-4D97-AF65-F5344CB8AC3E}">
+        <p14:creationId xmlns:p14="http://schemas.microsoft.com/office/powerpoint/2010/main" val="345166388"/>
+      </p:ext>
+    </p:extLst>
+  </p:cSld>
+  <p:clrMapOvr>
+    <a:masterClrMapping/>
+  </p:clrMapOvr>
+</p:notes>
+</file>
+
+<file path=ppt/notesSlides/notesSlide5.xml><?xml version="1.0" encoding="utf-8"?>
+<p:notes xmlns:a="http://schemas.openxmlformats.org/drawingml/2006/main" xmlns:r="http://schemas.openxmlformats.org/officeDocument/2006/relationships" xmlns:p="http://schemas.openxmlformats.org/presentationml/2006/main">
+  <p:cSld>
+    <p:spTree>
+      <p:nvGrpSpPr>
+        <p:cNvPr id="1" name=""/>
+        <p:cNvGrpSpPr/>
+        <p:nvPr/>
+      </p:nvGrpSpPr>
+      <p:grpSpPr>
+        <a:xfrm>
+          <a:off x="0" y="0"/>
+          <a:ext cx="0" cy="0"/>
+          <a:chOff x="0" y="0"/>
+          <a:chExt cx="0" cy="0"/>
+        </a:xfrm>
+      </p:grpSpPr>
+      <p:sp>
+        <p:nvSpPr>
+          <p:cNvPr id="2" name="슬라이드 이미지 개체 틀 1"/>
+          <p:cNvSpPr>
+            <a:spLocks noGrp="1" noRot="1" noChangeAspect="1"/>
+          </p:cNvSpPr>
+          <p:nvPr>
+            <p:ph type="sldImg"/>
+          </p:nvPr>
+        </p:nvSpPr>
+        <p:spPr/>
+      </p:sp>
+      <p:sp>
+        <p:nvSpPr>
+          <p:cNvPr id="3" name="슬라이드 노트 개체 틀 2"/>
+          <p:cNvSpPr>
+            <a:spLocks noGrp="1"/>
+          </p:cNvSpPr>
+          <p:nvPr>
+            <p:ph type="body" idx="1"/>
+          </p:nvPr>
+        </p:nvSpPr>
+        <p:spPr/>
+        <p:txBody>
+          <a:bodyPr/>
+          <a:lstStyle/>
+          <a:p>
+            <a:endParaRPr lang="ko-KR" altLang="en-US"/>
+          </a:p>
+        </p:txBody>
+      </p:sp>
+      <p:sp>
+        <p:nvSpPr>
+          <p:cNvPr id="4" name="슬라이드 번호 개체 틀 3"/>
+          <p:cNvSpPr>
+            <a:spLocks noGrp="1"/>
+          </p:cNvSpPr>
+          <p:nvPr>
+            <p:ph type="sldNum" sz="quarter" idx="10"/>
+          </p:nvPr>
+        </p:nvSpPr>
+        <p:spPr/>
+        <p:txBody>
+          <a:bodyPr/>
+          <a:lstStyle/>
+          <a:p>
+            <a:fld id="{BA5DFA43-8D57-47FB-BC46-057616015C3B}" type="slidenum">
+              <a:rPr lang="ko-KR" altLang="en-US" smtClean="0"/>
+              <a:t>6</a:t>
+            </a:fld>
+            <a:endParaRPr lang="ko-KR" altLang="en-US"/>
+          </a:p>
+        </p:txBody>
+      </p:sp>
+    </p:spTree>
+    <p:extLst>
+      <p:ext uri="{BB962C8B-B14F-4D97-AF65-F5344CB8AC3E}">
+        <p14:creationId xmlns:p14="http://schemas.microsoft.com/office/powerpoint/2010/main" val="3022258721"/>
+      </p:ext>
+    </p:extLst>
+  </p:cSld>
+  <p:clrMapOvr>
+    <a:masterClrMapping/>
+  </p:clrMapOvr>
+</p:notes>
+</file>
+
 <file path=ppt/slideLayouts/slideLayout1.xml><?xml version="1.0" encoding="utf-8"?>
 <p:sldLayout xmlns:a="http://schemas.openxmlformats.org/drawingml/2006/main" xmlns:r="http://schemas.openxmlformats.org/officeDocument/2006/relationships" xmlns:p="http://schemas.openxmlformats.org/presentationml/2006/main" type="title" preserve="1">
   <p:cSld name="제목 슬라이드">
@@ -743,7 +1084,7 @@
           <a:p>
             <a:fld id="{FB30EDBD-1C2D-4C1E-B459-B60219FAB484}" type="datetimeFigureOut">
               <a:rPr lang="ko-KR" altLang="en-US" smtClean="0"/>
-              <a:t>2020-02-24</a:t>
+              <a:t>2021-02-15</a:t>
             </a:fld>
             <a:endParaRPr lang="ko-KR" altLang="en-US"/>
           </a:p>
@@ -906,7 +1247,7 @@
           <a:p>
             <a:fld id="{FB30EDBD-1C2D-4C1E-B459-B60219FAB484}" type="datetimeFigureOut">
               <a:rPr lang="ko-KR" altLang="en-US" smtClean="0"/>
-              <a:t>2020-02-24</a:t>
+              <a:t>2021-02-15</a:t>
             </a:fld>
             <a:endParaRPr lang="ko-KR" altLang="en-US"/>
           </a:p>
@@ -1079,7 +1420,7 @@
           <a:p>
             <a:fld id="{FB30EDBD-1C2D-4C1E-B459-B60219FAB484}" type="datetimeFigureOut">
               <a:rPr lang="ko-KR" altLang="en-US" smtClean="0"/>
-              <a:t>2020-02-24</a:t>
+              <a:t>2021-02-15</a:t>
             </a:fld>
             <a:endParaRPr lang="ko-KR" altLang="en-US"/>
           </a:p>
@@ -1242,7 +1583,7 @@
           <a:p>
             <a:fld id="{FB30EDBD-1C2D-4C1E-B459-B60219FAB484}" type="datetimeFigureOut">
               <a:rPr lang="ko-KR" altLang="en-US" smtClean="0"/>
-              <a:t>2020-02-24</a:t>
+              <a:t>2021-02-15</a:t>
             </a:fld>
             <a:endParaRPr lang="ko-KR" altLang="en-US"/>
           </a:p>
@@ -1482,7 +1823,7 @@
           <a:p>
             <a:fld id="{FB30EDBD-1C2D-4C1E-B459-B60219FAB484}" type="datetimeFigureOut">
               <a:rPr lang="ko-KR" altLang="en-US" smtClean="0"/>
-              <a:t>2020-02-24</a:t>
+              <a:t>2021-02-15</a:t>
             </a:fld>
             <a:endParaRPr lang="ko-KR" altLang="en-US"/>
           </a:p>
@@ -1762,7 +2103,7 @@
           <a:p>
             <a:fld id="{FB30EDBD-1C2D-4C1E-B459-B60219FAB484}" type="datetimeFigureOut">
               <a:rPr lang="ko-KR" altLang="en-US" smtClean="0"/>
-              <a:t>2020-02-24</a:t>
+              <a:t>2021-02-15</a:t>
             </a:fld>
             <a:endParaRPr lang="ko-KR" altLang="en-US"/>
           </a:p>
@@ -2176,7 +2517,7 @@
           <a:p>
             <a:fld id="{FB30EDBD-1C2D-4C1E-B459-B60219FAB484}" type="datetimeFigureOut">
               <a:rPr lang="ko-KR" altLang="en-US" smtClean="0"/>
-              <a:t>2020-02-24</a:t>
+              <a:t>2021-02-15</a:t>
             </a:fld>
             <a:endParaRPr lang="ko-KR" altLang="en-US"/>
           </a:p>
@@ -2288,7 +2629,7 @@
           <a:p>
             <a:fld id="{FB30EDBD-1C2D-4C1E-B459-B60219FAB484}" type="datetimeFigureOut">
               <a:rPr lang="ko-KR" altLang="en-US" smtClean="0"/>
-              <a:t>2020-02-24</a:t>
+              <a:t>2021-02-15</a:t>
             </a:fld>
             <a:endParaRPr lang="ko-KR" altLang="en-US"/>
           </a:p>
@@ -2378,7 +2719,7 @@
           <a:p>
             <a:fld id="{FB30EDBD-1C2D-4C1E-B459-B60219FAB484}" type="datetimeFigureOut">
               <a:rPr lang="ko-KR" altLang="en-US" smtClean="0"/>
-              <a:t>2020-02-24</a:t>
+              <a:t>2021-02-15</a:t>
             </a:fld>
             <a:endParaRPr lang="ko-KR" altLang="en-US"/>
           </a:p>
@@ -2648,7 +2989,7 @@
           <a:p>
             <a:fld id="{FB30EDBD-1C2D-4C1E-B459-B60219FAB484}" type="datetimeFigureOut">
               <a:rPr lang="ko-KR" altLang="en-US" smtClean="0"/>
-              <a:t>2020-02-24</a:t>
+              <a:t>2021-02-15</a:t>
             </a:fld>
             <a:endParaRPr lang="ko-KR" altLang="en-US"/>
           </a:p>
@@ -2895,7 +3236,7 @@
           <a:p>
             <a:fld id="{FB30EDBD-1C2D-4C1E-B459-B60219FAB484}" type="datetimeFigureOut">
               <a:rPr lang="ko-KR" altLang="en-US" smtClean="0"/>
-              <a:t>2020-02-24</a:t>
+              <a:t>2021-02-15</a:t>
             </a:fld>
             <a:endParaRPr lang="ko-KR" altLang="en-US"/>
           </a:p>
@@ -3101,7 +3442,7 @@
           <a:p>
             <a:fld id="{FB30EDBD-1C2D-4C1E-B459-B60219FAB484}" type="datetimeFigureOut">
               <a:rPr lang="ko-KR" altLang="en-US" smtClean="0"/>
-              <a:t>2020-02-24</a:t>
+              <a:t>2021-02-15</a:t>
             </a:fld>
             <a:endParaRPr lang="ko-KR" altLang="en-US"/>
           </a:p>
@@ -3513,6 +3854,6007 @@
       </p:sp>
       <p:sp>
         <p:nvSpPr>
+          <p:cNvPr id="54" name="사각형: 둥근 모서리 53">
+            <a:extLst>
+              <a:ext uri="{FF2B5EF4-FFF2-40B4-BE49-F238E27FC236}">
+                <a16:creationId xmlns:a16="http://schemas.microsoft.com/office/drawing/2014/main" id="{D8641BDD-0AFF-4D61-B8C3-8E3FCF9748B7}"/>
+              </a:ext>
+            </a:extLst>
+          </p:cNvPr>
+          <p:cNvSpPr/>
+          <p:nvPr/>
+        </p:nvSpPr>
+        <p:spPr>
+          <a:xfrm>
+            <a:off x="3257550" y="1921256"/>
+            <a:ext cx="3829050" cy="2018646"/>
+          </a:xfrm>
+          <a:prstGeom prst="roundRect">
+            <a:avLst>
+              <a:gd name="adj" fmla="val 5998"/>
+            </a:avLst>
+          </a:prstGeom>
+        </p:spPr>
+        <p:style>
+          <a:lnRef idx="2">
+            <a:schemeClr val="dk1"/>
+          </a:lnRef>
+          <a:fillRef idx="1">
+            <a:schemeClr val="lt1"/>
+          </a:fillRef>
+          <a:effectRef idx="0">
+            <a:schemeClr val="dk1"/>
+          </a:effectRef>
+          <a:fontRef idx="minor">
+            <a:schemeClr val="dk1"/>
+          </a:fontRef>
+        </p:style>
+        <p:txBody>
+          <a:bodyPr rtlCol="0" anchor="b"/>
+          <a:lstStyle/>
+          <a:p>
+            <a:pPr algn="ctr"/>
+            <a:r>
+              <a:rPr lang="en-US" altLang="ko-KR" sz="1100"/>
+              <a:t>K8s Node</a:t>
+            </a:r>
+            <a:endParaRPr lang="ko-KR" altLang="en-US" sz="1100"/>
+          </a:p>
+        </p:txBody>
+      </p:sp>
+      <p:sp>
+        <p:nvSpPr>
+          <p:cNvPr id="46" name="사각형: 둥근 모서리 45">
+            <a:extLst>
+              <a:ext uri="{FF2B5EF4-FFF2-40B4-BE49-F238E27FC236}">
+                <a16:creationId xmlns:a16="http://schemas.microsoft.com/office/drawing/2014/main" id="{64EDAAEC-A9EA-469E-87CF-A32B639CD17C}"/>
+              </a:ext>
+            </a:extLst>
+          </p:cNvPr>
+          <p:cNvSpPr/>
+          <p:nvPr/>
+        </p:nvSpPr>
+        <p:spPr>
+          <a:xfrm>
+            <a:off x="3364072" y="2169214"/>
+            <a:ext cx="1207928" cy="642690"/>
+          </a:xfrm>
+          <a:prstGeom prst="roundRect">
+            <a:avLst>
+              <a:gd name="adj" fmla="val 10708"/>
+            </a:avLst>
+          </a:prstGeom>
+        </p:spPr>
+        <p:style>
+          <a:lnRef idx="2">
+            <a:schemeClr val="dk1"/>
+          </a:lnRef>
+          <a:fillRef idx="1">
+            <a:schemeClr val="lt1"/>
+          </a:fillRef>
+          <a:effectRef idx="0">
+            <a:schemeClr val="dk1"/>
+          </a:effectRef>
+          <a:fontRef idx="minor">
+            <a:schemeClr val="dk1"/>
+          </a:fontRef>
+        </p:style>
+        <p:txBody>
+          <a:bodyPr rtlCol="0" anchor="t"/>
+          <a:lstStyle/>
+          <a:p>
+            <a:pPr algn="ctr"/>
+            <a:r>
+              <a:rPr lang="en-US" altLang="ko-KR" sz="1100" b="1"/>
+              <a:t>cnsenter Pod</a:t>
+            </a:r>
+          </a:p>
+        </p:txBody>
+      </p:sp>
+      <p:sp>
+        <p:nvSpPr>
+          <p:cNvPr id="47" name="사각형: 둥근 모서리 46">
+            <a:extLst>
+              <a:ext uri="{FF2B5EF4-FFF2-40B4-BE49-F238E27FC236}">
+                <a16:creationId xmlns:a16="http://schemas.microsoft.com/office/drawing/2014/main" id="{691E64EA-C691-47F2-857D-8FF1BA55EC56}"/>
+              </a:ext>
+            </a:extLst>
+          </p:cNvPr>
+          <p:cNvSpPr/>
+          <p:nvPr/>
+        </p:nvSpPr>
+        <p:spPr>
+          <a:xfrm>
+            <a:off x="3511171" y="2485986"/>
+            <a:ext cx="913730" cy="225618"/>
+          </a:xfrm>
+          <a:prstGeom prst="roundRect">
+            <a:avLst>
+              <a:gd name="adj" fmla="val 12203"/>
+            </a:avLst>
+          </a:prstGeom>
+        </p:spPr>
+        <p:style>
+          <a:lnRef idx="2">
+            <a:schemeClr val="dk1"/>
+          </a:lnRef>
+          <a:fillRef idx="1">
+            <a:schemeClr val="lt1"/>
+          </a:fillRef>
+          <a:effectRef idx="0">
+            <a:schemeClr val="dk1"/>
+          </a:effectRef>
+          <a:fontRef idx="minor">
+            <a:schemeClr val="dk1"/>
+          </a:fontRef>
+        </p:style>
+        <p:txBody>
+          <a:bodyPr rtlCol="0" anchor="ctr"/>
+          <a:lstStyle/>
+          <a:p>
+            <a:pPr algn="ctr"/>
+            <a:r>
+              <a:rPr lang="en-US" altLang="ko-KR" sz="900"/>
+              <a:t>cnsenter</a:t>
+            </a:r>
+            <a:endParaRPr lang="ko-KR" altLang="en-US" sz="900"/>
+          </a:p>
+        </p:txBody>
+      </p:sp>
+      <p:sp>
+        <p:nvSpPr>
+          <p:cNvPr id="58" name="사각형: 둥근 모서리 57">
+            <a:extLst>
+              <a:ext uri="{FF2B5EF4-FFF2-40B4-BE49-F238E27FC236}">
+                <a16:creationId xmlns:a16="http://schemas.microsoft.com/office/drawing/2014/main" id="{5E4E3A93-5115-4E7C-8846-FD81D33318F8}"/>
+              </a:ext>
+            </a:extLst>
+          </p:cNvPr>
+          <p:cNvSpPr/>
+          <p:nvPr/>
+        </p:nvSpPr>
+        <p:spPr>
+          <a:xfrm>
+            <a:off x="5606772" y="2427299"/>
+            <a:ext cx="1389262" cy="1417213"/>
+          </a:xfrm>
+          <a:prstGeom prst="roundRect">
+            <a:avLst>
+              <a:gd name="adj" fmla="val 9324"/>
+            </a:avLst>
+          </a:prstGeom>
+        </p:spPr>
+        <p:style>
+          <a:lnRef idx="2">
+            <a:schemeClr val="dk1"/>
+          </a:lnRef>
+          <a:fillRef idx="1">
+            <a:schemeClr val="lt1"/>
+          </a:fillRef>
+          <a:effectRef idx="0">
+            <a:schemeClr val="dk1"/>
+          </a:effectRef>
+          <a:fontRef idx="minor">
+            <a:schemeClr val="dk1"/>
+          </a:fontRef>
+        </p:style>
+        <p:txBody>
+          <a:bodyPr rtlCol="0" anchor="t"/>
+          <a:lstStyle/>
+          <a:p>
+            <a:pPr algn="ctr"/>
+            <a:r>
+              <a:rPr lang="en-US" altLang="ko-KR" sz="1100"/>
+              <a:t>Target Pod</a:t>
+            </a:r>
+          </a:p>
+        </p:txBody>
+      </p:sp>
+      <p:sp>
+        <p:nvSpPr>
+          <p:cNvPr id="73" name="사각형: 둥근 모서리 72">
+            <a:extLst>
+              <a:ext uri="{FF2B5EF4-FFF2-40B4-BE49-F238E27FC236}">
+                <a16:creationId xmlns:a16="http://schemas.microsoft.com/office/drawing/2014/main" id="{20A1C239-0408-4124-83E9-53DEDE4CD75F}"/>
+              </a:ext>
+            </a:extLst>
+          </p:cNvPr>
+          <p:cNvSpPr/>
+          <p:nvPr/>
+        </p:nvSpPr>
+        <p:spPr>
+          <a:xfrm>
+            <a:off x="5722359" y="2747338"/>
+            <a:ext cx="1158087" cy="1014285"/>
+          </a:xfrm>
+          <a:prstGeom prst="roundRect">
+            <a:avLst>
+              <a:gd name="adj" fmla="val 12203"/>
+            </a:avLst>
+          </a:prstGeom>
+        </p:spPr>
+        <p:style>
+          <a:lnRef idx="2">
+            <a:schemeClr val="dk1"/>
+          </a:lnRef>
+          <a:fillRef idx="1">
+            <a:schemeClr val="lt1"/>
+          </a:fillRef>
+          <a:effectRef idx="0">
+            <a:schemeClr val="dk1"/>
+          </a:effectRef>
+          <a:fontRef idx="minor">
+            <a:schemeClr val="dk1"/>
+          </a:fontRef>
+        </p:style>
+        <p:txBody>
+          <a:bodyPr rtlCol="0" anchor="t"/>
+          <a:lstStyle/>
+          <a:p>
+            <a:pPr algn="ctr"/>
+            <a:r>
+              <a:rPr lang="en-US" altLang="ko-KR" sz="1050"/>
+              <a:t>Target Container</a:t>
+            </a:r>
+            <a:endParaRPr lang="ko-KR" altLang="en-US" sz="1050"/>
+          </a:p>
+        </p:txBody>
+      </p:sp>
+      <p:sp>
+        <p:nvSpPr>
+          <p:cNvPr id="75" name="사각형: 둥근 모서리 74">
+            <a:extLst>
+              <a:ext uri="{FF2B5EF4-FFF2-40B4-BE49-F238E27FC236}">
+                <a16:creationId xmlns:a16="http://schemas.microsoft.com/office/drawing/2014/main" id="{8F1EE6BD-7693-4A3E-8600-9E6C11463346}"/>
+              </a:ext>
+            </a:extLst>
+          </p:cNvPr>
+          <p:cNvSpPr/>
+          <p:nvPr/>
+        </p:nvSpPr>
+        <p:spPr>
+          <a:xfrm>
+            <a:off x="5844537" y="3157404"/>
+            <a:ext cx="913730" cy="225618"/>
+          </a:xfrm>
+          <a:prstGeom prst="roundRect">
+            <a:avLst>
+              <a:gd name="adj" fmla="val 12203"/>
+            </a:avLst>
+          </a:prstGeom>
+        </p:spPr>
+        <p:style>
+          <a:lnRef idx="2">
+            <a:schemeClr val="dk1"/>
+          </a:lnRef>
+          <a:fillRef idx="1">
+            <a:schemeClr val="lt1"/>
+          </a:fillRef>
+          <a:effectRef idx="0">
+            <a:schemeClr val="dk1"/>
+          </a:effectRef>
+          <a:fontRef idx="minor">
+            <a:schemeClr val="dk1"/>
+          </a:fontRef>
+        </p:style>
+        <p:txBody>
+          <a:bodyPr rtlCol="0" anchor="ctr"/>
+          <a:lstStyle/>
+          <a:p>
+            <a:pPr algn="ctr"/>
+            <a:r>
+              <a:rPr lang="en-US" altLang="ko-KR" sz="900"/>
+              <a:t>Command</a:t>
+            </a:r>
+            <a:endParaRPr lang="ko-KR" altLang="en-US" sz="900"/>
+          </a:p>
+        </p:txBody>
+      </p:sp>
+      <p:sp>
+        <p:nvSpPr>
+          <p:cNvPr id="97" name="사각형: 둥근 모서리 96">
+            <a:extLst>
+              <a:ext uri="{FF2B5EF4-FFF2-40B4-BE49-F238E27FC236}">
+                <a16:creationId xmlns:a16="http://schemas.microsoft.com/office/drawing/2014/main" id="{38E3355C-06D5-4D3D-AC10-D3369B96A92C}"/>
+              </a:ext>
+            </a:extLst>
+          </p:cNvPr>
+          <p:cNvSpPr/>
+          <p:nvPr/>
+        </p:nvSpPr>
+        <p:spPr>
+          <a:xfrm>
+            <a:off x="1181806" y="2441352"/>
+            <a:ext cx="966160" cy="314883"/>
+          </a:xfrm>
+          <a:prstGeom prst="roundRect">
+            <a:avLst>
+              <a:gd name="adj" fmla="val 12203"/>
+            </a:avLst>
+          </a:prstGeom>
+        </p:spPr>
+        <p:style>
+          <a:lnRef idx="2">
+            <a:schemeClr val="dk1"/>
+          </a:lnRef>
+          <a:fillRef idx="1">
+            <a:schemeClr val="lt1"/>
+          </a:fillRef>
+          <a:effectRef idx="0">
+            <a:schemeClr val="dk1"/>
+          </a:effectRef>
+          <a:fontRef idx="minor">
+            <a:schemeClr val="dk1"/>
+          </a:fontRef>
+        </p:style>
+        <p:txBody>
+          <a:bodyPr rtlCol="0" anchor="ctr"/>
+          <a:lstStyle/>
+          <a:p>
+            <a:pPr algn="ctr"/>
+            <a:r>
+              <a:rPr lang="en-US" altLang="ko-KR" sz="1100" b="1"/>
+              <a:t>kpexec</a:t>
+            </a:r>
+            <a:endParaRPr lang="ko-KR" altLang="en-US" sz="1100" b="1"/>
+          </a:p>
+        </p:txBody>
+      </p:sp>
+      <p:cxnSp>
+        <p:nvCxnSpPr>
+          <p:cNvPr id="100" name="직선 연결선 99">
+            <a:extLst>
+              <a:ext uri="{FF2B5EF4-FFF2-40B4-BE49-F238E27FC236}">
+                <a16:creationId xmlns:a16="http://schemas.microsoft.com/office/drawing/2014/main" id="{CBCBE498-15CF-47C1-A767-3415FF031064}"/>
+              </a:ext>
+            </a:extLst>
+          </p:cNvPr>
+          <p:cNvCxnSpPr>
+            <a:cxnSpLocks/>
+            <a:stCxn id="47" idx="3"/>
+            <a:endCxn id="75" idx="1"/>
+          </p:cNvCxnSpPr>
+          <p:nvPr/>
+        </p:nvCxnSpPr>
+        <p:spPr>
+          <a:xfrm>
+            <a:off x="4424901" y="2598795"/>
+            <a:ext cx="1419636" cy="671419"/>
+          </a:xfrm>
+          <a:prstGeom prst="line">
+            <a:avLst/>
+          </a:prstGeom>
+          <a:ln w="19050">
+            <a:solidFill>
+              <a:schemeClr val="accent5">
+                <a:lumMod val="75000"/>
+              </a:schemeClr>
+            </a:solidFill>
+            <a:headEnd type="arrow" w="med" len="med"/>
+            <a:tailEnd type="arrow" w="med" len="med"/>
+          </a:ln>
+        </p:spPr>
+        <p:style>
+          <a:lnRef idx="1">
+            <a:schemeClr val="accent1"/>
+          </a:lnRef>
+          <a:fillRef idx="0">
+            <a:schemeClr val="accent1"/>
+          </a:fillRef>
+          <a:effectRef idx="0">
+            <a:schemeClr val="accent1"/>
+          </a:effectRef>
+          <a:fontRef idx="minor">
+            <a:schemeClr val="tx1"/>
+          </a:fontRef>
+        </p:style>
+      </p:cxnSp>
+      <p:sp>
+        <p:nvSpPr>
+          <p:cNvPr id="104" name="사각형: 둥근 모서리 103">
+            <a:extLst>
+              <a:ext uri="{FF2B5EF4-FFF2-40B4-BE49-F238E27FC236}">
+                <a16:creationId xmlns:a16="http://schemas.microsoft.com/office/drawing/2014/main" id="{89D1C3E8-C31D-4A5F-A7DC-450B53202FFD}"/>
+              </a:ext>
+            </a:extLst>
+          </p:cNvPr>
+          <p:cNvSpPr/>
+          <p:nvPr/>
+        </p:nvSpPr>
+        <p:spPr>
+          <a:xfrm>
+            <a:off x="3364072" y="3058376"/>
+            <a:ext cx="1207928" cy="642690"/>
+          </a:xfrm>
+          <a:prstGeom prst="roundRect">
+            <a:avLst>
+              <a:gd name="adj" fmla="val 10708"/>
+            </a:avLst>
+          </a:prstGeom>
+        </p:spPr>
+        <p:style>
+          <a:lnRef idx="2">
+            <a:schemeClr val="dk1"/>
+          </a:lnRef>
+          <a:fillRef idx="1">
+            <a:schemeClr val="lt1"/>
+          </a:fillRef>
+          <a:effectRef idx="0">
+            <a:schemeClr val="dk1"/>
+          </a:effectRef>
+          <a:fontRef idx="minor">
+            <a:schemeClr val="dk1"/>
+          </a:fontRef>
+        </p:style>
+        <p:txBody>
+          <a:bodyPr rtlCol="0" anchor="t"/>
+          <a:lstStyle/>
+          <a:p>
+            <a:pPr algn="ctr"/>
+            <a:r>
+              <a:rPr lang="en-US" altLang="ko-KR" sz="1100" b="1"/>
+              <a:t>cnsenter Pod</a:t>
+            </a:r>
+          </a:p>
+        </p:txBody>
+      </p:sp>
+      <p:sp>
+        <p:nvSpPr>
+          <p:cNvPr id="106" name="사각형: 둥근 모서리 105">
+            <a:extLst>
+              <a:ext uri="{FF2B5EF4-FFF2-40B4-BE49-F238E27FC236}">
+                <a16:creationId xmlns:a16="http://schemas.microsoft.com/office/drawing/2014/main" id="{8815D6C1-B29B-4468-AE0B-58C97020F805}"/>
+              </a:ext>
+            </a:extLst>
+          </p:cNvPr>
+          <p:cNvSpPr/>
+          <p:nvPr/>
+        </p:nvSpPr>
+        <p:spPr>
+          <a:xfrm>
+            <a:off x="3511171" y="3375149"/>
+            <a:ext cx="913730" cy="225618"/>
+          </a:xfrm>
+          <a:prstGeom prst="roundRect">
+            <a:avLst>
+              <a:gd name="adj" fmla="val 12203"/>
+            </a:avLst>
+          </a:prstGeom>
+        </p:spPr>
+        <p:style>
+          <a:lnRef idx="2">
+            <a:schemeClr val="dk1"/>
+          </a:lnRef>
+          <a:fillRef idx="1">
+            <a:schemeClr val="lt1"/>
+          </a:fillRef>
+          <a:effectRef idx="0">
+            <a:schemeClr val="dk1"/>
+          </a:effectRef>
+          <a:fontRef idx="minor">
+            <a:schemeClr val="dk1"/>
+          </a:fontRef>
+        </p:style>
+        <p:txBody>
+          <a:bodyPr rtlCol="0" anchor="ctr"/>
+          <a:lstStyle/>
+          <a:p>
+            <a:pPr algn="ctr"/>
+            <a:r>
+              <a:rPr lang="en-US" altLang="ko-KR" sz="900"/>
+              <a:t>cnsenter</a:t>
+            </a:r>
+            <a:endParaRPr lang="ko-KR" altLang="en-US" sz="900"/>
+          </a:p>
+        </p:txBody>
+      </p:sp>
+      <p:sp>
+        <p:nvSpPr>
+          <p:cNvPr id="107" name="사각형: 둥근 모서리 106">
+            <a:extLst>
+              <a:ext uri="{FF2B5EF4-FFF2-40B4-BE49-F238E27FC236}">
+                <a16:creationId xmlns:a16="http://schemas.microsoft.com/office/drawing/2014/main" id="{63205508-003E-4060-BF2B-5840DEB4E7D8}"/>
+              </a:ext>
+            </a:extLst>
+          </p:cNvPr>
+          <p:cNvSpPr/>
+          <p:nvPr/>
+        </p:nvSpPr>
+        <p:spPr>
+          <a:xfrm>
+            <a:off x="1181806" y="3330515"/>
+            <a:ext cx="966160" cy="314883"/>
+          </a:xfrm>
+          <a:prstGeom prst="roundRect">
+            <a:avLst>
+              <a:gd name="adj" fmla="val 12203"/>
+            </a:avLst>
+          </a:prstGeom>
+        </p:spPr>
+        <p:style>
+          <a:lnRef idx="2">
+            <a:schemeClr val="dk1"/>
+          </a:lnRef>
+          <a:fillRef idx="1">
+            <a:schemeClr val="lt1"/>
+          </a:fillRef>
+          <a:effectRef idx="0">
+            <a:schemeClr val="dk1"/>
+          </a:effectRef>
+          <a:fontRef idx="minor">
+            <a:schemeClr val="dk1"/>
+          </a:fontRef>
+        </p:style>
+        <p:txBody>
+          <a:bodyPr rtlCol="0" anchor="ctr"/>
+          <a:lstStyle/>
+          <a:p>
+            <a:pPr algn="ctr"/>
+            <a:r>
+              <a:rPr lang="en-US" altLang="ko-KR" sz="1100" b="1"/>
+              <a:t>kpexec</a:t>
+            </a:r>
+            <a:endParaRPr lang="ko-KR" altLang="en-US" sz="1100" b="1"/>
+          </a:p>
+        </p:txBody>
+      </p:sp>
+      <p:cxnSp>
+        <p:nvCxnSpPr>
+          <p:cNvPr id="109" name="직선 연결선 108">
+            <a:extLst>
+              <a:ext uri="{FF2B5EF4-FFF2-40B4-BE49-F238E27FC236}">
+                <a16:creationId xmlns:a16="http://schemas.microsoft.com/office/drawing/2014/main" id="{0EC68B17-28CA-426D-8F62-C665355F3C05}"/>
+              </a:ext>
+            </a:extLst>
+          </p:cNvPr>
+          <p:cNvCxnSpPr>
+            <a:cxnSpLocks/>
+            <a:stCxn id="106" idx="3"/>
+            <a:endCxn id="116" idx="1"/>
+          </p:cNvCxnSpPr>
+          <p:nvPr/>
+        </p:nvCxnSpPr>
+        <p:spPr>
+          <a:xfrm>
+            <a:off x="4424901" y="3487958"/>
+            <a:ext cx="1419636" cy="83548"/>
+          </a:xfrm>
+          <a:prstGeom prst="line">
+            <a:avLst/>
+          </a:prstGeom>
+          <a:ln w="19050">
+            <a:solidFill>
+              <a:schemeClr val="accent5">
+                <a:lumMod val="75000"/>
+              </a:schemeClr>
+            </a:solidFill>
+            <a:headEnd type="arrow" w="med" len="med"/>
+            <a:tailEnd type="arrow" w="med" len="med"/>
+          </a:ln>
+        </p:spPr>
+        <p:style>
+          <a:lnRef idx="1">
+            <a:schemeClr val="accent1"/>
+          </a:lnRef>
+          <a:fillRef idx="0">
+            <a:schemeClr val="accent1"/>
+          </a:fillRef>
+          <a:effectRef idx="0">
+            <a:schemeClr val="accent1"/>
+          </a:effectRef>
+          <a:fontRef idx="minor">
+            <a:schemeClr val="tx1"/>
+          </a:fontRef>
+        </p:style>
+      </p:cxnSp>
+      <p:sp>
+        <p:nvSpPr>
+          <p:cNvPr id="114" name="사각형: 둥근 모서리 113">
+            <a:extLst>
+              <a:ext uri="{FF2B5EF4-FFF2-40B4-BE49-F238E27FC236}">
+                <a16:creationId xmlns:a16="http://schemas.microsoft.com/office/drawing/2014/main" id="{56D24251-3F3F-49C4-B369-CC29EEFFE0D5}"/>
+              </a:ext>
+            </a:extLst>
+          </p:cNvPr>
+          <p:cNvSpPr/>
+          <p:nvPr/>
+        </p:nvSpPr>
+        <p:spPr>
+          <a:xfrm>
+            <a:off x="5817659" y="2011771"/>
+            <a:ext cx="967486" cy="314883"/>
+          </a:xfrm>
+          <a:prstGeom prst="roundRect">
+            <a:avLst>
+              <a:gd name="adj" fmla="val 12203"/>
+            </a:avLst>
+          </a:prstGeom>
+        </p:spPr>
+        <p:style>
+          <a:lnRef idx="2">
+            <a:schemeClr val="dk1"/>
+          </a:lnRef>
+          <a:fillRef idx="1">
+            <a:schemeClr val="lt1"/>
+          </a:fillRef>
+          <a:effectRef idx="0">
+            <a:schemeClr val="dk1"/>
+          </a:effectRef>
+          <a:fontRef idx="minor">
+            <a:schemeClr val="dk1"/>
+          </a:fontRef>
+        </p:style>
+        <p:txBody>
+          <a:bodyPr rtlCol="0" anchor="ctr"/>
+          <a:lstStyle/>
+          <a:p>
+            <a:pPr algn="ctr"/>
+            <a:r>
+              <a:rPr lang="en-US" altLang="ko-KR" sz="1100"/>
+              <a:t>containerd</a:t>
+            </a:r>
+          </a:p>
+        </p:txBody>
+      </p:sp>
+      <p:cxnSp>
+        <p:nvCxnSpPr>
+          <p:cNvPr id="115" name="직선 연결선 114">
+            <a:extLst>
+              <a:ext uri="{FF2B5EF4-FFF2-40B4-BE49-F238E27FC236}">
+                <a16:creationId xmlns:a16="http://schemas.microsoft.com/office/drawing/2014/main" id="{33B08333-2B73-40E0-83C5-F60864115EF5}"/>
+              </a:ext>
+            </a:extLst>
+          </p:cNvPr>
+          <p:cNvCxnSpPr>
+            <a:cxnSpLocks/>
+            <a:stCxn id="47" idx="3"/>
+            <a:endCxn id="114" idx="1"/>
+          </p:cNvCxnSpPr>
+          <p:nvPr/>
+        </p:nvCxnSpPr>
+        <p:spPr>
+          <a:xfrm flipV="1">
+            <a:off x="4424901" y="2169214"/>
+            <a:ext cx="1392758" cy="429580"/>
+          </a:xfrm>
+          <a:prstGeom prst="line">
+            <a:avLst/>
+          </a:prstGeom>
+          <a:ln w="19050">
+            <a:solidFill>
+              <a:schemeClr val="accent6">
+                <a:lumMod val="75000"/>
+              </a:schemeClr>
+            </a:solidFill>
+            <a:headEnd type="arrow" w="med" len="med"/>
+            <a:tailEnd type="none" w="med" len="med"/>
+          </a:ln>
+        </p:spPr>
+        <p:style>
+          <a:lnRef idx="1">
+            <a:schemeClr val="accent1"/>
+          </a:lnRef>
+          <a:fillRef idx="0">
+            <a:schemeClr val="accent1"/>
+          </a:fillRef>
+          <a:effectRef idx="0">
+            <a:schemeClr val="accent1"/>
+          </a:effectRef>
+          <a:fontRef idx="minor">
+            <a:schemeClr val="tx1"/>
+          </a:fontRef>
+        </p:style>
+      </p:cxnSp>
+      <p:sp>
+        <p:nvSpPr>
+          <p:cNvPr id="116" name="사각형: 둥근 모서리 115">
+            <a:extLst>
+              <a:ext uri="{FF2B5EF4-FFF2-40B4-BE49-F238E27FC236}">
+                <a16:creationId xmlns:a16="http://schemas.microsoft.com/office/drawing/2014/main" id="{38C5C11C-4A8F-4547-9118-09BDA4094820}"/>
+              </a:ext>
+            </a:extLst>
+          </p:cNvPr>
+          <p:cNvSpPr/>
+          <p:nvPr/>
+        </p:nvSpPr>
+        <p:spPr>
+          <a:xfrm>
+            <a:off x="5844537" y="3458697"/>
+            <a:ext cx="913730" cy="225618"/>
+          </a:xfrm>
+          <a:prstGeom prst="roundRect">
+            <a:avLst>
+              <a:gd name="adj" fmla="val 12203"/>
+            </a:avLst>
+          </a:prstGeom>
+        </p:spPr>
+        <p:style>
+          <a:lnRef idx="2">
+            <a:schemeClr val="dk1"/>
+          </a:lnRef>
+          <a:fillRef idx="1">
+            <a:schemeClr val="lt1"/>
+          </a:fillRef>
+          <a:effectRef idx="0">
+            <a:schemeClr val="dk1"/>
+          </a:effectRef>
+          <a:fontRef idx="minor">
+            <a:schemeClr val="dk1"/>
+          </a:fontRef>
+        </p:style>
+        <p:txBody>
+          <a:bodyPr rtlCol="0" anchor="ctr"/>
+          <a:lstStyle/>
+          <a:p>
+            <a:pPr algn="ctr"/>
+            <a:r>
+              <a:rPr lang="en-US" altLang="ko-KR" sz="900"/>
+              <a:t>Command</a:t>
+            </a:r>
+            <a:endParaRPr lang="ko-KR" altLang="en-US" sz="900"/>
+          </a:p>
+        </p:txBody>
+      </p:sp>
+      <p:cxnSp>
+        <p:nvCxnSpPr>
+          <p:cNvPr id="117" name="직선 연결선 116">
+            <a:extLst>
+              <a:ext uri="{FF2B5EF4-FFF2-40B4-BE49-F238E27FC236}">
+                <a16:creationId xmlns:a16="http://schemas.microsoft.com/office/drawing/2014/main" id="{1A9B72C6-99DD-4895-8D95-E572C0B32140}"/>
+              </a:ext>
+            </a:extLst>
+          </p:cNvPr>
+          <p:cNvCxnSpPr>
+            <a:cxnSpLocks/>
+            <a:stCxn id="106" idx="3"/>
+            <a:endCxn id="114" idx="1"/>
+          </p:cNvCxnSpPr>
+          <p:nvPr/>
+        </p:nvCxnSpPr>
+        <p:spPr>
+          <a:xfrm flipV="1">
+            <a:off x="4424901" y="2169214"/>
+            <a:ext cx="1392758" cy="1318743"/>
+          </a:xfrm>
+          <a:prstGeom prst="line">
+            <a:avLst/>
+          </a:prstGeom>
+          <a:ln w="19050">
+            <a:solidFill>
+              <a:schemeClr val="accent6">
+                <a:lumMod val="75000"/>
+              </a:schemeClr>
+            </a:solidFill>
+            <a:headEnd type="arrow" w="med" len="med"/>
+            <a:tailEnd type="none" w="med" len="med"/>
+          </a:ln>
+        </p:spPr>
+        <p:style>
+          <a:lnRef idx="1">
+            <a:schemeClr val="accent1"/>
+          </a:lnRef>
+          <a:fillRef idx="0">
+            <a:schemeClr val="accent1"/>
+          </a:fillRef>
+          <a:effectRef idx="0">
+            <a:schemeClr val="accent1"/>
+          </a:effectRef>
+          <a:fontRef idx="minor">
+            <a:schemeClr val="tx1"/>
+          </a:fontRef>
+        </p:style>
+      </p:cxnSp>
+      <p:cxnSp>
+        <p:nvCxnSpPr>
+          <p:cNvPr id="145" name="직선 연결선 144">
+            <a:extLst>
+              <a:ext uri="{FF2B5EF4-FFF2-40B4-BE49-F238E27FC236}">
+                <a16:creationId xmlns:a16="http://schemas.microsoft.com/office/drawing/2014/main" id="{E05BB714-3DD9-43A8-8B1B-7EC4BABEC022}"/>
+              </a:ext>
+            </a:extLst>
+          </p:cNvPr>
+          <p:cNvCxnSpPr>
+            <a:cxnSpLocks/>
+            <a:stCxn id="97" idx="3"/>
+            <a:endCxn id="47" idx="1"/>
+          </p:cNvCxnSpPr>
+          <p:nvPr/>
+        </p:nvCxnSpPr>
+        <p:spPr>
+          <a:xfrm>
+            <a:off x="2147966" y="2598795"/>
+            <a:ext cx="1363205" cy="0"/>
+          </a:xfrm>
+          <a:prstGeom prst="line">
+            <a:avLst/>
+          </a:prstGeom>
+          <a:ln w="19050">
+            <a:solidFill>
+              <a:schemeClr val="accent3">
+                <a:lumMod val="50000"/>
+              </a:schemeClr>
+            </a:solidFill>
+            <a:headEnd type="arrow" w="med" len="med"/>
+            <a:tailEnd type="arrow" w="med" len="med"/>
+          </a:ln>
+        </p:spPr>
+        <p:style>
+          <a:lnRef idx="1">
+            <a:schemeClr val="accent1"/>
+          </a:lnRef>
+          <a:fillRef idx="0">
+            <a:schemeClr val="accent1"/>
+          </a:fillRef>
+          <a:effectRef idx="0">
+            <a:schemeClr val="accent1"/>
+          </a:effectRef>
+          <a:fontRef idx="minor">
+            <a:schemeClr val="tx1"/>
+          </a:fontRef>
+        </p:style>
+      </p:cxnSp>
+      <p:cxnSp>
+        <p:nvCxnSpPr>
+          <p:cNvPr id="148" name="직선 연결선 147">
+            <a:extLst>
+              <a:ext uri="{FF2B5EF4-FFF2-40B4-BE49-F238E27FC236}">
+                <a16:creationId xmlns:a16="http://schemas.microsoft.com/office/drawing/2014/main" id="{C913F3DE-B6C8-4CA4-AB3F-BE5589A46E4E}"/>
+              </a:ext>
+            </a:extLst>
+          </p:cNvPr>
+          <p:cNvCxnSpPr>
+            <a:cxnSpLocks/>
+            <a:stCxn id="107" idx="3"/>
+            <a:endCxn id="106" idx="1"/>
+          </p:cNvCxnSpPr>
+          <p:nvPr/>
+        </p:nvCxnSpPr>
+        <p:spPr>
+          <a:xfrm>
+            <a:off x="2147966" y="3487958"/>
+            <a:ext cx="1363205" cy="0"/>
+          </a:xfrm>
+          <a:prstGeom prst="line">
+            <a:avLst/>
+          </a:prstGeom>
+          <a:ln w="19050">
+            <a:solidFill>
+              <a:schemeClr val="accent3">
+                <a:lumMod val="50000"/>
+              </a:schemeClr>
+            </a:solidFill>
+            <a:headEnd type="arrow" w="med" len="med"/>
+            <a:tailEnd type="arrow" w="med" len="med"/>
+          </a:ln>
+        </p:spPr>
+        <p:style>
+          <a:lnRef idx="1">
+            <a:schemeClr val="accent1"/>
+          </a:lnRef>
+          <a:fillRef idx="0">
+            <a:schemeClr val="accent1"/>
+          </a:fillRef>
+          <a:effectRef idx="0">
+            <a:schemeClr val="accent1"/>
+          </a:effectRef>
+          <a:fontRef idx="minor">
+            <a:schemeClr val="tx1"/>
+          </a:fontRef>
+        </p:style>
+      </p:cxnSp>
+      <p:cxnSp>
+        <p:nvCxnSpPr>
+          <p:cNvPr id="166" name="직선 연결선 165">
+            <a:extLst>
+              <a:ext uri="{FF2B5EF4-FFF2-40B4-BE49-F238E27FC236}">
+                <a16:creationId xmlns:a16="http://schemas.microsoft.com/office/drawing/2014/main" id="{58D49100-35B4-469F-9E6E-737DDD1F0E13}"/>
+              </a:ext>
+            </a:extLst>
+          </p:cNvPr>
+          <p:cNvCxnSpPr>
+            <a:cxnSpLocks/>
+            <a:stCxn id="97" idx="0"/>
+            <a:endCxn id="177" idx="2"/>
+          </p:cNvCxnSpPr>
+          <p:nvPr/>
+        </p:nvCxnSpPr>
+        <p:spPr>
+          <a:xfrm flipV="1">
+            <a:off x="1664886" y="2238215"/>
+            <a:ext cx="602935" cy="203137"/>
+          </a:xfrm>
+          <a:prstGeom prst="line">
+            <a:avLst/>
+          </a:prstGeom>
+          <a:ln w="19050">
+            <a:solidFill>
+              <a:srgbClr val="C00000"/>
+            </a:solidFill>
+            <a:headEnd type="none" w="med" len="med"/>
+            <a:tailEnd type="arrow" w="med" len="med"/>
+          </a:ln>
+        </p:spPr>
+        <p:style>
+          <a:lnRef idx="1">
+            <a:schemeClr val="accent1"/>
+          </a:lnRef>
+          <a:fillRef idx="0">
+            <a:schemeClr val="accent1"/>
+          </a:fillRef>
+          <a:effectRef idx="0">
+            <a:schemeClr val="accent1"/>
+          </a:effectRef>
+          <a:fontRef idx="minor">
+            <a:schemeClr val="tx1"/>
+          </a:fontRef>
+        </p:style>
+      </p:cxnSp>
+      <p:cxnSp>
+        <p:nvCxnSpPr>
+          <p:cNvPr id="169" name="직선 연결선 168">
+            <a:extLst>
+              <a:ext uri="{FF2B5EF4-FFF2-40B4-BE49-F238E27FC236}">
+                <a16:creationId xmlns:a16="http://schemas.microsoft.com/office/drawing/2014/main" id="{ACAD8B84-FF18-4428-8F09-F18327EB84E9}"/>
+              </a:ext>
+            </a:extLst>
+          </p:cNvPr>
+          <p:cNvCxnSpPr>
+            <a:cxnSpLocks/>
+            <a:stCxn id="107" idx="0"/>
+            <a:endCxn id="177" idx="2"/>
+          </p:cNvCxnSpPr>
+          <p:nvPr/>
+        </p:nvCxnSpPr>
+        <p:spPr>
+          <a:xfrm flipV="1">
+            <a:off x="1664886" y="2238215"/>
+            <a:ext cx="602935" cy="1092300"/>
+          </a:xfrm>
+          <a:prstGeom prst="line">
+            <a:avLst/>
+          </a:prstGeom>
+          <a:ln w="19050">
+            <a:solidFill>
+              <a:srgbClr val="C00000"/>
+            </a:solidFill>
+            <a:headEnd type="none" w="med" len="med"/>
+            <a:tailEnd type="arrow" w="med" len="med"/>
+          </a:ln>
+        </p:spPr>
+        <p:style>
+          <a:lnRef idx="1">
+            <a:schemeClr val="accent1"/>
+          </a:lnRef>
+          <a:fillRef idx="0">
+            <a:schemeClr val="accent1"/>
+          </a:fillRef>
+          <a:effectRef idx="0">
+            <a:schemeClr val="accent1"/>
+          </a:effectRef>
+          <a:fontRef idx="minor">
+            <a:schemeClr val="tx1"/>
+          </a:fontRef>
+        </p:style>
+      </p:cxnSp>
+      <p:sp>
+        <p:nvSpPr>
+          <p:cNvPr id="173" name="TextBox 172">
+            <a:extLst>
+              <a:ext uri="{FF2B5EF4-FFF2-40B4-BE49-F238E27FC236}">
+                <a16:creationId xmlns:a16="http://schemas.microsoft.com/office/drawing/2014/main" id="{BD2AD389-2B67-4051-B3A3-96981B3AF459}"/>
+              </a:ext>
+            </a:extLst>
+          </p:cNvPr>
+          <p:cNvSpPr txBox="1"/>
+          <p:nvPr/>
+        </p:nvSpPr>
+        <p:spPr>
+          <a:xfrm>
+            <a:off x="662546" y="1894839"/>
+            <a:ext cx="1080120" cy="345034"/>
+          </a:xfrm>
+          <a:prstGeom prst="rect">
+            <a:avLst/>
+          </a:prstGeom>
+          <a:noFill/>
+        </p:spPr>
+        <p:txBody>
+          <a:bodyPr wrap="square" rtlCol="0">
+            <a:spAutoFit/>
+          </a:bodyPr>
+          <a:lstStyle/>
+          <a:p>
+            <a:pPr algn="ctr"/>
+            <a:r>
+              <a:rPr lang="en-US" altLang="ko-KR" sz="900">
+                <a:solidFill>
+                  <a:srgbClr val="C00000"/>
+                </a:solidFill>
+              </a:rPr>
+              <a:t>2. Create</a:t>
+            </a:r>
+          </a:p>
+          <a:p>
+            <a:pPr algn="ctr"/>
+            <a:r>
+              <a:rPr lang="en-US" altLang="ko-KR" sz="900">
+                <a:solidFill>
+                  <a:srgbClr val="C00000"/>
+                </a:solidFill>
+              </a:rPr>
+              <a:t>cnsenter Pod</a:t>
+            </a:r>
+          </a:p>
+        </p:txBody>
+      </p:sp>
+      <p:sp>
+        <p:nvSpPr>
+          <p:cNvPr id="174" name="TextBox 173">
+            <a:extLst>
+              <a:ext uri="{FF2B5EF4-FFF2-40B4-BE49-F238E27FC236}">
+                <a16:creationId xmlns:a16="http://schemas.microsoft.com/office/drawing/2014/main" id="{9FD11E01-2D1A-4B75-B208-5A3135ADE32E}"/>
+              </a:ext>
+            </a:extLst>
+          </p:cNvPr>
+          <p:cNvSpPr txBox="1"/>
+          <p:nvPr/>
+        </p:nvSpPr>
+        <p:spPr>
+          <a:xfrm>
+            <a:off x="2309417" y="3142922"/>
+            <a:ext cx="867545" cy="345034"/>
+          </a:xfrm>
+          <a:prstGeom prst="rect">
+            <a:avLst/>
+          </a:prstGeom>
+          <a:noFill/>
+        </p:spPr>
+        <p:txBody>
+          <a:bodyPr wrap="none" rtlCol="0">
+            <a:spAutoFit/>
+          </a:bodyPr>
+          <a:lstStyle/>
+          <a:p>
+            <a:pPr algn="ctr"/>
+            <a:r>
+              <a:rPr lang="en-US" altLang="ko-KR" sz="900">
+                <a:solidFill>
+                  <a:schemeClr val="accent3">
+                    <a:lumMod val="50000"/>
+                  </a:schemeClr>
+                </a:solidFill>
+              </a:rPr>
+              <a:t>5. stdin/</a:t>
+            </a:r>
+          </a:p>
+          <a:p>
+            <a:pPr algn="ctr"/>
+            <a:r>
+              <a:rPr lang="en-US" altLang="ko-KR" sz="900">
+                <a:solidFill>
+                  <a:schemeClr val="accent3">
+                    <a:lumMod val="50000"/>
+                  </a:schemeClr>
+                </a:solidFill>
+              </a:rPr>
+              <a:t>stdout/stderr</a:t>
+            </a:r>
+          </a:p>
+        </p:txBody>
+      </p:sp>
+      <p:sp>
+        <p:nvSpPr>
+          <p:cNvPr id="175" name="TextBox 174">
+            <a:extLst>
+              <a:ext uri="{FF2B5EF4-FFF2-40B4-BE49-F238E27FC236}">
+                <a16:creationId xmlns:a16="http://schemas.microsoft.com/office/drawing/2014/main" id="{D193FA13-80AB-4D61-97D6-0F70120E06DA}"/>
+              </a:ext>
+            </a:extLst>
+          </p:cNvPr>
+          <p:cNvSpPr txBox="1"/>
+          <p:nvPr/>
+        </p:nvSpPr>
+        <p:spPr>
+          <a:xfrm>
+            <a:off x="4556676" y="1965038"/>
+            <a:ext cx="936474" cy="345034"/>
+          </a:xfrm>
+          <a:prstGeom prst="rect">
+            <a:avLst/>
+          </a:prstGeom>
+          <a:noFill/>
+        </p:spPr>
+        <p:txBody>
+          <a:bodyPr wrap="none" rtlCol="0">
+            <a:spAutoFit/>
+          </a:bodyPr>
+          <a:lstStyle/>
+          <a:p>
+            <a:pPr algn="ctr"/>
+            <a:r>
+              <a:rPr lang="en-US" altLang="ko-KR" sz="900">
+                <a:solidFill>
+                  <a:schemeClr val="accent6">
+                    <a:lumMod val="75000"/>
+                  </a:schemeClr>
+                </a:solidFill>
+              </a:rPr>
+              <a:t>3. Target </a:t>
+            </a:r>
+          </a:p>
+          <a:p>
+            <a:pPr algn="ctr"/>
+            <a:r>
+              <a:rPr lang="en-US" altLang="ko-KR" sz="900">
+                <a:solidFill>
+                  <a:schemeClr val="accent6">
+                    <a:lumMod val="75000"/>
+                  </a:schemeClr>
+                </a:solidFill>
+              </a:rPr>
+              <a:t>Container Info</a:t>
+            </a:r>
+          </a:p>
+        </p:txBody>
+      </p:sp>
+      <p:sp>
+        <p:nvSpPr>
+          <p:cNvPr id="176" name="TextBox 175">
+            <a:extLst>
+              <a:ext uri="{FF2B5EF4-FFF2-40B4-BE49-F238E27FC236}">
+                <a16:creationId xmlns:a16="http://schemas.microsoft.com/office/drawing/2014/main" id="{3850B006-F78F-4C1F-9633-7731E00D16EF}"/>
+              </a:ext>
+            </a:extLst>
+          </p:cNvPr>
+          <p:cNvSpPr txBox="1"/>
+          <p:nvPr/>
+        </p:nvSpPr>
+        <p:spPr>
+          <a:xfrm>
+            <a:off x="4741293" y="3129479"/>
+            <a:ext cx="910827" cy="345034"/>
+          </a:xfrm>
+          <a:prstGeom prst="rect">
+            <a:avLst/>
+          </a:prstGeom>
+          <a:noFill/>
+        </p:spPr>
+        <p:txBody>
+          <a:bodyPr wrap="none" rtlCol="0">
+            <a:spAutoFit/>
+          </a:bodyPr>
+          <a:lstStyle/>
+          <a:p>
+            <a:pPr algn="ctr"/>
+            <a:r>
+              <a:rPr lang="en-US" altLang="ko-KR" sz="900">
+                <a:solidFill>
+                  <a:schemeClr val="accent5">
+                    <a:lumMod val="75000"/>
+                  </a:schemeClr>
+                </a:solidFill>
+              </a:rPr>
+              <a:t>4. Exec, stdin/</a:t>
+            </a:r>
+          </a:p>
+          <a:p>
+            <a:pPr algn="ctr"/>
+            <a:r>
+              <a:rPr lang="en-US" altLang="ko-KR" sz="900">
+                <a:solidFill>
+                  <a:schemeClr val="accent5">
+                    <a:lumMod val="75000"/>
+                  </a:schemeClr>
+                </a:solidFill>
+              </a:rPr>
+              <a:t>stdout/stderr</a:t>
+            </a:r>
+          </a:p>
+        </p:txBody>
+      </p:sp>
+      <p:sp>
+        <p:nvSpPr>
+          <p:cNvPr id="177" name="사각형: 둥근 모서리 176">
+            <a:extLst>
+              <a:ext uri="{FF2B5EF4-FFF2-40B4-BE49-F238E27FC236}">
+                <a16:creationId xmlns:a16="http://schemas.microsoft.com/office/drawing/2014/main" id="{F0313CED-D3EC-40B9-89EF-76D36AAC8E5D}"/>
+              </a:ext>
+            </a:extLst>
+          </p:cNvPr>
+          <p:cNvSpPr/>
+          <p:nvPr/>
+        </p:nvSpPr>
+        <p:spPr>
+          <a:xfrm>
+            <a:off x="1630095" y="1923332"/>
+            <a:ext cx="1275452" cy="314883"/>
+          </a:xfrm>
+          <a:prstGeom prst="roundRect">
+            <a:avLst>
+              <a:gd name="adj" fmla="val 15872"/>
+            </a:avLst>
+          </a:prstGeom>
+        </p:spPr>
+        <p:style>
+          <a:lnRef idx="2">
+            <a:schemeClr val="dk1"/>
+          </a:lnRef>
+          <a:fillRef idx="1">
+            <a:schemeClr val="lt1"/>
+          </a:fillRef>
+          <a:effectRef idx="0">
+            <a:schemeClr val="dk1"/>
+          </a:effectRef>
+          <a:fontRef idx="minor">
+            <a:schemeClr val="dk1"/>
+          </a:fontRef>
+        </p:style>
+        <p:txBody>
+          <a:bodyPr rtlCol="0" anchor="ctr"/>
+          <a:lstStyle/>
+          <a:p>
+            <a:pPr algn="ctr"/>
+            <a:r>
+              <a:rPr lang="en-US" altLang="ko-KR" sz="1100"/>
+              <a:t>K8s API Server</a:t>
+            </a:r>
+          </a:p>
+        </p:txBody>
+      </p:sp>
+      <p:cxnSp>
+        <p:nvCxnSpPr>
+          <p:cNvPr id="183" name="직선 연결선 182">
+            <a:extLst>
+              <a:ext uri="{FF2B5EF4-FFF2-40B4-BE49-F238E27FC236}">
+                <a16:creationId xmlns:a16="http://schemas.microsoft.com/office/drawing/2014/main" id="{7D8DAC15-ABC0-4B6D-AC8E-3D80BE555C91}"/>
+              </a:ext>
+            </a:extLst>
+          </p:cNvPr>
+          <p:cNvCxnSpPr>
+            <a:cxnSpLocks/>
+            <a:stCxn id="177" idx="2"/>
+            <a:endCxn id="46" idx="1"/>
+          </p:cNvCxnSpPr>
+          <p:nvPr/>
+        </p:nvCxnSpPr>
+        <p:spPr>
+          <a:xfrm>
+            <a:off x="2267821" y="2238215"/>
+            <a:ext cx="1096251" cy="252344"/>
+          </a:xfrm>
+          <a:prstGeom prst="line">
+            <a:avLst/>
+          </a:prstGeom>
+          <a:ln w="19050">
+            <a:solidFill>
+              <a:srgbClr val="C00000"/>
+            </a:solidFill>
+            <a:headEnd type="none" w="med" len="med"/>
+            <a:tailEnd type="arrow" w="med" len="med"/>
+          </a:ln>
+        </p:spPr>
+        <p:style>
+          <a:lnRef idx="1">
+            <a:schemeClr val="accent1"/>
+          </a:lnRef>
+          <a:fillRef idx="0">
+            <a:schemeClr val="accent1"/>
+          </a:fillRef>
+          <a:effectRef idx="0">
+            <a:schemeClr val="accent1"/>
+          </a:effectRef>
+          <a:fontRef idx="minor">
+            <a:schemeClr val="tx1"/>
+          </a:fontRef>
+        </p:style>
+      </p:cxnSp>
+      <p:cxnSp>
+        <p:nvCxnSpPr>
+          <p:cNvPr id="189" name="직선 연결선 188">
+            <a:extLst>
+              <a:ext uri="{FF2B5EF4-FFF2-40B4-BE49-F238E27FC236}">
+                <a16:creationId xmlns:a16="http://schemas.microsoft.com/office/drawing/2014/main" id="{5E7E076A-4769-4578-9E58-30626FD9BB72}"/>
+              </a:ext>
+            </a:extLst>
+          </p:cNvPr>
+          <p:cNvCxnSpPr>
+            <a:cxnSpLocks/>
+            <a:stCxn id="177" idx="2"/>
+            <a:endCxn id="104" idx="1"/>
+          </p:cNvCxnSpPr>
+          <p:nvPr/>
+        </p:nvCxnSpPr>
+        <p:spPr>
+          <a:xfrm>
+            <a:off x="2267821" y="2238215"/>
+            <a:ext cx="1096251" cy="1141507"/>
+          </a:xfrm>
+          <a:prstGeom prst="line">
+            <a:avLst/>
+          </a:prstGeom>
+          <a:ln w="19050">
+            <a:solidFill>
+              <a:srgbClr val="C00000"/>
+            </a:solidFill>
+            <a:headEnd type="none" w="med" len="med"/>
+            <a:tailEnd type="arrow" w="med" len="med"/>
+          </a:ln>
+        </p:spPr>
+        <p:style>
+          <a:lnRef idx="1">
+            <a:schemeClr val="accent1"/>
+          </a:lnRef>
+          <a:fillRef idx="0">
+            <a:schemeClr val="accent1"/>
+          </a:fillRef>
+          <a:effectRef idx="0">
+            <a:schemeClr val="accent1"/>
+          </a:effectRef>
+          <a:fontRef idx="minor">
+            <a:schemeClr val="tx1"/>
+          </a:fontRef>
+        </p:style>
+      </p:cxnSp>
+      <p:sp>
+        <p:nvSpPr>
+          <p:cNvPr id="203" name="TextBox 202">
+            <a:extLst>
+              <a:ext uri="{FF2B5EF4-FFF2-40B4-BE49-F238E27FC236}">
+                <a16:creationId xmlns:a16="http://schemas.microsoft.com/office/drawing/2014/main" id="{8C02B63B-0CF9-4F6A-A8A0-D8B748C037AE}"/>
+              </a:ext>
+            </a:extLst>
+          </p:cNvPr>
+          <p:cNvSpPr txBox="1"/>
+          <p:nvPr/>
+        </p:nvSpPr>
+        <p:spPr>
+          <a:xfrm>
+            <a:off x="990652" y="2837091"/>
+            <a:ext cx="686406" cy="345034"/>
+          </a:xfrm>
+          <a:prstGeom prst="rect">
+            <a:avLst/>
+          </a:prstGeom>
+          <a:noFill/>
+        </p:spPr>
+        <p:txBody>
+          <a:bodyPr wrap="none" rtlCol="0">
+            <a:spAutoFit/>
+          </a:bodyPr>
+          <a:lstStyle/>
+          <a:p>
+            <a:pPr algn="ctr"/>
+            <a:r>
+              <a:rPr lang="en-US" altLang="ko-KR" sz="900">
+                <a:solidFill>
+                  <a:schemeClr val="tx2"/>
+                </a:solidFill>
+              </a:rPr>
+              <a:t>1. Target </a:t>
+            </a:r>
+            <a:br>
+              <a:rPr lang="en-US" altLang="ko-KR" sz="900">
+                <a:solidFill>
+                  <a:schemeClr val="tx2"/>
+                </a:solidFill>
+              </a:rPr>
+            </a:br>
+            <a:r>
+              <a:rPr lang="en-US" altLang="ko-KR" sz="900">
+                <a:solidFill>
+                  <a:schemeClr val="tx2"/>
+                </a:solidFill>
+              </a:rPr>
+              <a:t>Pod Info</a:t>
+            </a:r>
+          </a:p>
+        </p:txBody>
+      </p:sp>
+      <p:cxnSp>
+        <p:nvCxnSpPr>
+          <p:cNvPr id="77" name="직선 연결선 76">
+            <a:extLst>
+              <a:ext uri="{FF2B5EF4-FFF2-40B4-BE49-F238E27FC236}">
+                <a16:creationId xmlns:a16="http://schemas.microsoft.com/office/drawing/2014/main" id="{6CC454AD-80FE-4D49-9D14-28826F1414A4}"/>
+              </a:ext>
+            </a:extLst>
+          </p:cNvPr>
+          <p:cNvCxnSpPr>
+            <a:cxnSpLocks/>
+          </p:cNvCxnSpPr>
+          <p:nvPr/>
+        </p:nvCxnSpPr>
+        <p:spPr>
+          <a:xfrm flipH="1">
+            <a:off x="1475656" y="2238215"/>
+            <a:ext cx="602935" cy="203137"/>
+          </a:xfrm>
+          <a:prstGeom prst="line">
+            <a:avLst/>
+          </a:prstGeom>
+          <a:ln w="19050">
+            <a:solidFill>
+              <a:schemeClr val="tx2"/>
+            </a:solidFill>
+            <a:headEnd type="none" w="med" len="med"/>
+            <a:tailEnd type="arrow" w="med" len="med"/>
+          </a:ln>
+        </p:spPr>
+        <p:style>
+          <a:lnRef idx="1">
+            <a:schemeClr val="accent1"/>
+          </a:lnRef>
+          <a:fillRef idx="0">
+            <a:schemeClr val="accent1"/>
+          </a:fillRef>
+          <a:effectRef idx="0">
+            <a:schemeClr val="accent1"/>
+          </a:effectRef>
+          <a:fontRef idx="minor">
+            <a:schemeClr val="tx1"/>
+          </a:fontRef>
+        </p:style>
+      </p:cxnSp>
+      <p:cxnSp>
+        <p:nvCxnSpPr>
+          <p:cNvPr id="80" name="직선 연결선 79">
+            <a:extLst>
+              <a:ext uri="{FF2B5EF4-FFF2-40B4-BE49-F238E27FC236}">
+                <a16:creationId xmlns:a16="http://schemas.microsoft.com/office/drawing/2014/main" id="{9144CB26-FC68-430F-9B0A-A7BBBE6E4C6C}"/>
+              </a:ext>
+            </a:extLst>
+          </p:cNvPr>
+          <p:cNvCxnSpPr>
+            <a:cxnSpLocks/>
+          </p:cNvCxnSpPr>
+          <p:nvPr/>
+        </p:nvCxnSpPr>
+        <p:spPr>
+          <a:xfrm flipH="1">
+            <a:off x="1475656" y="2238215"/>
+            <a:ext cx="602935" cy="1092300"/>
+          </a:xfrm>
+          <a:prstGeom prst="line">
+            <a:avLst/>
+          </a:prstGeom>
+          <a:ln w="19050">
+            <a:solidFill>
+              <a:schemeClr val="tx2"/>
+            </a:solidFill>
+            <a:headEnd type="none" w="med" len="med"/>
+            <a:tailEnd type="arrow" w="med" len="med"/>
+          </a:ln>
+        </p:spPr>
+        <p:style>
+          <a:lnRef idx="1">
+            <a:schemeClr val="accent1"/>
+          </a:lnRef>
+          <a:fillRef idx="0">
+            <a:schemeClr val="accent1"/>
+          </a:fillRef>
+          <a:effectRef idx="0">
+            <a:schemeClr val="accent1"/>
+          </a:effectRef>
+          <a:fontRef idx="minor">
+            <a:schemeClr val="tx1"/>
+          </a:fontRef>
+        </p:style>
+      </p:cxnSp>
+    </p:spTree>
+    <p:extLst>
+      <p:ext uri="{BB962C8B-B14F-4D97-AF65-F5344CB8AC3E}">
+        <p14:creationId xmlns:p14="http://schemas.microsoft.com/office/powerpoint/2010/main" val="489861658"/>
+      </p:ext>
+    </p:extLst>
+  </p:cSld>
+  <p:clrMapOvr>
+    <a:masterClrMapping/>
+  </p:clrMapOvr>
+</p:sld>
+</file>
+
+<file path=ppt/slides/slide2.xml><?xml version="1.0" encoding="utf-8"?>
+<p:sld xmlns:a="http://schemas.openxmlformats.org/drawingml/2006/main" xmlns:r="http://schemas.openxmlformats.org/officeDocument/2006/relationships" xmlns:p="http://schemas.openxmlformats.org/presentationml/2006/main">
+  <p:cSld>
+    <p:spTree>
+      <p:nvGrpSpPr>
+        <p:cNvPr id="1" name=""/>
+        <p:cNvGrpSpPr/>
+        <p:nvPr/>
+      </p:nvGrpSpPr>
+      <p:grpSpPr>
+        <a:xfrm>
+          <a:off x="0" y="0"/>
+          <a:ext cx="0" cy="0"/>
+          <a:chOff x="0" y="0"/>
+          <a:chExt cx="0" cy="0"/>
+        </a:xfrm>
+      </p:grpSpPr>
+    </p:spTree>
+    <p:extLst>
+      <p:ext uri="{BB962C8B-B14F-4D97-AF65-F5344CB8AC3E}">
+        <p14:creationId xmlns:p14="http://schemas.microsoft.com/office/powerpoint/2010/main" val="2838898711"/>
+      </p:ext>
+    </p:extLst>
+  </p:cSld>
+  <p:clrMapOvr>
+    <a:masterClrMapping/>
+  </p:clrMapOvr>
+</p:sld>
+</file>
+
+<file path=ppt/slides/slide3.xml><?xml version="1.0" encoding="utf-8"?>
+<p:sld xmlns:a="http://schemas.openxmlformats.org/drawingml/2006/main" xmlns:r="http://schemas.openxmlformats.org/officeDocument/2006/relationships" xmlns:p="http://schemas.openxmlformats.org/presentationml/2006/main">
+  <p:cSld>
+    <p:spTree>
+      <p:nvGrpSpPr>
+        <p:cNvPr id="1" name=""/>
+        <p:cNvGrpSpPr/>
+        <p:nvPr/>
+      </p:nvGrpSpPr>
+      <p:grpSpPr>
+        <a:xfrm>
+          <a:off x="0" y="0"/>
+          <a:ext cx="0" cy="0"/>
+          <a:chOff x="0" y="0"/>
+          <a:chExt cx="0" cy="0"/>
+        </a:xfrm>
+      </p:grpSpPr>
+      <p:sp>
+        <p:nvSpPr>
+          <p:cNvPr id="2" name="제목 1">
+            <a:extLst>
+              <a:ext uri="{FF2B5EF4-FFF2-40B4-BE49-F238E27FC236}">
+                <a16:creationId xmlns:a16="http://schemas.microsoft.com/office/drawing/2014/main" id="{8738443D-5E72-49E2-86AC-581D61C41C39}"/>
+              </a:ext>
+            </a:extLst>
+          </p:cNvPr>
+          <p:cNvSpPr>
+            <a:spLocks noGrp="1"/>
+          </p:cNvSpPr>
+          <p:nvPr>
+            <p:ph type="title"/>
+          </p:nvPr>
+        </p:nvSpPr>
+        <p:spPr>
+          <a:xfrm>
+            <a:off x="457200" y="-92546"/>
+            <a:ext cx="8229600" cy="857250"/>
+          </a:xfrm>
+        </p:spPr>
+        <p:txBody>
+          <a:bodyPr>
+            <a:normAutofit/>
+          </a:bodyPr>
+          <a:lstStyle/>
+          <a:p>
+            <a:r>
+              <a:rPr lang="en-US" altLang="ko-KR" err="1"/>
+              <a:t>Kpexec</a:t>
+            </a:r>
+            <a:r>
+              <a:rPr lang="en-US" altLang="ko-KR"/>
+              <a:t> Architecture</a:t>
+            </a:r>
+            <a:endParaRPr lang="ko-KR" altLang="en-US"/>
+          </a:p>
+        </p:txBody>
+      </p:sp>
+      <p:sp>
+        <p:nvSpPr>
+          <p:cNvPr id="54" name="사각형: 둥근 모서리 53">
+            <a:extLst>
+              <a:ext uri="{FF2B5EF4-FFF2-40B4-BE49-F238E27FC236}">
+                <a16:creationId xmlns:a16="http://schemas.microsoft.com/office/drawing/2014/main" id="{D8641BDD-0AFF-4D61-B8C3-8E3FCF9748B7}"/>
+              </a:ext>
+            </a:extLst>
+          </p:cNvPr>
+          <p:cNvSpPr/>
+          <p:nvPr/>
+        </p:nvSpPr>
+        <p:spPr>
+          <a:xfrm>
+            <a:off x="3131840" y="1449174"/>
+            <a:ext cx="4013092" cy="2820128"/>
+          </a:xfrm>
+          <a:prstGeom prst="roundRect">
+            <a:avLst>
+              <a:gd name="adj" fmla="val 4798"/>
+            </a:avLst>
+          </a:prstGeom>
+        </p:spPr>
+        <p:style>
+          <a:lnRef idx="2">
+            <a:schemeClr val="dk1"/>
+          </a:lnRef>
+          <a:fillRef idx="1">
+            <a:schemeClr val="lt1"/>
+          </a:fillRef>
+          <a:effectRef idx="0">
+            <a:schemeClr val="dk1"/>
+          </a:effectRef>
+          <a:fontRef idx="minor">
+            <a:schemeClr val="dk1"/>
+          </a:fontRef>
+        </p:style>
+        <p:txBody>
+          <a:bodyPr rtlCol="0" anchor="t"/>
+          <a:lstStyle/>
+          <a:p>
+            <a:pPr algn="ctr"/>
+            <a:r>
+              <a:rPr lang="en-US" altLang="ko-KR" sz="1200"/>
+              <a:t>K8s Node</a:t>
+            </a:r>
+            <a:endParaRPr lang="ko-KR" altLang="en-US" sz="1200"/>
+          </a:p>
+        </p:txBody>
+      </p:sp>
+      <p:sp>
+        <p:nvSpPr>
+          <p:cNvPr id="58" name="사각형: 둥근 모서리 57">
+            <a:extLst>
+              <a:ext uri="{FF2B5EF4-FFF2-40B4-BE49-F238E27FC236}">
+                <a16:creationId xmlns:a16="http://schemas.microsoft.com/office/drawing/2014/main" id="{5E4E3A93-5115-4E7C-8846-FD81D33318F8}"/>
+              </a:ext>
+            </a:extLst>
+          </p:cNvPr>
+          <p:cNvSpPr/>
+          <p:nvPr/>
+        </p:nvSpPr>
+        <p:spPr>
+          <a:xfrm>
+            <a:off x="5582534" y="2476143"/>
+            <a:ext cx="1437738" cy="1547217"/>
+          </a:xfrm>
+          <a:prstGeom prst="roundRect">
+            <a:avLst>
+              <a:gd name="adj" fmla="val 9324"/>
+            </a:avLst>
+          </a:prstGeom>
+        </p:spPr>
+        <p:style>
+          <a:lnRef idx="2">
+            <a:schemeClr val="dk1"/>
+          </a:lnRef>
+          <a:fillRef idx="1">
+            <a:schemeClr val="lt1"/>
+          </a:fillRef>
+          <a:effectRef idx="0">
+            <a:schemeClr val="dk1"/>
+          </a:effectRef>
+          <a:fontRef idx="minor">
+            <a:schemeClr val="dk1"/>
+          </a:fontRef>
+        </p:style>
+        <p:txBody>
+          <a:bodyPr rtlCol="0" anchor="t"/>
+          <a:lstStyle/>
+          <a:p>
+            <a:pPr algn="ctr"/>
+            <a:r>
+              <a:rPr lang="en-US" altLang="ko-KR" sz="1200"/>
+              <a:t>Target Pod</a:t>
+            </a:r>
+          </a:p>
+        </p:txBody>
+      </p:sp>
+      <p:sp>
+        <p:nvSpPr>
+          <p:cNvPr id="73" name="사각형: 둥근 모서리 72">
+            <a:extLst>
+              <a:ext uri="{FF2B5EF4-FFF2-40B4-BE49-F238E27FC236}">
+                <a16:creationId xmlns:a16="http://schemas.microsoft.com/office/drawing/2014/main" id="{20A1C239-0408-4124-83E9-53DEDE4CD75F}"/>
+              </a:ext>
+            </a:extLst>
+          </p:cNvPr>
+          <p:cNvSpPr/>
+          <p:nvPr/>
+        </p:nvSpPr>
+        <p:spPr>
+          <a:xfrm>
+            <a:off x="5722359" y="2825540"/>
+            <a:ext cx="1158087" cy="1107328"/>
+          </a:xfrm>
+          <a:prstGeom prst="roundRect">
+            <a:avLst>
+              <a:gd name="adj" fmla="val 12203"/>
+            </a:avLst>
+          </a:prstGeom>
+        </p:spPr>
+        <p:style>
+          <a:lnRef idx="2">
+            <a:schemeClr val="dk1"/>
+          </a:lnRef>
+          <a:fillRef idx="1">
+            <a:schemeClr val="lt1"/>
+          </a:fillRef>
+          <a:effectRef idx="0">
+            <a:schemeClr val="dk1"/>
+          </a:effectRef>
+          <a:fontRef idx="minor">
+            <a:schemeClr val="dk1"/>
+          </a:fontRef>
+        </p:style>
+        <p:txBody>
+          <a:bodyPr rtlCol="0" anchor="t"/>
+          <a:lstStyle/>
+          <a:p>
+            <a:pPr algn="ctr"/>
+            <a:r>
+              <a:rPr lang="en-US" altLang="ko-KR" sz="1100"/>
+              <a:t>Target Container</a:t>
+            </a:r>
+            <a:endParaRPr lang="ko-KR" altLang="en-US" sz="1100"/>
+          </a:p>
+        </p:txBody>
+      </p:sp>
+      <p:sp>
+        <p:nvSpPr>
+          <p:cNvPr id="75" name="사각형: 둥근 모서리 74">
+            <a:extLst>
+              <a:ext uri="{FF2B5EF4-FFF2-40B4-BE49-F238E27FC236}">
+                <a16:creationId xmlns:a16="http://schemas.microsoft.com/office/drawing/2014/main" id="{8F1EE6BD-7693-4A3E-8600-9E6C11463346}"/>
+              </a:ext>
+            </a:extLst>
+          </p:cNvPr>
+          <p:cNvSpPr/>
+          <p:nvPr/>
+        </p:nvSpPr>
+        <p:spPr>
+          <a:xfrm>
+            <a:off x="5844537" y="3273223"/>
+            <a:ext cx="913730" cy="246314"/>
+          </a:xfrm>
+          <a:prstGeom prst="roundRect">
+            <a:avLst>
+              <a:gd name="adj" fmla="val 12203"/>
+            </a:avLst>
+          </a:prstGeom>
+        </p:spPr>
+        <p:style>
+          <a:lnRef idx="2">
+            <a:schemeClr val="dk1"/>
+          </a:lnRef>
+          <a:fillRef idx="1">
+            <a:schemeClr val="lt1"/>
+          </a:fillRef>
+          <a:effectRef idx="0">
+            <a:schemeClr val="dk1"/>
+          </a:effectRef>
+          <a:fontRef idx="minor">
+            <a:schemeClr val="dk1"/>
+          </a:fontRef>
+        </p:style>
+        <p:txBody>
+          <a:bodyPr rtlCol="0" anchor="ctr"/>
+          <a:lstStyle/>
+          <a:p>
+            <a:pPr algn="ctr"/>
+            <a:r>
+              <a:rPr lang="en-US" altLang="ko-KR" sz="1000"/>
+              <a:t>Command</a:t>
+            </a:r>
+            <a:endParaRPr lang="ko-KR" altLang="en-US" sz="1000"/>
+          </a:p>
+        </p:txBody>
+      </p:sp>
+      <p:sp>
+        <p:nvSpPr>
+          <p:cNvPr id="76" name="사각형: 둥근 모서리 75">
+            <a:extLst>
+              <a:ext uri="{FF2B5EF4-FFF2-40B4-BE49-F238E27FC236}">
+                <a16:creationId xmlns:a16="http://schemas.microsoft.com/office/drawing/2014/main" id="{BDE92DF2-161D-48F5-B5DC-344818B6C7B7}"/>
+              </a:ext>
+            </a:extLst>
+          </p:cNvPr>
+          <p:cNvSpPr/>
+          <p:nvPr/>
+        </p:nvSpPr>
+        <p:spPr>
+          <a:xfrm>
+            <a:off x="3249165" y="1851670"/>
+            <a:ext cx="1437742" cy="1080120"/>
+          </a:xfrm>
+          <a:prstGeom prst="roundRect">
+            <a:avLst>
+              <a:gd name="adj" fmla="val 10708"/>
+            </a:avLst>
+          </a:prstGeom>
+        </p:spPr>
+        <p:style>
+          <a:lnRef idx="2">
+            <a:schemeClr val="dk1"/>
+          </a:lnRef>
+          <a:fillRef idx="1">
+            <a:schemeClr val="lt1"/>
+          </a:fillRef>
+          <a:effectRef idx="0">
+            <a:schemeClr val="dk1"/>
+          </a:effectRef>
+          <a:fontRef idx="minor">
+            <a:schemeClr val="dk1"/>
+          </a:fontRef>
+        </p:style>
+        <p:txBody>
+          <a:bodyPr rtlCol="0" anchor="t"/>
+          <a:lstStyle/>
+          <a:p>
+            <a:pPr algn="ctr"/>
+            <a:r>
+              <a:rPr lang="en-US" altLang="ko-KR" sz="1200" b="1"/>
+              <a:t>cnsenter Pod</a:t>
+            </a:r>
+          </a:p>
+        </p:txBody>
+      </p:sp>
+      <p:sp>
+        <p:nvSpPr>
+          <p:cNvPr id="86" name="사각형: 둥근 모서리 85">
+            <a:extLst>
+              <a:ext uri="{FF2B5EF4-FFF2-40B4-BE49-F238E27FC236}">
+                <a16:creationId xmlns:a16="http://schemas.microsoft.com/office/drawing/2014/main" id="{5BFD3EF6-C382-4C58-B89E-FD1B110AD873}"/>
+              </a:ext>
+            </a:extLst>
+          </p:cNvPr>
+          <p:cNvSpPr/>
+          <p:nvPr/>
+        </p:nvSpPr>
+        <p:spPr>
+          <a:xfrm>
+            <a:off x="3388993" y="2186294"/>
+            <a:ext cx="1158087" cy="648072"/>
+          </a:xfrm>
+          <a:prstGeom prst="roundRect">
+            <a:avLst>
+              <a:gd name="adj" fmla="val 12203"/>
+            </a:avLst>
+          </a:prstGeom>
+        </p:spPr>
+        <p:style>
+          <a:lnRef idx="2">
+            <a:schemeClr val="dk1"/>
+          </a:lnRef>
+          <a:fillRef idx="1">
+            <a:schemeClr val="lt1"/>
+          </a:fillRef>
+          <a:effectRef idx="0">
+            <a:schemeClr val="dk1"/>
+          </a:effectRef>
+          <a:fontRef idx="minor">
+            <a:schemeClr val="dk1"/>
+          </a:fontRef>
+        </p:style>
+        <p:txBody>
+          <a:bodyPr rtlCol="0" anchor="t"/>
+          <a:lstStyle/>
+          <a:p>
+            <a:pPr algn="ctr"/>
+            <a:r>
+              <a:rPr lang="en-US" altLang="ko-KR" sz="1100"/>
+              <a:t>Container</a:t>
+            </a:r>
+            <a:endParaRPr lang="ko-KR" altLang="en-US" sz="1100"/>
+          </a:p>
+        </p:txBody>
+      </p:sp>
+      <p:sp>
+        <p:nvSpPr>
+          <p:cNvPr id="95" name="사각형: 둥근 모서리 94">
+            <a:extLst>
+              <a:ext uri="{FF2B5EF4-FFF2-40B4-BE49-F238E27FC236}">
+                <a16:creationId xmlns:a16="http://schemas.microsoft.com/office/drawing/2014/main" id="{EB16ECCF-8C18-448E-851C-7E5A42A5F131}"/>
+              </a:ext>
+            </a:extLst>
+          </p:cNvPr>
+          <p:cNvSpPr/>
+          <p:nvPr/>
+        </p:nvSpPr>
+        <p:spPr>
+          <a:xfrm>
+            <a:off x="3511171" y="2500898"/>
+            <a:ext cx="913730" cy="246314"/>
+          </a:xfrm>
+          <a:prstGeom prst="roundRect">
+            <a:avLst>
+              <a:gd name="adj" fmla="val 12203"/>
+            </a:avLst>
+          </a:prstGeom>
+        </p:spPr>
+        <p:style>
+          <a:lnRef idx="2">
+            <a:schemeClr val="dk1"/>
+          </a:lnRef>
+          <a:fillRef idx="1">
+            <a:schemeClr val="lt1"/>
+          </a:fillRef>
+          <a:effectRef idx="0">
+            <a:schemeClr val="dk1"/>
+          </a:effectRef>
+          <a:fontRef idx="minor">
+            <a:schemeClr val="dk1"/>
+          </a:fontRef>
+        </p:style>
+        <p:txBody>
+          <a:bodyPr rtlCol="0" anchor="ctr"/>
+          <a:lstStyle/>
+          <a:p>
+            <a:pPr algn="ctr"/>
+            <a:r>
+              <a:rPr lang="en-US" altLang="ko-KR" sz="1000"/>
+              <a:t>cnsenter</a:t>
+            </a:r>
+            <a:endParaRPr lang="ko-KR" altLang="en-US" sz="1000"/>
+          </a:p>
+        </p:txBody>
+      </p:sp>
+      <p:sp>
+        <p:nvSpPr>
+          <p:cNvPr id="97" name="사각형: 둥근 모서리 96">
+            <a:extLst>
+              <a:ext uri="{FF2B5EF4-FFF2-40B4-BE49-F238E27FC236}">
+                <a16:creationId xmlns:a16="http://schemas.microsoft.com/office/drawing/2014/main" id="{38E3355C-06D5-4D3D-AC10-D3369B96A92C}"/>
+              </a:ext>
+            </a:extLst>
+          </p:cNvPr>
+          <p:cNvSpPr/>
+          <p:nvPr/>
+        </p:nvSpPr>
+        <p:spPr>
+          <a:xfrm>
+            <a:off x="1181806" y="2219845"/>
+            <a:ext cx="966160" cy="343769"/>
+          </a:xfrm>
+          <a:prstGeom prst="roundRect">
+            <a:avLst>
+              <a:gd name="adj" fmla="val 12203"/>
+            </a:avLst>
+          </a:prstGeom>
+        </p:spPr>
+        <p:style>
+          <a:lnRef idx="2">
+            <a:schemeClr val="dk1"/>
+          </a:lnRef>
+          <a:fillRef idx="1">
+            <a:schemeClr val="lt1"/>
+          </a:fillRef>
+          <a:effectRef idx="0">
+            <a:schemeClr val="dk1"/>
+          </a:effectRef>
+          <a:fontRef idx="minor">
+            <a:schemeClr val="dk1"/>
+          </a:fontRef>
+        </p:style>
+        <p:txBody>
+          <a:bodyPr rtlCol="0" anchor="ctr"/>
+          <a:lstStyle/>
+          <a:p>
+            <a:pPr algn="ctr"/>
+            <a:r>
+              <a:rPr lang="en-US" altLang="ko-KR" sz="1200" b="1"/>
+              <a:t>kpexec</a:t>
+            </a:r>
+            <a:endParaRPr lang="ko-KR" altLang="en-US" sz="1200" b="1"/>
+          </a:p>
+        </p:txBody>
+      </p:sp>
+      <p:cxnSp>
+        <p:nvCxnSpPr>
+          <p:cNvPr id="100" name="직선 연결선 99">
+            <a:extLst>
+              <a:ext uri="{FF2B5EF4-FFF2-40B4-BE49-F238E27FC236}">
+                <a16:creationId xmlns:a16="http://schemas.microsoft.com/office/drawing/2014/main" id="{CBCBE498-15CF-47C1-A767-3415FF031064}"/>
+              </a:ext>
+            </a:extLst>
+          </p:cNvPr>
+          <p:cNvCxnSpPr>
+            <a:cxnSpLocks/>
+            <a:stCxn id="95" idx="3"/>
+            <a:endCxn id="75" idx="1"/>
+          </p:cNvCxnSpPr>
+          <p:nvPr/>
+        </p:nvCxnSpPr>
+        <p:spPr>
+          <a:xfrm>
+            <a:off x="4424901" y="2624055"/>
+            <a:ext cx="1419636" cy="772325"/>
+          </a:xfrm>
+          <a:prstGeom prst="line">
+            <a:avLst/>
+          </a:prstGeom>
+          <a:ln w="19050">
+            <a:solidFill>
+              <a:schemeClr val="accent5">
+                <a:lumMod val="75000"/>
+              </a:schemeClr>
+            </a:solidFill>
+            <a:headEnd type="arrow" w="med" len="med"/>
+            <a:tailEnd type="arrow" w="med" len="med"/>
+          </a:ln>
+        </p:spPr>
+        <p:style>
+          <a:lnRef idx="1">
+            <a:schemeClr val="accent1"/>
+          </a:lnRef>
+          <a:fillRef idx="0">
+            <a:schemeClr val="accent1"/>
+          </a:fillRef>
+          <a:effectRef idx="0">
+            <a:schemeClr val="accent1"/>
+          </a:effectRef>
+          <a:fontRef idx="minor">
+            <a:schemeClr val="tx1"/>
+          </a:fontRef>
+        </p:style>
+      </p:cxnSp>
+      <p:sp>
+        <p:nvSpPr>
+          <p:cNvPr id="104" name="사각형: 둥근 모서리 103">
+            <a:extLst>
+              <a:ext uri="{FF2B5EF4-FFF2-40B4-BE49-F238E27FC236}">
+                <a16:creationId xmlns:a16="http://schemas.microsoft.com/office/drawing/2014/main" id="{89D1C3E8-C31D-4A5F-A7DC-450B53202FFD}"/>
+              </a:ext>
+            </a:extLst>
+          </p:cNvPr>
+          <p:cNvSpPr/>
+          <p:nvPr/>
+        </p:nvSpPr>
+        <p:spPr>
+          <a:xfrm>
+            <a:off x="3249165" y="3075806"/>
+            <a:ext cx="1437742" cy="1080120"/>
+          </a:xfrm>
+          <a:prstGeom prst="roundRect">
+            <a:avLst>
+              <a:gd name="adj" fmla="val 10708"/>
+            </a:avLst>
+          </a:prstGeom>
+        </p:spPr>
+        <p:style>
+          <a:lnRef idx="2">
+            <a:schemeClr val="dk1"/>
+          </a:lnRef>
+          <a:fillRef idx="1">
+            <a:schemeClr val="lt1"/>
+          </a:fillRef>
+          <a:effectRef idx="0">
+            <a:schemeClr val="dk1"/>
+          </a:effectRef>
+          <a:fontRef idx="minor">
+            <a:schemeClr val="dk1"/>
+          </a:fontRef>
+        </p:style>
+        <p:txBody>
+          <a:bodyPr rtlCol="0" anchor="t"/>
+          <a:lstStyle/>
+          <a:p>
+            <a:pPr algn="ctr"/>
+            <a:r>
+              <a:rPr lang="en-US" altLang="ko-KR" sz="1200" b="1"/>
+              <a:t>cnsenter Pod</a:t>
+            </a:r>
+          </a:p>
+        </p:txBody>
+      </p:sp>
+      <p:sp>
+        <p:nvSpPr>
+          <p:cNvPr id="105" name="사각형: 둥근 모서리 104">
+            <a:extLst>
+              <a:ext uri="{FF2B5EF4-FFF2-40B4-BE49-F238E27FC236}">
+                <a16:creationId xmlns:a16="http://schemas.microsoft.com/office/drawing/2014/main" id="{D116828F-79BC-48AA-866E-AEF62A75E40E}"/>
+              </a:ext>
+            </a:extLst>
+          </p:cNvPr>
+          <p:cNvSpPr/>
+          <p:nvPr/>
+        </p:nvSpPr>
+        <p:spPr>
+          <a:xfrm>
+            <a:off x="3388993" y="3410430"/>
+            <a:ext cx="1158087" cy="648072"/>
+          </a:xfrm>
+          <a:prstGeom prst="roundRect">
+            <a:avLst>
+              <a:gd name="adj" fmla="val 12203"/>
+            </a:avLst>
+          </a:prstGeom>
+        </p:spPr>
+        <p:style>
+          <a:lnRef idx="2">
+            <a:schemeClr val="dk1"/>
+          </a:lnRef>
+          <a:fillRef idx="1">
+            <a:schemeClr val="lt1"/>
+          </a:fillRef>
+          <a:effectRef idx="0">
+            <a:schemeClr val="dk1"/>
+          </a:effectRef>
+          <a:fontRef idx="minor">
+            <a:schemeClr val="dk1"/>
+          </a:fontRef>
+        </p:style>
+        <p:txBody>
+          <a:bodyPr rtlCol="0" anchor="t"/>
+          <a:lstStyle/>
+          <a:p>
+            <a:pPr algn="ctr"/>
+            <a:r>
+              <a:rPr lang="en-US" altLang="ko-KR" sz="1100"/>
+              <a:t>Container</a:t>
+            </a:r>
+            <a:endParaRPr lang="ko-KR" altLang="en-US" sz="1100"/>
+          </a:p>
+        </p:txBody>
+      </p:sp>
+      <p:sp>
+        <p:nvSpPr>
+          <p:cNvPr id="106" name="사각형: 둥근 모서리 105">
+            <a:extLst>
+              <a:ext uri="{FF2B5EF4-FFF2-40B4-BE49-F238E27FC236}">
+                <a16:creationId xmlns:a16="http://schemas.microsoft.com/office/drawing/2014/main" id="{8815D6C1-B29B-4468-AE0B-58C97020F805}"/>
+              </a:ext>
+            </a:extLst>
+          </p:cNvPr>
+          <p:cNvSpPr/>
+          <p:nvPr/>
+        </p:nvSpPr>
+        <p:spPr>
+          <a:xfrm>
+            <a:off x="3511171" y="3725034"/>
+            <a:ext cx="913730" cy="246314"/>
+          </a:xfrm>
+          <a:prstGeom prst="roundRect">
+            <a:avLst>
+              <a:gd name="adj" fmla="val 12203"/>
+            </a:avLst>
+          </a:prstGeom>
+        </p:spPr>
+        <p:style>
+          <a:lnRef idx="2">
+            <a:schemeClr val="dk1"/>
+          </a:lnRef>
+          <a:fillRef idx="1">
+            <a:schemeClr val="lt1"/>
+          </a:fillRef>
+          <a:effectRef idx="0">
+            <a:schemeClr val="dk1"/>
+          </a:effectRef>
+          <a:fontRef idx="minor">
+            <a:schemeClr val="dk1"/>
+          </a:fontRef>
+        </p:style>
+        <p:txBody>
+          <a:bodyPr rtlCol="0" anchor="ctr"/>
+          <a:lstStyle/>
+          <a:p>
+            <a:pPr algn="ctr"/>
+            <a:r>
+              <a:rPr lang="en-US" altLang="ko-KR" sz="1000"/>
+              <a:t>cnsenter</a:t>
+            </a:r>
+            <a:endParaRPr lang="ko-KR" altLang="en-US" sz="1000"/>
+          </a:p>
+        </p:txBody>
+      </p:sp>
+      <p:sp>
+        <p:nvSpPr>
+          <p:cNvPr id="107" name="사각형: 둥근 모서리 106">
+            <a:extLst>
+              <a:ext uri="{FF2B5EF4-FFF2-40B4-BE49-F238E27FC236}">
+                <a16:creationId xmlns:a16="http://schemas.microsoft.com/office/drawing/2014/main" id="{63205508-003E-4060-BF2B-5840DEB4E7D8}"/>
+              </a:ext>
+            </a:extLst>
+          </p:cNvPr>
+          <p:cNvSpPr/>
+          <p:nvPr/>
+        </p:nvSpPr>
+        <p:spPr>
+          <a:xfrm>
+            <a:off x="1181806" y="3443981"/>
+            <a:ext cx="966160" cy="343769"/>
+          </a:xfrm>
+          <a:prstGeom prst="roundRect">
+            <a:avLst>
+              <a:gd name="adj" fmla="val 12203"/>
+            </a:avLst>
+          </a:prstGeom>
+        </p:spPr>
+        <p:style>
+          <a:lnRef idx="2">
+            <a:schemeClr val="dk1"/>
+          </a:lnRef>
+          <a:fillRef idx="1">
+            <a:schemeClr val="lt1"/>
+          </a:fillRef>
+          <a:effectRef idx="0">
+            <a:schemeClr val="dk1"/>
+          </a:effectRef>
+          <a:fontRef idx="minor">
+            <a:schemeClr val="dk1"/>
+          </a:fontRef>
+        </p:style>
+        <p:txBody>
+          <a:bodyPr rtlCol="0" anchor="ctr"/>
+          <a:lstStyle/>
+          <a:p>
+            <a:pPr algn="ctr"/>
+            <a:r>
+              <a:rPr lang="en-US" altLang="ko-KR" sz="1200" b="1"/>
+              <a:t>kpexec</a:t>
+            </a:r>
+            <a:endParaRPr lang="ko-KR" altLang="en-US" sz="1200" b="1"/>
+          </a:p>
+        </p:txBody>
+      </p:sp>
+      <p:cxnSp>
+        <p:nvCxnSpPr>
+          <p:cNvPr id="109" name="직선 연결선 108">
+            <a:extLst>
+              <a:ext uri="{FF2B5EF4-FFF2-40B4-BE49-F238E27FC236}">
+                <a16:creationId xmlns:a16="http://schemas.microsoft.com/office/drawing/2014/main" id="{0EC68B17-28CA-426D-8F62-C665355F3C05}"/>
+              </a:ext>
+            </a:extLst>
+          </p:cNvPr>
+          <p:cNvCxnSpPr>
+            <a:cxnSpLocks/>
+            <a:stCxn id="106" idx="3"/>
+            <a:endCxn id="116" idx="1"/>
+          </p:cNvCxnSpPr>
+          <p:nvPr/>
+        </p:nvCxnSpPr>
+        <p:spPr>
+          <a:xfrm flipV="1">
+            <a:off x="4424901" y="3725311"/>
+            <a:ext cx="1419636" cy="122880"/>
+          </a:xfrm>
+          <a:prstGeom prst="line">
+            <a:avLst/>
+          </a:prstGeom>
+          <a:ln w="19050">
+            <a:solidFill>
+              <a:schemeClr val="accent5">
+                <a:lumMod val="75000"/>
+              </a:schemeClr>
+            </a:solidFill>
+            <a:headEnd type="arrow" w="med" len="med"/>
+            <a:tailEnd type="arrow" w="med" len="med"/>
+          </a:ln>
+        </p:spPr>
+        <p:style>
+          <a:lnRef idx="1">
+            <a:schemeClr val="accent1"/>
+          </a:lnRef>
+          <a:fillRef idx="0">
+            <a:schemeClr val="accent1"/>
+          </a:fillRef>
+          <a:effectRef idx="0">
+            <a:schemeClr val="accent1"/>
+          </a:effectRef>
+          <a:fontRef idx="minor">
+            <a:schemeClr val="tx1"/>
+          </a:fontRef>
+        </p:style>
+      </p:cxnSp>
+      <p:sp>
+        <p:nvSpPr>
+          <p:cNvPr id="114" name="사각형: 둥근 모서리 113">
+            <a:extLst>
+              <a:ext uri="{FF2B5EF4-FFF2-40B4-BE49-F238E27FC236}">
+                <a16:creationId xmlns:a16="http://schemas.microsoft.com/office/drawing/2014/main" id="{56D24251-3F3F-49C4-B369-CC29EEFFE0D5}"/>
+              </a:ext>
+            </a:extLst>
+          </p:cNvPr>
+          <p:cNvSpPr/>
+          <p:nvPr/>
+        </p:nvSpPr>
+        <p:spPr>
+          <a:xfrm>
+            <a:off x="5817659" y="2022498"/>
+            <a:ext cx="967486" cy="343769"/>
+          </a:xfrm>
+          <a:prstGeom prst="roundRect">
+            <a:avLst>
+              <a:gd name="adj" fmla="val 12203"/>
+            </a:avLst>
+          </a:prstGeom>
+        </p:spPr>
+        <p:style>
+          <a:lnRef idx="2">
+            <a:schemeClr val="dk1"/>
+          </a:lnRef>
+          <a:fillRef idx="1">
+            <a:schemeClr val="lt1"/>
+          </a:fillRef>
+          <a:effectRef idx="0">
+            <a:schemeClr val="dk1"/>
+          </a:effectRef>
+          <a:fontRef idx="minor">
+            <a:schemeClr val="dk1"/>
+          </a:fontRef>
+        </p:style>
+        <p:txBody>
+          <a:bodyPr rtlCol="0" anchor="ctr"/>
+          <a:lstStyle/>
+          <a:p>
+            <a:pPr algn="ctr"/>
+            <a:r>
+              <a:rPr lang="en-US" altLang="ko-KR" sz="1200"/>
+              <a:t>containerd</a:t>
+            </a:r>
+          </a:p>
+        </p:txBody>
+      </p:sp>
+      <p:cxnSp>
+        <p:nvCxnSpPr>
+          <p:cNvPr id="115" name="직선 연결선 114">
+            <a:extLst>
+              <a:ext uri="{FF2B5EF4-FFF2-40B4-BE49-F238E27FC236}">
+                <a16:creationId xmlns:a16="http://schemas.microsoft.com/office/drawing/2014/main" id="{33B08333-2B73-40E0-83C5-F60864115EF5}"/>
+              </a:ext>
+            </a:extLst>
+          </p:cNvPr>
+          <p:cNvCxnSpPr>
+            <a:cxnSpLocks/>
+            <a:stCxn id="95" idx="0"/>
+            <a:endCxn id="114" idx="1"/>
+          </p:cNvCxnSpPr>
+          <p:nvPr/>
+        </p:nvCxnSpPr>
+        <p:spPr>
+          <a:xfrm flipV="1">
+            <a:off x="3968036" y="2194383"/>
+            <a:ext cx="1849623" cy="306515"/>
+          </a:xfrm>
+          <a:prstGeom prst="line">
+            <a:avLst/>
+          </a:prstGeom>
+          <a:ln w="19050">
+            <a:solidFill>
+              <a:schemeClr val="accent6">
+                <a:lumMod val="75000"/>
+              </a:schemeClr>
+            </a:solidFill>
+            <a:headEnd type="arrow" w="med" len="med"/>
+            <a:tailEnd type="none" w="med" len="med"/>
+          </a:ln>
+        </p:spPr>
+        <p:style>
+          <a:lnRef idx="1">
+            <a:schemeClr val="accent1"/>
+          </a:lnRef>
+          <a:fillRef idx="0">
+            <a:schemeClr val="accent1"/>
+          </a:fillRef>
+          <a:effectRef idx="0">
+            <a:schemeClr val="accent1"/>
+          </a:effectRef>
+          <a:fontRef idx="minor">
+            <a:schemeClr val="tx1"/>
+          </a:fontRef>
+        </p:style>
+      </p:cxnSp>
+      <p:sp>
+        <p:nvSpPr>
+          <p:cNvPr id="116" name="사각형: 둥근 모서리 115">
+            <a:extLst>
+              <a:ext uri="{FF2B5EF4-FFF2-40B4-BE49-F238E27FC236}">
+                <a16:creationId xmlns:a16="http://schemas.microsoft.com/office/drawing/2014/main" id="{38C5C11C-4A8F-4547-9118-09BDA4094820}"/>
+              </a:ext>
+            </a:extLst>
+          </p:cNvPr>
+          <p:cNvSpPr/>
+          <p:nvPr/>
+        </p:nvSpPr>
+        <p:spPr>
+          <a:xfrm>
+            <a:off x="5844537" y="3602154"/>
+            <a:ext cx="913730" cy="246314"/>
+          </a:xfrm>
+          <a:prstGeom prst="roundRect">
+            <a:avLst>
+              <a:gd name="adj" fmla="val 12203"/>
+            </a:avLst>
+          </a:prstGeom>
+        </p:spPr>
+        <p:style>
+          <a:lnRef idx="2">
+            <a:schemeClr val="dk1"/>
+          </a:lnRef>
+          <a:fillRef idx="1">
+            <a:schemeClr val="lt1"/>
+          </a:fillRef>
+          <a:effectRef idx="0">
+            <a:schemeClr val="dk1"/>
+          </a:effectRef>
+          <a:fontRef idx="minor">
+            <a:schemeClr val="dk1"/>
+          </a:fontRef>
+        </p:style>
+        <p:txBody>
+          <a:bodyPr rtlCol="0" anchor="ctr"/>
+          <a:lstStyle/>
+          <a:p>
+            <a:pPr algn="ctr"/>
+            <a:r>
+              <a:rPr lang="en-US" altLang="ko-KR" sz="1000"/>
+              <a:t>Command</a:t>
+            </a:r>
+            <a:endParaRPr lang="ko-KR" altLang="en-US" sz="1000"/>
+          </a:p>
+        </p:txBody>
+      </p:sp>
+      <p:cxnSp>
+        <p:nvCxnSpPr>
+          <p:cNvPr id="117" name="직선 연결선 116">
+            <a:extLst>
+              <a:ext uri="{FF2B5EF4-FFF2-40B4-BE49-F238E27FC236}">
+                <a16:creationId xmlns:a16="http://schemas.microsoft.com/office/drawing/2014/main" id="{1A9B72C6-99DD-4895-8D95-E572C0B32140}"/>
+              </a:ext>
+            </a:extLst>
+          </p:cNvPr>
+          <p:cNvCxnSpPr>
+            <a:cxnSpLocks/>
+            <a:stCxn id="106" idx="0"/>
+            <a:endCxn id="114" idx="1"/>
+          </p:cNvCxnSpPr>
+          <p:nvPr/>
+        </p:nvCxnSpPr>
+        <p:spPr>
+          <a:xfrm flipV="1">
+            <a:off x="3968036" y="2194383"/>
+            <a:ext cx="1849623" cy="1530651"/>
+          </a:xfrm>
+          <a:prstGeom prst="line">
+            <a:avLst/>
+          </a:prstGeom>
+          <a:ln w="19050">
+            <a:solidFill>
+              <a:schemeClr val="accent6">
+                <a:lumMod val="75000"/>
+              </a:schemeClr>
+            </a:solidFill>
+            <a:headEnd type="arrow" w="med" len="med"/>
+            <a:tailEnd type="none" w="med" len="med"/>
+          </a:ln>
+        </p:spPr>
+        <p:style>
+          <a:lnRef idx="1">
+            <a:schemeClr val="accent1"/>
+          </a:lnRef>
+          <a:fillRef idx="0">
+            <a:schemeClr val="accent1"/>
+          </a:fillRef>
+          <a:effectRef idx="0">
+            <a:schemeClr val="accent1"/>
+          </a:effectRef>
+          <a:fontRef idx="minor">
+            <a:schemeClr val="tx1"/>
+          </a:fontRef>
+        </p:style>
+      </p:cxnSp>
+      <p:cxnSp>
+        <p:nvCxnSpPr>
+          <p:cNvPr id="145" name="직선 연결선 144">
+            <a:extLst>
+              <a:ext uri="{FF2B5EF4-FFF2-40B4-BE49-F238E27FC236}">
+                <a16:creationId xmlns:a16="http://schemas.microsoft.com/office/drawing/2014/main" id="{E05BB714-3DD9-43A8-8B1B-7EC4BABEC022}"/>
+              </a:ext>
+            </a:extLst>
+          </p:cNvPr>
+          <p:cNvCxnSpPr>
+            <a:cxnSpLocks/>
+            <a:stCxn id="97" idx="3"/>
+            <a:endCxn id="95" idx="1"/>
+          </p:cNvCxnSpPr>
+          <p:nvPr/>
+        </p:nvCxnSpPr>
+        <p:spPr>
+          <a:xfrm>
+            <a:off x="2147966" y="2391730"/>
+            <a:ext cx="1363205" cy="232325"/>
+          </a:xfrm>
+          <a:prstGeom prst="line">
+            <a:avLst/>
+          </a:prstGeom>
+          <a:ln w="19050">
+            <a:solidFill>
+              <a:schemeClr val="accent3">
+                <a:lumMod val="50000"/>
+              </a:schemeClr>
+            </a:solidFill>
+            <a:headEnd type="arrow" w="med" len="med"/>
+            <a:tailEnd type="arrow" w="med" len="med"/>
+          </a:ln>
+        </p:spPr>
+        <p:style>
+          <a:lnRef idx="1">
+            <a:schemeClr val="accent1"/>
+          </a:lnRef>
+          <a:fillRef idx="0">
+            <a:schemeClr val="accent1"/>
+          </a:fillRef>
+          <a:effectRef idx="0">
+            <a:schemeClr val="accent1"/>
+          </a:effectRef>
+          <a:fontRef idx="minor">
+            <a:schemeClr val="tx1"/>
+          </a:fontRef>
+        </p:style>
+      </p:cxnSp>
+      <p:cxnSp>
+        <p:nvCxnSpPr>
+          <p:cNvPr id="148" name="직선 연결선 147">
+            <a:extLst>
+              <a:ext uri="{FF2B5EF4-FFF2-40B4-BE49-F238E27FC236}">
+                <a16:creationId xmlns:a16="http://schemas.microsoft.com/office/drawing/2014/main" id="{C913F3DE-B6C8-4CA4-AB3F-BE5589A46E4E}"/>
+              </a:ext>
+            </a:extLst>
+          </p:cNvPr>
+          <p:cNvCxnSpPr>
+            <a:cxnSpLocks/>
+            <a:stCxn id="107" idx="3"/>
+            <a:endCxn id="106" idx="1"/>
+          </p:cNvCxnSpPr>
+          <p:nvPr/>
+        </p:nvCxnSpPr>
+        <p:spPr>
+          <a:xfrm>
+            <a:off x="2147966" y="3615866"/>
+            <a:ext cx="1363205" cy="232325"/>
+          </a:xfrm>
+          <a:prstGeom prst="line">
+            <a:avLst/>
+          </a:prstGeom>
+          <a:ln w="19050">
+            <a:solidFill>
+              <a:schemeClr val="accent3">
+                <a:lumMod val="50000"/>
+              </a:schemeClr>
+            </a:solidFill>
+            <a:headEnd type="arrow" w="med" len="med"/>
+            <a:tailEnd type="arrow" w="med" len="med"/>
+          </a:ln>
+        </p:spPr>
+        <p:style>
+          <a:lnRef idx="1">
+            <a:schemeClr val="accent1"/>
+          </a:lnRef>
+          <a:fillRef idx="0">
+            <a:schemeClr val="accent1"/>
+          </a:fillRef>
+          <a:effectRef idx="0">
+            <a:schemeClr val="accent1"/>
+          </a:effectRef>
+          <a:fontRef idx="minor">
+            <a:schemeClr val="tx1"/>
+          </a:fontRef>
+        </p:style>
+      </p:cxnSp>
+      <p:cxnSp>
+        <p:nvCxnSpPr>
+          <p:cNvPr id="166" name="직선 연결선 165">
+            <a:extLst>
+              <a:ext uri="{FF2B5EF4-FFF2-40B4-BE49-F238E27FC236}">
+                <a16:creationId xmlns:a16="http://schemas.microsoft.com/office/drawing/2014/main" id="{58D49100-35B4-469F-9E6E-737DDD1F0E13}"/>
+              </a:ext>
+            </a:extLst>
+          </p:cNvPr>
+          <p:cNvCxnSpPr>
+            <a:cxnSpLocks/>
+            <a:stCxn id="97" idx="0"/>
+            <a:endCxn id="177" idx="2"/>
+          </p:cNvCxnSpPr>
+          <p:nvPr/>
+        </p:nvCxnSpPr>
+        <p:spPr>
+          <a:xfrm flipV="1">
+            <a:off x="1664886" y="1798734"/>
+            <a:ext cx="602935" cy="421111"/>
+          </a:xfrm>
+          <a:prstGeom prst="line">
+            <a:avLst/>
+          </a:prstGeom>
+          <a:ln w="19050">
+            <a:solidFill>
+              <a:srgbClr val="C00000"/>
+            </a:solidFill>
+            <a:headEnd type="none" w="med" len="med"/>
+            <a:tailEnd type="arrow" w="med" len="med"/>
+          </a:ln>
+        </p:spPr>
+        <p:style>
+          <a:lnRef idx="1">
+            <a:schemeClr val="accent1"/>
+          </a:lnRef>
+          <a:fillRef idx="0">
+            <a:schemeClr val="accent1"/>
+          </a:fillRef>
+          <a:effectRef idx="0">
+            <a:schemeClr val="accent1"/>
+          </a:effectRef>
+          <a:fontRef idx="minor">
+            <a:schemeClr val="tx1"/>
+          </a:fontRef>
+        </p:style>
+      </p:cxnSp>
+      <p:cxnSp>
+        <p:nvCxnSpPr>
+          <p:cNvPr id="169" name="직선 연결선 168">
+            <a:extLst>
+              <a:ext uri="{FF2B5EF4-FFF2-40B4-BE49-F238E27FC236}">
+                <a16:creationId xmlns:a16="http://schemas.microsoft.com/office/drawing/2014/main" id="{ACAD8B84-FF18-4428-8F09-F18327EB84E9}"/>
+              </a:ext>
+            </a:extLst>
+          </p:cNvPr>
+          <p:cNvCxnSpPr>
+            <a:cxnSpLocks/>
+            <a:stCxn id="107" idx="0"/>
+            <a:endCxn id="177" idx="2"/>
+          </p:cNvCxnSpPr>
+          <p:nvPr/>
+        </p:nvCxnSpPr>
+        <p:spPr>
+          <a:xfrm flipV="1">
+            <a:off x="1664886" y="1798734"/>
+            <a:ext cx="602935" cy="1645247"/>
+          </a:xfrm>
+          <a:prstGeom prst="line">
+            <a:avLst/>
+          </a:prstGeom>
+          <a:ln w="19050">
+            <a:solidFill>
+              <a:srgbClr val="C00000"/>
+            </a:solidFill>
+            <a:headEnd type="none" w="med" len="med"/>
+            <a:tailEnd type="arrow" w="med" len="med"/>
+          </a:ln>
+        </p:spPr>
+        <p:style>
+          <a:lnRef idx="1">
+            <a:schemeClr val="accent1"/>
+          </a:lnRef>
+          <a:fillRef idx="0">
+            <a:schemeClr val="accent1"/>
+          </a:fillRef>
+          <a:effectRef idx="0">
+            <a:schemeClr val="accent1"/>
+          </a:effectRef>
+          <a:fontRef idx="minor">
+            <a:schemeClr val="tx1"/>
+          </a:fontRef>
+        </p:style>
+      </p:cxnSp>
+      <p:sp>
+        <p:nvSpPr>
+          <p:cNvPr id="173" name="TextBox 172">
+            <a:extLst>
+              <a:ext uri="{FF2B5EF4-FFF2-40B4-BE49-F238E27FC236}">
+                <a16:creationId xmlns:a16="http://schemas.microsoft.com/office/drawing/2014/main" id="{BD2AD389-2B67-4051-B3A3-96981B3AF459}"/>
+              </a:ext>
+            </a:extLst>
+          </p:cNvPr>
+          <p:cNvSpPr txBox="1"/>
+          <p:nvPr/>
+        </p:nvSpPr>
+        <p:spPr>
+          <a:xfrm>
+            <a:off x="3059832" y="1451560"/>
+            <a:ext cx="1080120" cy="400110"/>
+          </a:xfrm>
+          <a:prstGeom prst="rect">
+            <a:avLst/>
+          </a:prstGeom>
+          <a:noFill/>
+        </p:spPr>
+        <p:txBody>
+          <a:bodyPr wrap="square" rtlCol="0">
+            <a:spAutoFit/>
+          </a:bodyPr>
+          <a:lstStyle/>
+          <a:p>
+            <a:pPr algn="ctr"/>
+            <a:r>
+              <a:rPr lang="en-US" altLang="ko-KR" sz="1000">
+                <a:solidFill>
+                  <a:srgbClr val="C00000"/>
+                </a:solidFill>
+              </a:rPr>
+              <a:t>2. Create</a:t>
+            </a:r>
+          </a:p>
+          <a:p>
+            <a:pPr algn="ctr"/>
+            <a:r>
+              <a:rPr lang="en-US" altLang="ko-KR" sz="1000">
+                <a:solidFill>
+                  <a:srgbClr val="C00000"/>
+                </a:solidFill>
+              </a:rPr>
+              <a:t>cnsenter Pod</a:t>
+            </a:r>
+          </a:p>
+        </p:txBody>
+      </p:sp>
+      <p:sp>
+        <p:nvSpPr>
+          <p:cNvPr id="174" name="TextBox 173">
+            <a:extLst>
+              <a:ext uri="{FF2B5EF4-FFF2-40B4-BE49-F238E27FC236}">
+                <a16:creationId xmlns:a16="http://schemas.microsoft.com/office/drawing/2014/main" id="{9FD11E01-2D1A-4B75-B208-5A3135ADE32E}"/>
+              </a:ext>
+            </a:extLst>
+          </p:cNvPr>
+          <p:cNvSpPr txBox="1"/>
+          <p:nvPr/>
+        </p:nvSpPr>
+        <p:spPr>
+          <a:xfrm>
+            <a:off x="2205262" y="3287067"/>
+            <a:ext cx="946092" cy="400110"/>
+          </a:xfrm>
+          <a:prstGeom prst="rect">
+            <a:avLst/>
+          </a:prstGeom>
+          <a:noFill/>
+        </p:spPr>
+        <p:txBody>
+          <a:bodyPr wrap="none" rtlCol="0">
+            <a:spAutoFit/>
+          </a:bodyPr>
+          <a:lstStyle/>
+          <a:p>
+            <a:pPr algn="ctr"/>
+            <a:r>
+              <a:rPr lang="en-US" altLang="ko-KR" sz="1000">
+                <a:solidFill>
+                  <a:schemeClr val="accent3">
+                    <a:lumMod val="50000"/>
+                  </a:schemeClr>
+                </a:solidFill>
+              </a:rPr>
+              <a:t>5. stdin/</a:t>
+            </a:r>
+          </a:p>
+          <a:p>
+            <a:pPr algn="ctr"/>
+            <a:r>
+              <a:rPr lang="en-US" altLang="ko-KR" sz="1000">
+                <a:solidFill>
+                  <a:schemeClr val="accent3">
+                    <a:lumMod val="50000"/>
+                  </a:schemeClr>
+                </a:solidFill>
+              </a:rPr>
+              <a:t>stdout/stderr</a:t>
+            </a:r>
+          </a:p>
+        </p:txBody>
+      </p:sp>
+      <p:sp>
+        <p:nvSpPr>
+          <p:cNvPr id="175" name="TextBox 174">
+            <a:extLst>
+              <a:ext uri="{FF2B5EF4-FFF2-40B4-BE49-F238E27FC236}">
+                <a16:creationId xmlns:a16="http://schemas.microsoft.com/office/drawing/2014/main" id="{D193FA13-80AB-4D61-97D6-0F70120E06DA}"/>
+              </a:ext>
+            </a:extLst>
+          </p:cNvPr>
+          <p:cNvSpPr txBox="1"/>
+          <p:nvPr/>
+        </p:nvSpPr>
+        <p:spPr>
+          <a:xfrm>
+            <a:off x="4734934" y="1877302"/>
+            <a:ext cx="1019831" cy="400110"/>
+          </a:xfrm>
+          <a:prstGeom prst="rect">
+            <a:avLst/>
+          </a:prstGeom>
+          <a:noFill/>
+        </p:spPr>
+        <p:txBody>
+          <a:bodyPr wrap="none" rtlCol="0">
+            <a:spAutoFit/>
+          </a:bodyPr>
+          <a:lstStyle/>
+          <a:p>
+            <a:pPr algn="ctr"/>
+            <a:r>
+              <a:rPr lang="en-US" altLang="ko-KR" sz="1000">
+                <a:solidFill>
+                  <a:schemeClr val="accent6">
+                    <a:lumMod val="75000"/>
+                  </a:schemeClr>
+                </a:solidFill>
+              </a:rPr>
+              <a:t>3. Target </a:t>
+            </a:r>
+          </a:p>
+          <a:p>
+            <a:pPr algn="ctr"/>
+            <a:r>
+              <a:rPr lang="en-US" altLang="ko-KR" sz="1000">
+                <a:solidFill>
+                  <a:schemeClr val="accent6">
+                    <a:lumMod val="75000"/>
+                  </a:schemeClr>
+                </a:solidFill>
+              </a:rPr>
+              <a:t>Container Info</a:t>
+            </a:r>
+          </a:p>
+        </p:txBody>
+      </p:sp>
+      <p:sp>
+        <p:nvSpPr>
+          <p:cNvPr id="176" name="TextBox 175">
+            <a:extLst>
+              <a:ext uri="{FF2B5EF4-FFF2-40B4-BE49-F238E27FC236}">
+                <a16:creationId xmlns:a16="http://schemas.microsoft.com/office/drawing/2014/main" id="{3850B006-F78F-4C1F-9633-7731E00D16EF}"/>
+              </a:ext>
+            </a:extLst>
+          </p:cNvPr>
+          <p:cNvSpPr txBox="1"/>
+          <p:nvPr/>
+        </p:nvSpPr>
+        <p:spPr>
+          <a:xfrm>
+            <a:off x="4646717" y="3379204"/>
+            <a:ext cx="992579" cy="400110"/>
+          </a:xfrm>
+          <a:prstGeom prst="rect">
+            <a:avLst/>
+          </a:prstGeom>
+          <a:noFill/>
+        </p:spPr>
+        <p:txBody>
+          <a:bodyPr wrap="none" rtlCol="0">
+            <a:spAutoFit/>
+          </a:bodyPr>
+          <a:lstStyle/>
+          <a:p>
+            <a:pPr algn="ctr"/>
+            <a:r>
+              <a:rPr lang="en-US" altLang="ko-KR" sz="1000">
+                <a:solidFill>
+                  <a:schemeClr val="accent5">
+                    <a:lumMod val="75000"/>
+                  </a:schemeClr>
+                </a:solidFill>
+              </a:rPr>
+              <a:t>4. Exec, stdin/</a:t>
+            </a:r>
+          </a:p>
+          <a:p>
+            <a:pPr algn="ctr"/>
+            <a:r>
+              <a:rPr lang="en-US" altLang="ko-KR" sz="1000">
+                <a:solidFill>
+                  <a:schemeClr val="accent5">
+                    <a:lumMod val="75000"/>
+                  </a:schemeClr>
+                </a:solidFill>
+              </a:rPr>
+              <a:t>stdout/stderr</a:t>
+            </a:r>
+          </a:p>
+        </p:txBody>
+      </p:sp>
+      <p:sp>
+        <p:nvSpPr>
+          <p:cNvPr id="177" name="사각형: 둥근 모서리 176">
+            <a:extLst>
+              <a:ext uri="{FF2B5EF4-FFF2-40B4-BE49-F238E27FC236}">
+                <a16:creationId xmlns:a16="http://schemas.microsoft.com/office/drawing/2014/main" id="{F0313CED-D3EC-40B9-89EF-76D36AAC8E5D}"/>
+              </a:ext>
+            </a:extLst>
+          </p:cNvPr>
+          <p:cNvSpPr/>
+          <p:nvPr/>
+        </p:nvSpPr>
+        <p:spPr>
+          <a:xfrm>
+            <a:off x="1630095" y="1454965"/>
+            <a:ext cx="1275452" cy="343769"/>
+          </a:xfrm>
+          <a:prstGeom prst="roundRect">
+            <a:avLst>
+              <a:gd name="adj" fmla="val 15872"/>
+            </a:avLst>
+          </a:prstGeom>
+        </p:spPr>
+        <p:style>
+          <a:lnRef idx="2">
+            <a:schemeClr val="dk1"/>
+          </a:lnRef>
+          <a:fillRef idx="1">
+            <a:schemeClr val="lt1"/>
+          </a:fillRef>
+          <a:effectRef idx="0">
+            <a:schemeClr val="dk1"/>
+          </a:effectRef>
+          <a:fontRef idx="minor">
+            <a:schemeClr val="dk1"/>
+          </a:fontRef>
+        </p:style>
+        <p:txBody>
+          <a:bodyPr rtlCol="0" anchor="ctr"/>
+          <a:lstStyle/>
+          <a:p>
+            <a:pPr algn="ctr"/>
+            <a:r>
+              <a:rPr lang="en-US" altLang="ko-KR" sz="1200"/>
+              <a:t>K8s API Server</a:t>
+            </a:r>
+          </a:p>
+        </p:txBody>
+      </p:sp>
+      <p:cxnSp>
+        <p:nvCxnSpPr>
+          <p:cNvPr id="183" name="직선 연결선 182">
+            <a:extLst>
+              <a:ext uri="{FF2B5EF4-FFF2-40B4-BE49-F238E27FC236}">
+                <a16:creationId xmlns:a16="http://schemas.microsoft.com/office/drawing/2014/main" id="{7D8DAC15-ABC0-4B6D-AC8E-3D80BE555C91}"/>
+              </a:ext>
+            </a:extLst>
+          </p:cNvPr>
+          <p:cNvCxnSpPr>
+            <a:cxnSpLocks/>
+            <a:stCxn id="177" idx="2"/>
+            <a:endCxn id="76" idx="0"/>
+          </p:cNvCxnSpPr>
+          <p:nvPr/>
+        </p:nvCxnSpPr>
+        <p:spPr>
+          <a:xfrm>
+            <a:off x="2267821" y="1798734"/>
+            <a:ext cx="1700215" cy="52936"/>
+          </a:xfrm>
+          <a:prstGeom prst="line">
+            <a:avLst/>
+          </a:prstGeom>
+          <a:ln w="19050">
+            <a:solidFill>
+              <a:srgbClr val="C00000"/>
+            </a:solidFill>
+            <a:headEnd type="none" w="med" len="med"/>
+            <a:tailEnd type="arrow" w="med" len="med"/>
+          </a:ln>
+        </p:spPr>
+        <p:style>
+          <a:lnRef idx="1">
+            <a:schemeClr val="accent1"/>
+          </a:lnRef>
+          <a:fillRef idx="0">
+            <a:schemeClr val="accent1"/>
+          </a:fillRef>
+          <a:effectRef idx="0">
+            <a:schemeClr val="accent1"/>
+          </a:effectRef>
+          <a:fontRef idx="minor">
+            <a:schemeClr val="tx1"/>
+          </a:fontRef>
+        </p:style>
+      </p:cxnSp>
+      <p:cxnSp>
+        <p:nvCxnSpPr>
+          <p:cNvPr id="189" name="직선 연결선 188">
+            <a:extLst>
+              <a:ext uri="{FF2B5EF4-FFF2-40B4-BE49-F238E27FC236}">
+                <a16:creationId xmlns:a16="http://schemas.microsoft.com/office/drawing/2014/main" id="{5E7E076A-4769-4578-9E58-30626FD9BB72}"/>
+              </a:ext>
+            </a:extLst>
+          </p:cNvPr>
+          <p:cNvCxnSpPr>
+            <a:cxnSpLocks/>
+            <a:stCxn id="177" idx="2"/>
+            <a:endCxn id="104" idx="0"/>
+          </p:cNvCxnSpPr>
+          <p:nvPr/>
+        </p:nvCxnSpPr>
+        <p:spPr>
+          <a:xfrm>
+            <a:off x="2267821" y="1798734"/>
+            <a:ext cx="1700215" cy="1277072"/>
+          </a:xfrm>
+          <a:prstGeom prst="line">
+            <a:avLst/>
+          </a:prstGeom>
+          <a:ln w="19050">
+            <a:solidFill>
+              <a:srgbClr val="C00000"/>
+            </a:solidFill>
+            <a:headEnd type="none" w="med" len="med"/>
+            <a:tailEnd type="arrow" w="med" len="med"/>
+          </a:ln>
+        </p:spPr>
+        <p:style>
+          <a:lnRef idx="1">
+            <a:schemeClr val="accent1"/>
+          </a:lnRef>
+          <a:fillRef idx="0">
+            <a:schemeClr val="accent1"/>
+          </a:fillRef>
+          <a:effectRef idx="0">
+            <a:schemeClr val="accent1"/>
+          </a:effectRef>
+          <a:fontRef idx="minor">
+            <a:schemeClr val="tx1"/>
+          </a:fontRef>
+        </p:style>
+      </p:cxnSp>
+      <p:cxnSp>
+        <p:nvCxnSpPr>
+          <p:cNvPr id="197" name="직선 연결선 196">
+            <a:extLst>
+              <a:ext uri="{FF2B5EF4-FFF2-40B4-BE49-F238E27FC236}">
+                <a16:creationId xmlns:a16="http://schemas.microsoft.com/office/drawing/2014/main" id="{0B035290-AE35-48D8-8A88-0478A6E3FF13}"/>
+              </a:ext>
+            </a:extLst>
+          </p:cNvPr>
+          <p:cNvCxnSpPr>
+            <a:cxnSpLocks/>
+          </p:cNvCxnSpPr>
+          <p:nvPr/>
+        </p:nvCxnSpPr>
+        <p:spPr>
+          <a:xfrm flipH="1">
+            <a:off x="1547664" y="1798734"/>
+            <a:ext cx="602935" cy="421111"/>
+          </a:xfrm>
+          <a:prstGeom prst="line">
+            <a:avLst/>
+          </a:prstGeom>
+          <a:ln w="19050">
+            <a:solidFill>
+              <a:schemeClr val="tx2"/>
+            </a:solidFill>
+            <a:headEnd type="none" w="med" len="med"/>
+            <a:tailEnd type="arrow" w="med" len="med"/>
+          </a:ln>
+        </p:spPr>
+        <p:style>
+          <a:lnRef idx="1">
+            <a:schemeClr val="accent1"/>
+          </a:lnRef>
+          <a:fillRef idx="0">
+            <a:schemeClr val="accent1"/>
+          </a:fillRef>
+          <a:effectRef idx="0">
+            <a:schemeClr val="accent1"/>
+          </a:effectRef>
+          <a:fontRef idx="minor">
+            <a:schemeClr val="tx1"/>
+          </a:fontRef>
+        </p:style>
+      </p:cxnSp>
+      <p:cxnSp>
+        <p:nvCxnSpPr>
+          <p:cNvPr id="200" name="직선 연결선 199">
+            <a:extLst>
+              <a:ext uri="{FF2B5EF4-FFF2-40B4-BE49-F238E27FC236}">
+                <a16:creationId xmlns:a16="http://schemas.microsoft.com/office/drawing/2014/main" id="{C6F906FD-0E3D-4D46-8B25-A7787170AE2F}"/>
+              </a:ext>
+            </a:extLst>
+          </p:cNvPr>
+          <p:cNvCxnSpPr>
+            <a:cxnSpLocks/>
+          </p:cNvCxnSpPr>
+          <p:nvPr/>
+        </p:nvCxnSpPr>
+        <p:spPr>
+          <a:xfrm flipH="1">
+            <a:off x="1547664" y="1798734"/>
+            <a:ext cx="602935" cy="1645247"/>
+          </a:xfrm>
+          <a:prstGeom prst="line">
+            <a:avLst/>
+          </a:prstGeom>
+          <a:ln w="19050">
+            <a:solidFill>
+              <a:schemeClr val="tx2"/>
+            </a:solidFill>
+            <a:headEnd type="none" w="med" len="med"/>
+            <a:tailEnd type="arrow" w="med" len="med"/>
+          </a:ln>
+        </p:spPr>
+        <p:style>
+          <a:lnRef idx="1">
+            <a:schemeClr val="accent1"/>
+          </a:lnRef>
+          <a:fillRef idx="0">
+            <a:schemeClr val="accent1"/>
+          </a:fillRef>
+          <a:effectRef idx="0">
+            <a:schemeClr val="accent1"/>
+          </a:effectRef>
+          <a:fontRef idx="minor">
+            <a:schemeClr val="tx1"/>
+          </a:fontRef>
+        </p:style>
+      </p:cxnSp>
+      <p:sp>
+        <p:nvSpPr>
+          <p:cNvPr id="203" name="TextBox 202">
+            <a:extLst>
+              <a:ext uri="{FF2B5EF4-FFF2-40B4-BE49-F238E27FC236}">
+                <a16:creationId xmlns:a16="http://schemas.microsoft.com/office/drawing/2014/main" id="{8C02B63B-0CF9-4F6A-A8A0-D8B748C037AE}"/>
+              </a:ext>
+            </a:extLst>
+          </p:cNvPr>
+          <p:cNvSpPr txBox="1"/>
+          <p:nvPr/>
+        </p:nvSpPr>
+        <p:spPr>
+          <a:xfrm>
+            <a:off x="1090094" y="2625485"/>
+            <a:ext cx="745717" cy="400110"/>
+          </a:xfrm>
+          <a:prstGeom prst="rect">
+            <a:avLst/>
+          </a:prstGeom>
+          <a:noFill/>
+        </p:spPr>
+        <p:txBody>
+          <a:bodyPr wrap="none" rtlCol="0">
+            <a:spAutoFit/>
+          </a:bodyPr>
+          <a:lstStyle/>
+          <a:p>
+            <a:pPr algn="ctr"/>
+            <a:r>
+              <a:rPr lang="en-US" altLang="ko-KR" sz="1000">
+                <a:solidFill>
+                  <a:schemeClr val="tx2"/>
+                </a:solidFill>
+              </a:rPr>
+              <a:t>1. Target </a:t>
+            </a:r>
+            <a:br>
+              <a:rPr lang="en-US" altLang="ko-KR" sz="1000">
+                <a:solidFill>
+                  <a:schemeClr val="tx2"/>
+                </a:solidFill>
+              </a:rPr>
+            </a:br>
+            <a:r>
+              <a:rPr lang="en-US" altLang="ko-KR" sz="1000">
+                <a:solidFill>
+                  <a:schemeClr val="tx2"/>
+                </a:solidFill>
+              </a:rPr>
+              <a:t>Pod Info</a:t>
+            </a:r>
+          </a:p>
+        </p:txBody>
+      </p:sp>
+    </p:spTree>
+    <p:extLst>
+      <p:ext uri="{BB962C8B-B14F-4D97-AF65-F5344CB8AC3E}">
+        <p14:creationId xmlns:p14="http://schemas.microsoft.com/office/powerpoint/2010/main" val="2880442582"/>
+      </p:ext>
+    </p:extLst>
+  </p:cSld>
+  <p:clrMapOvr>
+    <a:masterClrMapping/>
+  </p:clrMapOvr>
+</p:sld>
+</file>
+
+<file path=ppt/slides/slide4.xml><?xml version="1.0" encoding="utf-8"?>
+<p:sld xmlns:a="http://schemas.openxmlformats.org/drawingml/2006/main" xmlns:r="http://schemas.openxmlformats.org/officeDocument/2006/relationships" xmlns:p="http://schemas.openxmlformats.org/presentationml/2006/main">
+  <p:cSld>
+    <p:spTree>
+      <p:nvGrpSpPr>
+        <p:cNvPr id="1" name=""/>
+        <p:cNvGrpSpPr/>
+        <p:nvPr/>
+      </p:nvGrpSpPr>
+      <p:grpSpPr>
+        <a:xfrm>
+          <a:off x="0" y="0"/>
+          <a:ext cx="0" cy="0"/>
+          <a:chOff x="0" y="0"/>
+          <a:chExt cx="0" cy="0"/>
+        </a:xfrm>
+      </p:grpSpPr>
+      <p:sp>
+        <p:nvSpPr>
+          <p:cNvPr id="2" name="제목 1">
+            <a:extLst>
+              <a:ext uri="{FF2B5EF4-FFF2-40B4-BE49-F238E27FC236}">
+                <a16:creationId xmlns:a16="http://schemas.microsoft.com/office/drawing/2014/main" id="{8738443D-5E72-49E2-86AC-581D61C41C39}"/>
+              </a:ext>
+            </a:extLst>
+          </p:cNvPr>
+          <p:cNvSpPr>
+            <a:spLocks noGrp="1"/>
+          </p:cNvSpPr>
+          <p:nvPr>
+            <p:ph type="title"/>
+          </p:nvPr>
+        </p:nvSpPr>
+        <p:spPr>
+          <a:xfrm>
+            <a:off x="457200" y="-92546"/>
+            <a:ext cx="8229600" cy="857250"/>
+          </a:xfrm>
+        </p:spPr>
+        <p:txBody>
+          <a:bodyPr>
+            <a:normAutofit/>
+          </a:bodyPr>
+          <a:lstStyle/>
+          <a:p>
+            <a:r>
+              <a:rPr lang="en-US" altLang="ko-KR" err="1"/>
+              <a:t>Kpexec</a:t>
+            </a:r>
+            <a:r>
+              <a:rPr lang="en-US" altLang="ko-KR"/>
+              <a:t> Architecture</a:t>
+            </a:r>
+            <a:endParaRPr lang="ko-KR" altLang="en-US"/>
+          </a:p>
+        </p:txBody>
+      </p:sp>
+      <p:sp>
+        <p:nvSpPr>
+          <p:cNvPr id="54" name="사각형: 둥근 모서리 53">
+            <a:extLst>
+              <a:ext uri="{FF2B5EF4-FFF2-40B4-BE49-F238E27FC236}">
+                <a16:creationId xmlns:a16="http://schemas.microsoft.com/office/drawing/2014/main" id="{D8641BDD-0AFF-4D61-B8C3-8E3FCF9748B7}"/>
+              </a:ext>
+            </a:extLst>
+          </p:cNvPr>
+          <p:cNvSpPr/>
+          <p:nvPr/>
+        </p:nvSpPr>
+        <p:spPr>
+          <a:xfrm>
+            <a:off x="3131840" y="1419630"/>
+            <a:ext cx="3725655" cy="2849672"/>
+          </a:xfrm>
+          <a:prstGeom prst="roundRect">
+            <a:avLst>
+              <a:gd name="adj" fmla="val 7328"/>
+            </a:avLst>
+          </a:prstGeom>
+        </p:spPr>
+        <p:style>
+          <a:lnRef idx="2">
+            <a:schemeClr val="dk1"/>
+          </a:lnRef>
+          <a:fillRef idx="1">
+            <a:schemeClr val="lt1"/>
+          </a:fillRef>
+          <a:effectRef idx="0">
+            <a:schemeClr val="dk1"/>
+          </a:effectRef>
+          <a:fontRef idx="minor">
+            <a:schemeClr val="dk1"/>
+          </a:fontRef>
+        </p:style>
+        <p:txBody>
+          <a:bodyPr rtlCol="0" anchor="t"/>
+          <a:lstStyle/>
+          <a:p>
+            <a:pPr algn="ctr"/>
+            <a:r>
+              <a:rPr lang="en-US" altLang="ko-KR" sz="1200"/>
+              <a:t>K8s Node</a:t>
+            </a:r>
+            <a:endParaRPr lang="ko-KR" altLang="en-US" sz="1200"/>
+          </a:p>
+        </p:txBody>
+      </p:sp>
+      <p:sp>
+        <p:nvSpPr>
+          <p:cNvPr id="58" name="사각형: 둥근 모서리 57">
+            <a:extLst>
+              <a:ext uri="{FF2B5EF4-FFF2-40B4-BE49-F238E27FC236}">
+                <a16:creationId xmlns:a16="http://schemas.microsoft.com/office/drawing/2014/main" id="{5E4E3A93-5115-4E7C-8846-FD81D33318F8}"/>
+              </a:ext>
+            </a:extLst>
+          </p:cNvPr>
+          <p:cNvSpPr/>
+          <p:nvPr/>
+        </p:nvSpPr>
+        <p:spPr>
+          <a:xfrm>
+            <a:off x="5300024" y="2476143"/>
+            <a:ext cx="1437738" cy="1535767"/>
+          </a:xfrm>
+          <a:prstGeom prst="roundRect">
+            <a:avLst>
+              <a:gd name="adj" fmla="val 9324"/>
+            </a:avLst>
+          </a:prstGeom>
+        </p:spPr>
+        <p:style>
+          <a:lnRef idx="2">
+            <a:schemeClr val="dk1"/>
+          </a:lnRef>
+          <a:fillRef idx="1">
+            <a:schemeClr val="lt1"/>
+          </a:fillRef>
+          <a:effectRef idx="0">
+            <a:schemeClr val="dk1"/>
+          </a:effectRef>
+          <a:fontRef idx="minor">
+            <a:schemeClr val="dk1"/>
+          </a:fontRef>
+        </p:style>
+        <p:txBody>
+          <a:bodyPr rtlCol="0" anchor="t"/>
+          <a:lstStyle/>
+          <a:p>
+            <a:pPr algn="ctr"/>
+            <a:r>
+              <a:rPr lang="en-US" altLang="ko-KR" sz="1200"/>
+              <a:t>Target Pod</a:t>
+            </a:r>
+          </a:p>
+        </p:txBody>
+      </p:sp>
+      <p:sp>
+        <p:nvSpPr>
+          <p:cNvPr id="73" name="사각형: 둥근 모서리 72">
+            <a:extLst>
+              <a:ext uri="{FF2B5EF4-FFF2-40B4-BE49-F238E27FC236}">
+                <a16:creationId xmlns:a16="http://schemas.microsoft.com/office/drawing/2014/main" id="{20A1C239-0408-4124-83E9-53DEDE4CD75F}"/>
+              </a:ext>
+            </a:extLst>
+          </p:cNvPr>
+          <p:cNvSpPr/>
+          <p:nvPr/>
+        </p:nvSpPr>
+        <p:spPr>
+          <a:xfrm>
+            <a:off x="5439849" y="2825540"/>
+            <a:ext cx="1158087" cy="1107328"/>
+          </a:xfrm>
+          <a:prstGeom prst="roundRect">
+            <a:avLst>
+              <a:gd name="adj" fmla="val 12203"/>
+            </a:avLst>
+          </a:prstGeom>
+        </p:spPr>
+        <p:style>
+          <a:lnRef idx="2">
+            <a:schemeClr val="dk1"/>
+          </a:lnRef>
+          <a:fillRef idx="1">
+            <a:schemeClr val="lt1"/>
+          </a:fillRef>
+          <a:effectRef idx="0">
+            <a:schemeClr val="dk1"/>
+          </a:effectRef>
+          <a:fontRef idx="minor">
+            <a:schemeClr val="dk1"/>
+          </a:fontRef>
+        </p:style>
+        <p:txBody>
+          <a:bodyPr rtlCol="0" anchor="t"/>
+          <a:lstStyle/>
+          <a:p>
+            <a:pPr algn="ctr"/>
+            <a:r>
+              <a:rPr lang="en-US" altLang="ko-KR" sz="1100"/>
+              <a:t>Target Container</a:t>
+            </a:r>
+            <a:endParaRPr lang="ko-KR" altLang="en-US" sz="1100"/>
+          </a:p>
+        </p:txBody>
+      </p:sp>
+      <p:sp>
+        <p:nvSpPr>
+          <p:cNvPr id="75" name="사각형: 둥근 모서리 74">
+            <a:extLst>
+              <a:ext uri="{FF2B5EF4-FFF2-40B4-BE49-F238E27FC236}">
+                <a16:creationId xmlns:a16="http://schemas.microsoft.com/office/drawing/2014/main" id="{8F1EE6BD-7693-4A3E-8600-9E6C11463346}"/>
+              </a:ext>
+            </a:extLst>
+          </p:cNvPr>
+          <p:cNvSpPr/>
+          <p:nvPr/>
+        </p:nvSpPr>
+        <p:spPr>
+          <a:xfrm>
+            <a:off x="5562027" y="3273223"/>
+            <a:ext cx="913730" cy="246314"/>
+          </a:xfrm>
+          <a:prstGeom prst="roundRect">
+            <a:avLst>
+              <a:gd name="adj" fmla="val 12203"/>
+            </a:avLst>
+          </a:prstGeom>
+        </p:spPr>
+        <p:style>
+          <a:lnRef idx="2">
+            <a:schemeClr val="dk1"/>
+          </a:lnRef>
+          <a:fillRef idx="1">
+            <a:schemeClr val="lt1"/>
+          </a:fillRef>
+          <a:effectRef idx="0">
+            <a:schemeClr val="dk1"/>
+          </a:effectRef>
+          <a:fontRef idx="minor">
+            <a:schemeClr val="dk1"/>
+          </a:fontRef>
+        </p:style>
+        <p:txBody>
+          <a:bodyPr rtlCol="0" anchor="ctr"/>
+          <a:lstStyle/>
+          <a:p>
+            <a:pPr algn="ctr"/>
+            <a:r>
+              <a:rPr lang="en-US" altLang="ko-KR" sz="1000"/>
+              <a:t>Command</a:t>
+            </a:r>
+            <a:endParaRPr lang="ko-KR" altLang="en-US" sz="1000"/>
+          </a:p>
+        </p:txBody>
+      </p:sp>
+      <p:sp>
+        <p:nvSpPr>
+          <p:cNvPr id="76" name="사각형: 둥근 모서리 75">
+            <a:extLst>
+              <a:ext uri="{FF2B5EF4-FFF2-40B4-BE49-F238E27FC236}">
+                <a16:creationId xmlns:a16="http://schemas.microsoft.com/office/drawing/2014/main" id="{BDE92DF2-161D-48F5-B5DC-344818B6C7B7}"/>
+              </a:ext>
+            </a:extLst>
+          </p:cNvPr>
+          <p:cNvSpPr/>
+          <p:nvPr/>
+        </p:nvSpPr>
+        <p:spPr>
+          <a:xfrm>
+            <a:off x="3249165" y="1851670"/>
+            <a:ext cx="1437742" cy="1080120"/>
+          </a:xfrm>
+          <a:prstGeom prst="roundRect">
+            <a:avLst>
+              <a:gd name="adj" fmla="val 10708"/>
+            </a:avLst>
+          </a:prstGeom>
+        </p:spPr>
+        <p:style>
+          <a:lnRef idx="2">
+            <a:schemeClr val="dk1"/>
+          </a:lnRef>
+          <a:fillRef idx="1">
+            <a:schemeClr val="lt1"/>
+          </a:fillRef>
+          <a:effectRef idx="0">
+            <a:schemeClr val="dk1"/>
+          </a:effectRef>
+          <a:fontRef idx="minor">
+            <a:schemeClr val="dk1"/>
+          </a:fontRef>
+        </p:style>
+        <p:txBody>
+          <a:bodyPr rtlCol="0" anchor="t"/>
+          <a:lstStyle/>
+          <a:p>
+            <a:pPr algn="ctr"/>
+            <a:r>
+              <a:rPr lang="en-US" altLang="ko-KR" sz="1200" b="1"/>
+              <a:t>cnsenter Pod</a:t>
+            </a:r>
+          </a:p>
+        </p:txBody>
+      </p:sp>
+      <p:sp>
+        <p:nvSpPr>
+          <p:cNvPr id="86" name="사각형: 둥근 모서리 85">
+            <a:extLst>
+              <a:ext uri="{FF2B5EF4-FFF2-40B4-BE49-F238E27FC236}">
+                <a16:creationId xmlns:a16="http://schemas.microsoft.com/office/drawing/2014/main" id="{5BFD3EF6-C382-4C58-B89E-FD1B110AD873}"/>
+              </a:ext>
+            </a:extLst>
+          </p:cNvPr>
+          <p:cNvSpPr/>
+          <p:nvPr/>
+        </p:nvSpPr>
+        <p:spPr>
+          <a:xfrm>
+            <a:off x="3388993" y="2186294"/>
+            <a:ext cx="1158087" cy="648072"/>
+          </a:xfrm>
+          <a:prstGeom prst="roundRect">
+            <a:avLst>
+              <a:gd name="adj" fmla="val 12203"/>
+            </a:avLst>
+          </a:prstGeom>
+        </p:spPr>
+        <p:style>
+          <a:lnRef idx="2">
+            <a:schemeClr val="dk1"/>
+          </a:lnRef>
+          <a:fillRef idx="1">
+            <a:schemeClr val="lt1"/>
+          </a:fillRef>
+          <a:effectRef idx="0">
+            <a:schemeClr val="dk1"/>
+          </a:effectRef>
+          <a:fontRef idx="minor">
+            <a:schemeClr val="dk1"/>
+          </a:fontRef>
+        </p:style>
+        <p:txBody>
+          <a:bodyPr rtlCol="0" anchor="t"/>
+          <a:lstStyle/>
+          <a:p>
+            <a:pPr algn="ctr"/>
+            <a:r>
+              <a:rPr lang="en-US" altLang="ko-KR" sz="1100"/>
+              <a:t>Container</a:t>
+            </a:r>
+            <a:endParaRPr lang="ko-KR" altLang="en-US" sz="1100"/>
+          </a:p>
+        </p:txBody>
+      </p:sp>
+      <p:sp>
+        <p:nvSpPr>
+          <p:cNvPr id="95" name="사각형: 둥근 모서리 94">
+            <a:extLst>
+              <a:ext uri="{FF2B5EF4-FFF2-40B4-BE49-F238E27FC236}">
+                <a16:creationId xmlns:a16="http://schemas.microsoft.com/office/drawing/2014/main" id="{EB16ECCF-8C18-448E-851C-7E5A42A5F131}"/>
+              </a:ext>
+            </a:extLst>
+          </p:cNvPr>
+          <p:cNvSpPr/>
+          <p:nvPr/>
+        </p:nvSpPr>
+        <p:spPr>
+          <a:xfrm>
+            <a:off x="3511171" y="2500898"/>
+            <a:ext cx="913730" cy="246314"/>
+          </a:xfrm>
+          <a:prstGeom prst="roundRect">
+            <a:avLst>
+              <a:gd name="adj" fmla="val 12203"/>
+            </a:avLst>
+          </a:prstGeom>
+        </p:spPr>
+        <p:style>
+          <a:lnRef idx="2">
+            <a:schemeClr val="dk1"/>
+          </a:lnRef>
+          <a:fillRef idx="1">
+            <a:schemeClr val="lt1"/>
+          </a:fillRef>
+          <a:effectRef idx="0">
+            <a:schemeClr val="dk1"/>
+          </a:effectRef>
+          <a:fontRef idx="minor">
+            <a:schemeClr val="dk1"/>
+          </a:fontRef>
+        </p:style>
+        <p:txBody>
+          <a:bodyPr rtlCol="0" anchor="ctr"/>
+          <a:lstStyle/>
+          <a:p>
+            <a:pPr algn="ctr"/>
+            <a:r>
+              <a:rPr lang="en-US" altLang="ko-KR" sz="1000"/>
+              <a:t>cnsenter</a:t>
+            </a:r>
+            <a:endParaRPr lang="ko-KR" altLang="en-US" sz="1000"/>
+          </a:p>
+        </p:txBody>
+      </p:sp>
+      <p:sp>
+        <p:nvSpPr>
+          <p:cNvPr id="97" name="사각형: 둥근 모서리 96">
+            <a:extLst>
+              <a:ext uri="{FF2B5EF4-FFF2-40B4-BE49-F238E27FC236}">
+                <a16:creationId xmlns:a16="http://schemas.microsoft.com/office/drawing/2014/main" id="{38E3355C-06D5-4D3D-AC10-D3369B96A92C}"/>
+              </a:ext>
+            </a:extLst>
+          </p:cNvPr>
+          <p:cNvSpPr/>
+          <p:nvPr/>
+        </p:nvSpPr>
+        <p:spPr>
+          <a:xfrm>
+            <a:off x="1181806" y="2219845"/>
+            <a:ext cx="966160" cy="343769"/>
+          </a:xfrm>
+          <a:prstGeom prst="roundRect">
+            <a:avLst>
+              <a:gd name="adj" fmla="val 12203"/>
+            </a:avLst>
+          </a:prstGeom>
+        </p:spPr>
+        <p:style>
+          <a:lnRef idx="2">
+            <a:schemeClr val="dk1"/>
+          </a:lnRef>
+          <a:fillRef idx="1">
+            <a:schemeClr val="lt1"/>
+          </a:fillRef>
+          <a:effectRef idx="0">
+            <a:schemeClr val="dk1"/>
+          </a:effectRef>
+          <a:fontRef idx="minor">
+            <a:schemeClr val="dk1"/>
+          </a:fontRef>
+        </p:style>
+        <p:txBody>
+          <a:bodyPr rtlCol="0" anchor="ctr"/>
+          <a:lstStyle/>
+          <a:p>
+            <a:pPr algn="ctr"/>
+            <a:r>
+              <a:rPr lang="en-US" altLang="ko-KR" sz="1200" b="1"/>
+              <a:t>kpexec</a:t>
+            </a:r>
+            <a:endParaRPr lang="ko-KR" altLang="en-US" sz="1200" b="1"/>
+          </a:p>
+        </p:txBody>
+      </p:sp>
+      <p:cxnSp>
+        <p:nvCxnSpPr>
+          <p:cNvPr id="100" name="직선 연결선 99">
+            <a:extLst>
+              <a:ext uri="{FF2B5EF4-FFF2-40B4-BE49-F238E27FC236}">
+                <a16:creationId xmlns:a16="http://schemas.microsoft.com/office/drawing/2014/main" id="{CBCBE498-15CF-47C1-A767-3415FF031064}"/>
+              </a:ext>
+            </a:extLst>
+          </p:cNvPr>
+          <p:cNvCxnSpPr>
+            <a:cxnSpLocks/>
+            <a:stCxn id="95" idx="3"/>
+            <a:endCxn id="75" idx="1"/>
+          </p:cNvCxnSpPr>
+          <p:nvPr/>
+        </p:nvCxnSpPr>
+        <p:spPr>
+          <a:xfrm>
+            <a:off x="4424901" y="2624055"/>
+            <a:ext cx="1137126" cy="772325"/>
+          </a:xfrm>
+          <a:prstGeom prst="line">
+            <a:avLst/>
+          </a:prstGeom>
+          <a:ln w="19050">
+            <a:solidFill>
+              <a:schemeClr val="tx1"/>
+            </a:solidFill>
+            <a:headEnd type="none" w="med" len="med"/>
+            <a:tailEnd type="none" w="med" len="med"/>
+          </a:ln>
+        </p:spPr>
+        <p:style>
+          <a:lnRef idx="1">
+            <a:schemeClr val="accent1"/>
+          </a:lnRef>
+          <a:fillRef idx="0">
+            <a:schemeClr val="accent1"/>
+          </a:fillRef>
+          <a:effectRef idx="0">
+            <a:schemeClr val="accent1"/>
+          </a:effectRef>
+          <a:fontRef idx="minor">
+            <a:schemeClr val="tx1"/>
+          </a:fontRef>
+        </p:style>
+      </p:cxnSp>
+      <p:sp>
+        <p:nvSpPr>
+          <p:cNvPr id="104" name="사각형: 둥근 모서리 103">
+            <a:extLst>
+              <a:ext uri="{FF2B5EF4-FFF2-40B4-BE49-F238E27FC236}">
+                <a16:creationId xmlns:a16="http://schemas.microsoft.com/office/drawing/2014/main" id="{89D1C3E8-C31D-4A5F-A7DC-450B53202FFD}"/>
+              </a:ext>
+            </a:extLst>
+          </p:cNvPr>
+          <p:cNvSpPr/>
+          <p:nvPr/>
+        </p:nvSpPr>
+        <p:spPr>
+          <a:xfrm>
+            <a:off x="3249165" y="3075806"/>
+            <a:ext cx="1437742" cy="1080120"/>
+          </a:xfrm>
+          <a:prstGeom prst="roundRect">
+            <a:avLst>
+              <a:gd name="adj" fmla="val 10708"/>
+            </a:avLst>
+          </a:prstGeom>
+        </p:spPr>
+        <p:style>
+          <a:lnRef idx="2">
+            <a:schemeClr val="dk1"/>
+          </a:lnRef>
+          <a:fillRef idx="1">
+            <a:schemeClr val="lt1"/>
+          </a:fillRef>
+          <a:effectRef idx="0">
+            <a:schemeClr val="dk1"/>
+          </a:effectRef>
+          <a:fontRef idx="minor">
+            <a:schemeClr val="dk1"/>
+          </a:fontRef>
+        </p:style>
+        <p:txBody>
+          <a:bodyPr rtlCol="0" anchor="t"/>
+          <a:lstStyle/>
+          <a:p>
+            <a:pPr algn="ctr"/>
+            <a:r>
+              <a:rPr lang="en-US" altLang="ko-KR" sz="1200" b="1"/>
+              <a:t>cnsenter Pod</a:t>
+            </a:r>
+          </a:p>
+        </p:txBody>
+      </p:sp>
+      <p:sp>
+        <p:nvSpPr>
+          <p:cNvPr id="105" name="사각형: 둥근 모서리 104">
+            <a:extLst>
+              <a:ext uri="{FF2B5EF4-FFF2-40B4-BE49-F238E27FC236}">
+                <a16:creationId xmlns:a16="http://schemas.microsoft.com/office/drawing/2014/main" id="{D116828F-79BC-48AA-866E-AEF62A75E40E}"/>
+              </a:ext>
+            </a:extLst>
+          </p:cNvPr>
+          <p:cNvSpPr/>
+          <p:nvPr/>
+        </p:nvSpPr>
+        <p:spPr>
+          <a:xfrm>
+            <a:off x="3388993" y="3410430"/>
+            <a:ext cx="1158087" cy="648072"/>
+          </a:xfrm>
+          <a:prstGeom prst="roundRect">
+            <a:avLst>
+              <a:gd name="adj" fmla="val 12203"/>
+            </a:avLst>
+          </a:prstGeom>
+        </p:spPr>
+        <p:style>
+          <a:lnRef idx="2">
+            <a:schemeClr val="dk1"/>
+          </a:lnRef>
+          <a:fillRef idx="1">
+            <a:schemeClr val="lt1"/>
+          </a:fillRef>
+          <a:effectRef idx="0">
+            <a:schemeClr val="dk1"/>
+          </a:effectRef>
+          <a:fontRef idx="minor">
+            <a:schemeClr val="dk1"/>
+          </a:fontRef>
+        </p:style>
+        <p:txBody>
+          <a:bodyPr rtlCol="0" anchor="t"/>
+          <a:lstStyle/>
+          <a:p>
+            <a:pPr algn="ctr"/>
+            <a:r>
+              <a:rPr lang="en-US" altLang="ko-KR" sz="1100"/>
+              <a:t>Container</a:t>
+            </a:r>
+            <a:endParaRPr lang="ko-KR" altLang="en-US" sz="1100"/>
+          </a:p>
+        </p:txBody>
+      </p:sp>
+      <p:sp>
+        <p:nvSpPr>
+          <p:cNvPr id="106" name="사각형: 둥근 모서리 105">
+            <a:extLst>
+              <a:ext uri="{FF2B5EF4-FFF2-40B4-BE49-F238E27FC236}">
+                <a16:creationId xmlns:a16="http://schemas.microsoft.com/office/drawing/2014/main" id="{8815D6C1-B29B-4468-AE0B-58C97020F805}"/>
+              </a:ext>
+            </a:extLst>
+          </p:cNvPr>
+          <p:cNvSpPr/>
+          <p:nvPr/>
+        </p:nvSpPr>
+        <p:spPr>
+          <a:xfrm>
+            <a:off x="3511171" y="3725034"/>
+            <a:ext cx="913730" cy="246314"/>
+          </a:xfrm>
+          <a:prstGeom prst="roundRect">
+            <a:avLst>
+              <a:gd name="adj" fmla="val 12203"/>
+            </a:avLst>
+          </a:prstGeom>
+        </p:spPr>
+        <p:style>
+          <a:lnRef idx="2">
+            <a:schemeClr val="dk1"/>
+          </a:lnRef>
+          <a:fillRef idx="1">
+            <a:schemeClr val="lt1"/>
+          </a:fillRef>
+          <a:effectRef idx="0">
+            <a:schemeClr val="dk1"/>
+          </a:effectRef>
+          <a:fontRef idx="minor">
+            <a:schemeClr val="dk1"/>
+          </a:fontRef>
+        </p:style>
+        <p:txBody>
+          <a:bodyPr rtlCol="0" anchor="ctr"/>
+          <a:lstStyle/>
+          <a:p>
+            <a:pPr algn="ctr"/>
+            <a:r>
+              <a:rPr lang="en-US" altLang="ko-KR" sz="1000"/>
+              <a:t>cnsenter</a:t>
+            </a:r>
+            <a:endParaRPr lang="ko-KR" altLang="en-US" sz="1000"/>
+          </a:p>
+        </p:txBody>
+      </p:sp>
+      <p:sp>
+        <p:nvSpPr>
+          <p:cNvPr id="107" name="사각형: 둥근 모서리 106">
+            <a:extLst>
+              <a:ext uri="{FF2B5EF4-FFF2-40B4-BE49-F238E27FC236}">
+                <a16:creationId xmlns:a16="http://schemas.microsoft.com/office/drawing/2014/main" id="{63205508-003E-4060-BF2B-5840DEB4E7D8}"/>
+              </a:ext>
+            </a:extLst>
+          </p:cNvPr>
+          <p:cNvSpPr/>
+          <p:nvPr/>
+        </p:nvSpPr>
+        <p:spPr>
+          <a:xfrm>
+            <a:off x="1181806" y="3443981"/>
+            <a:ext cx="966160" cy="343769"/>
+          </a:xfrm>
+          <a:prstGeom prst="roundRect">
+            <a:avLst>
+              <a:gd name="adj" fmla="val 12203"/>
+            </a:avLst>
+          </a:prstGeom>
+        </p:spPr>
+        <p:style>
+          <a:lnRef idx="2">
+            <a:schemeClr val="dk1"/>
+          </a:lnRef>
+          <a:fillRef idx="1">
+            <a:schemeClr val="lt1"/>
+          </a:fillRef>
+          <a:effectRef idx="0">
+            <a:schemeClr val="dk1"/>
+          </a:effectRef>
+          <a:fontRef idx="minor">
+            <a:schemeClr val="dk1"/>
+          </a:fontRef>
+        </p:style>
+        <p:txBody>
+          <a:bodyPr rtlCol="0" anchor="ctr"/>
+          <a:lstStyle/>
+          <a:p>
+            <a:pPr algn="ctr"/>
+            <a:r>
+              <a:rPr lang="en-US" altLang="ko-KR" sz="1200" b="1"/>
+              <a:t>kpexec</a:t>
+            </a:r>
+            <a:endParaRPr lang="ko-KR" altLang="en-US" sz="1200" b="1"/>
+          </a:p>
+        </p:txBody>
+      </p:sp>
+      <p:cxnSp>
+        <p:nvCxnSpPr>
+          <p:cNvPr id="109" name="직선 연결선 108">
+            <a:extLst>
+              <a:ext uri="{FF2B5EF4-FFF2-40B4-BE49-F238E27FC236}">
+                <a16:creationId xmlns:a16="http://schemas.microsoft.com/office/drawing/2014/main" id="{0EC68B17-28CA-426D-8F62-C665355F3C05}"/>
+              </a:ext>
+            </a:extLst>
+          </p:cNvPr>
+          <p:cNvCxnSpPr>
+            <a:cxnSpLocks/>
+            <a:stCxn id="106" idx="3"/>
+            <a:endCxn id="116" idx="1"/>
+          </p:cNvCxnSpPr>
+          <p:nvPr/>
+        </p:nvCxnSpPr>
+        <p:spPr>
+          <a:xfrm flipV="1">
+            <a:off x="4424901" y="3725311"/>
+            <a:ext cx="1137126" cy="122880"/>
+          </a:xfrm>
+          <a:prstGeom prst="line">
+            <a:avLst/>
+          </a:prstGeom>
+          <a:ln w="19050">
+            <a:solidFill>
+              <a:schemeClr val="tx1"/>
+            </a:solidFill>
+            <a:headEnd type="none" w="med" len="med"/>
+            <a:tailEnd type="none" w="med" len="med"/>
+          </a:ln>
+        </p:spPr>
+        <p:style>
+          <a:lnRef idx="1">
+            <a:schemeClr val="accent1"/>
+          </a:lnRef>
+          <a:fillRef idx="0">
+            <a:schemeClr val="accent1"/>
+          </a:fillRef>
+          <a:effectRef idx="0">
+            <a:schemeClr val="accent1"/>
+          </a:effectRef>
+          <a:fontRef idx="minor">
+            <a:schemeClr val="tx1"/>
+          </a:fontRef>
+        </p:style>
+      </p:cxnSp>
+      <p:sp>
+        <p:nvSpPr>
+          <p:cNvPr id="114" name="사각형: 둥근 모서리 113">
+            <a:extLst>
+              <a:ext uri="{FF2B5EF4-FFF2-40B4-BE49-F238E27FC236}">
+                <a16:creationId xmlns:a16="http://schemas.microsoft.com/office/drawing/2014/main" id="{56D24251-3F3F-49C4-B369-CC29EEFFE0D5}"/>
+              </a:ext>
+            </a:extLst>
+          </p:cNvPr>
+          <p:cNvSpPr/>
+          <p:nvPr/>
+        </p:nvSpPr>
+        <p:spPr>
+          <a:xfrm>
+            <a:off x="5535149" y="2022498"/>
+            <a:ext cx="967486" cy="343769"/>
+          </a:xfrm>
+          <a:prstGeom prst="roundRect">
+            <a:avLst>
+              <a:gd name="adj" fmla="val 12203"/>
+            </a:avLst>
+          </a:prstGeom>
+        </p:spPr>
+        <p:style>
+          <a:lnRef idx="2">
+            <a:schemeClr val="dk1"/>
+          </a:lnRef>
+          <a:fillRef idx="1">
+            <a:schemeClr val="lt1"/>
+          </a:fillRef>
+          <a:effectRef idx="0">
+            <a:schemeClr val="dk1"/>
+          </a:effectRef>
+          <a:fontRef idx="minor">
+            <a:schemeClr val="dk1"/>
+          </a:fontRef>
+        </p:style>
+        <p:txBody>
+          <a:bodyPr rtlCol="0" anchor="ctr"/>
+          <a:lstStyle/>
+          <a:p>
+            <a:pPr algn="ctr"/>
+            <a:r>
+              <a:rPr lang="en-US" altLang="ko-KR" sz="1200"/>
+              <a:t>containerd</a:t>
+            </a:r>
+          </a:p>
+        </p:txBody>
+      </p:sp>
+      <p:cxnSp>
+        <p:nvCxnSpPr>
+          <p:cNvPr id="115" name="직선 연결선 114">
+            <a:extLst>
+              <a:ext uri="{FF2B5EF4-FFF2-40B4-BE49-F238E27FC236}">
+                <a16:creationId xmlns:a16="http://schemas.microsoft.com/office/drawing/2014/main" id="{33B08333-2B73-40E0-83C5-F60864115EF5}"/>
+              </a:ext>
+            </a:extLst>
+          </p:cNvPr>
+          <p:cNvCxnSpPr>
+            <a:cxnSpLocks/>
+            <a:stCxn id="95" idx="0"/>
+            <a:endCxn id="114" idx="1"/>
+          </p:cNvCxnSpPr>
+          <p:nvPr/>
+        </p:nvCxnSpPr>
+        <p:spPr>
+          <a:xfrm flipV="1">
+            <a:off x="3968036" y="2194383"/>
+            <a:ext cx="1567113" cy="306515"/>
+          </a:xfrm>
+          <a:prstGeom prst="line">
+            <a:avLst/>
+          </a:prstGeom>
+          <a:ln w="19050">
+            <a:solidFill>
+              <a:schemeClr val="tx1"/>
+            </a:solidFill>
+            <a:headEnd type="none" w="med" len="med"/>
+            <a:tailEnd type="none" w="med" len="med"/>
+          </a:ln>
+        </p:spPr>
+        <p:style>
+          <a:lnRef idx="1">
+            <a:schemeClr val="accent1"/>
+          </a:lnRef>
+          <a:fillRef idx="0">
+            <a:schemeClr val="accent1"/>
+          </a:fillRef>
+          <a:effectRef idx="0">
+            <a:schemeClr val="accent1"/>
+          </a:effectRef>
+          <a:fontRef idx="minor">
+            <a:schemeClr val="tx1"/>
+          </a:fontRef>
+        </p:style>
+      </p:cxnSp>
+      <p:sp>
+        <p:nvSpPr>
+          <p:cNvPr id="116" name="사각형: 둥근 모서리 115">
+            <a:extLst>
+              <a:ext uri="{FF2B5EF4-FFF2-40B4-BE49-F238E27FC236}">
+                <a16:creationId xmlns:a16="http://schemas.microsoft.com/office/drawing/2014/main" id="{38C5C11C-4A8F-4547-9118-09BDA4094820}"/>
+              </a:ext>
+            </a:extLst>
+          </p:cNvPr>
+          <p:cNvSpPr/>
+          <p:nvPr/>
+        </p:nvSpPr>
+        <p:spPr>
+          <a:xfrm>
+            <a:off x="5562027" y="3602154"/>
+            <a:ext cx="913730" cy="246314"/>
+          </a:xfrm>
+          <a:prstGeom prst="roundRect">
+            <a:avLst>
+              <a:gd name="adj" fmla="val 12203"/>
+            </a:avLst>
+          </a:prstGeom>
+        </p:spPr>
+        <p:style>
+          <a:lnRef idx="2">
+            <a:schemeClr val="dk1"/>
+          </a:lnRef>
+          <a:fillRef idx="1">
+            <a:schemeClr val="lt1"/>
+          </a:fillRef>
+          <a:effectRef idx="0">
+            <a:schemeClr val="dk1"/>
+          </a:effectRef>
+          <a:fontRef idx="minor">
+            <a:schemeClr val="dk1"/>
+          </a:fontRef>
+        </p:style>
+        <p:txBody>
+          <a:bodyPr rtlCol="0" anchor="ctr"/>
+          <a:lstStyle/>
+          <a:p>
+            <a:pPr algn="ctr"/>
+            <a:r>
+              <a:rPr lang="en-US" altLang="ko-KR" sz="1000"/>
+              <a:t>Command</a:t>
+            </a:r>
+            <a:endParaRPr lang="ko-KR" altLang="en-US" sz="1000"/>
+          </a:p>
+        </p:txBody>
+      </p:sp>
+      <p:cxnSp>
+        <p:nvCxnSpPr>
+          <p:cNvPr id="117" name="직선 연결선 116">
+            <a:extLst>
+              <a:ext uri="{FF2B5EF4-FFF2-40B4-BE49-F238E27FC236}">
+                <a16:creationId xmlns:a16="http://schemas.microsoft.com/office/drawing/2014/main" id="{1A9B72C6-99DD-4895-8D95-E572C0B32140}"/>
+              </a:ext>
+            </a:extLst>
+          </p:cNvPr>
+          <p:cNvCxnSpPr>
+            <a:cxnSpLocks/>
+            <a:stCxn id="106" idx="0"/>
+            <a:endCxn id="114" idx="1"/>
+          </p:cNvCxnSpPr>
+          <p:nvPr/>
+        </p:nvCxnSpPr>
+        <p:spPr>
+          <a:xfrm flipV="1">
+            <a:off x="3968036" y="2194383"/>
+            <a:ext cx="1567113" cy="1530651"/>
+          </a:xfrm>
+          <a:prstGeom prst="line">
+            <a:avLst/>
+          </a:prstGeom>
+          <a:ln w="19050">
+            <a:solidFill>
+              <a:schemeClr val="tx1"/>
+            </a:solidFill>
+            <a:headEnd type="none" w="med" len="med"/>
+            <a:tailEnd type="none" w="med" len="med"/>
+          </a:ln>
+        </p:spPr>
+        <p:style>
+          <a:lnRef idx="1">
+            <a:schemeClr val="accent1"/>
+          </a:lnRef>
+          <a:fillRef idx="0">
+            <a:schemeClr val="accent1"/>
+          </a:fillRef>
+          <a:effectRef idx="0">
+            <a:schemeClr val="accent1"/>
+          </a:effectRef>
+          <a:fontRef idx="minor">
+            <a:schemeClr val="tx1"/>
+          </a:fontRef>
+        </p:style>
+      </p:cxnSp>
+      <p:sp>
+        <p:nvSpPr>
+          <p:cNvPr id="118" name="사각형: 둥근 모서리 117">
+            <a:extLst>
+              <a:ext uri="{FF2B5EF4-FFF2-40B4-BE49-F238E27FC236}">
+                <a16:creationId xmlns:a16="http://schemas.microsoft.com/office/drawing/2014/main" id="{813CABC7-9949-4374-87F5-3A6F7B9A92EF}"/>
+              </a:ext>
+            </a:extLst>
+          </p:cNvPr>
+          <p:cNvSpPr/>
+          <p:nvPr/>
+        </p:nvSpPr>
+        <p:spPr>
+          <a:xfrm>
+            <a:off x="1630095" y="1419630"/>
+            <a:ext cx="1275452" cy="343769"/>
+          </a:xfrm>
+          <a:prstGeom prst="roundRect">
+            <a:avLst>
+              <a:gd name="adj" fmla="val 15872"/>
+            </a:avLst>
+          </a:prstGeom>
+        </p:spPr>
+        <p:style>
+          <a:lnRef idx="2">
+            <a:schemeClr val="dk1"/>
+          </a:lnRef>
+          <a:fillRef idx="1">
+            <a:schemeClr val="lt1"/>
+          </a:fillRef>
+          <a:effectRef idx="0">
+            <a:schemeClr val="dk1"/>
+          </a:effectRef>
+          <a:fontRef idx="minor">
+            <a:schemeClr val="dk1"/>
+          </a:fontRef>
+        </p:style>
+        <p:txBody>
+          <a:bodyPr rtlCol="0" anchor="ctr"/>
+          <a:lstStyle/>
+          <a:p>
+            <a:pPr algn="ctr"/>
+            <a:r>
+              <a:rPr lang="en-US" altLang="ko-KR" sz="1200"/>
+              <a:t>K8s API Server</a:t>
+            </a:r>
+          </a:p>
+        </p:txBody>
+      </p:sp>
+      <p:cxnSp>
+        <p:nvCxnSpPr>
+          <p:cNvPr id="119" name="직선 연결선 118">
+            <a:extLst>
+              <a:ext uri="{FF2B5EF4-FFF2-40B4-BE49-F238E27FC236}">
+                <a16:creationId xmlns:a16="http://schemas.microsoft.com/office/drawing/2014/main" id="{632AD898-AD55-4821-A736-210152B88AF3}"/>
+              </a:ext>
+            </a:extLst>
+          </p:cNvPr>
+          <p:cNvCxnSpPr>
+            <a:cxnSpLocks/>
+            <a:stCxn id="97" idx="0"/>
+            <a:endCxn id="118" idx="2"/>
+          </p:cNvCxnSpPr>
+          <p:nvPr/>
+        </p:nvCxnSpPr>
+        <p:spPr>
+          <a:xfrm flipV="1">
+            <a:off x="1664886" y="1763399"/>
+            <a:ext cx="602935" cy="456446"/>
+          </a:xfrm>
+          <a:prstGeom prst="line">
+            <a:avLst/>
+          </a:prstGeom>
+          <a:ln w="19050">
+            <a:solidFill>
+              <a:schemeClr val="tx1"/>
+            </a:solidFill>
+            <a:headEnd type="none" w="med" len="med"/>
+            <a:tailEnd type="none" w="med" len="med"/>
+          </a:ln>
+        </p:spPr>
+        <p:style>
+          <a:lnRef idx="1">
+            <a:schemeClr val="accent1"/>
+          </a:lnRef>
+          <a:fillRef idx="0">
+            <a:schemeClr val="accent1"/>
+          </a:fillRef>
+          <a:effectRef idx="0">
+            <a:schemeClr val="accent1"/>
+          </a:effectRef>
+          <a:fontRef idx="minor">
+            <a:schemeClr val="tx1"/>
+          </a:fontRef>
+        </p:style>
+      </p:cxnSp>
+      <p:cxnSp>
+        <p:nvCxnSpPr>
+          <p:cNvPr id="121" name="직선 연결선 120">
+            <a:extLst>
+              <a:ext uri="{FF2B5EF4-FFF2-40B4-BE49-F238E27FC236}">
+                <a16:creationId xmlns:a16="http://schemas.microsoft.com/office/drawing/2014/main" id="{3B758C3D-86D8-4341-B303-8289D52FC058}"/>
+              </a:ext>
+            </a:extLst>
+          </p:cNvPr>
+          <p:cNvCxnSpPr>
+            <a:cxnSpLocks/>
+            <a:stCxn id="107" idx="0"/>
+            <a:endCxn id="118" idx="2"/>
+          </p:cNvCxnSpPr>
+          <p:nvPr/>
+        </p:nvCxnSpPr>
+        <p:spPr>
+          <a:xfrm flipV="1">
+            <a:off x="1664886" y="1763399"/>
+            <a:ext cx="602935" cy="1680582"/>
+          </a:xfrm>
+          <a:prstGeom prst="line">
+            <a:avLst/>
+          </a:prstGeom>
+          <a:ln w="19050">
+            <a:solidFill>
+              <a:schemeClr val="tx1"/>
+            </a:solidFill>
+            <a:headEnd type="none" w="med" len="med"/>
+            <a:tailEnd type="none" w="med" len="med"/>
+          </a:ln>
+        </p:spPr>
+        <p:style>
+          <a:lnRef idx="1">
+            <a:schemeClr val="accent1"/>
+          </a:lnRef>
+          <a:fillRef idx="0">
+            <a:schemeClr val="accent1"/>
+          </a:fillRef>
+          <a:effectRef idx="0">
+            <a:schemeClr val="accent1"/>
+          </a:effectRef>
+          <a:fontRef idx="minor">
+            <a:schemeClr val="tx1"/>
+          </a:fontRef>
+        </p:style>
+      </p:cxnSp>
+      <p:cxnSp>
+        <p:nvCxnSpPr>
+          <p:cNvPr id="138" name="직선 연결선 137">
+            <a:extLst>
+              <a:ext uri="{FF2B5EF4-FFF2-40B4-BE49-F238E27FC236}">
+                <a16:creationId xmlns:a16="http://schemas.microsoft.com/office/drawing/2014/main" id="{A5180D89-44B2-4282-A206-CD78A8427DC0}"/>
+              </a:ext>
+            </a:extLst>
+          </p:cNvPr>
+          <p:cNvCxnSpPr>
+            <a:cxnSpLocks/>
+            <a:stCxn id="118" idx="2"/>
+            <a:endCxn id="76" idx="1"/>
+          </p:cNvCxnSpPr>
+          <p:nvPr/>
+        </p:nvCxnSpPr>
+        <p:spPr>
+          <a:xfrm>
+            <a:off x="2267821" y="1763399"/>
+            <a:ext cx="981344" cy="628331"/>
+          </a:xfrm>
+          <a:prstGeom prst="line">
+            <a:avLst/>
+          </a:prstGeom>
+          <a:ln w="19050">
+            <a:solidFill>
+              <a:schemeClr val="tx1"/>
+            </a:solidFill>
+            <a:headEnd type="none" w="med" len="med"/>
+            <a:tailEnd type="none" w="med" len="med"/>
+          </a:ln>
+        </p:spPr>
+        <p:style>
+          <a:lnRef idx="1">
+            <a:schemeClr val="accent1"/>
+          </a:lnRef>
+          <a:fillRef idx="0">
+            <a:schemeClr val="accent1"/>
+          </a:fillRef>
+          <a:effectRef idx="0">
+            <a:schemeClr val="accent1"/>
+          </a:effectRef>
+          <a:fontRef idx="minor">
+            <a:schemeClr val="tx1"/>
+          </a:fontRef>
+        </p:style>
+      </p:cxnSp>
+      <p:cxnSp>
+        <p:nvCxnSpPr>
+          <p:cNvPr id="141" name="직선 연결선 140">
+            <a:extLst>
+              <a:ext uri="{FF2B5EF4-FFF2-40B4-BE49-F238E27FC236}">
+                <a16:creationId xmlns:a16="http://schemas.microsoft.com/office/drawing/2014/main" id="{9A583628-BFA9-4601-8DA5-EEFD1C44B3D8}"/>
+              </a:ext>
+            </a:extLst>
+          </p:cNvPr>
+          <p:cNvCxnSpPr>
+            <a:cxnSpLocks/>
+            <a:stCxn id="118" idx="2"/>
+            <a:endCxn id="104" idx="1"/>
+          </p:cNvCxnSpPr>
+          <p:nvPr/>
+        </p:nvCxnSpPr>
+        <p:spPr>
+          <a:xfrm>
+            <a:off x="2267821" y="1763399"/>
+            <a:ext cx="981344" cy="1852467"/>
+          </a:xfrm>
+          <a:prstGeom prst="line">
+            <a:avLst/>
+          </a:prstGeom>
+          <a:ln w="19050">
+            <a:solidFill>
+              <a:schemeClr val="tx1"/>
+            </a:solidFill>
+            <a:headEnd type="none" w="med" len="med"/>
+            <a:tailEnd type="none" w="med" len="med"/>
+          </a:ln>
+        </p:spPr>
+        <p:style>
+          <a:lnRef idx="1">
+            <a:schemeClr val="accent1"/>
+          </a:lnRef>
+          <a:fillRef idx="0">
+            <a:schemeClr val="accent1"/>
+          </a:fillRef>
+          <a:effectRef idx="0">
+            <a:schemeClr val="accent1"/>
+          </a:effectRef>
+          <a:fontRef idx="minor">
+            <a:schemeClr val="tx1"/>
+          </a:fontRef>
+        </p:style>
+      </p:cxnSp>
+      <p:cxnSp>
+        <p:nvCxnSpPr>
+          <p:cNvPr id="145" name="직선 연결선 144">
+            <a:extLst>
+              <a:ext uri="{FF2B5EF4-FFF2-40B4-BE49-F238E27FC236}">
+                <a16:creationId xmlns:a16="http://schemas.microsoft.com/office/drawing/2014/main" id="{E05BB714-3DD9-43A8-8B1B-7EC4BABEC022}"/>
+              </a:ext>
+            </a:extLst>
+          </p:cNvPr>
+          <p:cNvCxnSpPr>
+            <a:cxnSpLocks/>
+            <a:stCxn id="97" idx="3"/>
+            <a:endCxn id="95" idx="1"/>
+          </p:cNvCxnSpPr>
+          <p:nvPr/>
+        </p:nvCxnSpPr>
+        <p:spPr>
+          <a:xfrm>
+            <a:off x="2147966" y="2391730"/>
+            <a:ext cx="1363205" cy="232325"/>
+          </a:xfrm>
+          <a:prstGeom prst="line">
+            <a:avLst/>
+          </a:prstGeom>
+          <a:ln w="19050">
+            <a:solidFill>
+              <a:schemeClr val="tx1"/>
+            </a:solidFill>
+            <a:headEnd type="none" w="med" len="med"/>
+            <a:tailEnd type="none" w="med" len="med"/>
+          </a:ln>
+        </p:spPr>
+        <p:style>
+          <a:lnRef idx="1">
+            <a:schemeClr val="accent1"/>
+          </a:lnRef>
+          <a:fillRef idx="0">
+            <a:schemeClr val="accent1"/>
+          </a:fillRef>
+          <a:effectRef idx="0">
+            <a:schemeClr val="accent1"/>
+          </a:effectRef>
+          <a:fontRef idx="minor">
+            <a:schemeClr val="tx1"/>
+          </a:fontRef>
+        </p:style>
+      </p:cxnSp>
+      <p:cxnSp>
+        <p:nvCxnSpPr>
+          <p:cNvPr id="148" name="직선 연결선 147">
+            <a:extLst>
+              <a:ext uri="{FF2B5EF4-FFF2-40B4-BE49-F238E27FC236}">
+                <a16:creationId xmlns:a16="http://schemas.microsoft.com/office/drawing/2014/main" id="{C913F3DE-B6C8-4CA4-AB3F-BE5589A46E4E}"/>
+              </a:ext>
+            </a:extLst>
+          </p:cNvPr>
+          <p:cNvCxnSpPr>
+            <a:cxnSpLocks/>
+            <a:stCxn id="107" idx="3"/>
+            <a:endCxn id="106" idx="1"/>
+          </p:cNvCxnSpPr>
+          <p:nvPr/>
+        </p:nvCxnSpPr>
+        <p:spPr>
+          <a:xfrm>
+            <a:off x="2147966" y="3615866"/>
+            <a:ext cx="1363205" cy="232325"/>
+          </a:xfrm>
+          <a:prstGeom prst="line">
+            <a:avLst/>
+          </a:prstGeom>
+          <a:ln w="19050">
+            <a:solidFill>
+              <a:schemeClr val="tx1"/>
+            </a:solidFill>
+            <a:headEnd type="none" w="med" len="med"/>
+            <a:tailEnd type="none" w="med" len="med"/>
+          </a:ln>
+        </p:spPr>
+        <p:style>
+          <a:lnRef idx="1">
+            <a:schemeClr val="accent1"/>
+          </a:lnRef>
+          <a:fillRef idx="0">
+            <a:schemeClr val="accent1"/>
+          </a:fillRef>
+          <a:effectRef idx="0">
+            <a:schemeClr val="accent1"/>
+          </a:effectRef>
+          <a:fontRef idx="minor">
+            <a:schemeClr val="tx1"/>
+          </a:fontRef>
+        </p:style>
+      </p:cxnSp>
+      <p:sp>
+        <p:nvSpPr>
+          <p:cNvPr id="155" name="TextBox 154">
+            <a:extLst>
+              <a:ext uri="{FF2B5EF4-FFF2-40B4-BE49-F238E27FC236}">
+                <a16:creationId xmlns:a16="http://schemas.microsoft.com/office/drawing/2014/main" id="{56B744D6-D06B-4CDE-9075-54B64482DD69}"/>
+              </a:ext>
+            </a:extLst>
+          </p:cNvPr>
+          <p:cNvSpPr txBox="1"/>
+          <p:nvPr/>
+        </p:nvSpPr>
+        <p:spPr>
+          <a:xfrm>
+            <a:off x="2175347" y="3694326"/>
+            <a:ext cx="1018228" cy="430887"/>
+          </a:xfrm>
+          <a:prstGeom prst="rect">
+            <a:avLst/>
+          </a:prstGeom>
+          <a:noFill/>
+        </p:spPr>
+        <p:txBody>
+          <a:bodyPr wrap="none" rtlCol="0">
+            <a:spAutoFit/>
+          </a:bodyPr>
+          <a:lstStyle/>
+          <a:p>
+            <a:pPr algn="ctr"/>
+            <a:r>
+              <a:rPr lang="en-US" altLang="ko-KR" sz="1100"/>
+              <a:t>stdin/</a:t>
+            </a:r>
+          </a:p>
+          <a:p>
+            <a:pPr algn="ctr"/>
+            <a:r>
+              <a:rPr lang="en-US" altLang="ko-KR" sz="1100"/>
+              <a:t>stdout/stderr</a:t>
+            </a:r>
+          </a:p>
+        </p:txBody>
+      </p:sp>
+      <p:sp>
+        <p:nvSpPr>
+          <p:cNvPr id="156" name="TextBox 155">
+            <a:extLst>
+              <a:ext uri="{FF2B5EF4-FFF2-40B4-BE49-F238E27FC236}">
+                <a16:creationId xmlns:a16="http://schemas.microsoft.com/office/drawing/2014/main" id="{468BB3B5-C4C1-485E-B73F-11757B0EF42A}"/>
+              </a:ext>
+            </a:extLst>
+          </p:cNvPr>
+          <p:cNvSpPr txBox="1"/>
+          <p:nvPr/>
+        </p:nvSpPr>
+        <p:spPr>
+          <a:xfrm>
+            <a:off x="2415347" y="2068902"/>
+            <a:ext cx="596638" cy="261610"/>
+          </a:xfrm>
+          <a:prstGeom prst="rect">
+            <a:avLst/>
+          </a:prstGeom>
+          <a:noFill/>
+        </p:spPr>
+        <p:txBody>
+          <a:bodyPr wrap="none" rtlCol="0">
+            <a:spAutoFit/>
+          </a:bodyPr>
+          <a:lstStyle/>
+          <a:p>
+            <a:pPr algn="ctr"/>
+            <a:r>
+              <a:rPr lang="en-US" altLang="ko-KR" sz="1100"/>
+              <a:t>Create</a:t>
+            </a:r>
+          </a:p>
+        </p:txBody>
+      </p:sp>
+    </p:spTree>
+    <p:extLst>
+      <p:ext uri="{BB962C8B-B14F-4D97-AF65-F5344CB8AC3E}">
+        <p14:creationId xmlns:p14="http://schemas.microsoft.com/office/powerpoint/2010/main" val="2695993015"/>
+      </p:ext>
+    </p:extLst>
+  </p:cSld>
+  <p:clrMapOvr>
+    <a:masterClrMapping/>
+  </p:clrMapOvr>
+</p:sld>
+</file>
+
+<file path=ppt/slides/slide5.xml><?xml version="1.0" encoding="utf-8"?>
+<p:sld xmlns:a="http://schemas.openxmlformats.org/drawingml/2006/main" xmlns:r="http://schemas.openxmlformats.org/officeDocument/2006/relationships" xmlns:p="http://schemas.openxmlformats.org/presentationml/2006/main">
+  <p:cSld>
+    <p:spTree>
+      <p:nvGrpSpPr>
+        <p:cNvPr id="1" name=""/>
+        <p:cNvGrpSpPr/>
+        <p:nvPr/>
+      </p:nvGrpSpPr>
+      <p:grpSpPr>
+        <a:xfrm>
+          <a:off x="0" y="0"/>
+          <a:ext cx="0" cy="0"/>
+          <a:chOff x="0" y="0"/>
+          <a:chExt cx="0" cy="0"/>
+        </a:xfrm>
+      </p:grpSpPr>
+      <p:sp>
+        <p:nvSpPr>
+          <p:cNvPr id="2" name="제목 1">
+            <a:extLst>
+              <a:ext uri="{FF2B5EF4-FFF2-40B4-BE49-F238E27FC236}">
+                <a16:creationId xmlns:a16="http://schemas.microsoft.com/office/drawing/2014/main" id="{8738443D-5E72-49E2-86AC-581D61C41C39}"/>
+              </a:ext>
+            </a:extLst>
+          </p:cNvPr>
+          <p:cNvSpPr>
+            <a:spLocks noGrp="1"/>
+          </p:cNvSpPr>
+          <p:nvPr>
+            <p:ph type="title"/>
+          </p:nvPr>
+        </p:nvSpPr>
+        <p:spPr>
+          <a:xfrm>
+            <a:off x="457200" y="-92546"/>
+            <a:ext cx="8229600" cy="857250"/>
+          </a:xfrm>
+        </p:spPr>
+        <p:txBody>
+          <a:bodyPr>
+            <a:normAutofit/>
+          </a:bodyPr>
+          <a:lstStyle/>
+          <a:p>
+            <a:r>
+              <a:rPr lang="en-US" altLang="ko-KR" err="1"/>
+              <a:t>Kpexec</a:t>
+            </a:r>
+            <a:r>
+              <a:rPr lang="en-US" altLang="ko-KR"/>
+              <a:t> Architecture</a:t>
+            </a:r>
+            <a:endParaRPr lang="ko-KR" altLang="en-US"/>
+          </a:p>
+        </p:txBody>
+      </p:sp>
+      <p:sp>
+        <p:nvSpPr>
+          <p:cNvPr id="54" name="사각형: 둥근 모서리 53">
+            <a:extLst>
+              <a:ext uri="{FF2B5EF4-FFF2-40B4-BE49-F238E27FC236}">
+                <a16:creationId xmlns:a16="http://schemas.microsoft.com/office/drawing/2014/main" id="{D8641BDD-0AFF-4D61-B8C3-8E3FCF9748B7}"/>
+              </a:ext>
+            </a:extLst>
+          </p:cNvPr>
+          <p:cNvSpPr/>
+          <p:nvPr/>
+        </p:nvSpPr>
+        <p:spPr>
+          <a:xfrm>
+            <a:off x="3131840" y="1419630"/>
+            <a:ext cx="3725655" cy="2849672"/>
+          </a:xfrm>
+          <a:prstGeom prst="roundRect">
+            <a:avLst>
+              <a:gd name="adj" fmla="val 7328"/>
+            </a:avLst>
+          </a:prstGeom>
+        </p:spPr>
+        <p:style>
+          <a:lnRef idx="2">
+            <a:schemeClr val="dk1"/>
+          </a:lnRef>
+          <a:fillRef idx="1">
+            <a:schemeClr val="lt1"/>
+          </a:fillRef>
+          <a:effectRef idx="0">
+            <a:schemeClr val="dk1"/>
+          </a:effectRef>
+          <a:fontRef idx="minor">
+            <a:schemeClr val="dk1"/>
+          </a:fontRef>
+        </p:style>
+        <p:txBody>
+          <a:bodyPr rtlCol="0" anchor="t"/>
+          <a:lstStyle/>
+          <a:p>
+            <a:pPr algn="ctr"/>
+            <a:r>
+              <a:rPr lang="en-US" altLang="ko-KR" sz="1400"/>
+              <a:t>K8s Node</a:t>
+            </a:r>
+            <a:endParaRPr lang="ko-KR" altLang="en-US" sz="1400"/>
+          </a:p>
+        </p:txBody>
+      </p:sp>
+      <p:sp>
+        <p:nvSpPr>
+          <p:cNvPr id="58" name="사각형: 둥근 모서리 57">
+            <a:extLst>
+              <a:ext uri="{FF2B5EF4-FFF2-40B4-BE49-F238E27FC236}">
+                <a16:creationId xmlns:a16="http://schemas.microsoft.com/office/drawing/2014/main" id="{5E4E3A93-5115-4E7C-8846-FD81D33318F8}"/>
+              </a:ext>
+            </a:extLst>
+          </p:cNvPr>
+          <p:cNvSpPr/>
+          <p:nvPr/>
+        </p:nvSpPr>
+        <p:spPr>
+          <a:xfrm>
+            <a:off x="5300024" y="2355726"/>
+            <a:ext cx="1437738" cy="1394259"/>
+          </a:xfrm>
+          <a:prstGeom prst="roundRect">
+            <a:avLst>
+              <a:gd name="adj" fmla="val 9324"/>
+            </a:avLst>
+          </a:prstGeom>
+        </p:spPr>
+        <p:style>
+          <a:lnRef idx="2">
+            <a:schemeClr val="dk1"/>
+          </a:lnRef>
+          <a:fillRef idx="1">
+            <a:schemeClr val="lt1"/>
+          </a:fillRef>
+          <a:effectRef idx="0">
+            <a:schemeClr val="dk1"/>
+          </a:effectRef>
+          <a:fontRef idx="minor">
+            <a:schemeClr val="dk1"/>
+          </a:fontRef>
+        </p:style>
+        <p:txBody>
+          <a:bodyPr rtlCol="0" anchor="t"/>
+          <a:lstStyle/>
+          <a:p>
+            <a:pPr algn="ctr"/>
+            <a:r>
+              <a:rPr lang="en-US" altLang="ko-KR" sz="1200"/>
+              <a:t>Pod</a:t>
+            </a:r>
+          </a:p>
+        </p:txBody>
+      </p:sp>
+      <p:sp>
+        <p:nvSpPr>
+          <p:cNvPr id="73" name="사각형: 둥근 모서리 72">
+            <a:extLst>
+              <a:ext uri="{FF2B5EF4-FFF2-40B4-BE49-F238E27FC236}">
+                <a16:creationId xmlns:a16="http://schemas.microsoft.com/office/drawing/2014/main" id="{20A1C239-0408-4124-83E9-53DEDE4CD75F}"/>
+              </a:ext>
+            </a:extLst>
+          </p:cNvPr>
+          <p:cNvSpPr/>
+          <p:nvPr/>
+        </p:nvSpPr>
+        <p:spPr>
+          <a:xfrm>
+            <a:off x="5439849" y="2696693"/>
+            <a:ext cx="1158087" cy="974249"/>
+          </a:xfrm>
+          <a:prstGeom prst="roundRect">
+            <a:avLst>
+              <a:gd name="adj" fmla="val 12203"/>
+            </a:avLst>
+          </a:prstGeom>
+        </p:spPr>
+        <p:style>
+          <a:lnRef idx="2">
+            <a:schemeClr val="dk1"/>
+          </a:lnRef>
+          <a:fillRef idx="1">
+            <a:schemeClr val="lt1"/>
+          </a:fillRef>
+          <a:effectRef idx="0">
+            <a:schemeClr val="dk1"/>
+          </a:effectRef>
+          <a:fontRef idx="minor">
+            <a:schemeClr val="dk1"/>
+          </a:fontRef>
+        </p:style>
+        <p:txBody>
+          <a:bodyPr rtlCol="0" anchor="t"/>
+          <a:lstStyle/>
+          <a:p>
+            <a:pPr algn="ctr"/>
+            <a:r>
+              <a:rPr lang="en-US" altLang="ko-KR" sz="1100"/>
+              <a:t>Container</a:t>
+            </a:r>
+            <a:endParaRPr lang="ko-KR" altLang="en-US" sz="1100"/>
+          </a:p>
+        </p:txBody>
+      </p:sp>
+      <p:sp>
+        <p:nvSpPr>
+          <p:cNvPr id="75" name="사각형: 둥근 모서리 74">
+            <a:extLst>
+              <a:ext uri="{FF2B5EF4-FFF2-40B4-BE49-F238E27FC236}">
+                <a16:creationId xmlns:a16="http://schemas.microsoft.com/office/drawing/2014/main" id="{8F1EE6BD-7693-4A3E-8600-9E6C11463346}"/>
+              </a:ext>
+            </a:extLst>
+          </p:cNvPr>
+          <p:cNvSpPr/>
+          <p:nvPr/>
+        </p:nvSpPr>
+        <p:spPr>
+          <a:xfrm>
+            <a:off x="5562027" y="3011298"/>
+            <a:ext cx="913730" cy="246314"/>
+          </a:xfrm>
+          <a:prstGeom prst="roundRect">
+            <a:avLst>
+              <a:gd name="adj" fmla="val 12203"/>
+            </a:avLst>
+          </a:prstGeom>
+        </p:spPr>
+        <p:style>
+          <a:lnRef idx="2">
+            <a:schemeClr val="dk1"/>
+          </a:lnRef>
+          <a:fillRef idx="1">
+            <a:schemeClr val="lt1"/>
+          </a:fillRef>
+          <a:effectRef idx="0">
+            <a:schemeClr val="dk1"/>
+          </a:effectRef>
+          <a:fontRef idx="minor">
+            <a:schemeClr val="dk1"/>
+          </a:fontRef>
+        </p:style>
+        <p:txBody>
+          <a:bodyPr rtlCol="0" anchor="ctr"/>
+          <a:lstStyle/>
+          <a:p>
+            <a:pPr algn="ctr"/>
+            <a:r>
+              <a:rPr lang="en-US" altLang="ko-KR" sz="1000"/>
+              <a:t>Command</a:t>
+            </a:r>
+            <a:endParaRPr lang="ko-KR" altLang="en-US" sz="1000"/>
+          </a:p>
+        </p:txBody>
+      </p:sp>
+      <p:sp>
+        <p:nvSpPr>
+          <p:cNvPr id="76" name="사각형: 둥근 모서리 75">
+            <a:extLst>
+              <a:ext uri="{FF2B5EF4-FFF2-40B4-BE49-F238E27FC236}">
+                <a16:creationId xmlns:a16="http://schemas.microsoft.com/office/drawing/2014/main" id="{BDE92DF2-161D-48F5-B5DC-344818B6C7B7}"/>
+              </a:ext>
+            </a:extLst>
+          </p:cNvPr>
+          <p:cNvSpPr/>
+          <p:nvPr/>
+        </p:nvSpPr>
+        <p:spPr>
+          <a:xfrm>
+            <a:off x="3249165" y="1851670"/>
+            <a:ext cx="1437742" cy="1080120"/>
+          </a:xfrm>
+          <a:prstGeom prst="roundRect">
+            <a:avLst>
+              <a:gd name="adj" fmla="val 10708"/>
+            </a:avLst>
+          </a:prstGeom>
+        </p:spPr>
+        <p:style>
+          <a:lnRef idx="2">
+            <a:schemeClr val="dk1"/>
+          </a:lnRef>
+          <a:fillRef idx="1">
+            <a:schemeClr val="lt1"/>
+          </a:fillRef>
+          <a:effectRef idx="0">
+            <a:schemeClr val="dk1"/>
+          </a:effectRef>
+          <a:fontRef idx="minor">
+            <a:schemeClr val="dk1"/>
+          </a:fontRef>
+        </p:style>
+        <p:txBody>
+          <a:bodyPr rtlCol="0" anchor="t"/>
+          <a:lstStyle/>
+          <a:p>
+            <a:pPr algn="ctr"/>
+            <a:r>
+              <a:rPr lang="en-US" altLang="ko-KR" sz="1200" b="1"/>
+              <a:t>cnsenter Pod</a:t>
+            </a:r>
+          </a:p>
+        </p:txBody>
+      </p:sp>
+      <p:sp>
+        <p:nvSpPr>
+          <p:cNvPr id="86" name="사각형: 둥근 모서리 85">
+            <a:extLst>
+              <a:ext uri="{FF2B5EF4-FFF2-40B4-BE49-F238E27FC236}">
+                <a16:creationId xmlns:a16="http://schemas.microsoft.com/office/drawing/2014/main" id="{5BFD3EF6-C382-4C58-B89E-FD1B110AD873}"/>
+              </a:ext>
+            </a:extLst>
+          </p:cNvPr>
+          <p:cNvSpPr/>
+          <p:nvPr/>
+        </p:nvSpPr>
+        <p:spPr>
+          <a:xfrm>
+            <a:off x="3388993" y="2186294"/>
+            <a:ext cx="1158087" cy="648072"/>
+          </a:xfrm>
+          <a:prstGeom prst="roundRect">
+            <a:avLst>
+              <a:gd name="adj" fmla="val 12203"/>
+            </a:avLst>
+          </a:prstGeom>
+        </p:spPr>
+        <p:style>
+          <a:lnRef idx="2">
+            <a:schemeClr val="dk1"/>
+          </a:lnRef>
+          <a:fillRef idx="1">
+            <a:schemeClr val="lt1"/>
+          </a:fillRef>
+          <a:effectRef idx="0">
+            <a:schemeClr val="dk1"/>
+          </a:effectRef>
+          <a:fontRef idx="minor">
+            <a:schemeClr val="dk1"/>
+          </a:fontRef>
+        </p:style>
+        <p:txBody>
+          <a:bodyPr rtlCol="0" anchor="t"/>
+          <a:lstStyle/>
+          <a:p>
+            <a:pPr algn="ctr"/>
+            <a:r>
+              <a:rPr lang="en-US" altLang="ko-KR" sz="1100"/>
+              <a:t>Container</a:t>
+            </a:r>
+            <a:endParaRPr lang="ko-KR" altLang="en-US" sz="1100"/>
+          </a:p>
+        </p:txBody>
+      </p:sp>
+      <p:sp>
+        <p:nvSpPr>
+          <p:cNvPr id="95" name="사각형: 둥근 모서리 94">
+            <a:extLst>
+              <a:ext uri="{FF2B5EF4-FFF2-40B4-BE49-F238E27FC236}">
+                <a16:creationId xmlns:a16="http://schemas.microsoft.com/office/drawing/2014/main" id="{EB16ECCF-8C18-448E-851C-7E5A42A5F131}"/>
+              </a:ext>
+            </a:extLst>
+          </p:cNvPr>
+          <p:cNvSpPr/>
+          <p:nvPr/>
+        </p:nvSpPr>
+        <p:spPr>
+          <a:xfrm>
+            <a:off x="3511171" y="2500898"/>
+            <a:ext cx="913730" cy="246314"/>
+          </a:xfrm>
+          <a:prstGeom prst="roundRect">
+            <a:avLst>
+              <a:gd name="adj" fmla="val 12203"/>
+            </a:avLst>
+          </a:prstGeom>
+        </p:spPr>
+        <p:style>
+          <a:lnRef idx="2">
+            <a:schemeClr val="dk1"/>
+          </a:lnRef>
+          <a:fillRef idx="1">
+            <a:schemeClr val="lt1"/>
+          </a:fillRef>
+          <a:effectRef idx="0">
+            <a:schemeClr val="dk1"/>
+          </a:effectRef>
+          <a:fontRef idx="minor">
+            <a:schemeClr val="dk1"/>
+          </a:fontRef>
+        </p:style>
+        <p:txBody>
+          <a:bodyPr rtlCol="0" anchor="ctr"/>
+          <a:lstStyle/>
+          <a:p>
+            <a:pPr algn="ctr"/>
+            <a:r>
+              <a:rPr lang="en-US" altLang="ko-KR" sz="1000"/>
+              <a:t>cnsenter</a:t>
+            </a:r>
+            <a:endParaRPr lang="ko-KR" altLang="en-US" sz="1000"/>
+          </a:p>
+        </p:txBody>
+      </p:sp>
+      <p:sp>
+        <p:nvSpPr>
+          <p:cNvPr id="97" name="사각형: 둥근 모서리 96">
+            <a:extLst>
+              <a:ext uri="{FF2B5EF4-FFF2-40B4-BE49-F238E27FC236}">
+                <a16:creationId xmlns:a16="http://schemas.microsoft.com/office/drawing/2014/main" id="{38E3355C-06D5-4D3D-AC10-D3369B96A92C}"/>
+              </a:ext>
+            </a:extLst>
+          </p:cNvPr>
+          <p:cNvSpPr/>
+          <p:nvPr/>
+        </p:nvSpPr>
+        <p:spPr>
+          <a:xfrm>
+            <a:off x="1302872" y="2219845"/>
+            <a:ext cx="966160" cy="343769"/>
+          </a:xfrm>
+          <a:prstGeom prst="roundRect">
+            <a:avLst>
+              <a:gd name="adj" fmla="val 12203"/>
+            </a:avLst>
+          </a:prstGeom>
+        </p:spPr>
+        <p:style>
+          <a:lnRef idx="2">
+            <a:schemeClr val="dk1"/>
+          </a:lnRef>
+          <a:fillRef idx="1">
+            <a:schemeClr val="lt1"/>
+          </a:fillRef>
+          <a:effectRef idx="0">
+            <a:schemeClr val="dk1"/>
+          </a:effectRef>
+          <a:fontRef idx="minor">
+            <a:schemeClr val="dk1"/>
+          </a:fontRef>
+        </p:style>
+        <p:txBody>
+          <a:bodyPr rtlCol="0" anchor="ctr"/>
+          <a:lstStyle/>
+          <a:p>
+            <a:pPr algn="ctr"/>
+            <a:r>
+              <a:rPr lang="en-US" altLang="ko-KR" sz="1200" b="1"/>
+              <a:t>kpexec</a:t>
+            </a:r>
+            <a:endParaRPr lang="ko-KR" altLang="en-US" sz="1200" b="1"/>
+          </a:p>
+        </p:txBody>
+      </p:sp>
+      <p:cxnSp>
+        <p:nvCxnSpPr>
+          <p:cNvPr id="98" name="직선 연결선 97">
+            <a:extLst>
+              <a:ext uri="{FF2B5EF4-FFF2-40B4-BE49-F238E27FC236}">
+                <a16:creationId xmlns:a16="http://schemas.microsoft.com/office/drawing/2014/main" id="{59BC6845-625F-4AF9-8A2A-85F37939155E}"/>
+              </a:ext>
+            </a:extLst>
+          </p:cNvPr>
+          <p:cNvCxnSpPr>
+            <a:cxnSpLocks/>
+            <a:stCxn id="97" idx="3"/>
+            <a:endCxn id="76" idx="1"/>
+          </p:cNvCxnSpPr>
+          <p:nvPr/>
+        </p:nvCxnSpPr>
+        <p:spPr>
+          <a:xfrm>
+            <a:off x="2269032" y="2391730"/>
+            <a:ext cx="980133" cy="0"/>
+          </a:xfrm>
+          <a:prstGeom prst="line">
+            <a:avLst/>
+          </a:prstGeom>
+          <a:ln w="19050">
+            <a:solidFill>
+              <a:schemeClr val="tx1"/>
+            </a:solidFill>
+            <a:headEnd type="none" w="med" len="med"/>
+            <a:tailEnd type="arrow" w="med" len="med"/>
+          </a:ln>
+        </p:spPr>
+        <p:style>
+          <a:lnRef idx="1">
+            <a:schemeClr val="accent1"/>
+          </a:lnRef>
+          <a:fillRef idx="0">
+            <a:schemeClr val="accent1"/>
+          </a:fillRef>
+          <a:effectRef idx="0">
+            <a:schemeClr val="accent1"/>
+          </a:effectRef>
+          <a:fontRef idx="minor">
+            <a:schemeClr val="tx1"/>
+          </a:fontRef>
+        </p:style>
+      </p:cxnSp>
+      <p:cxnSp>
+        <p:nvCxnSpPr>
+          <p:cNvPr id="100" name="직선 연결선 99">
+            <a:extLst>
+              <a:ext uri="{FF2B5EF4-FFF2-40B4-BE49-F238E27FC236}">
+                <a16:creationId xmlns:a16="http://schemas.microsoft.com/office/drawing/2014/main" id="{CBCBE498-15CF-47C1-A767-3415FF031064}"/>
+              </a:ext>
+            </a:extLst>
+          </p:cNvPr>
+          <p:cNvCxnSpPr>
+            <a:cxnSpLocks/>
+            <a:stCxn id="95" idx="3"/>
+            <a:endCxn id="75" idx="1"/>
+          </p:cNvCxnSpPr>
+          <p:nvPr/>
+        </p:nvCxnSpPr>
+        <p:spPr>
+          <a:xfrm>
+            <a:off x="4424901" y="2624055"/>
+            <a:ext cx="1137126" cy="510400"/>
+          </a:xfrm>
+          <a:prstGeom prst="line">
+            <a:avLst/>
+          </a:prstGeom>
+          <a:ln w="19050">
+            <a:solidFill>
+              <a:schemeClr val="tx1"/>
+            </a:solidFill>
+            <a:headEnd type="none" w="med" len="med"/>
+            <a:tailEnd type="arrow" w="med" len="med"/>
+          </a:ln>
+        </p:spPr>
+        <p:style>
+          <a:lnRef idx="1">
+            <a:schemeClr val="accent1"/>
+          </a:lnRef>
+          <a:fillRef idx="0">
+            <a:schemeClr val="accent1"/>
+          </a:fillRef>
+          <a:effectRef idx="0">
+            <a:schemeClr val="accent1"/>
+          </a:effectRef>
+          <a:fontRef idx="minor">
+            <a:schemeClr val="tx1"/>
+          </a:fontRef>
+        </p:style>
+      </p:cxnSp>
+      <p:sp>
+        <p:nvSpPr>
+          <p:cNvPr id="104" name="사각형: 둥근 모서리 103">
+            <a:extLst>
+              <a:ext uri="{FF2B5EF4-FFF2-40B4-BE49-F238E27FC236}">
+                <a16:creationId xmlns:a16="http://schemas.microsoft.com/office/drawing/2014/main" id="{89D1C3E8-C31D-4A5F-A7DC-450B53202FFD}"/>
+              </a:ext>
+            </a:extLst>
+          </p:cNvPr>
+          <p:cNvSpPr/>
+          <p:nvPr/>
+        </p:nvSpPr>
+        <p:spPr>
+          <a:xfrm>
+            <a:off x="3249165" y="3075806"/>
+            <a:ext cx="1437742" cy="1080120"/>
+          </a:xfrm>
+          <a:prstGeom prst="roundRect">
+            <a:avLst>
+              <a:gd name="adj" fmla="val 10708"/>
+            </a:avLst>
+          </a:prstGeom>
+        </p:spPr>
+        <p:style>
+          <a:lnRef idx="2">
+            <a:schemeClr val="dk1"/>
+          </a:lnRef>
+          <a:fillRef idx="1">
+            <a:schemeClr val="lt1"/>
+          </a:fillRef>
+          <a:effectRef idx="0">
+            <a:schemeClr val="dk1"/>
+          </a:effectRef>
+          <a:fontRef idx="minor">
+            <a:schemeClr val="dk1"/>
+          </a:fontRef>
+        </p:style>
+        <p:txBody>
+          <a:bodyPr rtlCol="0" anchor="t"/>
+          <a:lstStyle/>
+          <a:p>
+            <a:pPr algn="ctr"/>
+            <a:r>
+              <a:rPr lang="en-US" altLang="ko-KR" sz="1200" b="1"/>
+              <a:t>cnsenter Pod</a:t>
+            </a:r>
+          </a:p>
+        </p:txBody>
+      </p:sp>
+      <p:sp>
+        <p:nvSpPr>
+          <p:cNvPr id="105" name="사각형: 둥근 모서리 104">
+            <a:extLst>
+              <a:ext uri="{FF2B5EF4-FFF2-40B4-BE49-F238E27FC236}">
+                <a16:creationId xmlns:a16="http://schemas.microsoft.com/office/drawing/2014/main" id="{D116828F-79BC-48AA-866E-AEF62A75E40E}"/>
+              </a:ext>
+            </a:extLst>
+          </p:cNvPr>
+          <p:cNvSpPr/>
+          <p:nvPr/>
+        </p:nvSpPr>
+        <p:spPr>
+          <a:xfrm>
+            <a:off x="3388993" y="3410430"/>
+            <a:ext cx="1158087" cy="648072"/>
+          </a:xfrm>
+          <a:prstGeom prst="roundRect">
+            <a:avLst>
+              <a:gd name="adj" fmla="val 12203"/>
+            </a:avLst>
+          </a:prstGeom>
+        </p:spPr>
+        <p:style>
+          <a:lnRef idx="2">
+            <a:schemeClr val="dk1"/>
+          </a:lnRef>
+          <a:fillRef idx="1">
+            <a:schemeClr val="lt1"/>
+          </a:fillRef>
+          <a:effectRef idx="0">
+            <a:schemeClr val="dk1"/>
+          </a:effectRef>
+          <a:fontRef idx="minor">
+            <a:schemeClr val="dk1"/>
+          </a:fontRef>
+        </p:style>
+        <p:txBody>
+          <a:bodyPr rtlCol="0" anchor="t"/>
+          <a:lstStyle/>
+          <a:p>
+            <a:pPr algn="ctr"/>
+            <a:r>
+              <a:rPr lang="en-US" altLang="ko-KR" sz="1100"/>
+              <a:t>Container</a:t>
+            </a:r>
+            <a:endParaRPr lang="ko-KR" altLang="en-US" sz="1100"/>
+          </a:p>
+        </p:txBody>
+      </p:sp>
+      <p:sp>
+        <p:nvSpPr>
+          <p:cNvPr id="106" name="사각형: 둥근 모서리 105">
+            <a:extLst>
+              <a:ext uri="{FF2B5EF4-FFF2-40B4-BE49-F238E27FC236}">
+                <a16:creationId xmlns:a16="http://schemas.microsoft.com/office/drawing/2014/main" id="{8815D6C1-B29B-4468-AE0B-58C97020F805}"/>
+              </a:ext>
+            </a:extLst>
+          </p:cNvPr>
+          <p:cNvSpPr/>
+          <p:nvPr/>
+        </p:nvSpPr>
+        <p:spPr>
+          <a:xfrm>
+            <a:off x="3511171" y="3725034"/>
+            <a:ext cx="913730" cy="246314"/>
+          </a:xfrm>
+          <a:prstGeom prst="roundRect">
+            <a:avLst>
+              <a:gd name="adj" fmla="val 12203"/>
+            </a:avLst>
+          </a:prstGeom>
+        </p:spPr>
+        <p:style>
+          <a:lnRef idx="2">
+            <a:schemeClr val="dk1"/>
+          </a:lnRef>
+          <a:fillRef idx="1">
+            <a:schemeClr val="lt1"/>
+          </a:fillRef>
+          <a:effectRef idx="0">
+            <a:schemeClr val="dk1"/>
+          </a:effectRef>
+          <a:fontRef idx="minor">
+            <a:schemeClr val="dk1"/>
+          </a:fontRef>
+        </p:style>
+        <p:txBody>
+          <a:bodyPr rtlCol="0" anchor="ctr"/>
+          <a:lstStyle/>
+          <a:p>
+            <a:pPr algn="ctr"/>
+            <a:r>
+              <a:rPr lang="en-US" altLang="ko-KR" sz="1000"/>
+              <a:t>cnsenter</a:t>
+            </a:r>
+            <a:endParaRPr lang="ko-KR" altLang="en-US" sz="1000"/>
+          </a:p>
+        </p:txBody>
+      </p:sp>
+      <p:sp>
+        <p:nvSpPr>
+          <p:cNvPr id="107" name="사각형: 둥근 모서리 106">
+            <a:extLst>
+              <a:ext uri="{FF2B5EF4-FFF2-40B4-BE49-F238E27FC236}">
+                <a16:creationId xmlns:a16="http://schemas.microsoft.com/office/drawing/2014/main" id="{63205508-003E-4060-BF2B-5840DEB4E7D8}"/>
+              </a:ext>
+            </a:extLst>
+          </p:cNvPr>
+          <p:cNvSpPr/>
+          <p:nvPr/>
+        </p:nvSpPr>
+        <p:spPr>
+          <a:xfrm>
+            <a:off x="1302872" y="3443981"/>
+            <a:ext cx="966160" cy="343769"/>
+          </a:xfrm>
+          <a:prstGeom prst="roundRect">
+            <a:avLst>
+              <a:gd name="adj" fmla="val 12203"/>
+            </a:avLst>
+          </a:prstGeom>
+        </p:spPr>
+        <p:style>
+          <a:lnRef idx="2">
+            <a:schemeClr val="dk1"/>
+          </a:lnRef>
+          <a:fillRef idx="1">
+            <a:schemeClr val="lt1"/>
+          </a:fillRef>
+          <a:effectRef idx="0">
+            <a:schemeClr val="dk1"/>
+          </a:effectRef>
+          <a:fontRef idx="minor">
+            <a:schemeClr val="dk1"/>
+          </a:fontRef>
+        </p:style>
+        <p:txBody>
+          <a:bodyPr rtlCol="0" anchor="ctr"/>
+          <a:lstStyle/>
+          <a:p>
+            <a:pPr algn="ctr"/>
+            <a:r>
+              <a:rPr lang="en-US" altLang="ko-KR" sz="1200" b="1"/>
+              <a:t>kpexec</a:t>
+            </a:r>
+            <a:endParaRPr lang="ko-KR" altLang="en-US" sz="1200" b="1"/>
+          </a:p>
+        </p:txBody>
+      </p:sp>
+      <p:cxnSp>
+        <p:nvCxnSpPr>
+          <p:cNvPr id="108" name="직선 연결선 107">
+            <a:extLst>
+              <a:ext uri="{FF2B5EF4-FFF2-40B4-BE49-F238E27FC236}">
+                <a16:creationId xmlns:a16="http://schemas.microsoft.com/office/drawing/2014/main" id="{68436122-5593-4989-983D-5034AAEC6A97}"/>
+              </a:ext>
+            </a:extLst>
+          </p:cNvPr>
+          <p:cNvCxnSpPr>
+            <a:cxnSpLocks/>
+            <a:stCxn id="107" idx="3"/>
+            <a:endCxn id="104" idx="1"/>
+          </p:cNvCxnSpPr>
+          <p:nvPr/>
+        </p:nvCxnSpPr>
+        <p:spPr>
+          <a:xfrm>
+            <a:off x="2269032" y="3615866"/>
+            <a:ext cx="980133" cy="0"/>
+          </a:xfrm>
+          <a:prstGeom prst="line">
+            <a:avLst/>
+          </a:prstGeom>
+          <a:ln w="19050">
+            <a:solidFill>
+              <a:schemeClr val="tx1"/>
+            </a:solidFill>
+            <a:headEnd type="none" w="med" len="med"/>
+            <a:tailEnd type="arrow" w="med" len="med"/>
+          </a:ln>
+        </p:spPr>
+        <p:style>
+          <a:lnRef idx="1">
+            <a:schemeClr val="accent1"/>
+          </a:lnRef>
+          <a:fillRef idx="0">
+            <a:schemeClr val="accent1"/>
+          </a:fillRef>
+          <a:effectRef idx="0">
+            <a:schemeClr val="accent1"/>
+          </a:effectRef>
+          <a:fontRef idx="minor">
+            <a:schemeClr val="tx1"/>
+          </a:fontRef>
+        </p:style>
+      </p:cxnSp>
+      <p:cxnSp>
+        <p:nvCxnSpPr>
+          <p:cNvPr id="109" name="직선 연결선 108">
+            <a:extLst>
+              <a:ext uri="{FF2B5EF4-FFF2-40B4-BE49-F238E27FC236}">
+                <a16:creationId xmlns:a16="http://schemas.microsoft.com/office/drawing/2014/main" id="{0EC68B17-28CA-426D-8F62-C665355F3C05}"/>
+              </a:ext>
+            </a:extLst>
+          </p:cNvPr>
+          <p:cNvCxnSpPr>
+            <a:cxnSpLocks/>
+            <a:stCxn id="106" idx="3"/>
+            <a:endCxn id="116" idx="1"/>
+          </p:cNvCxnSpPr>
+          <p:nvPr/>
+        </p:nvCxnSpPr>
+        <p:spPr>
+          <a:xfrm flipV="1">
+            <a:off x="4424901" y="3463386"/>
+            <a:ext cx="1137126" cy="384805"/>
+          </a:xfrm>
+          <a:prstGeom prst="line">
+            <a:avLst/>
+          </a:prstGeom>
+          <a:ln w="19050">
+            <a:solidFill>
+              <a:schemeClr val="tx1"/>
+            </a:solidFill>
+            <a:headEnd type="none" w="med" len="med"/>
+            <a:tailEnd type="arrow" w="med" len="med"/>
+          </a:ln>
+        </p:spPr>
+        <p:style>
+          <a:lnRef idx="1">
+            <a:schemeClr val="accent1"/>
+          </a:lnRef>
+          <a:fillRef idx="0">
+            <a:schemeClr val="accent1"/>
+          </a:fillRef>
+          <a:effectRef idx="0">
+            <a:schemeClr val="accent1"/>
+          </a:effectRef>
+          <a:fontRef idx="minor">
+            <a:schemeClr val="tx1"/>
+          </a:fontRef>
+        </p:style>
+      </p:cxnSp>
+      <p:sp>
+        <p:nvSpPr>
+          <p:cNvPr id="12" name="TextBox 11">
+            <a:extLst>
+              <a:ext uri="{FF2B5EF4-FFF2-40B4-BE49-F238E27FC236}">
+                <a16:creationId xmlns:a16="http://schemas.microsoft.com/office/drawing/2014/main" id="{88A6DC59-C9D5-4290-A902-F5A93FA9D775}"/>
+              </a:ext>
+            </a:extLst>
+          </p:cNvPr>
+          <p:cNvSpPr txBox="1"/>
+          <p:nvPr/>
+        </p:nvSpPr>
+        <p:spPr>
+          <a:xfrm>
+            <a:off x="2516627" y="2136185"/>
+            <a:ext cx="646331" cy="261610"/>
+          </a:xfrm>
+          <a:prstGeom prst="rect">
+            <a:avLst/>
+          </a:prstGeom>
+          <a:noFill/>
+        </p:spPr>
+        <p:txBody>
+          <a:bodyPr wrap="none" rtlCol="0">
+            <a:spAutoFit/>
+          </a:bodyPr>
+          <a:lstStyle/>
+          <a:p>
+            <a:pPr algn="ctr"/>
+            <a:r>
+              <a:rPr lang="en-US" altLang="ko-KR" sz="1100"/>
+              <a:t>Create </a:t>
+            </a:r>
+          </a:p>
+        </p:txBody>
+      </p:sp>
+      <p:sp>
+        <p:nvSpPr>
+          <p:cNvPr id="111" name="TextBox 110">
+            <a:extLst>
+              <a:ext uri="{FF2B5EF4-FFF2-40B4-BE49-F238E27FC236}">
+                <a16:creationId xmlns:a16="http://schemas.microsoft.com/office/drawing/2014/main" id="{1F788147-A234-4C28-AF99-A96F5E84A30A}"/>
+              </a:ext>
+            </a:extLst>
+          </p:cNvPr>
+          <p:cNvSpPr txBox="1"/>
+          <p:nvPr/>
+        </p:nvSpPr>
+        <p:spPr>
+          <a:xfrm>
+            <a:off x="2516627" y="3353867"/>
+            <a:ext cx="646331" cy="261610"/>
+          </a:xfrm>
+          <a:prstGeom prst="rect">
+            <a:avLst/>
+          </a:prstGeom>
+          <a:noFill/>
+        </p:spPr>
+        <p:txBody>
+          <a:bodyPr wrap="none" rtlCol="0">
+            <a:spAutoFit/>
+          </a:bodyPr>
+          <a:lstStyle/>
+          <a:p>
+            <a:pPr algn="ctr"/>
+            <a:r>
+              <a:rPr lang="en-US" altLang="ko-KR" sz="1100"/>
+              <a:t>Create </a:t>
+            </a:r>
+          </a:p>
+        </p:txBody>
+      </p:sp>
+      <p:sp>
+        <p:nvSpPr>
+          <p:cNvPr id="112" name="TextBox 111">
+            <a:extLst>
+              <a:ext uri="{FF2B5EF4-FFF2-40B4-BE49-F238E27FC236}">
+                <a16:creationId xmlns:a16="http://schemas.microsoft.com/office/drawing/2014/main" id="{9DF5864D-B330-4CE3-A2DB-824C923C0526}"/>
+              </a:ext>
+            </a:extLst>
+          </p:cNvPr>
+          <p:cNvSpPr txBox="1"/>
+          <p:nvPr/>
+        </p:nvSpPr>
+        <p:spPr>
+          <a:xfrm>
+            <a:off x="4719515" y="1730375"/>
+            <a:ext cx="788999" cy="430887"/>
+          </a:xfrm>
+          <a:prstGeom prst="rect">
+            <a:avLst/>
+          </a:prstGeom>
+          <a:noFill/>
+        </p:spPr>
+        <p:txBody>
+          <a:bodyPr wrap="none" rtlCol="0">
+            <a:spAutoFit/>
+          </a:bodyPr>
+          <a:lstStyle/>
+          <a:p>
+            <a:pPr algn="ctr"/>
+            <a:r>
+              <a:rPr lang="en-US" altLang="ko-KR" sz="1100"/>
+              <a:t>Get</a:t>
+            </a:r>
+          </a:p>
+          <a:p>
+            <a:pPr algn="ctr"/>
+            <a:r>
+              <a:rPr lang="en-US" altLang="ko-KR" sz="1100"/>
+              <a:t>Cont Info</a:t>
+            </a:r>
+          </a:p>
+        </p:txBody>
+      </p:sp>
+      <p:sp>
+        <p:nvSpPr>
+          <p:cNvPr id="113" name="TextBox 112">
+            <a:extLst>
+              <a:ext uri="{FF2B5EF4-FFF2-40B4-BE49-F238E27FC236}">
+                <a16:creationId xmlns:a16="http://schemas.microsoft.com/office/drawing/2014/main" id="{3FCEFF36-0460-49A3-861B-0127A842EDC9}"/>
+              </a:ext>
+            </a:extLst>
+          </p:cNvPr>
+          <p:cNvSpPr txBox="1"/>
+          <p:nvPr/>
+        </p:nvSpPr>
+        <p:spPr>
+          <a:xfrm>
+            <a:off x="4849082" y="3148820"/>
+            <a:ext cx="466794" cy="261610"/>
+          </a:xfrm>
+          <a:prstGeom prst="rect">
+            <a:avLst/>
+          </a:prstGeom>
+          <a:noFill/>
+        </p:spPr>
+        <p:txBody>
+          <a:bodyPr wrap="none" rtlCol="0">
+            <a:spAutoFit/>
+          </a:bodyPr>
+          <a:lstStyle/>
+          <a:p>
+            <a:pPr algn="ctr"/>
+            <a:r>
+              <a:rPr lang="en-US" altLang="ko-KR" sz="1100"/>
+              <a:t>Exec</a:t>
+            </a:r>
+          </a:p>
+        </p:txBody>
+      </p:sp>
+      <p:sp>
+        <p:nvSpPr>
+          <p:cNvPr id="114" name="사각형: 둥근 모서리 113">
+            <a:extLst>
+              <a:ext uri="{FF2B5EF4-FFF2-40B4-BE49-F238E27FC236}">
+                <a16:creationId xmlns:a16="http://schemas.microsoft.com/office/drawing/2014/main" id="{56D24251-3F3F-49C4-B369-CC29EEFFE0D5}"/>
+              </a:ext>
+            </a:extLst>
+          </p:cNvPr>
+          <p:cNvSpPr/>
+          <p:nvPr/>
+        </p:nvSpPr>
+        <p:spPr>
+          <a:xfrm>
+            <a:off x="5535149" y="1851670"/>
+            <a:ext cx="967486" cy="343769"/>
+          </a:xfrm>
+          <a:prstGeom prst="roundRect">
+            <a:avLst>
+              <a:gd name="adj" fmla="val 12203"/>
+            </a:avLst>
+          </a:prstGeom>
+        </p:spPr>
+        <p:style>
+          <a:lnRef idx="2">
+            <a:schemeClr val="dk1"/>
+          </a:lnRef>
+          <a:fillRef idx="1">
+            <a:schemeClr val="lt1"/>
+          </a:fillRef>
+          <a:effectRef idx="0">
+            <a:schemeClr val="dk1"/>
+          </a:effectRef>
+          <a:fontRef idx="minor">
+            <a:schemeClr val="dk1"/>
+          </a:fontRef>
+        </p:style>
+        <p:txBody>
+          <a:bodyPr rtlCol="0" anchor="ctr"/>
+          <a:lstStyle/>
+          <a:p>
+            <a:pPr algn="ctr"/>
+            <a:r>
+              <a:rPr lang="en-US" altLang="ko-KR" sz="1200"/>
+              <a:t>containerd</a:t>
+            </a:r>
+          </a:p>
+        </p:txBody>
+      </p:sp>
+      <p:cxnSp>
+        <p:nvCxnSpPr>
+          <p:cNvPr id="115" name="직선 연결선 114">
+            <a:extLst>
+              <a:ext uri="{FF2B5EF4-FFF2-40B4-BE49-F238E27FC236}">
+                <a16:creationId xmlns:a16="http://schemas.microsoft.com/office/drawing/2014/main" id="{33B08333-2B73-40E0-83C5-F60864115EF5}"/>
+              </a:ext>
+            </a:extLst>
+          </p:cNvPr>
+          <p:cNvCxnSpPr>
+            <a:cxnSpLocks/>
+            <a:stCxn id="95" idx="3"/>
+            <a:endCxn id="114" idx="1"/>
+          </p:cNvCxnSpPr>
+          <p:nvPr/>
+        </p:nvCxnSpPr>
+        <p:spPr>
+          <a:xfrm flipV="1">
+            <a:off x="4424901" y="2023555"/>
+            <a:ext cx="1110248" cy="600500"/>
+          </a:xfrm>
+          <a:prstGeom prst="line">
+            <a:avLst/>
+          </a:prstGeom>
+          <a:ln w="19050">
+            <a:solidFill>
+              <a:schemeClr val="tx1"/>
+            </a:solidFill>
+            <a:headEnd type="arrow" w="med" len="med"/>
+            <a:tailEnd type="none" w="med" len="med"/>
+          </a:ln>
+        </p:spPr>
+        <p:style>
+          <a:lnRef idx="1">
+            <a:schemeClr val="accent1"/>
+          </a:lnRef>
+          <a:fillRef idx="0">
+            <a:schemeClr val="accent1"/>
+          </a:fillRef>
+          <a:effectRef idx="0">
+            <a:schemeClr val="accent1"/>
+          </a:effectRef>
+          <a:fontRef idx="minor">
+            <a:schemeClr val="tx1"/>
+          </a:fontRef>
+        </p:style>
+      </p:cxnSp>
+      <p:sp>
+        <p:nvSpPr>
+          <p:cNvPr id="116" name="사각형: 둥근 모서리 115">
+            <a:extLst>
+              <a:ext uri="{FF2B5EF4-FFF2-40B4-BE49-F238E27FC236}">
+                <a16:creationId xmlns:a16="http://schemas.microsoft.com/office/drawing/2014/main" id="{38C5C11C-4A8F-4547-9118-09BDA4094820}"/>
+              </a:ext>
+            </a:extLst>
+          </p:cNvPr>
+          <p:cNvSpPr/>
+          <p:nvPr/>
+        </p:nvSpPr>
+        <p:spPr>
+          <a:xfrm>
+            <a:off x="5562027" y="3340229"/>
+            <a:ext cx="913730" cy="246314"/>
+          </a:xfrm>
+          <a:prstGeom prst="roundRect">
+            <a:avLst>
+              <a:gd name="adj" fmla="val 12203"/>
+            </a:avLst>
+          </a:prstGeom>
+        </p:spPr>
+        <p:style>
+          <a:lnRef idx="2">
+            <a:schemeClr val="dk1"/>
+          </a:lnRef>
+          <a:fillRef idx="1">
+            <a:schemeClr val="lt1"/>
+          </a:fillRef>
+          <a:effectRef idx="0">
+            <a:schemeClr val="dk1"/>
+          </a:effectRef>
+          <a:fontRef idx="minor">
+            <a:schemeClr val="dk1"/>
+          </a:fontRef>
+        </p:style>
+        <p:txBody>
+          <a:bodyPr rtlCol="0" anchor="ctr"/>
+          <a:lstStyle/>
+          <a:p>
+            <a:pPr algn="ctr"/>
+            <a:r>
+              <a:rPr lang="en-US" altLang="ko-KR" sz="1000"/>
+              <a:t>Command</a:t>
+            </a:r>
+            <a:endParaRPr lang="ko-KR" altLang="en-US" sz="1000"/>
+          </a:p>
+        </p:txBody>
+      </p:sp>
+      <p:cxnSp>
+        <p:nvCxnSpPr>
+          <p:cNvPr id="117" name="직선 연결선 116">
+            <a:extLst>
+              <a:ext uri="{FF2B5EF4-FFF2-40B4-BE49-F238E27FC236}">
+                <a16:creationId xmlns:a16="http://schemas.microsoft.com/office/drawing/2014/main" id="{1A9B72C6-99DD-4895-8D95-E572C0B32140}"/>
+              </a:ext>
+            </a:extLst>
+          </p:cNvPr>
+          <p:cNvCxnSpPr>
+            <a:cxnSpLocks/>
+            <a:stCxn id="106" idx="0"/>
+            <a:endCxn id="114" idx="1"/>
+          </p:cNvCxnSpPr>
+          <p:nvPr/>
+        </p:nvCxnSpPr>
+        <p:spPr>
+          <a:xfrm flipV="1">
+            <a:off x="3968036" y="2023555"/>
+            <a:ext cx="1567113" cy="1701479"/>
+          </a:xfrm>
+          <a:prstGeom prst="line">
+            <a:avLst/>
+          </a:prstGeom>
+          <a:ln w="19050">
+            <a:solidFill>
+              <a:schemeClr val="tx1"/>
+            </a:solidFill>
+            <a:headEnd type="arrow" w="med" len="med"/>
+            <a:tailEnd type="none" w="med" len="med"/>
+          </a:ln>
+        </p:spPr>
+        <p:style>
+          <a:lnRef idx="1">
+            <a:schemeClr val="accent1"/>
+          </a:lnRef>
+          <a:fillRef idx="0">
+            <a:schemeClr val="accent1"/>
+          </a:fillRef>
+          <a:effectRef idx="0">
+            <a:schemeClr val="accent1"/>
+          </a:effectRef>
+          <a:fontRef idx="minor">
+            <a:schemeClr val="tx1"/>
+          </a:fontRef>
+        </p:style>
+      </p:cxnSp>
+      <p:sp>
+        <p:nvSpPr>
+          <p:cNvPr id="118" name="사각형: 둥근 모서리 117">
+            <a:extLst>
+              <a:ext uri="{FF2B5EF4-FFF2-40B4-BE49-F238E27FC236}">
+                <a16:creationId xmlns:a16="http://schemas.microsoft.com/office/drawing/2014/main" id="{813CABC7-9949-4374-87F5-3A6F7B9A92EF}"/>
+              </a:ext>
+            </a:extLst>
+          </p:cNvPr>
+          <p:cNvSpPr/>
+          <p:nvPr/>
+        </p:nvSpPr>
+        <p:spPr>
+          <a:xfrm>
+            <a:off x="1630095" y="1419630"/>
+            <a:ext cx="1275452" cy="343769"/>
+          </a:xfrm>
+          <a:prstGeom prst="roundRect">
+            <a:avLst>
+              <a:gd name="adj" fmla="val 15872"/>
+            </a:avLst>
+          </a:prstGeom>
+        </p:spPr>
+        <p:style>
+          <a:lnRef idx="2">
+            <a:schemeClr val="dk1"/>
+          </a:lnRef>
+          <a:fillRef idx="1">
+            <a:schemeClr val="lt1"/>
+          </a:fillRef>
+          <a:effectRef idx="0">
+            <a:schemeClr val="dk1"/>
+          </a:effectRef>
+          <a:fontRef idx="minor">
+            <a:schemeClr val="dk1"/>
+          </a:fontRef>
+        </p:style>
+        <p:txBody>
+          <a:bodyPr rtlCol="0" anchor="ctr"/>
+          <a:lstStyle/>
+          <a:p>
+            <a:pPr algn="ctr"/>
+            <a:r>
+              <a:rPr lang="en-US" altLang="ko-KR" sz="1200"/>
+              <a:t>K8s API Server</a:t>
+            </a:r>
+          </a:p>
+        </p:txBody>
+      </p:sp>
+      <p:cxnSp>
+        <p:nvCxnSpPr>
+          <p:cNvPr id="119" name="직선 연결선 118">
+            <a:extLst>
+              <a:ext uri="{FF2B5EF4-FFF2-40B4-BE49-F238E27FC236}">
+                <a16:creationId xmlns:a16="http://schemas.microsoft.com/office/drawing/2014/main" id="{632AD898-AD55-4821-A736-210152B88AF3}"/>
+              </a:ext>
+            </a:extLst>
+          </p:cNvPr>
+          <p:cNvCxnSpPr>
+            <a:cxnSpLocks/>
+            <a:stCxn id="97" idx="0"/>
+            <a:endCxn id="118" idx="2"/>
+          </p:cNvCxnSpPr>
+          <p:nvPr/>
+        </p:nvCxnSpPr>
+        <p:spPr>
+          <a:xfrm flipV="1">
+            <a:off x="1785952" y="1763399"/>
+            <a:ext cx="481869" cy="456446"/>
+          </a:xfrm>
+          <a:prstGeom prst="line">
+            <a:avLst/>
+          </a:prstGeom>
+          <a:ln w="19050">
+            <a:solidFill>
+              <a:schemeClr val="tx1"/>
+            </a:solidFill>
+            <a:headEnd type="none" w="med" len="med"/>
+            <a:tailEnd type="arrow" w="med" len="med"/>
+          </a:ln>
+        </p:spPr>
+        <p:style>
+          <a:lnRef idx="1">
+            <a:schemeClr val="accent1"/>
+          </a:lnRef>
+          <a:fillRef idx="0">
+            <a:schemeClr val="accent1"/>
+          </a:fillRef>
+          <a:effectRef idx="0">
+            <a:schemeClr val="accent1"/>
+          </a:effectRef>
+          <a:fontRef idx="minor">
+            <a:schemeClr val="tx1"/>
+          </a:fontRef>
+        </p:style>
+      </p:cxnSp>
+      <p:cxnSp>
+        <p:nvCxnSpPr>
+          <p:cNvPr id="121" name="직선 연결선 120">
+            <a:extLst>
+              <a:ext uri="{FF2B5EF4-FFF2-40B4-BE49-F238E27FC236}">
+                <a16:creationId xmlns:a16="http://schemas.microsoft.com/office/drawing/2014/main" id="{3B758C3D-86D8-4341-B303-8289D52FC058}"/>
+              </a:ext>
+            </a:extLst>
+          </p:cNvPr>
+          <p:cNvCxnSpPr>
+            <a:cxnSpLocks/>
+            <a:stCxn id="107" idx="0"/>
+            <a:endCxn id="118" idx="2"/>
+          </p:cNvCxnSpPr>
+          <p:nvPr/>
+        </p:nvCxnSpPr>
+        <p:spPr>
+          <a:xfrm flipV="1">
+            <a:off x="1785952" y="1763399"/>
+            <a:ext cx="481869" cy="1680582"/>
+          </a:xfrm>
+          <a:prstGeom prst="line">
+            <a:avLst/>
+          </a:prstGeom>
+          <a:ln w="19050">
+            <a:solidFill>
+              <a:schemeClr val="tx1"/>
+            </a:solidFill>
+            <a:headEnd type="none" w="med" len="med"/>
+            <a:tailEnd type="arrow" w="med" len="med"/>
+          </a:ln>
+        </p:spPr>
+        <p:style>
+          <a:lnRef idx="1">
+            <a:schemeClr val="accent1"/>
+          </a:lnRef>
+          <a:fillRef idx="0">
+            <a:schemeClr val="accent1"/>
+          </a:fillRef>
+          <a:effectRef idx="0">
+            <a:schemeClr val="accent1"/>
+          </a:effectRef>
+          <a:fontRef idx="minor">
+            <a:schemeClr val="tx1"/>
+          </a:fontRef>
+        </p:style>
+      </p:cxnSp>
+      <p:sp>
+        <p:nvSpPr>
+          <p:cNvPr id="51" name="타원 50">
+            <a:extLst>
+              <a:ext uri="{FF2B5EF4-FFF2-40B4-BE49-F238E27FC236}">
+                <a16:creationId xmlns:a16="http://schemas.microsoft.com/office/drawing/2014/main" id="{522F3C1E-2B19-4D48-807C-E1BCCBA6B2BB}"/>
+              </a:ext>
+            </a:extLst>
+          </p:cNvPr>
+          <p:cNvSpPr/>
+          <p:nvPr/>
+        </p:nvSpPr>
+        <p:spPr>
+          <a:xfrm>
+            <a:off x="2371193" y="2160053"/>
+            <a:ext cx="216024" cy="216024"/>
+          </a:xfrm>
+          <a:prstGeom prst="ellipse">
+            <a:avLst/>
+          </a:prstGeom>
+          <a:ln w="12700"/>
+        </p:spPr>
+        <p:style>
+          <a:lnRef idx="2">
+            <a:schemeClr val="dk1"/>
+          </a:lnRef>
+          <a:fillRef idx="1">
+            <a:schemeClr val="lt1"/>
+          </a:fillRef>
+          <a:effectRef idx="0">
+            <a:schemeClr val="dk1"/>
+          </a:effectRef>
+          <a:fontRef idx="minor">
+            <a:schemeClr val="dk1"/>
+          </a:fontRef>
+        </p:style>
+        <p:txBody>
+          <a:bodyPr rtlCol="0" anchor="ctr"/>
+          <a:lstStyle/>
+          <a:p>
+            <a:pPr algn="ctr"/>
+            <a:r>
+              <a:rPr lang="en-US" altLang="ko-KR" sz="1100"/>
+              <a:t>2</a:t>
+            </a:r>
+            <a:endParaRPr lang="ko-KR" altLang="en-US" sz="1100"/>
+          </a:p>
+        </p:txBody>
+      </p:sp>
+    </p:spTree>
+    <p:extLst>
+      <p:ext uri="{BB962C8B-B14F-4D97-AF65-F5344CB8AC3E}">
+        <p14:creationId xmlns:p14="http://schemas.microsoft.com/office/powerpoint/2010/main" val="2133445689"/>
+      </p:ext>
+    </p:extLst>
+  </p:cSld>
+  <p:clrMapOvr>
+    <a:masterClrMapping/>
+  </p:clrMapOvr>
+</p:sld>
+</file>
+
+<file path=ppt/slides/slide6.xml><?xml version="1.0" encoding="utf-8"?>
+<p:sld xmlns:a="http://schemas.openxmlformats.org/drawingml/2006/main" xmlns:r="http://schemas.openxmlformats.org/officeDocument/2006/relationships" xmlns:p="http://schemas.openxmlformats.org/presentationml/2006/main">
+  <p:cSld>
+    <p:spTree>
+      <p:nvGrpSpPr>
+        <p:cNvPr id="1" name=""/>
+        <p:cNvGrpSpPr/>
+        <p:nvPr/>
+      </p:nvGrpSpPr>
+      <p:grpSpPr>
+        <a:xfrm>
+          <a:off x="0" y="0"/>
+          <a:ext cx="0" cy="0"/>
+          <a:chOff x="0" y="0"/>
+          <a:chExt cx="0" cy="0"/>
+        </a:xfrm>
+      </p:grpSpPr>
+      <p:sp>
+        <p:nvSpPr>
+          <p:cNvPr id="2" name="제목 1">
+            <a:extLst>
+              <a:ext uri="{FF2B5EF4-FFF2-40B4-BE49-F238E27FC236}">
+                <a16:creationId xmlns:a16="http://schemas.microsoft.com/office/drawing/2014/main" id="{8738443D-5E72-49E2-86AC-581D61C41C39}"/>
+              </a:ext>
+            </a:extLst>
+          </p:cNvPr>
+          <p:cNvSpPr>
+            <a:spLocks noGrp="1"/>
+          </p:cNvSpPr>
+          <p:nvPr>
+            <p:ph type="title"/>
+          </p:nvPr>
+        </p:nvSpPr>
+        <p:spPr>
+          <a:xfrm>
+            <a:off x="457200" y="-92546"/>
+            <a:ext cx="8229600" cy="857250"/>
+          </a:xfrm>
+        </p:spPr>
+        <p:txBody>
+          <a:bodyPr>
+            <a:normAutofit/>
+          </a:bodyPr>
+          <a:lstStyle/>
+          <a:p>
+            <a:r>
+              <a:rPr lang="en-US" altLang="ko-KR" err="1"/>
+              <a:t>Kpexec</a:t>
+            </a:r>
+            <a:r>
+              <a:rPr lang="en-US" altLang="ko-KR"/>
+              <a:t> Architecture</a:t>
+            </a:r>
+            <a:endParaRPr lang="ko-KR" altLang="en-US"/>
+          </a:p>
+        </p:txBody>
+      </p:sp>
+      <p:sp>
+        <p:nvSpPr>
           <p:cNvPr id="120" name="사각형: 둥근 모서리 119">
             <a:extLst>
               <a:ext uri="{FF2B5EF4-FFF2-40B4-BE49-F238E27FC236}">
@@ -5978,7 +12320,7 @@
     </p:spTree>
     <p:extLst>
       <p:ext uri="{BB962C8B-B14F-4D97-AF65-F5344CB8AC3E}">
-        <p14:creationId xmlns:p14="http://schemas.microsoft.com/office/powerpoint/2010/main" val="489861658"/>
+        <p14:creationId xmlns:p14="http://schemas.microsoft.com/office/powerpoint/2010/main" val="2700052534"/>
       </p:ext>
     </p:extLst>
   </p:cSld>

--- a/image/kpexec.pptx
+++ b/image/kpexec.pptx
@@ -5,15 +5,16 @@
     <p:sldMasterId id="2147483648" r:id="rId1"/>
   </p:sldMasterIdLst>
   <p:notesMasterIdLst>
-    <p:notesMasterId r:id="rId8"/>
+    <p:notesMasterId r:id="rId9"/>
   </p:notesMasterIdLst>
   <p:sldIdLst>
-    <p:sldId id="424" r:id="rId2"/>
+    <p:sldId id="430" r:id="rId2"/>
     <p:sldId id="426" r:id="rId3"/>
-    <p:sldId id="429" r:id="rId4"/>
-    <p:sldId id="428" r:id="rId5"/>
-    <p:sldId id="427" r:id="rId6"/>
-    <p:sldId id="425" r:id="rId7"/>
+    <p:sldId id="424" r:id="rId4"/>
+    <p:sldId id="429" r:id="rId5"/>
+    <p:sldId id="428" r:id="rId6"/>
+    <p:sldId id="427" r:id="rId7"/>
+    <p:sldId id="425" r:id="rId8"/>
   </p:sldIdLst>
   <p:sldSz cx="9144000" cy="5143500" type="screen16x9"/>
   <p:notesSz cx="6858000" cy="9144000"/>
@@ -218,7 +219,7 @@
           <a:p>
             <a:fld id="{6CD5550B-26C4-49A9-A5BA-636EF7BE6CE9}" type="datetimeFigureOut">
               <a:rPr lang="ko-KR" altLang="en-US" smtClean="0"/>
-              <a:t>2021-02-15</a:t>
+              <a:t>2022-09-20</a:t>
             </a:fld>
             <a:endParaRPr lang="ko-KR" altLang="en-US"/>
           </a:p>
@@ -559,7 +560,7 @@
     </p:spTree>
     <p:extLst>
       <p:ext uri="{BB962C8B-B14F-4D97-AF65-F5344CB8AC3E}">
-        <p14:creationId xmlns:p14="http://schemas.microsoft.com/office/powerpoint/2010/main" val="916615481"/>
+        <p14:creationId xmlns:p14="http://schemas.microsoft.com/office/powerpoint/2010/main" val="1473501169"/>
       </p:ext>
     </p:extLst>
   </p:cSld>
@@ -643,7 +644,7 @@
     </p:spTree>
     <p:extLst>
       <p:ext uri="{BB962C8B-B14F-4D97-AF65-F5344CB8AC3E}">
-        <p14:creationId xmlns:p14="http://schemas.microsoft.com/office/powerpoint/2010/main" val="961549107"/>
+        <p14:creationId xmlns:p14="http://schemas.microsoft.com/office/powerpoint/2010/main" val="916615481"/>
       </p:ext>
     </p:extLst>
   </p:cSld>
@@ -727,7 +728,7 @@
     </p:spTree>
     <p:extLst>
       <p:ext uri="{BB962C8B-B14F-4D97-AF65-F5344CB8AC3E}">
-        <p14:creationId xmlns:p14="http://schemas.microsoft.com/office/powerpoint/2010/main" val="657382645"/>
+        <p14:creationId xmlns:p14="http://schemas.microsoft.com/office/powerpoint/2010/main" val="961549107"/>
       </p:ext>
     </p:extLst>
   </p:cSld>
@@ -811,7 +812,7 @@
     </p:spTree>
     <p:extLst>
       <p:ext uri="{BB962C8B-B14F-4D97-AF65-F5344CB8AC3E}">
-        <p14:creationId xmlns:p14="http://schemas.microsoft.com/office/powerpoint/2010/main" val="345166388"/>
+        <p14:creationId xmlns:p14="http://schemas.microsoft.com/office/powerpoint/2010/main" val="657382645"/>
       </p:ext>
     </p:extLst>
   </p:cSld>
@@ -887,6 +888,90 @@
             <a:fld id="{BA5DFA43-8D57-47FB-BC46-057616015C3B}" type="slidenum">
               <a:rPr lang="ko-KR" altLang="en-US" smtClean="0"/>
               <a:t>6</a:t>
+            </a:fld>
+            <a:endParaRPr lang="ko-KR" altLang="en-US"/>
+          </a:p>
+        </p:txBody>
+      </p:sp>
+    </p:spTree>
+    <p:extLst>
+      <p:ext uri="{BB962C8B-B14F-4D97-AF65-F5344CB8AC3E}">
+        <p14:creationId xmlns:p14="http://schemas.microsoft.com/office/powerpoint/2010/main" val="345166388"/>
+      </p:ext>
+    </p:extLst>
+  </p:cSld>
+  <p:clrMapOvr>
+    <a:masterClrMapping/>
+  </p:clrMapOvr>
+</p:notes>
+</file>
+
+<file path=ppt/notesSlides/notesSlide6.xml><?xml version="1.0" encoding="utf-8"?>
+<p:notes xmlns:a="http://schemas.openxmlformats.org/drawingml/2006/main" xmlns:r="http://schemas.openxmlformats.org/officeDocument/2006/relationships" xmlns:p="http://schemas.openxmlformats.org/presentationml/2006/main">
+  <p:cSld>
+    <p:spTree>
+      <p:nvGrpSpPr>
+        <p:cNvPr id="1" name=""/>
+        <p:cNvGrpSpPr/>
+        <p:nvPr/>
+      </p:nvGrpSpPr>
+      <p:grpSpPr>
+        <a:xfrm>
+          <a:off x="0" y="0"/>
+          <a:ext cx="0" cy="0"/>
+          <a:chOff x="0" y="0"/>
+          <a:chExt cx="0" cy="0"/>
+        </a:xfrm>
+      </p:grpSpPr>
+      <p:sp>
+        <p:nvSpPr>
+          <p:cNvPr id="2" name="슬라이드 이미지 개체 틀 1"/>
+          <p:cNvSpPr>
+            <a:spLocks noGrp="1" noRot="1" noChangeAspect="1"/>
+          </p:cNvSpPr>
+          <p:nvPr>
+            <p:ph type="sldImg"/>
+          </p:nvPr>
+        </p:nvSpPr>
+        <p:spPr/>
+      </p:sp>
+      <p:sp>
+        <p:nvSpPr>
+          <p:cNvPr id="3" name="슬라이드 노트 개체 틀 2"/>
+          <p:cNvSpPr>
+            <a:spLocks noGrp="1"/>
+          </p:cNvSpPr>
+          <p:nvPr>
+            <p:ph type="body" idx="1"/>
+          </p:nvPr>
+        </p:nvSpPr>
+        <p:spPr/>
+        <p:txBody>
+          <a:bodyPr/>
+          <a:lstStyle/>
+          <a:p>
+            <a:endParaRPr lang="ko-KR" altLang="en-US"/>
+          </a:p>
+        </p:txBody>
+      </p:sp>
+      <p:sp>
+        <p:nvSpPr>
+          <p:cNvPr id="4" name="슬라이드 번호 개체 틀 3"/>
+          <p:cNvSpPr>
+            <a:spLocks noGrp="1"/>
+          </p:cNvSpPr>
+          <p:nvPr>
+            <p:ph type="sldNum" sz="quarter" idx="10"/>
+          </p:nvPr>
+        </p:nvSpPr>
+        <p:spPr/>
+        <p:txBody>
+          <a:bodyPr/>
+          <a:lstStyle/>
+          <a:p>
+            <a:fld id="{BA5DFA43-8D57-47FB-BC46-057616015C3B}" type="slidenum">
+              <a:rPr lang="ko-KR" altLang="en-US" smtClean="0"/>
+              <a:t>7</a:t>
             </a:fld>
             <a:endParaRPr lang="ko-KR" altLang="en-US"/>
           </a:p>
@@ -1084,7 +1169,7 @@
           <a:p>
             <a:fld id="{FB30EDBD-1C2D-4C1E-B459-B60219FAB484}" type="datetimeFigureOut">
               <a:rPr lang="ko-KR" altLang="en-US" smtClean="0"/>
-              <a:t>2021-02-15</a:t>
+              <a:t>2022-09-20</a:t>
             </a:fld>
             <a:endParaRPr lang="ko-KR" altLang="en-US"/>
           </a:p>
@@ -1247,7 +1332,7 @@
           <a:p>
             <a:fld id="{FB30EDBD-1C2D-4C1E-B459-B60219FAB484}" type="datetimeFigureOut">
               <a:rPr lang="ko-KR" altLang="en-US" smtClean="0"/>
-              <a:t>2021-02-15</a:t>
+              <a:t>2022-09-20</a:t>
             </a:fld>
             <a:endParaRPr lang="ko-KR" altLang="en-US"/>
           </a:p>
@@ -1420,7 +1505,7 @@
           <a:p>
             <a:fld id="{FB30EDBD-1C2D-4C1E-B459-B60219FAB484}" type="datetimeFigureOut">
               <a:rPr lang="ko-KR" altLang="en-US" smtClean="0"/>
-              <a:t>2021-02-15</a:t>
+              <a:t>2022-09-20</a:t>
             </a:fld>
             <a:endParaRPr lang="ko-KR" altLang="en-US"/>
           </a:p>
@@ -1583,7 +1668,7 @@
           <a:p>
             <a:fld id="{FB30EDBD-1C2D-4C1E-B459-B60219FAB484}" type="datetimeFigureOut">
               <a:rPr lang="ko-KR" altLang="en-US" smtClean="0"/>
-              <a:t>2021-02-15</a:t>
+              <a:t>2022-09-20</a:t>
             </a:fld>
             <a:endParaRPr lang="ko-KR" altLang="en-US"/>
           </a:p>
@@ -1823,7 +1908,7 @@
           <a:p>
             <a:fld id="{FB30EDBD-1C2D-4C1E-B459-B60219FAB484}" type="datetimeFigureOut">
               <a:rPr lang="ko-KR" altLang="en-US" smtClean="0"/>
-              <a:t>2021-02-15</a:t>
+              <a:t>2022-09-20</a:t>
             </a:fld>
             <a:endParaRPr lang="ko-KR" altLang="en-US"/>
           </a:p>
@@ -2103,7 +2188,7 @@
           <a:p>
             <a:fld id="{FB30EDBD-1C2D-4C1E-B459-B60219FAB484}" type="datetimeFigureOut">
               <a:rPr lang="ko-KR" altLang="en-US" smtClean="0"/>
-              <a:t>2021-02-15</a:t>
+              <a:t>2022-09-20</a:t>
             </a:fld>
             <a:endParaRPr lang="ko-KR" altLang="en-US"/>
           </a:p>
@@ -2517,7 +2602,7 @@
           <a:p>
             <a:fld id="{FB30EDBD-1C2D-4C1E-B459-B60219FAB484}" type="datetimeFigureOut">
               <a:rPr lang="ko-KR" altLang="en-US" smtClean="0"/>
-              <a:t>2021-02-15</a:t>
+              <a:t>2022-09-20</a:t>
             </a:fld>
             <a:endParaRPr lang="ko-KR" altLang="en-US"/>
           </a:p>
@@ -2629,7 +2714,7 @@
           <a:p>
             <a:fld id="{FB30EDBD-1C2D-4C1E-B459-B60219FAB484}" type="datetimeFigureOut">
               <a:rPr lang="ko-KR" altLang="en-US" smtClean="0"/>
-              <a:t>2021-02-15</a:t>
+              <a:t>2022-09-20</a:t>
             </a:fld>
             <a:endParaRPr lang="ko-KR" altLang="en-US"/>
           </a:p>
@@ -2719,7 +2804,7 @@
           <a:p>
             <a:fld id="{FB30EDBD-1C2D-4C1E-B459-B60219FAB484}" type="datetimeFigureOut">
               <a:rPr lang="ko-KR" altLang="en-US" smtClean="0"/>
-              <a:t>2021-02-15</a:t>
+              <a:t>2022-09-20</a:t>
             </a:fld>
             <a:endParaRPr lang="ko-KR" altLang="en-US"/>
           </a:p>
@@ -2989,7 +3074,7 @@
           <a:p>
             <a:fld id="{FB30EDBD-1C2D-4C1E-B459-B60219FAB484}" type="datetimeFigureOut">
               <a:rPr lang="ko-KR" altLang="en-US" smtClean="0"/>
-              <a:t>2021-02-15</a:t>
+              <a:t>2022-09-20</a:t>
             </a:fld>
             <a:endParaRPr lang="ko-KR" altLang="en-US"/>
           </a:p>
@@ -3236,7 +3321,7 @@
           <a:p>
             <a:fld id="{FB30EDBD-1C2D-4C1E-B459-B60219FAB484}" type="datetimeFigureOut">
               <a:rPr lang="ko-KR" altLang="en-US" smtClean="0"/>
-              <a:t>2021-02-15</a:t>
+              <a:t>2022-09-20</a:t>
             </a:fld>
             <a:endParaRPr lang="ko-KR" altLang="en-US"/>
           </a:p>
@@ -3442,7 +3527,7 @@
           <a:p>
             <a:fld id="{FB30EDBD-1C2D-4C1E-B459-B60219FAB484}" type="datetimeFigureOut">
               <a:rPr lang="ko-KR" altLang="en-US" smtClean="0"/>
-              <a:t>2021-02-15</a:t>
+              <a:t>2022-09-20</a:t>
             </a:fld>
             <a:endParaRPr lang="ko-KR" altLang="en-US"/>
           </a:p>
@@ -3866,14 +3951,15 @@
         </p:nvSpPr>
         <p:spPr>
           <a:xfrm>
-            <a:off x="3257550" y="1921256"/>
-            <a:ext cx="3829050" cy="2018646"/>
+            <a:off x="3743133" y="1363982"/>
+            <a:ext cx="3349147" cy="1979293"/>
           </a:xfrm>
           <a:prstGeom prst="roundRect">
             <a:avLst>
-              <a:gd name="adj" fmla="val 5998"/>
+              <a:gd name="adj" fmla="val 2475"/>
             </a:avLst>
           </a:prstGeom>
+          <a:ln w="12700"/>
         </p:spPr>
         <p:style>
           <a:lnRef idx="2">
@@ -3890,24 +3976,73 @@
           </a:fontRef>
         </p:style>
         <p:txBody>
-          <a:bodyPr rtlCol="0" anchor="b"/>
+          <a:bodyPr rtlCol="0" anchor="t"/>
+          <a:lstStyle/>
+          <a:p>
+            <a:r>
+              <a:rPr lang="en-US" altLang="ko-KR" sz="1100" b="1"/>
+              <a:t>K8s Node</a:t>
+            </a:r>
+            <a:endParaRPr lang="ko-KR" altLang="en-US" sz="1100" b="1"/>
+          </a:p>
+        </p:txBody>
+      </p:sp>
+      <p:sp>
+        <p:nvSpPr>
+          <p:cNvPr id="58" name="사각형: 둥근 모서리 57">
+            <a:extLst>
+              <a:ext uri="{FF2B5EF4-FFF2-40B4-BE49-F238E27FC236}">
+                <a16:creationId xmlns:a16="http://schemas.microsoft.com/office/drawing/2014/main" id="{5E4E3A93-5115-4E7C-8846-FD81D33318F8}"/>
+              </a:ext>
+            </a:extLst>
+          </p:cNvPr>
+          <p:cNvSpPr/>
+          <p:nvPr/>
+        </p:nvSpPr>
+        <p:spPr>
+          <a:xfrm>
+            <a:off x="5796771" y="1676401"/>
+            <a:ext cx="1236044" cy="850900"/>
+          </a:xfrm>
+          <a:prstGeom prst="roundRect">
+            <a:avLst>
+              <a:gd name="adj" fmla="val 9324"/>
+            </a:avLst>
+          </a:prstGeom>
+          <a:ln w="12700"/>
+        </p:spPr>
+        <p:style>
+          <a:lnRef idx="2">
+            <a:schemeClr val="dk1"/>
+          </a:lnRef>
+          <a:fillRef idx="1">
+            <a:schemeClr val="lt1"/>
+          </a:fillRef>
+          <a:effectRef idx="0">
+            <a:schemeClr val="dk1"/>
+          </a:effectRef>
+          <a:fontRef idx="minor">
+            <a:schemeClr val="dk1"/>
+          </a:fontRef>
+        </p:style>
+        <p:txBody>
+          <a:bodyPr rtlCol="0" anchor="t"/>
           <a:lstStyle/>
           <a:p>
             <a:pPr algn="ctr"/>
             <a:r>
-              <a:rPr lang="en-US" altLang="ko-KR" sz="1100"/>
-              <a:t>K8s Node</a:t>
-            </a:r>
-            <a:endParaRPr lang="ko-KR" altLang="en-US" sz="1100"/>
-          </a:p>
-        </p:txBody>
-      </p:sp>
-      <p:sp>
-        <p:nvSpPr>
-          <p:cNvPr id="46" name="사각형: 둥근 모서리 45">
-            <a:extLst>
-              <a:ext uri="{FF2B5EF4-FFF2-40B4-BE49-F238E27FC236}">
-                <a16:creationId xmlns:a16="http://schemas.microsoft.com/office/drawing/2014/main" id="{64EDAAEC-A9EA-469E-87CF-A32B639CD17C}"/>
+              <a:rPr lang="en-US" altLang="ko-KR" sz="900"/>
+              <a:t>Target Pod</a:t>
+            </a:r>
+          </a:p>
+        </p:txBody>
+      </p:sp>
+      <p:sp>
+        <p:nvSpPr>
+          <p:cNvPr id="73" name="사각형: 둥근 모서리 72">
+            <a:extLst>
+              <a:ext uri="{FF2B5EF4-FFF2-40B4-BE49-F238E27FC236}">
+                <a16:creationId xmlns:a16="http://schemas.microsoft.com/office/drawing/2014/main" id="{20A1C239-0408-4124-83E9-53DEDE4CD75F}"/>
               </a:ext>
             </a:extLst>
           </p:cNvPr>
@@ -3916,14 +4051,66 @@
         </p:nvSpPr>
         <p:spPr>
           <a:xfrm>
-            <a:off x="3364072" y="2169214"/>
-            <a:ext cx="1207928" cy="642690"/>
+            <a:off x="5858721" y="1923677"/>
+            <a:ext cx="1112144" cy="552781"/>
+          </a:xfrm>
+          <a:prstGeom prst="roundRect">
+            <a:avLst>
+              <a:gd name="adj" fmla="val 12203"/>
+            </a:avLst>
+          </a:prstGeom>
+          <a:ln w="12700"/>
+        </p:spPr>
+        <p:style>
+          <a:lnRef idx="2">
+            <a:schemeClr val="dk1"/>
+          </a:lnRef>
+          <a:fillRef idx="1">
+            <a:schemeClr val="lt1"/>
+          </a:fillRef>
+          <a:effectRef idx="0">
+            <a:schemeClr val="dk1"/>
+          </a:effectRef>
+          <a:fontRef idx="minor">
+            <a:schemeClr val="dk1"/>
+          </a:fontRef>
+        </p:style>
+        <p:txBody>
+          <a:bodyPr rtlCol="0" anchor="t"/>
+          <a:lstStyle/>
+          <a:p>
+            <a:pPr algn="ctr"/>
+            <a:r>
+              <a:rPr lang="en-US" altLang="ko-KR" sz="900"/>
+              <a:t>Target Container</a:t>
+            </a:r>
+            <a:endParaRPr lang="ko-KR" altLang="en-US" sz="900"/>
+          </a:p>
+        </p:txBody>
+      </p:sp>
+      <p:sp>
+        <p:nvSpPr>
+          <p:cNvPr id="104" name="사각형: 둥근 모서리 103">
+            <a:extLst>
+              <a:ext uri="{FF2B5EF4-FFF2-40B4-BE49-F238E27FC236}">
+                <a16:creationId xmlns:a16="http://schemas.microsoft.com/office/drawing/2014/main" id="{89D1C3E8-C31D-4A5F-A7DC-450B53202FFD}"/>
+              </a:ext>
+            </a:extLst>
+          </p:cNvPr>
+          <p:cNvSpPr/>
+          <p:nvPr/>
+        </p:nvSpPr>
+        <p:spPr>
+          <a:xfrm>
+            <a:off x="3813043" y="1887715"/>
+            <a:ext cx="1066678" cy="571472"/>
           </a:xfrm>
           <a:prstGeom prst="roundRect">
             <a:avLst>
               <a:gd name="adj" fmla="val 10708"/>
             </a:avLst>
           </a:prstGeom>
+          <a:ln w="12700"/>
         </p:spPr>
         <p:style>
           <a:lnRef idx="2">
@@ -3945,18 +4132,22 @@
           <a:p>
             <a:pPr algn="ctr"/>
             <a:r>
-              <a:rPr lang="en-US" altLang="ko-KR" sz="1100" b="1"/>
-              <a:t>cnsenter Pod</a:t>
-            </a:r>
-          </a:p>
-        </p:txBody>
-      </p:sp>
-      <p:sp>
-        <p:nvSpPr>
-          <p:cNvPr id="47" name="사각형: 둥근 모서리 46">
-            <a:extLst>
-              <a:ext uri="{FF2B5EF4-FFF2-40B4-BE49-F238E27FC236}">
-                <a16:creationId xmlns:a16="http://schemas.microsoft.com/office/drawing/2014/main" id="{691E64EA-C691-47F2-857D-8FF1BA55EC56}"/>
+              <a:rPr lang="en-US" altLang="ko-KR" sz="1100" err="1"/>
+              <a:t>cnsenter</a:t>
+            </a:r>
+            <a:r>
+              <a:rPr lang="en-US" altLang="ko-KR" sz="1100"/>
+              <a:t> Pod</a:t>
+            </a:r>
+          </a:p>
+        </p:txBody>
+      </p:sp>
+      <p:sp>
+        <p:nvSpPr>
+          <p:cNvPr id="106" name="사각형: 둥근 모서리 105">
+            <a:extLst>
+              <a:ext uri="{FF2B5EF4-FFF2-40B4-BE49-F238E27FC236}">
+                <a16:creationId xmlns:a16="http://schemas.microsoft.com/office/drawing/2014/main" id="{8815D6C1-B29B-4468-AE0B-58C97020F805}"/>
               </a:ext>
             </a:extLst>
           </p:cNvPr>
@@ -3965,7 +4156,7 @@
         </p:nvSpPr>
         <p:spPr>
           <a:xfrm>
-            <a:off x="3511171" y="2485986"/>
+            <a:off x="3889517" y="2168879"/>
             <a:ext cx="913730" cy="225618"/>
           </a:xfrm>
           <a:prstGeom prst="roundRect">
@@ -3973,6 +4164,7 @@
               <a:gd name="adj" fmla="val 12203"/>
             </a:avLst>
           </a:prstGeom>
+          <a:ln w="12700"/>
         </p:spPr>
         <p:style>
           <a:lnRef idx="2">
@@ -3994,19 +4186,19 @@
           <a:p>
             <a:pPr algn="ctr"/>
             <a:r>
-              <a:rPr lang="en-US" altLang="ko-KR" sz="900"/>
+              <a:rPr lang="en-US" altLang="ko-KR" sz="900" b="1" err="1"/>
               <a:t>cnsenter</a:t>
             </a:r>
-            <a:endParaRPr lang="ko-KR" altLang="en-US" sz="900"/>
-          </a:p>
-        </p:txBody>
-      </p:sp>
-      <p:sp>
-        <p:nvSpPr>
-          <p:cNvPr id="58" name="사각형: 둥근 모서리 57">
-            <a:extLst>
-              <a:ext uri="{FF2B5EF4-FFF2-40B4-BE49-F238E27FC236}">
-                <a16:creationId xmlns:a16="http://schemas.microsoft.com/office/drawing/2014/main" id="{5E4E3A93-5115-4E7C-8846-FD81D33318F8}"/>
+            <a:endParaRPr lang="ko-KR" altLang="en-US" sz="900" b="1"/>
+          </a:p>
+        </p:txBody>
+      </p:sp>
+      <p:sp>
+        <p:nvSpPr>
+          <p:cNvPr id="107" name="사각형: 둥근 모서리 106">
+            <a:extLst>
+              <a:ext uri="{FF2B5EF4-FFF2-40B4-BE49-F238E27FC236}">
+                <a16:creationId xmlns:a16="http://schemas.microsoft.com/office/drawing/2014/main" id="{63205508-003E-4060-BF2B-5840DEB4E7D8}"/>
               </a:ext>
             </a:extLst>
           </p:cNvPr>
@@ -4015,63 +4207,15 @@
         </p:nvSpPr>
         <p:spPr>
           <a:xfrm>
-            <a:off x="5606772" y="2427299"/>
-            <a:ext cx="1389262" cy="1417213"/>
-          </a:xfrm>
-          <a:prstGeom prst="roundRect">
-            <a:avLst>
-              <a:gd name="adj" fmla="val 9324"/>
-            </a:avLst>
-          </a:prstGeom>
-        </p:spPr>
-        <p:style>
-          <a:lnRef idx="2">
-            <a:schemeClr val="dk1"/>
-          </a:lnRef>
-          <a:fillRef idx="1">
-            <a:schemeClr val="lt1"/>
-          </a:fillRef>
-          <a:effectRef idx="0">
-            <a:schemeClr val="dk1"/>
-          </a:effectRef>
-          <a:fontRef idx="minor">
-            <a:schemeClr val="dk1"/>
-          </a:fontRef>
-        </p:style>
-        <p:txBody>
-          <a:bodyPr rtlCol="0" anchor="t"/>
-          <a:lstStyle/>
-          <a:p>
-            <a:pPr algn="ctr"/>
-            <a:r>
-              <a:rPr lang="en-US" altLang="ko-KR" sz="1100"/>
-              <a:t>Target Pod</a:t>
-            </a:r>
-          </a:p>
-        </p:txBody>
-      </p:sp>
-      <p:sp>
-        <p:nvSpPr>
-          <p:cNvPr id="73" name="사각형: 둥근 모서리 72">
-            <a:extLst>
-              <a:ext uri="{FF2B5EF4-FFF2-40B4-BE49-F238E27FC236}">
-                <a16:creationId xmlns:a16="http://schemas.microsoft.com/office/drawing/2014/main" id="{20A1C239-0408-4124-83E9-53DEDE4CD75F}"/>
-              </a:ext>
-            </a:extLst>
-          </p:cNvPr>
-          <p:cNvSpPr/>
-          <p:nvPr/>
-        </p:nvSpPr>
-        <p:spPr>
-          <a:xfrm>
-            <a:off x="5722359" y="2747338"/>
-            <a:ext cx="1158087" cy="1014285"/>
+            <a:off x="1560152" y="2756873"/>
+            <a:ext cx="966160" cy="314883"/>
           </a:xfrm>
           <a:prstGeom prst="roundRect">
             <a:avLst>
               <a:gd name="adj" fmla="val 12203"/>
             </a:avLst>
           </a:prstGeom>
+          <a:ln w="12700"/>
         </p:spPr>
         <p:style>
           <a:lnRef idx="2">
@@ -4088,310 +4232,12 @@
           </a:fontRef>
         </p:style>
         <p:txBody>
-          <a:bodyPr rtlCol="0" anchor="t"/>
+          <a:bodyPr rtlCol="0" anchor="ctr"/>
           <a:lstStyle/>
           <a:p>
             <a:pPr algn="ctr"/>
             <a:r>
-              <a:rPr lang="en-US" altLang="ko-KR" sz="1050"/>
-              <a:t>Target Container</a:t>
-            </a:r>
-            <a:endParaRPr lang="ko-KR" altLang="en-US" sz="1050"/>
-          </a:p>
-        </p:txBody>
-      </p:sp>
-      <p:sp>
-        <p:nvSpPr>
-          <p:cNvPr id="75" name="사각형: 둥근 모서리 74">
-            <a:extLst>
-              <a:ext uri="{FF2B5EF4-FFF2-40B4-BE49-F238E27FC236}">
-                <a16:creationId xmlns:a16="http://schemas.microsoft.com/office/drawing/2014/main" id="{8F1EE6BD-7693-4A3E-8600-9E6C11463346}"/>
-              </a:ext>
-            </a:extLst>
-          </p:cNvPr>
-          <p:cNvSpPr/>
-          <p:nvPr/>
-        </p:nvSpPr>
-        <p:spPr>
-          <a:xfrm>
-            <a:off x="5844537" y="3157404"/>
-            <a:ext cx="913730" cy="225618"/>
-          </a:xfrm>
-          <a:prstGeom prst="roundRect">
-            <a:avLst>
-              <a:gd name="adj" fmla="val 12203"/>
-            </a:avLst>
-          </a:prstGeom>
-        </p:spPr>
-        <p:style>
-          <a:lnRef idx="2">
-            <a:schemeClr val="dk1"/>
-          </a:lnRef>
-          <a:fillRef idx="1">
-            <a:schemeClr val="lt1"/>
-          </a:fillRef>
-          <a:effectRef idx="0">
-            <a:schemeClr val="dk1"/>
-          </a:effectRef>
-          <a:fontRef idx="minor">
-            <a:schemeClr val="dk1"/>
-          </a:fontRef>
-        </p:style>
-        <p:txBody>
-          <a:bodyPr rtlCol="0" anchor="ctr"/>
-          <a:lstStyle/>
-          <a:p>
-            <a:pPr algn="ctr"/>
-            <a:r>
-              <a:rPr lang="en-US" altLang="ko-KR" sz="900"/>
-              <a:t>Command</a:t>
-            </a:r>
-            <a:endParaRPr lang="ko-KR" altLang="en-US" sz="900"/>
-          </a:p>
-        </p:txBody>
-      </p:sp>
-      <p:sp>
-        <p:nvSpPr>
-          <p:cNvPr id="97" name="사각형: 둥근 모서리 96">
-            <a:extLst>
-              <a:ext uri="{FF2B5EF4-FFF2-40B4-BE49-F238E27FC236}">
-                <a16:creationId xmlns:a16="http://schemas.microsoft.com/office/drawing/2014/main" id="{38E3355C-06D5-4D3D-AC10-D3369B96A92C}"/>
-              </a:ext>
-            </a:extLst>
-          </p:cNvPr>
-          <p:cNvSpPr/>
-          <p:nvPr/>
-        </p:nvSpPr>
-        <p:spPr>
-          <a:xfrm>
-            <a:off x="1181806" y="2441352"/>
-            <a:ext cx="966160" cy="314883"/>
-          </a:xfrm>
-          <a:prstGeom prst="roundRect">
-            <a:avLst>
-              <a:gd name="adj" fmla="val 12203"/>
-            </a:avLst>
-          </a:prstGeom>
-        </p:spPr>
-        <p:style>
-          <a:lnRef idx="2">
-            <a:schemeClr val="dk1"/>
-          </a:lnRef>
-          <a:fillRef idx="1">
-            <a:schemeClr val="lt1"/>
-          </a:fillRef>
-          <a:effectRef idx="0">
-            <a:schemeClr val="dk1"/>
-          </a:effectRef>
-          <a:fontRef idx="minor">
-            <a:schemeClr val="dk1"/>
-          </a:fontRef>
-        </p:style>
-        <p:txBody>
-          <a:bodyPr rtlCol="0" anchor="ctr"/>
-          <a:lstStyle/>
-          <a:p>
-            <a:pPr algn="ctr"/>
-            <a:r>
-              <a:rPr lang="en-US" altLang="ko-KR" sz="1100" b="1"/>
-              <a:t>kpexec</a:t>
-            </a:r>
-            <a:endParaRPr lang="ko-KR" altLang="en-US" sz="1100" b="1"/>
-          </a:p>
-        </p:txBody>
-      </p:sp>
-      <p:cxnSp>
-        <p:nvCxnSpPr>
-          <p:cNvPr id="100" name="직선 연결선 99">
-            <a:extLst>
-              <a:ext uri="{FF2B5EF4-FFF2-40B4-BE49-F238E27FC236}">
-                <a16:creationId xmlns:a16="http://schemas.microsoft.com/office/drawing/2014/main" id="{CBCBE498-15CF-47C1-A767-3415FF031064}"/>
-              </a:ext>
-            </a:extLst>
-          </p:cNvPr>
-          <p:cNvCxnSpPr>
-            <a:cxnSpLocks/>
-            <a:stCxn id="47" idx="3"/>
-            <a:endCxn id="75" idx="1"/>
-          </p:cNvCxnSpPr>
-          <p:nvPr/>
-        </p:nvCxnSpPr>
-        <p:spPr>
-          <a:xfrm>
-            <a:off x="4424901" y="2598795"/>
-            <a:ext cx="1419636" cy="671419"/>
-          </a:xfrm>
-          <a:prstGeom prst="line">
-            <a:avLst/>
-          </a:prstGeom>
-          <a:ln w="19050">
-            <a:solidFill>
-              <a:schemeClr val="accent5">
-                <a:lumMod val="75000"/>
-              </a:schemeClr>
-            </a:solidFill>
-            <a:headEnd type="arrow" w="med" len="med"/>
-            <a:tailEnd type="arrow" w="med" len="med"/>
-          </a:ln>
-        </p:spPr>
-        <p:style>
-          <a:lnRef idx="1">
-            <a:schemeClr val="accent1"/>
-          </a:lnRef>
-          <a:fillRef idx="0">
-            <a:schemeClr val="accent1"/>
-          </a:fillRef>
-          <a:effectRef idx="0">
-            <a:schemeClr val="accent1"/>
-          </a:effectRef>
-          <a:fontRef idx="minor">
-            <a:schemeClr val="tx1"/>
-          </a:fontRef>
-        </p:style>
-      </p:cxnSp>
-      <p:sp>
-        <p:nvSpPr>
-          <p:cNvPr id="104" name="사각형: 둥근 모서리 103">
-            <a:extLst>
-              <a:ext uri="{FF2B5EF4-FFF2-40B4-BE49-F238E27FC236}">
-                <a16:creationId xmlns:a16="http://schemas.microsoft.com/office/drawing/2014/main" id="{89D1C3E8-C31D-4A5F-A7DC-450B53202FFD}"/>
-              </a:ext>
-            </a:extLst>
-          </p:cNvPr>
-          <p:cNvSpPr/>
-          <p:nvPr/>
-        </p:nvSpPr>
-        <p:spPr>
-          <a:xfrm>
-            <a:off x="3364072" y="3058376"/>
-            <a:ext cx="1207928" cy="642690"/>
-          </a:xfrm>
-          <a:prstGeom prst="roundRect">
-            <a:avLst>
-              <a:gd name="adj" fmla="val 10708"/>
-            </a:avLst>
-          </a:prstGeom>
-        </p:spPr>
-        <p:style>
-          <a:lnRef idx="2">
-            <a:schemeClr val="dk1"/>
-          </a:lnRef>
-          <a:fillRef idx="1">
-            <a:schemeClr val="lt1"/>
-          </a:fillRef>
-          <a:effectRef idx="0">
-            <a:schemeClr val="dk1"/>
-          </a:effectRef>
-          <a:fontRef idx="minor">
-            <a:schemeClr val="dk1"/>
-          </a:fontRef>
-        </p:style>
-        <p:txBody>
-          <a:bodyPr rtlCol="0" anchor="t"/>
-          <a:lstStyle/>
-          <a:p>
-            <a:pPr algn="ctr"/>
-            <a:r>
-              <a:rPr lang="en-US" altLang="ko-KR" sz="1100" b="1"/>
-              <a:t>cnsenter Pod</a:t>
-            </a:r>
-          </a:p>
-        </p:txBody>
-      </p:sp>
-      <p:sp>
-        <p:nvSpPr>
-          <p:cNvPr id="106" name="사각형: 둥근 모서리 105">
-            <a:extLst>
-              <a:ext uri="{FF2B5EF4-FFF2-40B4-BE49-F238E27FC236}">
-                <a16:creationId xmlns:a16="http://schemas.microsoft.com/office/drawing/2014/main" id="{8815D6C1-B29B-4468-AE0B-58C97020F805}"/>
-              </a:ext>
-            </a:extLst>
-          </p:cNvPr>
-          <p:cNvSpPr/>
-          <p:nvPr/>
-        </p:nvSpPr>
-        <p:spPr>
-          <a:xfrm>
-            <a:off x="3511171" y="3375149"/>
-            <a:ext cx="913730" cy="225618"/>
-          </a:xfrm>
-          <a:prstGeom prst="roundRect">
-            <a:avLst>
-              <a:gd name="adj" fmla="val 12203"/>
-            </a:avLst>
-          </a:prstGeom>
-        </p:spPr>
-        <p:style>
-          <a:lnRef idx="2">
-            <a:schemeClr val="dk1"/>
-          </a:lnRef>
-          <a:fillRef idx="1">
-            <a:schemeClr val="lt1"/>
-          </a:fillRef>
-          <a:effectRef idx="0">
-            <a:schemeClr val="dk1"/>
-          </a:effectRef>
-          <a:fontRef idx="minor">
-            <a:schemeClr val="dk1"/>
-          </a:fontRef>
-        </p:style>
-        <p:txBody>
-          <a:bodyPr rtlCol="0" anchor="ctr"/>
-          <a:lstStyle/>
-          <a:p>
-            <a:pPr algn="ctr"/>
-            <a:r>
-              <a:rPr lang="en-US" altLang="ko-KR" sz="900"/>
-              <a:t>cnsenter</a:t>
-            </a:r>
-            <a:endParaRPr lang="ko-KR" altLang="en-US" sz="900"/>
-          </a:p>
-        </p:txBody>
-      </p:sp>
-      <p:sp>
-        <p:nvSpPr>
-          <p:cNvPr id="107" name="사각형: 둥근 모서리 106">
-            <a:extLst>
-              <a:ext uri="{FF2B5EF4-FFF2-40B4-BE49-F238E27FC236}">
-                <a16:creationId xmlns:a16="http://schemas.microsoft.com/office/drawing/2014/main" id="{63205508-003E-4060-BF2B-5840DEB4E7D8}"/>
-              </a:ext>
-            </a:extLst>
-          </p:cNvPr>
-          <p:cNvSpPr/>
-          <p:nvPr/>
-        </p:nvSpPr>
-        <p:spPr>
-          <a:xfrm>
-            <a:off x="1181806" y="3330515"/>
-            <a:ext cx="966160" cy="314883"/>
-          </a:xfrm>
-          <a:prstGeom prst="roundRect">
-            <a:avLst>
-              <a:gd name="adj" fmla="val 12203"/>
-            </a:avLst>
-          </a:prstGeom>
-        </p:spPr>
-        <p:style>
-          <a:lnRef idx="2">
-            <a:schemeClr val="dk1"/>
-          </a:lnRef>
-          <a:fillRef idx="1">
-            <a:schemeClr val="lt1"/>
-          </a:fillRef>
-          <a:effectRef idx="0">
-            <a:schemeClr val="dk1"/>
-          </a:effectRef>
-          <a:fontRef idx="minor">
-            <a:schemeClr val="dk1"/>
-          </a:fontRef>
-        </p:style>
-        <p:txBody>
-          <a:bodyPr rtlCol="0" anchor="ctr"/>
-          <a:lstStyle/>
-          <a:p>
-            <a:pPr algn="ctr"/>
-            <a:r>
-              <a:rPr lang="en-US" altLang="ko-KR" sz="1100" b="1"/>
+              <a:rPr lang="en-US" altLang="ko-KR" sz="1100" b="1" err="1"/>
               <a:t>kpexec</a:t>
             </a:r>
             <a:endParaRPr lang="ko-KR" altLang="en-US" sz="1100" b="1"/>
@@ -4410,269 +4256,21 @@
           <p:cNvCxnSpPr>
             <a:cxnSpLocks/>
             <a:stCxn id="106" idx="3"/>
-            <a:endCxn id="116" idx="1"/>
+            <a:endCxn id="13" idx="1"/>
           </p:cNvCxnSpPr>
           <p:nvPr/>
         </p:nvCxnSpPr>
         <p:spPr>
           <a:xfrm>
-            <a:off x="4424901" y="3487958"/>
-            <a:ext cx="1419636" cy="83548"/>
+            <a:off x="4803247" y="2281688"/>
+            <a:ext cx="1146472" cy="0"/>
           </a:xfrm>
           <a:prstGeom prst="line">
             <a:avLst/>
           </a:prstGeom>
-          <a:ln w="19050">
+          <a:ln w="12700">
             <a:solidFill>
-              <a:schemeClr val="accent5">
-                <a:lumMod val="75000"/>
-              </a:schemeClr>
-            </a:solidFill>
-            <a:headEnd type="arrow" w="med" len="med"/>
-            <a:tailEnd type="arrow" w="med" len="med"/>
-          </a:ln>
-        </p:spPr>
-        <p:style>
-          <a:lnRef idx="1">
-            <a:schemeClr val="accent1"/>
-          </a:lnRef>
-          <a:fillRef idx="0">
-            <a:schemeClr val="accent1"/>
-          </a:fillRef>
-          <a:effectRef idx="0">
-            <a:schemeClr val="accent1"/>
-          </a:effectRef>
-          <a:fontRef idx="minor">
-            <a:schemeClr val="tx1"/>
-          </a:fontRef>
-        </p:style>
-      </p:cxnSp>
-      <p:sp>
-        <p:nvSpPr>
-          <p:cNvPr id="114" name="사각형: 둥근 모서리 113">
-            <a:extLst>
-              <a:ext uri="{FF2B5EF4-FFF2-40B4-BE49-F238E27FC236}">
-                <a16:creationId xmlns:a16="http://schemas.microsoft.com/office/drawing/2014/main" id="{56D24251-3F3F-49C4-B369-CC29EEFFE0D5}"/>
-              </a:ext>
-            </a:extLst>
-          </p:cNvPr>
-          <p:cNvSpPr/>
-          <p:nvPr/>
-        </p:nvSpPr>
-        <p:spPr>
-          <a:xfrm>
-            <a:off x="5817659" y="2011771"/>
-            <a:ext cx="967486" cy="314883"/>
-          </a:xfrm>
-          <a:prstGeom prst="roundRect">
-            <a:avLst>
-              <a:gd name="adj" fmla="val 12203"/>
-            </a:avLst>
-          </a:prstGeom>
-        </p:spPr>
-        <p:style>
-          <a:lnRef idx="2">
-            <a:schemeClr val="dk1"/>
-          </a:lnRef>
-          <a:fillRef idx="1">
-            <a:schemeClr val="lt1"/>
-          </a:fillRef>
-          <a:effectRef idx="0">
-            <a:schemeClr val="dk1"/>
-          </a:effectRef>
-          <a:fontRef idx="minor">
-            <a:schemeClr val="dk1"/>
-          </a:fontRef>
-        </p:style>
-        <p:txBody>
-          <a:bodyPr rtlCol="0" anchor="ctr"/>
-          <a:lstStyle/>
-          <a:p>
-            <a:pPr algn="ctr"/>
-            <a:r>
-              <a:rPr lang="en-US" altLang="ko-KR" sz="1100"/>
-              <a:t>containerd</a:t>
-            </a:r>
-          </a:p>
-        </p:txBody>
-      </p:sp>
-      <p:cxnSp>
-        <p:nvCxnSpPr>
-          <p:cNvPr id="115" name="직선 연결선 114">
-            <a:extLst>
-              <a:ext uri="{FF2B5EF4-FFF2-40B4-BE49-F238E27FC236}">
-                <a16:creationId xmlns:a16="http://schemas.microsoft.com/office/drawing/2014/main" id="{33B08333-2B73-40E0-83C5-F60864115EF5}"/>
-              </a:ext>
-            </a:extLst>
-          </p:cNvPr>
-          <p:cNvCxnSpPr>
-            <a:cxnSpLocks/>
-            <a:stCxn id="47" idx="3"/>
-            <a:endCxn id="114" idx="1"/>
-          </p:cNvCxnSpPr>
-          <p:nvPr/>
-        </p:nvCxnSpPr>
-        <p:spPr>
-          <a:xfrm flipV="1">
-            <a:off x="4424901" y="2169214"/>
-            <a:ext cx="1392758" cy="429580"/>
-          </a:xfrm>
-          <a:prstGeom prst="line">
-            <a:avLst/>
-          </a:prstGeom>
-          <a:ln w="19050">
-            <a:solidFill>
-              <a:schemeClr val="accent6">
-                <a:lumMod val="75000"/>
-              </a:schemeClr>
-            </a:solidFill>
-            <a:headEnd type="arrow" w="med" len="med"/>
-            <a:tailEnd type="none" w="med" len="med"/>
-          </a:ln>
-        </p:spPr>
-        <p:style>
-          <a:lnRef idx="1">
-            <a:schemeClr val="accent1"/>
-          </a:lnRef>
-          <a:fillRef idx="0">
-            <a:schemeClr val="accent1"/>
-          </a:fillRef>
-          <a:effectRef idx="0">
-            <a:schemeClr val="accent1"/>
-          </a:effectRef>
-          <a:fontRef idx="minor">
-            <a:schemeClr val="tx1"/>
-          </a:fontRef>
-        </p:style>
-      </p:cxnSp>
-      <p:sp>
-        <p:nvSpPr>
-          <p:cNvPr id="116" name="사각형: 둥근 모서리 115">
-            <a:extLst>
-              <a:ext uri="{FF2B5EF4-FFF2-40B4-BE49-F238E27FC236}">
-                <a16:creationId xmlns:a16="http://schemas.microsoft.com/office/drawing/2014/main" id="{38C5C11C-4A8F-4547-9118-09BDA4094820}"/>
-              </a:ext>
-            </a:extLst>
-          </p:cNvPr>
-          <p:cNvSpPr/>
-          <p:nvPr/>
-        </p:nvSpPr>
-        <p:spPr>
-          <a:xfrm>
-            <a:off x="5844537" y="3458697"/>
-            <a:ext cx="913730" cy="225618"/>
-          </a:xfrm>
-          <a:prstGeom prst="roundRect">
-            <a:avLst>
-              <a:gd name="adj" fmla="val 12203"/>
-            </a:avLst>
-          </a:prstGeom>
-        </p:spPr>
-        <p:style>
-          <a:lnRef idx="2">
-            <a:schemeClr val="dk1"/>
-          </a:lnRef>
-          <a:fillRef idx="1">
-            <a:schemeClr val="lt1"/>
-          </a:fillRef>
-          <a:effectRef idx="0">
-            <a:schemeClr val="dk1"/>
-          </a:effectRef>
-          <a:fontRef idx="minor">
-            <a:schemeClr val="dk1"/>
-          </a:fontRef>
-        </p:style>
-        <p:txBody>
-          <a:bodyPr rtlCol="0" anchor="ctr"/>
-          <a:lstStyle/>
-          <a:p>
-            <a:pPr algn="ctr"/>
-            <a:r>
-              <a:rPr lang="en-US" altLang="ko-KR" sz="900"/>
-              <a:t>Command</a:t>
-            </a:r>
-            <a:endParaRPr lang="ko-KR" altLang="en-US" sz="900"/>
-          </a:p>
-        </p:txBody>
-      </p:sp>
-      <p:cxnSp>
-        <p:nvCxnSpPr>
-          <p:cNvPr id="117" name="직선 연결선 116">
-            <a:extLst>
-              <a:ext uri="{FF2B5EF4-FFF2-40B4-BE49-F238E27FC236}">
-                <a16:creationId xmlns:a16="http://schemas.microsoft.com/office/drawing/2014/main" id="{1A9B72C6-99DD-4895-8D95-E572C0B32140}"/>
-              </a:ext>
-            </a:extLst>
-          </p:cNvPr>
-          <p:cNvCxnSpPr>
-            <a:cxnSpLocks/>
-            <a:stCxn id="106" idx="3"/>
-            <a:endCxn id="114" idx="1"/>
-          </p:cNvCxnSpPr>
-          <p:nvPr/>
-        </p:nvCxnSpPr>
-        <p:spPr>
-          <a:xfrm flipV="1">
-            <a:off x="4424901" y="2169214"/>
-            <a:ext cx="1392758" cy="1318743"/>
-          </a:xfrm>
-          <a:prstGeom prst="line">
-            <a:avLst/>
-          </a:prstGeom>
-          <a:ln w="19050">
-            <a:solidFill>
-              <a:schemeClr val="accent6">
-                <a:lumMod val="75000"/>
-              </a:schemeClr>
-            </a:solidFill>
-            <a:headEnd type="arrow" w="med" len="med"/>
-            <a:tailEnd type="none" w="med" len="med"/>
-          </a:ln>
-        </p:spPr>
-        <p:style>
-          <a:lnRef idx="1">
-            <a:schemeClr val="accent1"/>
-          </a:lnRef>
-          <a:fillRef idx="0">
-            <a:schemeClr val="accent1"/>
-          </a:fillRef>
-          <a:effectRef idx="0">
-            <a:schemeClr val="accent1"/>
-          </a:effectRef>
-          <a:fontRef idx="minor">
-            <a:schemeClr val="tx1"/>
-          </a:fontRef>
-        </p:style>
-      </p:cxnSp>
-      <p:cxnSp>
-        <p:nvCxnSpPr>
-          <p:cNvPr id="145" name="직선 연결선 144">
-            <a:extLst>
-              <a:ext uri="{FF2B5EF4-FFF2-40B4-BE49-F238E27FC236}">
-                <a16:creationId xmlns:a16="http://schemas.microsoft.com/office/drawing/2014/main" id="{E05BB714-3DD9-43A8-8B1B-7EC4BABEC022}"/>
-              </a:ext>
-            </a:extLst>
-          </p:cNvPr>
-          <p:cNvCxnSpPr>
-            <a:cxnSpLocks/>
-            <a:stCxn id="97" idx="3"/>
-            <a:endCxn id="47" idx="1"/>
-          </p:cNvCxnSpPr>
-          <p:nvPr/>
-        </p:nvCxnSpPr>
-        <p:spPr>
-          <a:xfrm>
-            <a:off x="2147966" y="2598795"/>
-            <a:ext cx="1363205" cy="0"/>
-          </a:xfrm>
-          <a:prstGeom prst="line">
-            <a:avLst/>
-          </a:prstGeom>
-          <a:ln w="19050">
-            <a:solidFill>
-              <a:schemeClr val="accent3">
-                <a:lumMod val="50000"/>
-              </a:schemeClr>
+              <a:schemeClr val="tx1"/>
             </a:solidFill>
             <a:headEnd type="arrow" w="med" len="med"/>
             <a:tailEnd type="arrow" w="med" len="med"/>
@@ -4710,18 +4308,16 @@
           <p:nvPr/>
         </p:nvCxnSpPr>
         <p:spPr>
-          <a:xfrm>
-            <a:off x="2147966" y="3487958"/>
-            <a:ext cx="1363205" cy="0"/>
+          <a:xfrm flipV="1">
+            <a:off x="2526312" y="2281688"/>
+            <a:ext cx="1363205" cy="632627"/>
           </a:xfrm>
           <a:prstGeom prst="line">
             <a:avLst/>
           </a:prstGeom>
-          <a:ln w="19050">
+          <a:ln w="12700">
             <a:solidFill>
-              <a:schemeClr val="accent3">
-                <a:lumMod val="50000"/>
-              </a:schemeClr>
+              <a:schemeClr val="tx1"/>
             </a:solidFill>
             <a:headEnd type="arrow" w="med" len="med"/>
             <a:tailEnd type="arrow" w="med" len="med"/>
@@ -4742,33 +4338,310 @@
           </a:fontRef>
         </p:style>
       </p:cxnSp>
+      <p:sp>
+        <p:nvSpPr>
+          <p:cNvPr id="173" name="TextBox 172">
+            <a:extLst>
+              <a:ext uri="{FF2B5EF4-FFF2-40B4-BE49-F238E27FC236}">
+                <a16:creationId xmlns:a16="http://schemas.microsoft.com/office/drawing/2014/main" id="{BD2AD389-2B67-4051-B3A3-96981B3AF459}"/>
+              </a:ext>
+            </a:extLst>
+          </p:cNvPr>
+          <p:cNvSpPr txBox="1"/>
+          <p:nvPr/>
+        </p:nvSpPr>
+        <p:spPr>
+          <a:xfrm>
+            <a:off x="2023385" y="2408422"/>
+            <a:ext cx="881954" cy="307777"/>
+          </a:xfrm>
+          <a:prstGeom prst="rect">
+            <a:avLst/>
+          </a:prstGeom>
+          <a:noFill/>
+        </p:spPr>
+        <p:txBody>
+          <a:bodyPr wrap="square" rtlCol="0">
+            <a:spAutoFit/>
+          </a:bodyPr>
+          <a:lstStyle/>
+          <a:p>
+            <a:pPr algn="ctr"/>
+            <a:r>
+              <a:rPr lang="en-US" altLang="ko-KR" sz="700"/>
+              <a:t>Req Create</a:t>
+            </a:r>
+          </a:p>
+          <a:p>
+            <a:pPr algn="ctr"/>
+            <a:r>
+              <a:rPr lang="en-US" altLang="ko-KR" sz="700" err="1"/>
+              <a:t>cnsenter</a:t>
+            </a:r>
+            <a:r>
+              <a:rPr lang="en-US" altLang="ko-KR" sz="700"/>
+              <a:t> Pod</a:t>
+            </a:r>
+          </a:p>
+        </p:txBody>
+      </p:sp>
+      <p:sp>
+        <p:nvSpPr>
+          <p:cNvPr id="174" name="TextBox 173">
+            <a:extLst>
+              <a:ext uri="{FF2B5EF4-FFF2-40B4-BE49-F238E27FC236}">
+                <a16:creationId xmlns:a16="http://schemas.microsoft.com/office/drawing/2014/main" id="{9FD11E01-2D1A-4B75-B208-5A3135ADE32E}"/>
+              </a:ext>
+            </a:extLst>
+          </p:cNvPr>
+          <p:cNvSpPr txBox="1"/>
+          <p:nvPr/>
+        </p:nvSpPr>
+        <p:spPr>
+          <a:xfrm>
+            <a:off x="2714842" y="2657893"/>
+            <a:ext cx="821058" cy="338554"/>
+          </a:xfrm>
+          <a:prstGeom prst="rect">
+            <a:avLst/>
+          </a:prstGeom>
+          <a:noFill/>
+        </p:spPr>
+        <p:txBody>
+          <a:bodyPr wrap="none" rtlCol="0">
+            <a:spAutoFit/>
+          </a:bodyPr>
+          <a:lstStyle/>
+          <a:p>
+            <a:pPr algn="ctr"/>
+            <a:r>
+              <a:rPr lang="en-US" altLang="ko-KR" sz="800"/>
+              <a:t>Pass stdin,</a:t>
+            </a:r>
+          </a:p>
+          <a:p>
+            <a:pPr algn="ctr"/>
+            <a:r>
+              <a:rPr lang="en-US" altLang="ko-KR" sz="800"/>
+              <a:t>stdout, stderr</a:t>
+            </a:r>
+          </a:p>
+        </p:txBody>
+      </p:sp>
+      <p:sp>
+        <p:nvSpPr>
+          <p:cNvPr id="175" name="TextBox 174">
+            <a:extLst>
+              <a:ext uri="{FF2B5EF4-FFF2-40B4-BE49-F238E27FC236}">
+                <a16:creationId xmlns:a16="http://schemas.microsoft.com/office/drawing/2014/main" id="{D193FA13-80AB-4D61-97D6-0F70120E06DA}"/>
+              </a:ext>
+            </a:extLst>
+          </p:cNvPr>
+          <p:cNvSpPr txBox="1"/>
+          <p:nvPr/>
+        </p:nvSpPr>
+        <p:spPr>
+          <a:xfrm>
+            <a:off x="3435019" y="2453144"/>
+            <a:ext cx="769763" cy="307777"/>
+          </a:xfrm>
+          <a:prstGeom prst="rect">
+            <a:avLst/>
+          </a:prstGeom>
+          <a:noFill/>
+        </p:spPr>
+        <p:txBody>
+          <a:bodyPr wrap="none" rtlCol="0">
+            <a:spAutoFit/>
+          </a:bodyPr>
+          <a:lstStyle/>
+          <a:p>
+            <a:pPr algn="ctr"/>
+            <a:r>
+              <a:rPr lang="en-US" altLang="ko-KR" sz="700"/>
+              <a:t>Req Target </a:t>
+            </a:r>
+          </a:p>
+          <a:p>
+            <a:pPr algn="ctr"/>
+            <a:r>
+              <a:rPr lang="en-US" altLang="ko-KR" sz="700"/>
+              <a:t>Container Info</a:t>
+            </a:r>
+          </a:p>
+        </p:txBody>
+      </p:sp>
+      <p:sp>
+        <p:nvSpPr>
+          <p:cNvPr id="176" name="TextBox 175">
+            <a:extLst>
+              <a:ext uri="{FF2B5EF4-FFF2-40B4-BE49-F238E27FC236}">
+                <a16:creationId xmlns:a16="http://schemas.microsoft.com/office/drawing/2014/main" id="{3850B006-F78F-4C1F-9633-7731E00D16EF}"/>
+              </a:ext>
+            </a:extLst>
+          </p:cNvPr>
+          <p:cNvSpPr txBox="1"/>
+          <p:nvPr/>
+        </p:nvSpPr>
+        <p:spPr>
+          <a:xfrm>
+            <a:off x="4851301" y="1809786"/>
+            <a:ext cx="979756" cy="415498"/>
+          </a:xfrm>
+          <a:prstGeom prst="rect">
+            <a:avLst/>
+          </a:prstGeom>
+          <a:noFill/>
+        </p:spPr>
+        <p:txBody>
+          <a:bodyPr wrap="none" rtlCol="0">
+            <a:spAutoFit/>
+          </a:bodyPr>
+          <a:lstStyle/>
+          <a:p>
+            <a:pPr algn="ctr"/>
+            <a:r>
+              <a:rPr lang="en-US" altLang="ko-KR" sz="700"/>
+              <a:t>Run Cmd</a:t>
+            </a:r>
+          </a:p>
+          <a:p>
+            <a:pPr algn="ctr"/>
+            <a:r>
+              <a:rPr lang="en-US" altLang="ko-KR" sz="700"/>
+              <a:t>Pass Cmd’s </a:t>
+            </a:r>
+          </a:p>
+          <a:p>
+            <a:pPr algn="ctr"/>
+            <a:r>
+              <a:rPr lang="en-US" altLang="ko-KR" sz="700"/>
+              <a:t>stdin, stdout, stderr</a:t>
+            </a:r>
+          </a:p>
+        </p:txBody>
+      </p:sp>
+      <p:sp>
+        <p:nvSpPr>
+          <p:cNvPr id="177" name="사각형: 둥근 모서리 176">
+            <a:extLst>
+              <a:ext uri="{FF2B5EF4-FFF2-40B4-BE49-F238E27FC236}">
+                <a16:creationId xmlns:a16="http://schemas.microsoft.com/office/drawing/2014/main" id="{F0313CED-D3EC-40B9-89EF-76D36AAC8E5D}"/>
+              </a:ext>
+            </a:extLst>
+          </p:cNvPr>
+          <p:cNvSpPr/>
+          <p:nvPr/>
+        </p:nvSpPr>
+        <p:spPr>
+          <a:xfrm>
+            <a:off x="2008441" y="1625310"/>
+            <a:ext cx="1275452" cy="314883"/>
+          </a:xfrm>
+          <a:prstGeom prst="roundRect">
+            <a:avLst>
+              <a:gd name="adj" fmla="val 15872"/>
+            </a:avLst>
+          </a:prstGeom>
+          <a:ln w="12700"/>
+        </p:spPr>
+        <p:style>
+          <a:lnRef idx="2">
+            <a:schemeClr val="dk1"/>
+          </a:lnRef>
+          <a:fillRef idx="1">
+            <a:schemeClr val="lt1"/>
+          </a:fillRef>
+          <a:effectRef idx="0">
+            <a:schemeClr val="dk1"/>
+          </a:effectRef>
+          <a:fontRef idx="minor">
+            <a:schemeClr val="dk1"/>
+          </a:fontRef>
+        </p:style>
+        <p:txBody>
+          <a:bodyPr rtlCol="0" anchor="ctr"/>
+          <a:lstStyle/>
+          <a:p>
+            <a:pPr algn="ctr"/>
+            <a:r>
+              <a:rPr lang="en-US" altLang="ko-KR" sz="1100"/>
+              <a:t>K8s API Server</a:t>
+            </a:r>
+          </a:p>
+        </p:txBody>
+      </p:sp>
+      <p:sp>
+        <p:nvSpPr>
+          <p:cNvPr id="203" name="TextBox 202">
+            <a:extLst>
+              <a:ext uri="{FF2B5EF4-FFF2-40B4-BE49-F238E27FC236}">
+                <a16:creationId xmlns:a16="http://schemas.microsoft.com/office/drawing/2014/main" id="{8C02B63B-0CF9-4F6A-A8A0-D8B748C037AE}"/>
+              </a:ext>
+            </a:extLst>
+          </p:cNvPr>
+          <p:cNvSpPr txBox="1"/>
+          <p:nvPr/>
+        </p:nvSpPr>
+        <p:spPr>
+          <a:xfrm>
+            <a:off x="1058597" y="2503506"/>
+            <a:ext cx="665567" cy="307777"/>
+          </a:xfrm>
+          <a:prstGeom prst="rect">
+            <a:avLst/>
+          </a:prstGeom>
+          <a:noFill/>
+          <a:ln>
+            <a:noFill/>
+          </a:ln>
+        </p:spPr>
+        <p:txBody>
+          <a:bodyPr wrap="none" rtlCol="0">
+            <a:spAutoFit/>
+          </a:bodyPr>
+          <a:lstStyle/>
+          <a:p>
+            <a:pPr algn="ctr"/>
+            <a:r>
+              <a:rPr lang="en-US" altLang="ko-KR" sz="700"/>
+              <a:t>Req Target </a:t>
+            </a:r>
+            <a:br>
+              <a:rPr lang="en-US" altLang="ko-KR" sz="700"/>
+            </a:br>
+            <a:r>
+              <a:rPr lang="en-US" altLang="ko-KR" sz="700"/>
+              <a:t>Pod Info</a:t>
+            </a:r>
+          </a:p>
+        </p:txBody>
+      </p:sp>
       <p:cxnSp>
         <p:nvCxnSpPr>
-          <p:cNvPr id="166" name="직선 연결선 165">
-            <a:extLst>
-              <a:ext uri="{FF2B5EF4-FFF2-40B4-BE49-F238E27FC236}">
-                <a16:creationId xmlns:a16="http://schemas.microsoft.com/office/drawing/2014/main" id="{58D49100-35B4-469F-9E6E-737DDD1F0E13}"/>
+          <p:cNvPr id="80" name="직선 연결선 79">
+            <a:extLst>
+              <a:ext uri="{FF2B5EF4-FFF2-40B4-BE49-F238E27FC236}">
+                <a16:creationId xmlns:a16="http://schemas.microsoft.com/office/drawing/2014/main" id="{9144CB26-FC68-430F-9B0A-A7BBBE6E4C6C}"/>
               </a:ext>
             </a:extLst>
           </p:cNvPr>
           <p:cNvCxnSpPr>
             <a:cxnSpLocks/>
-            <a:stCxn id="97" idx="0"/>
-            <a:endCxn id="177" idx="2"/>
           </p:cNvCxnSpPr>
           <p:nvPr/>
         </p:nvCxnSpPr>
         <p:spPr>
-          <a:xfrm flipV="1">
-            <a:off x="1664886" y="2238215"/>
-            <a:ext cx="602935" cy="203137"/>
+          <a:xfrm flipH="1">
+            <a:off x="1803793" y="1940193"/>
+            <a:ext cx="602935" cy="816680"/>
           </a:xfrm>
           <a:prstGeom prst="line">
             <a:avLst/>
           </a:prstGeom>
-          <a:ln w="19050">
+          <a:ln w="12700">
             <a:solidFill>
-              <a:srgbClr val="C00000"/>
+              <a:schemeClr val="tx1"/>
             </a:solidFill>
             <a:headEnd type="none" w="med" len="med"/>
             <a:tailEnd type="arrow" w="med" len="med"/>
@@ -4791,31 +4664,29 @@
       </p:cxnSp>
       <p:cxnSp>
         <p:nvCxnSpPr>
-          <p:cNvPr id="169" name="직선 연결선 168">
-            <a:extLst>
-              <a:ext uri="{FF2B5EF4-FFF2-40B4-BE49-F238E27FC236}">
-                <a16:creationId xmlns:a16="http://schemas.microsoft.com/office/drawing/2014/main" id="{ACAD8B84-FF18-4428-8F09-F18327EB84E9}"/>
+          <p:cNvPr id="16" name="직선 연결선 79">
+            <a:extLst>
+              <a:ext uri="{FF2B5EF4-FFF2-40B4-BE49-F238E27FC236}">
+                <a16:creationId xmlns:a16="http://schemas.microsoft.com/office/drawing/2014/main" id="{A3703EB8-EB81-5ACA-B78A-B24BF7C9964C}"/>
               </a:ext>
             </a:extLst>
           </p:cNvPr>
           <p:cNvCxnSpPr>
             <a:cxnSpLocks/>
-            <a:stCxn id="107" idx="0"/>
-            <a:endCxn id="177" idx="2"/>
           </p:cNvCxnSpPr>
           <p:nvPr/>
         </p:nvCxnSpPr>
         <p:spPr>
           <a:xfrm flipV="1">
-            <a:off x="1664886" y="2238215"/>
-            <a:ext cx="602935" cy="1092300"/>
+            <a:off x="2455404" y="1940193"/>
+            <a:ext cx="602935" cy="816680"/>
           </a:xfrm>
           <a:prstGeom prst="line">
             <a:avLst/>
           </a:prstGeom>
-          <a:ln w="19050">
+          <a:ln w="12700">
             <a:solidFill>
-              <a:srgbClr val="C00000"/>
+              <a:schemeClr val="tx1"/>
             </a:solidFill>
             <a:headEnd type="none" w="med" len="med"/>
             <a:tailEnd type="arrow" w="med" len="med"/>
@@ -4836,298 +4707,33 @@
           </a:fontRef>
         </p:style>
       </p:cxnSp>
-      <p:sp>
-        <p:nvSpPr>
-          <p:cNvPr id="173" name="TextBox 172">
-            <a:extLst>
-              <a:ext uri="{FF2B5EF4-FFF2-40B4-BE49-F238E27FC236}">
-                <a16:creationId xmlns:a16="http://schemas.microsoft.com/office/drawing/2014/main" id="{BD2AD389-2B67-4051-B3A3-96981B3AF459}"/>
-              </a:ext>
-            </a:extLst>
-          </p:cNvPr>
-          <p:cNvSpPr txBox="1"/>
-          <p:nvPr/>
-        </p:nvSpPr>
-        <p:spPr>
-          <a:xfrm>
-            <a:off x="662546" y="1894839"/>
-            <a:ext cx="1080120" cy="345034"/>
-          </a:xfrm>
-          <a:prstGeom prst="rect">
-            <a:avLst/>
-          </a:prstGeom>
-          <a:noFill/>
-        </p:spPr>
-        <p:txBody>
-          <a:bodyPr wrap="square" rtlCol="0">
-            <a:spAutoFit/>
-          </a:bodyPr>
-          <a:lstStyle/>
-          <a:p>
-            <a:pPr algn="ctr"/>
-            <a:r>
-              <a:rPr lang="en-US" altLang="ko-KR" sz="900">
-                <a:solidFill>
-                  <a:srgbClr val="C00000"/>
-                </a:solidFill>
-              </a:rPr>
-              <a:t>2. Create</a:t>
-            </a:r>
-          </a:p>
-          <a:p>
-            <a:pPr algn="ctr"/>
-            <a:r>
-              <a:rPr lang="en-US" altLang="ko-KR" sz="900">
-                <a:solidFill>
-                  <a:srgbClr val="C00000"/>
-                </a:solidFill>
-              </a:rPr>
-              <a:t>cnsenter Pod</a:t>
-            </a:r>
-          </a:p>
-        </p:txBody>
-      </p:sp>
-      <p:sp>
-        <p:nvSpPr>
-          <p:cNvPr id="174" name="TextBox 173">
-            <a:extLst>
-              <a:ext uri="{FF2B5EF4-FFF2-40B4-BE49-F238E27FC236}">
-                <a16:creationId xmlns:a16="http://schemas.microsoft.com/office/drawing/2014/main" id="{9FD11E01-2D1A-4B75-B208-5A3135ADE32E}"/>
-              </a:ext>
-            </a:extLst>
-          </p:cNvPr>
-          <p:cNvSpPr txBox="1"/>
-          <p:nvPr/>
-        </p:nvSpPr>
-        <p:spPr>
-          <a:xfrm>
-            <a:off x="2309417" y="3142922"/>
-            <a:ext cx="867545" cy="345034"/>
-          </a:xfrm>
-          <a:prstGeom prst="rect">
-            <a:avLst/>
-          </a:prstGeom>
-          <a:noFill/>
-        </p:spPr>
-        <p:txBody>
-          <a:bodyPr wrap="none" rtlCol="0">
-            <a:spAutoFit/>
-          </a:bodyPr>
-          <a:lstStyle/>
-          <a:p>
-            <a:pPr algn="ctr"/>
-            <a:r>
-              <a:rPr lang="en-US" altLang="ko-KR" sz="900">
-                <a:solidFill>
-                  <a:schemeClr val="accent3">
-                    <a:lumMod val="50000"/>
-                  </a:schemeClr>
-                </a:solidFill>
-              </a:rPr>
-              <a:t>5. stdin/</a:t>
-            </a:r>
-          </a:p>
-          <a:p>
-            <a:pPr algn="ctr"/>
-            <a:r>
-              <a:rPr lang="en-US" altLang="ko-KR" sz="900">
-                <a:solidFill>
-                  <a:schemeClr val="accent3">
-                    <a:lumMod val="50000"/>
-                  </a:schemeClr>
-                </a:solidFill>
-              </a:rPr>
-              <a:t>stdout/stderr</a:t>
-            </a:r>
-          </a:p>
-        </p:txBody>
-      </p:sp>
-      <p:sp>
-        <p:nvSpPr>
-          <p:cNvPr id="175" name="TextBox 174">
-            <a:extLst>
-              <a:ext uri="{FF2B5EF4-FFF2-40B4-BE49-F238E27FC236}">
-                <a16:creationId xmlns:a16="http://schemas.microsoft.com/office/drawing/2014/main" id="{D193FA13-80AB-4D61-97D6-0F70120E06DA}"/>
-              </a:ext>
-            </a:extLst>
-          </p:cNvPr>
-          <p:cNvSpPr txBox="1"/>
-          <p:nvPr/>
-        </p:nvSpPr>
-        <p:spPr>
-          <a:xfrm>
-            <a:off x="4556676" y="1965038"/>
-            <a:ext cx="936474" cy="345034"/>
-          </a:xfrm>
-          <a:prstGeom prst="rect">
-            <a:avLst/>
-          </a:prstGeom>
-          <a:noFill/>
-        </p:spPr>
-        <p:txBody>
-          <a:bodyPr wrap="none" rtlCol="0">
-            <a:spAutoFit/>
-          </a:bodyPr>
-          <a:lstStyle/>
-          <a:p>
-            <a:pPr algn="ctr"/>
-            <a:r>
-              <a:rPr lang="en-US" altLang="ko-KR" sz="900">
-                <a:solidFill>
-                  <a:schemeClr val="accent6">
-                    <a:lumMod val="75000"/>
-                  </a:schemeClr>
-                </a:solidFill>
-              </a:rPr>
-              <a:t>3. Target </a:t>
-            </a:r>
-          </a:p>
-          <a:p>
-            <a:pPr algn="ctr"/>
-            <a:r>
-              <a:rPr lang="en-US" altLang="ko-KR" sz="900">
-                <a:solidFill>
-                  <a:schemeClr val="accent6">
-                    <a:lumMod val="75000"/>
-                  </a:schemeClr>
-                </a:solidFill>
-              </a:rPr>
-              <a:t>Container Info</a:t>
-            </a:r>
-          </a:p>
-        </p:txBody>
-      </p:sp>
-      <p:sp>
-        <p:nvSpPr>
-          <p:cNvPr id="176" name="TextBox 175">
-            <a:extLst>
-              <a:ext uri="{FF2B5EF4-FFF2-40B4-BE49-F238E27FC236}">
-                <a16:creationId xmlns:a16="http://schemas.microsoft.com/office/drawing/2014/main" id="{3850B006-F78F-4C1F-9633-7731E00D16EF}"/>
-              </a:ext>
-            </a:extLst>
-          </p:cNvPr>
-          <p:cNvSpPr txBox="1"/>
-          <p:nvPr/>
-        </p:nvSpPr>
-        <p:spPr>
-          <a:xfrm>
-            <a:off x="4741293" y="3129479"/>
-            <a:ext cx="910827" cy="345034"/>
-          </a:xfrm>
-          <a:prstGeom prst="rect">
-            <a:avLst/>
-          </a:prstGeom>
-          <a:noFill/>
-        </p:spPr>
-        <p:txBody>
-          <a:bodyPr wrap="none" rtlCol="0">
-            <a:spAutoFit/>
-          </a:bodyPr>
-          <a:lstStyle/>
-          <a:p>
-            <a:pPr algn="ctr"/>
-            <a:r>
-              <a:rPr lang="en-US" altLang="ko-KR" sz="900">
-                <a:solidFill>
-                  <a:schemeClr val="accent5">
-                    <a:lumMod val="75000"/>
-                  </a:schemeClr>
-                </a:solidFill>
-              </a:rPr>
-              <a:t>4. Exec, stdin/</a:t>
-            </a:r>
-          </a:p>
-          <a:p>
-            <a:pPr algn="ctr"/>
-            <a:r>
-              <a:rPr lang="en-US" altLang="ko-KR" sz="900">
-                <a:solidFill>
-                  <a:schemeClr val="accent5">
-                    <a:lumMod val="75000"/>
-                  </a:schemeClr>
-                </a:solidFill>
-              </a:rPr>
-              <a:t>stdout/stderr</a:t>
-            </a:r>
-          </a:p>
-        </p:txBody>
-      </p:sp>
-      <p:sp>
-        <p:nvSpPr>
-          <p:cNvPr id="177" name="사각형: 둥근 모서리 176">
-            <a:extLst>
-              <a:ext uri="{FF2B5EF4-FFF2-40B4-BE49-F238E27FC236}">
-                <a16:creationId xmlns:a16="http://schemas.microsoft.com/office/drawing/2014/main" id="{F0313CED-D3EC-40B9-89EF-76D36AAC8E5D}"/>
-              </a:ext>
-            </a:extLst>
-          </p:cNvPr>
-          <p:cNvSpPr/>
-          <p:nvPr/>
-        </p:nvSpPr>
-        <p:spPr>
-          <a:xfrm>
-            <a:off x="1630095" y="1923332"/>
-            <a:ext cx="1275452" cy="314883"/>
-          </a:xfrm>
-          <a:prstGeom prst="roundRect">
-            <a:avLst>
-              <a:gd name="adj" fmla="val 15872"/>
-            </a:avLst>
-          </a:prstGeom>
-        </p:spPr>
-        <p:style>
-          <a:lnRef idx="2">
-            <a:schemeClr val="dk1"/>
-          </a:lnRef>
-          <a:fillRef idx="1">
-            <a:schemeClr val="lt1"/>
-          </a:fillRef>
-          <a:effectRef idx="0">
-            <a:schemeClr val="dk1"/>
-          </a:effectRef>
-          <a:fontRef idx="minor">
-            <a:schemeClr val="dk1"/>
-          </a:fontRef>
-        </p:style>
-        <p:txBody>
-          <a:bodyPr rtlCol="0" anchor="ctr"/>
-          <a:lstStyle/>
-          <a:p>
-            <a:pPr algn="ctr"/>
-            <a:r>
-              <a:rPr lang="en-US" altLang="ko-KR" sz="1100"/>
-              <a:t>K8s API Server</a:t>
-            </a:r>
-          </a:p>
-        </p:txBody>
-      </p:sp>
       <p:cxnSp>
         <p:nvCxnSpPr>
-          <p:cNvPr id="183" name="직선 연결선 182">
-            <a:extLst>
-              <a:ext uri="{FF2B5EF4-FFF2-40B4-BE49-F238E27FC236}">
-                <a16:creationId xmlns:a16="http://schemas.microsoft.com/office/drawing/2014/main" id="{7D8DAC15-ABC0-4B6D-AC8E-3D80BE555C91}"/>
+          <p:cNvPr id="20" name="직선 연결선 79">
+            <a:extLst>
+              <a:ext uri="{FF2B5EF4-FFF2-40B4-BE49-F238E27FC236}">
+                <a16:creationId xmlns:a16="http://schemas.microsoft.com/office/drawing/2014/main" id="{2D8048F0-A529-1ECF-ACD7-D7B8C17D7018}"/>
               </a:ext>
             </a:extLst>
           </p:cNvPr>
           <p:cNvCxnSpPr>
             <a:cxnSpLocks/>
-            <a:stCxn id="177" idx="2"/>
-            <a:endCxn id="46" idx="1"/>
+            <a:stCxn id="177" idx="3"/>
+            <a:endCxn id="104" idx="1"/>
           </p:cNvCxnSpPr>
           <p:nvPr/>
         </p:nvCxnSpPr>
         <p:spPr>
           <a:xfrm>
-            <a:off x="2267821" y="2238215"/>
-            <a:ext cx="1096251" cy="252344"/>
+            <a:off x="3283893" y="1782752"/>
+            <a:ext cx="529150" cy="390699"/>
           </a:xfrm>
           <a:prstGeom prst="line">
             <a:avLst/>
           </a:prstGeom>
-          <a:ln w="19050">
+          <a:ln w="12700">
             <a:solidFill>
-              <a:srgbClr val="C00000"/>
+              <a:schemeClr val="tx1"/>
             </a:solidFill>
             <a:headEnd type="none" w="med" len="med"/>
             <a:tailEnd type="arrow" w="med" len="med"/>
@@ -5148,33 +4754,535 @@
           </a:fontRef>
         </p:style>
       </p:cxnSp>
+      <p:grpSp>
+        <p:nvGrpSpPr>
+          <p:cNvPr id="28" name="Group 27">
+            <a:extLst>
+              <a:ext uri="{FF2B5EF4-FFF2-40B4-BE49-F238E27FC236}">
+                <a16:creationId xmlns:a16="http://schemas.microsoft.com/office/drawing/2014/main" id="{CC2CBCEC-A5DF-F57B-502C-269A4D8942D1}"/>
+              </a:ext>
+            </a:extLst>
+          </p:cNvPr>
+          <p:cNvGrpSpPr/>
+          <p:nvPr/>
+        </p:nvGrpSpPr>
+        <p:grpSpPr>
+          <a:xfrm>
+            <a:off x="3813043" y="2824483"/>
+            <a:ext cx="3219772" cy="450339"/>
+            <a:chOff x="3730591" y="2822267"/>
+            <a:chExt cx="3287212" cy="459182"/>
+          </a:xfrm>
+        </p:grpSpPr>
+        <p:sp>
+          <p:nvSpPr>
+            <p:cNvPr id="114" name="사각형: 둥근 모서리 113">
+              <a:extLst>
+                <a:ext uri="{FF2B5EF4-FFF2-40B4-BE49-F238E27FC236}">
+                  <a16:creationId xmlns:a16="http://schemas.microsoft.com/office/drawing/2014/main" id="{56D24251-3F3F-49C4-B369-CC29EEFFE0D5}"/>
+                </a:ext>
+              </a:extLst>
+            </p:cNvPr>
+            <p:cNvSpPr/>
+            <p:nvPr/>
+          </p:nvSpPr>
+          <p:spPr>
+            <a:xfrm>
+              <a:off x="3730591" y="2822267"/>
+              <a:ext cx="3287212" cy="229591"/>
+            </a:xfrm>
+            <a:prstGeom prst="roundRect">
+              <a:avLst>
+                <a:gd name="adj" fmla="val 12203"/>
+              </a:avLst>
+            </a:prstGeom>
+            <a:ln w="12700"/>
+          </p:spPr>
+          <p:style>
+            <a:lnRef idx="2">
+              <a:schemeClr val="dk1"/>
+            </a:lnRef>
+            <a:fillRef idx="1">
+              <a:schemeClr val="lt1"/>
+            </a:fillRef>
+            <a:effectRef idx="0">
+              <a:schemeClr val="dk1"/>
+            </a:effectRef>
+            <a:fontRef idx="minor">
+              <a:schemeClr val="dk1"/>
+            </a:fontRef>
+          </p:style>
+          <p:txBody>
+            <a:bodyPr rtlCol="0" anchor="ctr"/>
+            <a:lstStyle/>
+            <a:p>
+              <a:pPr algn="ctr"/>
+              <a:r>
+                <a:rPr lang="en-US" altLang="ko-KR" sz="1000" b="1"/>
+                <a:t>CRI (Container Runtime Interface)</a:t>
+              </a:r>
+            </a:p>
+          </p:txBody>
+        </p:sp>
+        <p:sp>
+          <p:nvSpPr>
+            <p:cNvPr id="27" name="사각형: 둥근 모서리 113">
+              <a:extLst>
+                <a:ext uri="{FF2B5EF4-FFF2-40B4-BE49-F238E27FC236}">
+                  <a16:creationId xmlns:a16="http://schemas.microsoft.com/office/drawing/2014/main" id="{44D27CC1-3420-8056-7D7A-66953BDD1A23}"/>
+                </a:ext>
+              </a:extLst>
+            </p:cNvPr>
+            <p:cNvSpPr/>
+            <p:nvPr/>
+          </p:nvSpPr>
+          <p:spPr>
+            <a:xfrm>
+              <a:off x="3730591" y="3051858"/>
+              <a:ext cx="3287212" cy="229591"/>
+            </a:xfrm>
+            <a:prstGeom prst="roundRect">
+              <a:avLst>
+                <a:gd name="adj" fmla="val 12203"/>
+              </a:avLst>
+            </a:prstGeom>
+            <a:ln w="12700"/>
+          </p:spPr>
+          <p:style>
+            <a:lnRef idx="2">
+              <a:schemeClr val="dk1"/>
+            </a:lnRef>
+            <a:fillRef idx="1">
+              <a:schemeClr val="lt1"/>
+            </a:fillRef>
+            <a:effectRef idx="0">
+              <a:schemeClr val="dk1"/>
+            </a:effectRef>
+            <a:fontRef idx="minor">
+              <a:schemeClr val="dk1"/>
+            </a:fontRef>
+          </p:style>
+          <p:txBody>
+            <a:bodyPr rtlCol="0" anchor="ctr"/>
+            <a:lstStyle/>
+            <a:p>
+              <a:pPr algn="ctr"/>
+              <a:r>
+                <a:rPr lang="en-US" altLang="ko-KR" sz="1000"/>
+                <a:t>Container Runtime</a:t>
+              </a:r>
+            </a:p>
+          </p:txBody>
+        </p:sp>
+      </p:grpSp>
+      <p:sp>
+        <p:nvSpPr>
+          <p:cNvPr id="37" name="타원 50">
+            <a:extLst>
+              <a:ext uri="{FF2B5EF4-FFF2-40B4-BE49-F238E27FC236}">
+                <a16:creationId xmlns:a16="http://schemas.microsoft.com/office/drawing/2014/main" id="{8E1D1B7A-BF93-4849-443B-2D19AD792DBE}"/>
+              </a:ext>
+            </a:extLst>
+          </p:cNvPr>
+          <p:cNvSpPr/>
+          <p:nvPr/>
+        </p:nvSpPr>
+        <p:spPr>
+          <a:xfrm>
+            <a:off x="5255663" y="2199417"/>
+            <a:ext cx="163204" cy="163204"/>
+          </a:xfrm>
+          <a:prstGeom prst="ellipse">
+            <a:avLst/>
+          </a:prstGeom>
+          <a:ln w="12700"/>
+        </p:spPr>
+        <p:style>
+          <a:lnRef idx="2">
+            <a:schemeClr val="dk1"/>
+          </a:lnRef>
+          <a:fillRef idx="1">
+            <a:schemeClr val="lt1"/>
+          </a:fillRef>
+          <a:effectRef idx="0">
+            <a:schemeClr val="dk1"/>
+          </a:effectRef>
+          <a:fontRef idx="minor">
+            <a:schemeClr val="dk1"/>
+          </a:fontRef>
+        </p:style>
+        <p:txBody>
+          <a:bodyPr rtlCol="0" anchor="ctr"/>
+          <a:lstStyle/>
+          <a:p>
+            <a:pPr algn="ctr"/>
+            <a:r>
+              <a:rPr lang="en-US" altLang="ko-KR" sz="800"/>
+              <a:t>7</a:t>
+            </a:r>
+            <a:endParaRPr lang="ko-KR" altLang="en-US" sz="800"/>
+          </a:p>
+        </p:txBody>
+      </p:sp>
       <p:cxnSp>
         <p:nvCxnSpPr>
-          <p:cNvPr id="189" name="직선 연결선 188">
-            <a:extLst>
-              <a:ext uri="{FF2B5EF4-FFF2-40B4-BE49-F238E27FC236}">
-                <a16:creationId xmlns:a16="http://schemas.microsoft.com/office/drawing/2014/main" id="{5E7E076A-4769-4578-9E58-30626FD9BB72}"/>
+          <p:cNvPr id="45" name="직선 연결선 79">
+            <a:extLst>
+              <a:ext uri="{FF2B5EF4-FFF2-40B4-BE49-F238E27FC236}">
+                <a16:creationId xmlns:a16="http://schemas.microsoft.com/office/drawing/2014/main" id="{80D2869E-AB3B-5BFE-E51B-30FA46688F94}"/>
               </a:ext>
             </a:extLst>
           </p:cNvPr>
           <p:cNvCxnSpPr>
             <a:cxnSpLocks/>
-            <a:stCxn id="177" idx="2"/>
-            <a:endCxn id="104" idx="1"/>
           </p:cNvCxnSpPr>
           <p:nvPr/>
         </p:nvCxnSpPr>
         <p:spPr>
-          <a:xfrm>
-            <a:off x="2267821" y="2238215"/>
-            <a:ext cx="1096251" cy="1141507"/>
+          <a:xfrm flipH="1">
+            <a:off x="1674886" y="1940193"/>
+            <a:ext cx="602935" cy="816680"/>
           </a:xfrm>
           <a:prstGeom prst="line">
             <a:avLst/>
           </a:prstGeom>
-          <a:ln w="19050">
+          <a:ln w="12700">
             <a:solidFill>
-              <a:srgbClr val="C00000"/>
+              <a:schemeClr val="tx1"/>
+            </a:solidFill>
+            <a:headEnd type="arrow" w="med" len="med"/>
+            <a:tailEnd type="none" w="med" len="med"/>
+          </a:ln>
+        </p:spPr>
+        <p:style>
+          <a:lnRef idx="1">
+            <a:schemeClr val="accent1"/>
+          </a:lnRef>
+          <a:fillRef idx="0">
+            <a:schemeClr val="accent1"/>
+          </a:fillRef>
+          <a:effectRef idx="0">
+            <a:schemeClr val="accent1"/>
+          </a:effectRef>
+          <a:fontRef idx="minor">
+            <a:schemeClr val="tx1"/>
+          </a:fontRef>
+        </p:style>
+      </p:cxnSp>
+      <p:sp>
+        <p:nvSpPr>
+          <p:cNvPr id="14" name="타원 50">
+            <a:extLst>
+              <a:ext uri="{FF2B5EF4-FFF2-40B4-BE49-F238E27FC236}">
+                <a16:creationId xmlns:a16="http://schemas.microsoft.com/office/drawing/2014/main" id="{9F877BAE-EF1A-DF01-667E-70A2CE128100}"/>
+              </a:ext>
+            </a:extLst>
+          </p:cNvPr>
+          <p:cNvSpPr/>
+          <p:nvPr/>
+        </p:nvSpPr>
+        <p:spPr>
+          <a:xfrm>
+            <a:off x="1590624" y="2667997"/>
+            <a:ext cx="163204" cy="163204"/>
+          </a:xfrm>
+          <a:prstGeom prst="ellipse">
+            <a:avLst/>
+          </a:prstGeom>
+          <a:ln w="12700"/>
+        </p:spPr>
+        <p:style>
+          <a:lnRef idx="2">
+            <a:schemeClr val="dk1"/>
+          </a:lnRef>
+          <a:fillRef idx="1">
+            <a:schemeClr val="lt1"/>
+          </a:fillRef>
+          <a:effectRef idx="0">
+            <a:schemeClr val="dk1"/>
+          </a:effectRef>
+          <a:fontRef idx="minor">
+            <a:schemeClr val="dk1"/>
+          </a:fontRef>
+        </p:style>
+        <p:txBody>
+          <a:bodyPr rtlCol="0" anchor="ctr"/>
+          <a:lstStyle/>
+          <a:p>
+            <a:pPr algn="ctr"/>
+            <a:r>
+              <a:rPr lang="en-US" altLang="ko-KR" sz="800"/>
+              <a:t>1</a:t>
+            </a:r>
+            <a:endParaRPr lang="ko-KR" altLang="en-US" sz="800"/>
+          </a:p>
+        </p:txBody>
+      </p:sp>
+      <p:sp>
+        <p:nvSpPr>
+          <p:cNvPr id="48" name="TextBox 47">
+            <a:extLst>
+              <a:ext uri="{FF2B5EF4-FFF2-40B4-BE49-F238E27FC236}">
+                <a16:creationId xmlns:a16="http://schemas.microsoft.com/office/drawing/2014/main" id="{775E7D82-E4A7-39C3-4F3E-6C3FCDE9E978}"/>
+              </a:ext>
+            </a:extLst>
+          </p:cNvPr>
+          <p:cNvSpPr txBox="1"/>
+          <p:nvPr/>
+        </p:nvSpPr>
+        <p:spPr>
+          <a:xfrm>
+            <a:off x="2239609" y="2003767"/>
+            <a:ext cx="710451" cy="307777"/>
+          </a:xfrm>
+          <a:prstGeom prst="rect">
+            <a:avLst/>
+          </a:prstGeom>
+          <a:noFill/>
+          <a:ln>
+            <a:noFill/>
+          </a:ln>
+        </p:spPr>
+        <p:txBody>
+          <a:bodyPr wrap="none" rtlCol="0">
+            <a:spAutoFit/>
+          </a:bodyPr>
+          <a:lstStyle/>
+          <a:p>
+            <a:pPr algn="ctr"/>
+            <a:r>
+              <a:rPr lang="en-US" altLang="ko-KR" sz="700"/>
+              <a:t>Send Target </a:t>
+            </a:r>
+            <a:br>
+              <a:rPr lang="en-US" altLang="ko-KR" sz="700"/>
+            </a:br>
+            <a:r>
+              <a:rPr lang="en-US" altLang="ko-KR" sz="700"/>
+              <a:t>Pod Info</a:t>
+            </a:r>
+          </a:p>
+        </p:txBody>
+      </p:sp>
+      <p:sp>
+        <p:nvSpPr>
+          <p:cNvPr id="49" name="타원 50">
+            <a:extLst>
+              <a:ext uri="{FF2B5EF4-FFF2-40B4-BE49-F238E27FC236}">
+                <a16:creationId xmlns:a16="http://schemas.microsoft.com/office/drawing/2014/main" id="{490194A2-56AF-AF82-4C03-B91D815DAEE5}"/>
+              </a:ext>
+            </a:extLst>
+          </p:cNvPr>
+          <p:cNvSpPr/>
+          <p:nvPr/>
+        </p:nvSpPr>
+        <p:spPr>
+          <a:xfrm>
+            <a:off x="2313434" y="1887715"/>
+            <a:ext cx="163204" cy="163204"/>
+          </a:xfrm>
+          <a:prstGeom prst="ellipse">
+            <a:avLst/>
+          </a:prstGeom>
+          <a:ln w="12700"/>
+        </p:spPr>
+        <p:style>
+          <a:lnRef idx="2">
+            <a:schemeClr val="dk1"/>
+          </a:lnRef>
+          <a:fillRef idx="1">
+            <a:schemeClr val="lt1"/>
+          </a:fillRef>
+          <a:effectRef idx="0">
+            <a:schemeClr val="dk1"/>
+          </a:effectRef>
+          <a:fontRef idx="minor">
+            <a:schemeClr val="dk1"/>
+          </a:fontRef>
+        </p:style>
+        <p:txBody>
+          <a:bodyPr rtlCol="0" anchor="ctr"/>
+          <a:lstStyle/>
+          <a:p>
+            <a:pPr algn="ctr"/>
+            <a:r>
+              <a:rPr lang="en-US" altLang="ko-KR" sz="800"/>
+              <a:t>2</a:t>
+            </a:r>
+            <a:endParaRPr lang="ko-KR" altLang="en-US" sz="800"/>
+          </a:p>
+        </p:txBody>
+      </p:sp>
+      <p:sp>
+        <p:nvSpPr>
+          <p:cNvPr id="51" name="타원 50">
+            <a:extLst>
+              <a:ext uri="{FF2B5EF4-FFF2-40B4-BE49-F238E27FC236}">
+                <a16:creationId xmlns:a16="http://schemas.microsoft.com/office/drawing/2014/main" id="{3A803060-C08E-086F-5880-3BCCD05506AE}"/>
+              </a:ext>
+            </a:extLst>
+          </p:cNvPr>
+          <p:cNvSpPr/>
+          <p:nvPr/>
+        </p:nvSpPr>
+        <p:spPr>
+          <a:xfrm>
+            <a:off x="2339454" y="2673096"/>
+            <a:ext cx="163204" cy="163204"/>
+          </a:xfrm>
+          <a:prstGeom prst="ellipse">
+            <a:avLst/>
+          </a:prstGeom>
+          <a:ln w="12700"/>
+        </p:spPr>
+        <p:style>
+          <a:lnRef idx="2">
+            <a:schemeClr val="dk1"/>
+          </a:lnRef>
+          <a:fillRef idx="1">
+            <a:schemeClr val="lt1"/>
+          </a:fillRef>
+          <a:effectRef idx="0">
+            <a:schemeClr val="dk1"/>
+          </a:effectRef>
+          <a:fontRef idx="minor">
+            <a:schemeClr val="dk1"/>
+          </a:fontRef>
+        </p:style>
+        <p:txBody>
+          <a:bodyPr rtlCol="0" anchor="ctr"/>
+          <a:lstStyle/>
+          <a:p>
+            <a:pPr algn="ctr"/>
+            <a:r>
+              <a:rPr lang="en-US" altLang="ko-KR" sz="800"/>
+              <a:t>3</a:t>
+            </a:r>
+            <a:endParaRPr lang="ko-KR" altLang="en-US" sz="800"/>
+          </a:p>
+        </p:txBody>
+      </p:sp>
+      <p:sp>
+        <p:nvSpPr>
+          <p:cNvPr id="52" name="타원 50">
+            <a:extLst>
+              <a:ext uri="{FF2B5EF4-FFF2-40B4-BE49-F238E27FC236}">
+                <a16:creationId xmlns:a16="http://schemas.microsoft.com/office/drawing/2014/main" id="{F58A1EDB-5791-F6BA-008B-EABD8A67B37A}"/>
+              </a:ext>
+            </a:extLst>
+          </p:cNvPr>
+          <p:cNvSpPr/>
+          <p:nvPr/>
+        </p:nvSpPr>
+        <p:spPr>
+          <a:xfrm>
+            <a:off x="3188796" y="1697998"/>
+            <a:ext cx="163204" cy="163204"/>
+          </a:xfrm>
+          <a:prstGeom prst="ellipse">
+            <a:avLst/>
+          </a:prstGeom>
+          <a:ln w="12700"/>
+        </p:spPr>
+        <p:style>
+          <a:lnRef idx="2">
+            <a:schemeClr val="dk1"/>
+          </a:lnRef>
+          <a:fillRef idx="1">
+            <a:schemeClr val="lt1"/>
+          </a:fillRef>
+          <a:effectRef idx="0">
+            <a:schemeClr val="dk1"/>
+          </a:effectRef>
+          <a:fontRef idx="minor">
+            <a:schemeClr val="dk1"/>
+          </a:fontRef>
+        </p:style>
+        <p:txBody>
+          <a:bodyPr rtlCol="0" anchor="ctr"/>
+          <a:lstStyle/>
+          <a:p>
+            <a:pPr algn="ctr"/>
+            <a:r>
+              <a:rPr lang="en-US" altLang="ko-KR" sz="800"/>
+              <a:t>4</a:t>
+            </a:r>
+            <a:endParaRPr lang="ko-KR" altLang="en-US" sz="800"/>
+          </a:p>
+        </p:txBody>
+      </p:sp>
+      <p:sp>
+        <p:nvSpPr>
+          <p:cNvPr id="56" name="TextBox 55">
+            <a:extLst>
+              <a:ext uri="{FF2B5EF4-FFF2-40B4-BE49-F238E27FC236}">
+                <a16:creationId xmlns:a16="http://schemas.microsoft.com/office/drawing/2014/main" id="{D403E44B-CA27-45A2-30DF-7C9521505142}"/>
+              </a:ext>
+            </a:extLst>
+          </p:cNvPr>
+          <p:cNvSpPr txBox="1"/>
+          <p:nvPr/>
+        </p:nvSpPr>
+        <p:spPr>
+          <a:xfrm>
+            <a:off x="2843631" y="1363982"/>
+            <a:ext cx="881954" cy="307777"/>
+          </a:xfrm>
+          <a:prstGeom prst="rect">
+            <a:avLst/>
+          </a:prstGeom>
+          <a:noFill/>
+        </p:spPr>
+        <p:txBody>
+          <a:bodyPr wrap="square" rtlCol="0">
+            <a:spAutoFit/>
+          </a:bodyPr>
+          <a:lstStyle/>
+          <a:p>
+            <a:pPr algn="ctr"/>
+            <a:r>
+              <a:rPr lang="en-US" altLang="ko-KR" sz="700"/>
+              <a:t>Create</a:t>
+            </a:r>
+          </a:p>
+          <a:p>
+            <a:pPr algn="ctr"/>
+            <a:r>
+              <a:rPr lang="en-US" altLang="ko-KR" sz="700" err="1"/>
+              <a:t>cnsenter</a:t>
+            </a:r>
+            <a:r>
+              <a:rPr lang="en-US" altLang="ko-KR" sz="700"/>
+              <a:t> Pod</a:t>
+            </a:r>
+          </a:p>
+        </p:txBody>
+      </p:sp>
+      <p:cxnSp>
+        <p:nvCxnSpPr>
+          <p:cNvPr id="57" name="직선 연결선 79">
+            <a:extLst>
+              <a:ext uri="{FF2B5EF4-FFF2-40B4-BE49-F238E27FC236}">
+                <a16:creationId xmlns:a16="http://schemas.microsoft.com/office/drawing/2014/main" id="{9E5F780B-1EC9-E876-AD76-464059E19F88}"/>
+              </a:ext>
+            </a:extLst>
+          </p:cNvPr>
+          <p:cNvCxnSpPr>
+            <a:cxnSpLocks/>
+          </p:cNvCxnSpPr>
+          <p:nvPr/>
+        </p:nvCxnSpPr>
+        <p:spPr>
+          <a:xfrm>
+            <a:off x="4139952" y="2394497"/>
+            <a:ext cx="0" cy="436704"/>
+          </a:xfrm>
+          <a:prstGeom prst="line">
+            <a:avLst/>
+          </a:prstGeom>
+          <a:ln w="12700">
+            <a:solidFill>
+              <a:schemeClr val="tx1"/>
             </a:solidFill>
             <a:headEnd type="none" w="med" len="med"/>
             <a:tailEnd type="arrow" w="med" len="med"/>
@@ -5195,12 +5303,155 @@
           </a:fontRef>
         </p:style>
       </p:cxnSp>
-      <p:sp>
-        <p:nvSpPr>
-          <p:cNvPr id="203" name="TextBox 202">
-            <a:extLst>
-              <a:ext uri="{FF2B5EF4-FFF2-40B4-BE49-F238E27FC236}">
-                <a16:creationId xmlns:a16="http://schemas.microsoft.com/office/drawing/2014/main" id="{8C02B63B-0CF9-4F6A-A8A0-D8B748C037AE}"/>
+      <p:cxnSp>
+        <p:nvCxnSpPr>
+          <p:cNvPr id="61" name="직선 연결선 79">
+            <a:extLst>
+              <a:ext uri="{FF2B5EF4-FFF2-40B4-BE49-F238E27FC236}">
+                <a16:creationId xmlns:a16="http://schemas.microsoft.com/office/drawing/2014/main" id="{B9E8A8C0-913B-E093-1958-FC29A9337D27}"/>
+              </a:ext>
+            </a:extLst>
+          </p:cNvPr>
+          <p:cNvCxnSpPr>
+            <a:cxnSpLocks/>
+          </p:cNvCxnSpPr>
+          <p:nvPr/>
+        </p:nvCxnSpPr>
+        <p:spPr>
+          <a:xfrm>
+            <a:off x="4549775" y="2394497"/>
+            <a:ext cx="0" cy="436704"/>
+          </a:xfrm>
+          <a:prstGeom prst="line">
+            <a:avLst/>
+          </a:prstGeom>
+          <a:ln w="12700">
+            <a:solidFill>
+              <a:schemeClr val="tx1"/>
+            </a:solidFill>
+            <a:headEnd type="arrow" w="med" len="med"/>
+            <a:tailEnd type="none" w="med" len="med"/>
+          </a:ln>
+        </p:spPr>
+        <p:style>
+          <a:lnRef idx="1">
+            <a:schemeClr val="accent1"/>
+          </a:lnRef>
+          <a:fillRef idx="0">
+            <a:schemeClr val="accent1"/>
+          </a:fillRef>
+          <a:effectRef idx="0">
+            <a:schemeClr val="accent1"/>
+          </a:effectRef>
+          <a:fontRef idx="minor">
+            <a:schemeClr val="tx1"/>
+          </a:fontRef>
+        </p:style>
+      </p:cxnSp>
+      <p:sp>
+        <p:nvSpPr>
+          <p:cNvPr id="39" name="타원 50">
+            <a:extLst>
+              <a:ext uri="{FF2B5EF4-FFF2-40B4-BE49-F238E27FC236}">
+                <a16:creationId xmlns:a16="http://schemas.microsoft.com/office/drawing/2014/main" id="{33455256-9892-DACE-C4AD-EB4E7122396C}"/>
+              </a:ext>
+            </a:extLst>
+          </p:cNvPr>
+          <p:cNvSpPr/>
+          <p:nvPr/>
+        </p:nvSpPr>
+        <p:spPr>
+          <a:xfrm>
+            <a:off x="4055052" y="2335850"/>
+            <a:ext cx="163204" cy="163204"/>
+          </a:xfrm>
+          <a:prstGeom prst="ellipse">
+            <a:avLst/>
+          </a:prstGeom>
+          <a:ln w="12700"/>
+        </p:spPr>
+        <p:style>
+          <a:lnRef idx="2">
+            <a:schemeClr val="dk1"/>
+          </a:lnRef>
+          <a:fillRef idx="1">
+            <a:schemeClr val="lt1"/>
+          </a:fillRef>
+          <a:effectRef idx="0">
+            <a:schemeClr val="dk1"/>
+          </a:effectRef>
+          <a:fontRef idx="minor">
+            <a:schemeClr val="dk1"/>
+          </a:fontRef>
+        </p:style>
+        <p:txBody>
+          <a:bodyPr rtlCol="0" anchor="ctr"/>
+          <a:lstStyle/>
+          <a:p>
+            <a:pPr algn="ctr"/>
+            <a:r>
+              <a:rPr lang="en-US" altLang="ko-KR" sz="800"/>
+              <a:t>5</a:t>
+            </a:r>
+            <a:endParaRPr lang="ko-KR" altLang="en-US" sz="800"/>
+          </a:p>
+        </p:txBody>
+      </p:sp>
+      <p:sp>
+        <p:nvSpPr>
+          <p:cNvPr id="62" name="타원 50">
+            <a:extLst>
+              <a:ext uri="{FF2B5EF4-FFF2-40B4-BE49-F238E27FC236}">
+                <a16:creationId xmlns:a16="http://schemas.microsoft.com/office/drawing/2014/main" id="{B3D6F36A-41E4-3DA4-0BE0-BEDEC944A017}"/>
+              </a:ext>
+            </a:extLst>
+          </p:cNvPr>
+          <p:cNvSpPr/>
+          <p:nvPr/>
+        </p:nvSpPr>
+        <p:spPr>
+          <a:xfrm>
+            <a:off x="4465193" y="2719841"/>
+            <a:ext cx="163204" cy="163204"/>
+          </a:xfrm>
+          <a:prstGeom prst="ellipse">
+            <a:avLst/>
+          </a:prstGeom>
+          <a:ln w="12700"/>
+        </p:spPr>
+        <p:style>
+          <a:lnRef idx="2">
+            <a:schemeClr val="dk1"/>
+          </a:lnRef>
+          <a:fillRef idx="1">
+            <a:schemeClr val="lt1"/>
+          </a:fillRef>
+          <a:effectRef idx="0">
+            <a:schemeClr val="dk1"/>
+          </a:effectRef>
+          <a:fontRef idx="minor">
+            <a:schemeClr val="dk1"/>
+          </a:fontRef>
+        </p:style>
+        <p:txBody>
+          <a:bodyPr rtlCol="0" anchor="ctr"/>
+          <a:lstStyle/>
+          <a:p>
+            <a:pPr algn="ctr"/>
+            <a:r>
+              <a:rPr lang="en-US" altLang="ko-KR" sz="800"/>
+              <a:t>6</a:t>
+            </a:r>
+            <a:endParaRPr lang="ko-KR" altLang="en-US" sz="800"/>
+          </a:p>
+        </p:txBody>
+      </p:sp>
+      <p:sp>
+        <p:nvSpPr>
+          <p:cNvPr id="63" name="TextBox 62">
+            <a:extLst>
+              <a:ext uri="{FF2B5EF4-FFF2-40B4-BE49-F238E27FC236}">
+                <a16:creationId xmlns:a16="http://schemas.microsoft.com/office/drawing/2014/main" id="{1D08FFAF-F674-26CF-80E1-21C34975FA40}"/>
               </a:ext>
             </a:extLst>
           </p:cNvPr>
@@ -5209,8 +5460,8 @@
         </p:nvSpPr>
         <p:spPr>
           <a:xfrm>
-            <a:off x="990652" y="2837091"/>
-            <a:ext cx="686406" cy="345034"/>
+            <a:off x="4496355" y="2453144"/>
+            <a:ext cx="769763" cy="307777"/>
           </a:xfrm>
           <a:prstGeom prst="rect">
             <a:avLst/>
@@ -5225,125 +5476,123 @@
           <a:p>
             <a:pPr algn="ctr"/>
             <a:r>
-              <a:rPr lang="en-US" altLang="ko-KR" sz="900">
-                <a:solidFill>
-                  <a:schemeClr val="tx2"/>
-                </a:solidFill>
-              </a:rPr>
-              <a:t>1. Target </a:t>
-            </a:r>
-            <a:br>
-              <a:rPr lang="en-US" altLang="ko-KR" sz="900">
-                <a:solidFill>
-                  <a:schemeClr val="tx2"/>
-                </a:solidFill>
-              </a:rPr>
-            </a:br>
-            <a:r>
-              <a:rPr lang="en-US" altLang="ko-KR" sz="900">
-                <a:solidFill>
-                  <a:schemeClr val="tx2"/>
-                </a:solidFill>
-              </a:rPr>
-              <a:t>Pod Info</a:t>
-            </a:r>
-          </a:p>
-        </p:txBody>
-      </p:sp>
-      <p:cxnSp>
-        <p:nvCxnSpPr>
-          <p:cNvPr id="77" name="직선 연결선 76">
-            <a:extLst>
-              <a:ext uri="{FF2B5EF4-FFF2-40B4-BE49-F238E27FC236}">
-                <a16:creationId xmlns:a16="http://schemas.microsoft.com/office/drawing/2014/main" id="{6CC454AD-80FE-4D49-9D14-28826F1414A4}"/>
-              </a:ext>
-            </a:extLst>
-          </p:cNvPr>
-          <p:cNvCxnSpPr>
-            <a:cxnSpLocks/>
-          </p:cNvCxnSpPr>
-          <p:nvPr/>
-        </p:nvCxnSpPr>
-        <p:spPr>
-          <a:xfrm flipH="1">
-            <a:off x="1475656" y="2238215"/>
-            <a:ext cx="602935" cy="203137"/>
-          </a:xfrm>
-          <a:prstGeom prst="line">
+              <a:rPr lang="en-US" altLang="ko-KR" sz="700"/>
+              <a:t>Send Target </a:t>
+            </a:r>
+          </a:p>
+          <a:p>
+            <a:pPr algn="ctr"/>
+            <a:r>
+              <a:rPr lang="en-US" altLang="ko-KR" sz="700"/>
+              <a:t>Container Info</a:t>
+            </a:r>
+          </a:p>
+        </p:txBody>
+      </p:sp>
+      <p:sp>
+        <p:nvSpPr>
+          <p:cNvPr id="65" name="타원 50">
+            <a:extLst>
+              <a:ext uri="{FF2B5EF4-FFF2-40B4-BE49-F238E27FC236}">
+                <a16:creationId xmlns:a16="http://schemas.microsoft.com/office/drawing/2014/main" id="{B6645DA8-23FE-D4C5-F6AE-D69DA65A8A12}"/>
+              </a:ext>
+            </a:extLst>
+          </p:cNvPr>
+          <p:cNvSpPr/>
+          <p:nvPr/>
+        </p:nvSpPr>
+        <p:spPr>
+          <a:xfrm>
+            <a:off x="3040921" y="2541017"/>
+            <a:ext cx="163204" cy="163204"/>
+          </a:xfrm>
+          <a:prstGeom prst="ellipse">
             <a:avLst/>
           </a:prstGeom>
-          <a:ln w="19050">
-            <a:solidFill>
-              <a:schemeClr val="tx2"/>
-            </a:solidFill>
-            <a:headEnd type="none" w="med" len="med"/>
-            <a:tailEnd type="arrow" w="med" len="med"/>
-          </a:ln>
-        </p:spPr>
-        <p:style>
-          <a:lnRef idx="1">
-            <a:schemeClr val="accent1"/>
-          </a:lnRef>
-          <a:fillRef idx="0">
-            <a:schemeClr val="accent1"/>
-          </a:fillRef>
-          <a:effectRef idx="0">
-            <a:schemeClr val="accent1"/>
-          </a:effectRef>
-          <a:fontRef idx="minor">
-            <a:schemeClr val="tx1"/>
-          </a:fontRef>
-        </p:style>
-      </p:cxnSp>
-      <p:cxnSp>
-        <p:nvCxnSpPr>
-          <p:cNvPr id="80" name="직선 연결선 79">
-            <a:extLst>
-              <a:ext uri="{FF2B5EF4-FFF2-40B4-BE49-F238E27FC236}">
-                <a16:creationId xmlns:a16="http://schemas.microsoft.com/office/drawing/2014/main" id="{9144CB26-FC68-430F-9B0A-A7BBBE6E4C6C}"/>
-              </a:ext>
-            </a:extLst>
-          </p:cNvPr>
-          <p:cNvCxnSpPr>
-            <a:cxnSpLocks/>
-          </p:cNvCxnSpPr>
-          <p:nvPr/>
-        </p:nvCxnSpPr>
-        <p:spPr>
-          <a:xfrm flipH="1">
-            <a:off x="1475656" y="2238215"/>
-            <a:ext cx="602935" cy="1092300"/>
-          </a:xfrm>
-          <a:prstGeom prst="line">
-            <a:avLst/>
-          </a:prstGeom>
-          <a:ln w="19050">
-            <a:solidFill>
-              <a:schemeClr val="tx2"/>
-            </a:solidFill>
-            <a:headEnd type="none" w="med" len="med"/>
-            <a:tailEnd type="arrow" w="med" len="med"/>
-          </a:ln>
-        </p:spPr>
-        <p:style>
-          <a:lnRef idx="1">
-            <a:schemeClr val="accent1"/>
-          </a:lnRef>
-          <a:fillRef idx="0">
-            <a:schemeClr val="accent1"/>
-          </a:fillRef>
-          <a:effectRef idx="0">
-            <a:schemeClr val="accent1"/>
-          </a:effectRef>
-          <a:fontRef idx="minor">
-            <a:schemeClr val="tx1"/>
-          </a:fontRef>
-        </p:style>
-      </p:cxnSp>
+          <a:ln w="12700"/>
+        </p:spPr>
+        <p:style>
+          <a:lnRef idx="2">
+            <a:schemeClr val="dk1"/>
+          </a:lnRef>
+          <a:fillRef idx="1">
+            <a:schemeClr val="lt1"/>
+          </a:fillRef>
+          <a:effectRef idx="0">
+            <a:schemeClr val="dk1"/>
+          </a:effectRef>
+          <a:fontRef idx="minor">
+            <a:schemeClr val="dk1"/>
+          </a:fontRef>
+        </p:style>
+        <p:txBody>
+          <a:bodyPr rtlCol="0" anchor="ctr"/>
+          <a:lstStyle/>
+          <a:p>
+            <a:pPr algn="ctr"/>
+            <a:r>
+              <a:rPr lang="en-US" altLang="ko-KR" sz="800"/>
+              <a:t>8</a:t>
+            </a:r>
+            <a:endParaRPr lang="ko-KR" altLang="en-US" sz="800"/>
+          </a:p>
+        </p:txBody>
+      </p:sp>
+      <p:sp>
+        <p:nvSpPr>
+          <p:cNvPr id="13" name="사각형: 둥근 모서리 105">
+            <a:extLst>
+              <a:ext uri="{FF2B5EF4-FFF2-40B4-BE49-F238E27FC236}">
+                <a16:creationId xmlns:a16="http://schemas.microsoft.com/office/drawing/2014/main" id="{D8832EC8-EC11-D39F-5902-933B410880E6}"/>
+              </a:ext>
+            </a:extLst>
+          </p:cNvPr>
+          <p:cNvSpPr/>
+          <p:nvPr/>
+        </p:nvSpPr>
+        <p:spPr>
+          <a:xfrm>
+            <a:off x="5949719" y="2168879"/>
+            <a:ext cx="913730" cy="225618"/>
+          </a:xfrm>
+          <a:prstGeom prst="roundRect">
+            <a:avLst>
+              <a:gd name="adj" fmla="val 12203"/>
+            </a:avLst>
+          </a:prstGeom>
+          <a:ln w="12700"/>
+        </p:spPr>
+        <p:style>
+          <a:lnRef idx="2">
+            <a:schemeClr val="dk1"/>
+          </a:lnRef>
+          <a:fillRef idx="1">
+            <a:schemeClr val="lt1"/>
+          </a:fillRef>
+          <a:effectRef idx="0">
+            <a:schemeClr val="dk1"/>
+          </a:effectRef>
+          <a:fontRef idx="minor">
+            <a:schemeClr val="dk1"/>
+          </a:fontRef>
+        </p:style>
+        <p:txBody>
+          <a:bodyPr rtlCol="0" anchor="ctr"/>
+          <a:lstStyle/>
+          <a:p>
+            <a:pPr algn="ctr"/>
+            <a:r>
+              <a:rPr lang="en-US" altLang="ko-KR" sz="900" b="1"/>
+              <a:t>Cmd (Binary)</a:t>
+            </a:r>
+            <a:endParaRPr lang="ko-KR" altLang="en-US" sz="900" b="1"/>
+          </a:p>
+        </p:txBody>
+      </p:sp>
     </p:spTree>
     <p:extLst>
       <p:ext uri="{BB962C8B-B14F-4D97-AF65-F5344CB8AC3E}">
-        <p14:creationId xmlns:p14="http://schemas.microsoft.com/office/powerpoint/2010/main" val="489861658"/>
+        <p14:creationId xmlns:p14="http://schemas.microsoft.com/office/powerpoint/2010/main" val="2640048769"/>
       </p:ext>
     </p:extLst>
   </p:cSld>
@@ -5454,12 +5703,12 @@
         </p:nvSpPr>
         <p:spPr>
           <a:xfrm>
-            <a:off x="3131840" y="1449174"/>
-            <a:ext cx="4013092" cy="2820128"/>
+            <a:off x="3257550" y="1921256"/>
+            <a:ext cx="3829050" cy="2018646"/>
           </a:xfrm>
           <a:prstGeom prst="roundRect">
             <a:avLst>
-              <a:gd name="adj" fmla="val 4798"/>
+              <a:gd name="adj" fmla="val 5998"/>
             </a:avLst>
           </a:prstGeom>
         </p:spPr>
@@ -5478,15 +5727,114 @@
           </a:fontRef>
         </p:style>
         <p:txBody>
+          <a:bodyPr rtlCol="0" anchor="b"/>
+          <a:lstStyle/>
+          <a:p>
+            <a:pPr algn="ctr"/>
+            <a:r>
+              <a:rPr lang="en-US" altLang="ko-KR" sz="1100"/>
+              <a:t>K8s Node</a:t>
+            </a:r>
+            <a:endParaRPr lang="ko-KR" altLang="en-US" sz="1100"/>
+          </a:p>
+        </p:txBody>
+      </p:sp>
+      <p:sp>
+        <p:nvSpPr>
+          <p:cNvPr id="46" name="사각형: 둥근 모서리 45">
+            <a:extLst>
+              <a:ext uri="{FF2B5EF4-FFF2-40B4-BE49-F238E27FC236}">
+                <a16:creationId xmlns:a16="http://schemas.microsoft.com/office/drawing/2014/main" id="{64EDAAEC-A9EA-469E-87CF-A32B639CD17C}"/>
+              </a:ext>
+            </a:extLst>
+          </p:cNvPr>
+          <p:cNvSpPr/>
+          <p:nvPr/>
+        </p:nvSpPr>
+        <p:spPr>
+          <a:xfrm>
+            <a:off x="3364072" y="2169214"/>
+            <a:ext cx="1207928" cy="642690"/>
+          </a:xfrm>
+          <a:prstGeom prst="roundRect">
+            <a:avLst>
+              <a:gd name="adj" fmla="val 10708"/>
+            </a:avLst>
+          </a:prstGeom>
+        </p:spPr>
+        <p:style>
+          <a:lnRef idx="2">
+            <a:schemeClr val="dk1"/>
+          </a:lnRef>
+          <a:fillRef idx="1">
+            <a:schemeClr val="lt1"/>
+          </a:fillRef>
+          <a:effectRef idx="0">
+            <a:schemeClr val="dk1"/>
+          </a:effectRef>
+          <a:fontRef idx="minor">
+            <a:schemeClr val="dk1"/>
+          </a:fontRef>
+        </p:style>
+        <p:txBody>
           <a:bodyPr rtlCol="0" anchor="t"/>
           <a:lstStyle/>
           <a:p>
             <a:pPr algn="ctr"/>
             <a:r>
-              <a:rPr lang="en-US" altLang="ko-KR" sz="1200"/>
-              <a:t>K8s Node</a:t>
-            </a:r>
-            <a:endParaRPr lang="ko-KR" altLang="en-US" sz="1200"/>
+              <a:rPr lang="en-US" altLang="ko-KR" sz="1100" b="1"/>
+              <a:t>cnsenter Pod</a:t>
+            </a:r>
+          </a:p>
+        </p:txBody>
+      </p:sp>
+      <p:sp>
+        <p:nvSpPr>
+          <p:cNvPr id="47" name="사각형: 둥근 모서리 46">
+            <a:extLst>
+              <a:ext uri="{FF2B5EF4-FFF2-40B4-BE49-F238E27FC236}">
+                <a16:creationId xmlns:a16="http://schemas.microsoft.com/office/drawing/2014/main" id="{691E64EA-C691-47F2-857D-8FF1BA55EC56}"/>
+              </a:ext>
+            </a:extLst>
+          </p:cNvPr>
+          <p:cNvSpPr/>
+          <p:nvPr/>
+        </p:nvSpPr>
+        <p:spPr>
+          <a:xfrm>
+            <a:off x="3511171" y="2485986"/>
+            <a:ext cx="913730" cy="225618"/>
+          </a:xfrm>
+          <a:prstGeom prst="roundRect">
+            <a:avLst>
+              <a:gd name="adj" fmla="val 12203"/>
+            </a:avLst>
+          </a:prstGeom>
+        </p:spPr>
+        <p:style>
+          <a:lnRef idx="2">
+            <a:schemeClr val="dk1"/>
+          </a:lnRef>
+          <a:fillRef idx="1">
+            <a:schemeClr val="lt1"/>
+          </a:fillRef>
+          <a:effectRef idx="0">
+            <a:schemeClr val="dk1"/>
+          </a:effectRef>
+          <a:fontRef idx="minor">
+            <a:schemeClr val="dk1"/>
+          </a:fontRef>
+        </p:style>
+        <p:txBody>
+          <a:bodyPr rtlCol="0" anchor="ctr"/>
+          <a:lstStyle/>
+          <a:p>
+            <a:pPr algn="ctr"/>
+            <a:r>
+              <a:rPr lang="en-US" altLang="ko-KR" sz="900"/>
+              <a:t>cnsenter</a:t>
+            </a:r>
+            <a:endParaRPr lang="ko-KR" altLang="en-US" sz="900"/>
           </a:p>
         </p:txBody>
       </p:sp>
@@ -5504,8 +5852,8 @@
         </p:nvSpPr>
         <p:spPr>
           <a:xfrm>
-            <a:off x="5582534" y="2476143"/>
-            <a:ext cx="1437738" cy="1547217"/>
+            <a:off x="5606772" y="2427299"/>
+            <a:ext cx="1389262" cy="1417213"/>
           </a:xfrm>
           <a:prstGeom prst="roundRect">
             <a:avLst>
@@ -5533,7 +5881,7 @@
           <a:p>
             <a:pPr algn="ctr"/>
             <a:r>
-              <a:rPr lang="en-US" altLang="ko-KR" sz="1200"/>
+              <a:rPr lang="en-US" altLang="ko-KR" sz="1100"/>
               <a:t>Target Pod</a:t>
             </a:r>
           </a:p>
@@ -5553,8 +5901,8 @@
         </p:nvSpPr>
         <p:spPr>
           <a:xfrm>
-            <a:off x="5722359" y="2825540"/>
-            <a:ext cx="1158087" cy="1107328"/>
+            <a:off x="5722359" y="2747338"/>
+            <a:ext cx="1158087" cy="1014285"/>
           </a:xfrm>
           <a:prstGeom prst="roundRect">
             <a:avLst>
@@ -5582,10 +5930,10 @@
           <a:p>
             <a:pPr algn="ctr"/>
             <a:r>
-              <a:rPr lang="en-US" altLang="ko-KR" sz="1100"/>
+              <a:rPr lang="en-US" altLang="ko-KR" sz="1050"/>
               <a:t>Target Container</a:t>
             </a:r>
-            <a:endParaRPr lang="ko-KR" altLang="en-US" sz="1100"/>
+            <a:endParaRPr lang="ko-KR" altLang="en-US" sz="1050"/>
           </a:p>
         </p:txBody>
       </p:sp>
@@ -5603,8 +5951,8 @@
         </p:nvSpPr>
         <p:spPr>
           <a:xfrm>
-            <a:off x="5844537" y="3273223"/>
-            <a:ext cx="913730" cy="246314"/>
+            <a:off x="5844537" y="3157404"/>
+            <a:ext cx="913730" cy="225618"/>
           </a:xfrm>
           <a:prstGeom prst="roundRect">
             <a:avLst>
@@ -5632,19 +5980,19 @@
           <a:p>
             <a:pPr algn="ctr"/>
             <a:r>
-              <a:rPr lang="en-US" altLang="ko-KR" sz="1000"/>
+              <a:rPr lang="en-US" altLang="ko-KR" sz="900"/>
               <a:t>Command</a:t>
             </a:r>
-            <a:endParaRPr lang="ko-KR" altLang="en-US" sz="1000"/>
-          </a:p>
-        </p:txBody>
-      </p:sp>
-      <p:sp>
-        <p:nvSpPr>
-          <p:cNvPr id="76" name="사각형: 둥근 모서리 75">
-            <a:extLst>
-              <a:ext uri="{FF2B5EF4-FFF2-40B4-BE49-F238E27FC236}">
-                <a16:creationId xmlns:a16="http://schemas.microsoft.com/office/drawing/2014/main" id="{BDE92DF2-161D-48F5-B5DC-344818B6C7B7}"/>
+            <a:endParaRPr lang="ko-KR" altLang="en-US" sz="900"/>
+          </a:p>
+        </p:txBody>
+      </p:sp>
+      <p:sp>
+        <p:nvSpPr>
+          <p:cNvPr id="97" name="사각형: 둥근 모서리 96">
+            <a:extLst>
+              <a:ext uri="{FF2B5EF4-FFF2-40B4-BE49-F238E27FC236}">
+                <a16:creationId xmlns:a16="http://schemas.microsoft.com/office/drawing/2014/main" id="{38E3355C-06D5-4D3D-AC10-D3369B96A92C}"/>
               </a:ext>
             </a:extLst>
           </p:cNvPr>
@@ -5653,57 +6001,8 @@
         </p:nvSpPr>
         <p:spPr>
           <a:xfrm>
-            <a:off x="3249165" y="1851670"/>
-            <a:ext cx="1437742" cy="1080120"/>
-          </a:xfrm>
-          <a:prstGeom prst="roundRect">
-            <a:avLst>
-              <a:gd name="adj" fmla="val 10708"/>
-            </a:avLst>
-          </a:prstGeom>
-        </p:spPr>
-        <p:style>
-          <a:lnRef idx="2">
-            <a:schemeClr val="dk1"/>
-          </a:lnRef>
-          <a:fillRef idx="1">
-            <a:schemeClr val="lt1"/>
-          </a:fillRef>
-          <a:effectRef idx="0">
-            <a:schemeClr val="dk1"/>
-          </a:effectRef>
-          <a:fontRef idx="minor">
-            <a:schemeClr val="dk1"/>
-          </a:fontRef>
-        </p:style>
-        <p:txBody>
-          <a:bodyPr rtlCol="0" anchor="t"/>
-          <a:lstStyle/>
-          <a:p>
-            <a:pPr algn="ctr"/>
-            <a:r>
-              <a:rPr lang="en-US" altLang="ko-KR" sz="1200" b="1"/>
-              <a:t>cnsenter Pod</a:t>
-            </a:r>
-          </a:p>
-        </p:txBody>
-      </p:sp>
-      <p:sp>
-        <p:nvSpPr>
-          <p:cNvPr id="86" name="사각형: 둥근 모서리 85">
-            <a:extLst>
-              <a:ext uri="{FF2B5EF4-FFF2-40B4-BE49-F238E27FC236}">
-                <a16:creationId xmlns:a16="http://schemas.microsoft.com/office/drawing/2014/main" id="{5BFD3EF6-C382-4C58-B89E-FD1B110AD873}"/>
-              </a:ext>
-            </a:extLst>
-          </p:cNvPr>
-          <p:cNvSpPr/>
-          <p:nvPr/>
-        </p:nvSpPr>
-        <p:spPr>
-          <a:xfrm>
-            <a:off x="3388993" y="2186294"/>
-            <a:ext cx="1158087" cy="648072"/>
+            <a:off x="1181806" y="2441352"/>
+            <a:ext cx="966160" cy="314883"/>
           </a:xfrm>
           <a:prstGeom prst="roundRect">
             <a:avLst>
@@ -5726,115 +6025,15 @@
           </a:fontRef>
         </p:style>
         <p:txBody>
-          <a:bodyPr rtlCol="0" anchor="t"/>
+          <a:bodyPr rtlCol="0" anchor="ctr"/>
           <a:lstStyle/>
           <a:p>
             <a:pPr algn="ctr"/>
             <a:r>
-              <a:rPr lang="en-US" altLang="ko-KR" sz="1100"/>
-              <a:t>Container</a:t>
-            </a:r>
-            <a:endParaRPr lang="ko-KR" altLang="en-US" sz="1100"/>
-          </a:p>
-        </p:txBody>
-      </p:sp>
-      <p:sp>
-        <p:nvSpPr>
-          <p:cNvPr id="95" name="사각형: 둥근 모서리 94">
-            <a:extLst>
-              <a:ext uri="{FF2B5EF4-FFF2-40B4-BE49-F238E27FC236}">
-                <a16:creationId xmlns:a16="http://schemas.microsoft.com/office/drawing/2014/main" id="{EB16ECCF-8C18-448E-851C-7E5A42A5F131}"/>
-              </a:ext>
-            </a:extLst>
-          </p:cNvPr>
-          <p:cNvSpPr/>
-          <p:nvPr/>
-        </p:nvSpPr>
-        <p:spPr>
-          <a:xfrm>
-            <a:off x="3511171" y="2500898"/>
-            <a:ext cx="913730" cy="246314"/>
-          </a:xfrm>
-          <a:prstGeom prst="roundRect">
-            <a:avLst>
-              <a:gd name="adj" fmla="val 12203"/>
-            </a:avLst>
-          </a:prstGeom>
-        </p:spPr>
-        <p:style>
-          <a:lnRef idx="2">
-            <a:schemeClr val="dk1"/>
-          </a:lnRef>
-          <a:fillRef idx="1">
-            <a:schemeClr val="lt1"/>
-          </a:fillRef>
-          <a:effectRef idx="0">
-            <a:schemeClr val="dk1"/>
-          </a:effectRef>
-          <a:fontRef idx="minor">
-            <a:schemeClr val="dk1"/>
-          </a:fontRef>
-        </p:style>
-        <p:txBody>
-          <a:bodyPr rtlCol="0" anchor="ctr"/>
-          <a:lstStyle/>
-          <a:p>
-            <a:pPr algn="ctr"/>
-            <a:r>
-              <a:rPr lang="en-US" altLang="ko-KR" sz="1000"/>
-              <a:t>cnsenter</a:t>
-            </a:r>
-            <a:endParaRPr lang="ko-KR" altLang="en-US" sz="1000"/>
-          </a:p>
-        </p:txBody>
-      </p:sp>
-      <p:sp>
-        <p:nvSpPr>
-          <p:cNvPr id="97" name="사각형: 둥근 모서리 96">
-            <a:extLst>
-              <a:ext uri="{FF2B5EF4-FFF2-40B4-BE49-F238E27FC236}">
-                <a16:creationId xmlns:a16="http://schemas.microsoft.com/office/drawing/2014/main" id="{38E3355C-06D5-4D3D-AC10-D3369B96A92C}"/>
-              </a:ext>
-            </a:extLst>
-          </p:cNvPr>
-          <p:cNvSpPr/>
-          <p:nvPr/>
-        </p:nvSpPr>
-        <p:spPr>
-          <a:xfrm>
-            <a:off x="1181806" y="2219845"/>
-            <a:ext cx="966160" cy="343769"/>
-          </a:xfrm>
-          <a:prstGeom prst="roundRect">
-            <a:avLst>
-              <a:gd name="adj" fmla="val 12203"/>
-            </a:avLst>
-          </a:prstGeom>
-        </p:spPr>
-        <p:style>
-          <a:lnRef idx="2">
-            <a:schemeClr val="dk1"/>
-          </a:lnRef>
-          <a:fillRef idx="1">
-            <a:schemeClr val="lt1"/>
-          </a:fillRef>
-          <a:effectRef idx="0">
-            <a:schemeClr val="dk1"/>
-          </a:effectRef>
-          <a:fontRef idx="minor">
-            <a:schemeClr val="dk1"/>
-          </a:fontRef>
-        </p:style>
-        <p:txBody>
-          <a:bodyPr rtlCol="0" anchor="ctr"/>
-          <a:lstStyle/>
-          <a:p>
-            <a:pPr algn="ctr"/>
-            <a:r>
-              <a:rPr lang="en-US" altLang="ko-KR" sz="1200" b="1"/>
+              <a:rPr lang="en-US" altLang="ko-KR" sz="1100" b="1"/>
               <a:t>kpexec</a:t>
             </a:r>
-            <a:endParaRPr lang="ko-KR" altLang="en-US" sz="1200" b="1"/>
+            <a:endParaRPr lang="ko-KR" altLang="en-US" sz="1100" b="1"/>
           </a:p>
         </p:txBody>
       </p:sp>
@@ -5849,15 +6048,15 @@
           </p:cNvPr>
           <p:cNvCxnSpPr>
             <a:cxnSpLocks/>
-            <a:stCxn id="95" idx="3"/>
+            <a:stCxn id="47" idx="3"/>
             <a:endCxn id="75" idx="1"/>
           </p:cNvCxnSpPr>
           <p:nvPr/>
         </p:nvCxnSpPr>
         <p:spPr>
           <a:xfrm>
-            <a:off x="4424901" y="2624055"/>
-            <a:ext cx="1419636" cy="772325"/>
+            <a:off x="4424901" y="2598795"/>
+            <a:ext cx="1419636" cy="671419"/>
           </a:xfrm>
           <a:prstGeom prst="line">
             <a:avLst/>
@@ -5901,8 +6100,8 @@
         </p:nvSpPr>
         <p:spPr>
           <a:xfrm>
-            <a:off x="3249165" y="3075806"/>
-            <a:ext cx="1437742" cy="1080120"/>
+            <a:off x="3364072" y="3058376"/>
+            <a:ext cx="1207928" cy="642690"/>
           </a:xfrm>
           <a:prstGeom prst="roundRect">
             <a:avLst>
@@ -5930,7 +6129,7 @@
           <a:p>
             <a:pPr algn="ctr"/>
             <a:r>
-              <a:rPr lang="en-US" altLang="ko-KR" sz="1200" b="1"/>
+              <a:rPr lang="en-US" altLang="ko-KR" sz="1100" b="1"/>
               <a:t>cnsenter Pod</a:t>
             </a:r>
           </a:p>
@@ -5938,10 +6137,10 @@
       </p:sp>
       <p:sp>
         <p:nvSpPr>
-          <p:cNvPr id="105" name="사각형: 둥근 모서리 104">
-            <a:extLst>
-              <a:ext uri="{FF2B5EF4-FFF2-40B4-BE49-F238E27FC236}">
-                <a16:creationId xmlns:a16="http://schemas.microsoft.com/office/drawing/2014/main" id="{D116828F-79BC-48AA-866E-AEF62A75E40E}"/>
+          <p:cNvPr id="106" name="사각형: 둥근 모서리 105">
+            <a:extLst>
+              <a:ext uri="{FF2B5EF4-FFF2-40B4-BE49-F238E27FC236}">
+                <a16:creationId xmlns:a16="http://schemas.microsoft.com/office/drawing/2014/main" id="{8815D6C1-B29B-4468-AE0B-58C97020F805}"/>
               </a:ext>
             </a:extLst>
           </p:cNvPr>
@@ -5950,8 +6149,8 @@
         </p:nvSpPr>
         <p:spPr>
           <a:xfrm>
-            <a:off x="3388993" y="3410430"/>
-            <a:ext cx="1158087" cy="648072"/>
+            <a:off x="3511171" y="3375149"/>
+            <a:ext cx="913730" cy="225618"/>
           </a:xfrm>
           <a:prstGeom prst="roundRect">
             <a:avLst>
@@ -5974,24 +6173,24 @@
           </a:fontRef>
         </p:style>
         <p:txBody>
-          <a:bodyPr rtlCol="0" anchor="t"/>
+          <a:bodyPr rtlCol="0" anchor="ctr"/>
           <a:lstStyle/>
           <a:p>
             <a:pPr algn="ctr"/>
             <a:r>
-              <a:rPr lang="en-US" altLang="ko-KR" sz="1100"/>
-              <a:t>Container</a:t>
-            </a:r>
-            <a:endParaRPr lang="ko-KR" altLang="en-US" sz="1100"/>
-          </a:p>
-        </p:txBody>
-      </p:sp>
-      <p:sp>
-        <p:nvSpPr>
-          <p:cNvPr id="106" name="사각형: 둥근 모서리 105">
-            <a:extLst>
-              <a:ext uri="{FF2B5EF4-FFF2-40B4-BE49-F238E27FC236}">
-                <a16:creationId xmlns:a16="http://schemas.microsoft.com/office/drawing/2014/main" id="{8815D6C1-B29B-4468-AE0B-58C97020F805}"/>
+              <a:rPr lang="en-US" altLang="ko-KR" sz="900"/>
+              <a:t>cnsenter</a:t>
+            </a:r>
+            <a:endParaRPr lang="ko-KR" altLang="en-US" sz="900"/>
+          </a:p>
+        </p:txBody>
+      </p:sp>
+      <p:sp>
+        <p:nvSpPr>
+          <p:cNvPr id="107" name="사각형: 둥근 모서리 106">
+            <a:extLst>
+              <a:ext uri="{FF2B5EF4-FFF2-40B4-BE49-F238E27FC236}">
+                <a16:creationId xmlns:a16="http://schemas.microsoft.com/office/drawing/2014/main" id="{63205508-003E-4060-BF2B-5840DEB4E7D8}"/>
               </a:ext>
             </a:extLst>
           </p:cNvPr>
@@ -6000,8 +6199,8 @@
         </p:nvSpPr>
         <p:spPr>
           <a:xfrm>
-            <a:off x="3511171" y="3725034"/>
-            <a:ext cx="913730" cy="246314"/>
+            <a:off x="1181806" y="3330515"/>
+            <a:ext cx="966160" cy="314883"/>
           </a:xfrm>
           <a:prstGeom prst="roundRect">
             <a:avLst>
@@ -6029,60 +6228,10 @@
           <a:p>
             <a:pPr algn="ctr"/>
             <a:r>
-              <a:rPr lang="en-US" altLang="ko-KR" sz="1000"/>
-              <a:t>cnsenter</a:t>
-            </a:r>
-            <a:endParaRPr lang="ko-KR" altLang="en-US" sz="1000"/>
-          </a:p>
-        </p:txBody>
-      </p:sp>
-      <p:sp>
-        <p:nvSpPr>
-          <p:cNvPr id="107" name="사각형: 둥근 모서리 106">
-            <a:extLst>
-              <a:ext uri="{FF2B5EF4-FFF2-40B4-BE49-F238E27FC236}">
-                <a16:creationId xmlns:a16="http://schemas.microsoft.com/office/drawing/2014/main" id="{63205508-003E-4060-BF2B-5840DEB4E7D8}"/>
-              </a:ext>
-            </a:extLst>
-          </p:cNvPr>
-          <p:cNvSpPr/>
-          <p:nvPr/>
-        </p:nvSpPr>
-        <p:spPr>
-          <a:xfrm>
-            <a:off x="1181806" y="3443981"/>
-            <a:ext cx="966160" cy="343769"/>
-          </a:xfrm>
-          <a:prstGeom prst="roundRect">
-            <a:avLst>
-              <a:gd name="adj" fmla="val 12203"/>
-            </a:avLst>
-          </a:prstGeom>
-        </p:spPr>
-        <p:style>
-          <a:lnRef idx="2">
-            <a:schemeClr val="dk1"/>
-          </a:lnRef>
-          <a:fillRef idx="1">
-            <a:schemeClr val="lt1"/>
-          </a:fillRef>
-          <a:effectRef idx="0">
-            <a:schemeClr val="dk1"/>
-          </a:effectRef>
-          <a:fontRef idx="minor">
-            <a:schemeClr val="dk1"/>
-          </a:fontRef>
-        </p:style>
-        <p:txBody>
-          <a:bodyPr rtlCol="0" anchor="ctr"/>
-          <a:lstStyle/>
-          <a:p>
-            <a:pPr algn="ctr"/>
-            <a:r>
-              <a:rPr lang="en-US" altLang="ko-KR" sz="1200" b="1"/>
+              <a:rPr lang="en-US" altLang="ko-KR" sz="1100" b="1"/>
               <a:t>kpexec</a:t>
             </a:r>
-            <a:endParaRPr lang="ko-KR" altLang="en-US" sz="1200" b="1"/>
+            <a:endParaRPr lang="ko-KR" altLang="en-US" sz="1100" b="1"/>
           </a:p>
         </p:txBody>
       </p:sp>
@@ -6103,9 +6252,9 @@
           <p:nvPr/>
         </p:nvCxnSpPr>
         <p:spPr>
-          <a:xfrm flipV="1">
-            <a:off x="4424901" y="3725311"/>
-            <a:ext cx="1419636" cy="122880"/>
+          <a:xfrm>
+            <a:off x="4424901" y="3487958"/>
+            <a:ext cx="1419636" cy="83548"/>
           </a:xfrm>
           <a:prstGeom prst="line">
             <a:avLst/>
@@ -6149,8 +6298,8 @@
         </p:nvSpPr>
         <p:spPr>
           <a:xfrm>
-            <a:off x="5817659" y="2022498"/>
-            <a:ext cx="967486" cy="343769"/>
+            <a:off x="5817659" y="2011771"/>
+            <a:ext cx="967486" cy="314883"/>
           </a:xfrm>
           <a:prstGeom prst="roundRect">
             <a:avLst>
@@ -6178,7 +6327,7 @@
           <a:p>
             <a:pPr algn="ctr"/>
             <a:r>
-              <a:rPr lang="en-US" altLang="ko-KR" sz="1200"/>
+              <a:rPr lang="en-US" altLang="ko-KR" sz="1100"/>
               <a:t>containerd</a:t>
             </a:r>
           </a:p>
@@ -6195,15 +6344,15 @@
           </p:cNvPr>
           <p:cNvCxnSpPr>
             <a:cxnSpLocks/>
-            <a:stCxn id="95" idx="0"/>
+            <a:stCxn id="47" idx="3"/>
             <a:endCxn id="114" idx="1"/>
           </p:cNvCxnSpPr>
           <p:nvPr/>
         </p:nvCxnSpPr>
         <p:spPr>
           <a:xfrm flipV="1">
-            <a:off x="3968036" y="2194383"/>
-            <a:ext cx="1849623" cy="306515"/>
+            <a:off x="4424901" y="2169214"/>
+            <a:ext cx="1392758" cy="429580"/>
           </a:xfrm>
           <a:prstGeom prst="line">
             <a:avLst/>
@@ -6247,8 +6396,8 @@
         </p:nvSpPr>
         <p:spPr>
           <a:xfrm>
-            <a:off x="5844537" y="3602154"/>
-            <a:ext cx="913730" cy="246314"/>
+            <a:off x="5844537" y="3458697"/>
+            <a:ext cx="913730" cy="225618"/>
           </a:xfrm>
           <a:prstGeom prst="roundRect">
             <a:avLst>
@@ -6276,10 +6425,10 @@
           <a:p>
             <a:pPr algn="ctr"/>
             <a:r>
-              <a:rPr lang="en-US" altLang="ko-KR" sz="1000"/>
+              <a:rPr lang="en-US" altLang="ko-KR" sz="900"/>
               <a:t>Command</a:t>
             </a:r>
-            <a:endParaRPr lang="ko-KR" altLang="en-US" sz="1000"/>
+            <a:endParaRPr lang="ko-KR" altLang="en-US" sz="900"/>
           </a:p>
         </p:txBody>
       </p:sp>
@@ -6294,15 +6443,15 @@
           </p:cNvPr>
           <p:cNvCxnSpPr>
             <a:cxnSpLocks/>
-            <a:stCxn id="106" idx="0"/>
+            <a:stCxn id="106" idx="3"/>
             <a:endCxn id="114" idx="1"/>
           </p:cNvCxnSpPr>
           <p:nvPr/>
         </p:nvCxnSpPr>
         <p:spPr>
           <a:xfrm flipV="1">
-            <a:off x="3968036" y="2194383"/>
-            <a:ext cx="1849623" cy="1530651"/>
+            <a:off x="4424901" y="2169214"/>
+            <a:ext cx="1392758" cy="1318743"/>
           </a:xfrm>
           <a:prstGeom prst="line">
             <a:avLst/>
@@ -6344,14 +6493,14 @@
           <p:cNvCxnSpPr>
             <a:cxnSpLocks/>
             <a:stCxn id="97" idx="3"/>
-            <a:endCxn id="95" idx="1"/>
+            <a:endCxn id="47" idx="1"/>
           </p:cNvCxnSpPr>
           <p:nvPr/>
         </p:nvCxnSpPr>
         <p:spPr>
           <a:xfrm>
-            <a:off x="2147966" y="2391730"/>
-            <a:ext cx="1363205" cy="232325"/>
+            <a:off x="2147966" y="2598795"/>
+            <a:ext cx="1363205" cy="0"/>
           </a:xfrm>
           <a:prstGeom prst="line">
             <a:avLst/>
@@ -6399,8 +6548,8 @@
         </p:nvCxnSpPr>
         <p:spPr>
           <a:xfrm>
-            <a:off x="2147966" y="3615866"/>
-            <a:ext cx="1363205" cy="232325"/>
+            <a:off x="2147966" y="3487958"/>
+            <a:ext cx="1363205" cy="0"/>
           </a:xfrm>
           <a:prstGeom prst="line">
             <a:avLst/>
@@ -6448,8 +6597,8 @@
         </p:nvCxnSpPr>
         <p:spPr>
           <a:xfrm flipV="1">
-            <a:off x="1664886" y="1798734"/>
-            <a:ext cx="602935" cy="421111"/>
+            <a:off x="1664886" y="2238215"/>
+            <a:ext cx="602935" cy="203137"/>
           </a:xfrm>
           <a:prstGeom prst="line">
             <a:avLst/>
@@ -6495,8 +6644,8 @@
         </p:nvCxnSpPr>
         <p:spPr>
           <a:xfrm flipV="1">
-            <a:off x="1664886" y="1798734"/>
-            <a:ext cx="602935" cy="1645247"/>
+            <a:off x="1664886" y="2238215"/>
+            <a:ext cx="602935" cy="1092300"/>
           </a:xfrm>
           <a:prstGeom prst="line">
             <a:avLst/>
@@ -6538,8 +6687,8 @@
         </p:nvSpPr>
         <p:spPr>
           <a:xfrm>
-            <a:off x="3059832" y="1451560"/>
-            <a:ext cx="1080120" cy="400110"/>
+            <a:off x="662546" y="1894839"/>
+            <a:ext cx="1080120" cy="345034"/>
           </a:xfrm>
           <a:prstGeom prst="rect">
             <a:avLst/>
@@ -6554,7 +6703,7 @@
           <a:p>
             <a:pPr algn="ctr"/>
             <a:r>
-              <a:rPr lang="en-US" altLang="ko-KR" sz="1000">
+              <a:rPr lang="en-US" altLang="ko-KR" sz="900">
                 <a:solidFill>
                   <a:srgbClr val="C00000"/>
                 </a:solidFill>
@@ -6565,7 +6714,7 @@
           <a:p>
             <a:pPr algn="ctr"/>
             <a:r>
-              <a:rPr lang="en-US" altLang="ko-KR" sz="1000">
+              <a:rPr lang="en-US" altLang="ko-KR" sz="900">
                 <a:solidFill>
                   <a:srgbClr val="C00000"/>
                 </a:solidFill>
@@ -6589,8 +6738,8 @@
         </p:nvSpPr>
         <p:spPr>
           <a:xfrm>
-            <a:off x="2205262" y="3287067"/>
-            <a:ext cx="946092" cy="400110"/>
+            <a:off x="2309417" y="3142922"/>
+            <a:ext cx="867545" cy="345034"/>
           </a:xfrm>
           <a:prstGeom prst="rect">
             <a:avLst/>
@@ -6605,7 +6754,7 @@
           <a:p>
             <a:pPr algn="ctr"/>
             <a:r>
-              <a:rPr lang="en-US" altLang="ko-KR" sz="1000">
+              <a:rPr lang="en-US" altLang="ko-KR" sz="900">
                 <a:solidFill>
                   <a:schemeClr val="accent3">
                     <a:lumMod val="50000"/>
@@ -6618,7 +6767,7 @@
           <a:p>
             <a:pPr algn="ctr"/>
             <a:r>
-              <a:rPr lang="en-US" altLang="ko-KR" sz="1000">
+              <a:rPr lang="en-US" altLang="ko-KR" sz="900">
                 <a:solidFill>
                   <a:schemeClr val="accent3">
                     <a:lumMod val="50000"/>
@@ -6644,8 +6793,8 @@
         </p:nvSpPr>
         <p:spPr>
           <a:xfrm>
-            <a:off x="4734934" y="1877302"/>
-            <a:ext cx="1019831" cy="400110"/>
+            <a:off x="4556676" y="1965038"/>
+            <a:ext cx="936474" cy="345034"/>
           </a:xfrm>
           <a:prstGeom prst="rect">
             <a:avLst/>
@@ -6660,7 +6809,7 @@
           <a:p>
             <a:pPr algn="ctr"/>
             <a:r>
-              <a:rPr lang="en-US" altLang="ko-KR" sz="1000">
+              <a:rPr lang="en-US" altLang="ko-KR" sz="900">
                 <a:solidFill>
                   <a:schemeClr val="accent6">
                     <a:lumMod val="75000"/>
@@ -6673,7 +6822,7 @@
           <a:p>
             <a:pPr algn="ctr"/>
             <a:r>
-              <a:rPr lang="en-US" altLang="ko-KR" sz="1000">
+              <a:rPr lang="en-US" altLang="ko-KR" sz="900">
                 <a:solidFill>
                   <a:schemeClr val="accent6">
                     <a:lumMod val="75000"/>
@@ -6699,8 +6848,8 @@
         </p:nvSpPr>
         <p:spPr>
           <a:xfrm>
-            <a:off x="4646717" y="3379204"/>
-            <a:ext cx="992579" cy="400110"/>
+            <a:off x="4741293" y="3129479"/>
+            <a:ext cx="910827" cy="345034"/>
           </a:xfrm>
           <a:prstGeom prst="rect">
             <a:avLst/>
@@ -6715,7 +6864,7 @@
           <a:p>
             <a:pPr algn="ctr"/>
             <a:r>
-              <a:rPr lang="en-US" altLang="ko-KR" sz="1000">
+              <a:rPr lang="en-US" altLang="ko-KR" sz="900">
                 <a:solidFill>
                   <a:schemeClr val="accent5">
                     <a:lumMod val="75000"/>
@@ -6728,7 +6877,7 @@
           <a:p>
             <a:pPr algn="ctr"/>
             <a:r>
-              <a:rPr lang="en-US" altLang="ko-KR" sz="1000">
+              <a:rPr lang="en-US" altLang="ko-KR" sz="900">
                 <a:solidFill>
                   <a:schemeClr val="accent5">
                     <a:lumMod val="75000"/>
@@ -6754,8 +6903,8 @@
         </p:nvSpPr>
         <p:spPr>
           <a:xfrm>
-            <a:off x="1630095" y="1454965"/>
-            <a:ext cx="1275452" cy="343769"/>
+            <a:off x="1630095" y="1923332"/>
+            <a:ext cx="1275452" cy="314883"/>
           </a:xfrm>
           <a:prstGeom prst="roundRect">
             <a:avLst>
@@ -6783,7 +6932,7 @@
           <a:p>
             <a:pPr algn="ctr"/>
             <a:r>
-              <a:rPr lang="en-US" altLang="ko-KR" sz="1200"/>
+              <a:rPr lang="en-US" altLang="ko-KR" sz="1100"/>
               <a:t>K8s API Server</a:t>
             </a:r>
           </a:p>
@@ -6801,14 +6950,14 @@
           <p:cNvCxnSpPr>
             <a:cxnSpLocks/>
             <a:stCxn id="177" idx="2"/>
-            <a:endCxn id="76" idx="0"/>
+            <a:endCxn id="46" idx="1"/>
           </p:cNvCxnSpPr>
           <p:nvPr/>
         </p:nvCxnSpPr>
         <p:spPr>
           <a:xfrm>
-            <a:off x="2267821" y="1798734"/>
-            <a:ext cx="1700215" cy="52936"/>
+            <a:off x="2267821" y="2238215"/>
+            <a:ext cx="1096251" cy="252344"/>
           </a:xfrm>
           <a:prstGeom prst="line">
             <a:avLst/>
@@ -6848,14 +6997,14 @@
           <p:cNvCxnSpPr>
             <a:cxnSpLocks/>
             <a:stCxn id="177" idx="2"/>
-            <a:endCxn id="104" idx="0"/>
+            <a:endCxn id="104" idx="1"/>
           </p:cNvCxnSpPr>
           <p:nvPr/>
         </p:nvCxnSpPr>
         <p:spPr>
           <a:xfrm>
-            <a:off x="2267821" y="1798734"/>
-            <a:ext cx="1700215" cy="1277072"/>
+            <a:off x="2267821" y="2238215"/>
+            <a:ext cx="1096251" cy="1141507"/>
           </a:xfrm>
           <a:prstGeom prst="line">
             <a:avLst/>
@@ -6883,12 +7032,67 @@
           </a:fontRef>
         </p:style>
       </p:cxnSp>
+      <p:sp>
+        <p:nvSpPr>
+          <p:cNvPr id="203" name="TextBox 202">
+            <a:extLst>
+              <a:ext uri="{FF2B5EF4-FFF2-40B4-BE49-F238E27FC236}">
+                <a16:creationId xmlns:a16="http://schemas.microsoft.com/office/drawing/2014/main" id="{8C02B63B-0CF9-4F6A-A8A0-D8B748C037AE}"/>
+              </a:ext>
+            </a:extLst>
+          </p:cNvPr>
+          <p:cNvSpPr txBox="1"/>
+          <p:nvPr/>
+        </p:nvSpPr>
+        <p:spPr>
+          <a:xfrm>
+            <a:off x="990652" y="2837091"/>
+            <a:ext cx="686406" cy="345034"/>
+          </a:xfrm>
+          <a:prstGeom prst="rect">
+            <a:avLst/>
+          </a:prstGeom>
+          <a:noFill/>
+        </p:spPr>
+        <p:txBody>
+          <a:bodyPr wrap="none" rtlCol="0">
+            <a:spAutoFit/>
+          </a:bodyPr>
+          <a:lstStyle/>
+          <a:p>
+            <a:pPr algn="ctr"/>
+            <a:r>
+              <a:rPr lang="en-US" altLang="ko-KR" sz="900">
+                <a:solidFill>
+                  <a:schemeClr val="tx2"/>
+                </a:solidFill>
+              </a:rPr>
+              <a:t>1. Target </a:t>
+            </a:r>
+            <a:br>
+              <a:rPr lang="en-US" altLang="ko-KR" sz="900">
+                <a:solidFill>
+                  <a:schemeClr val="tx2"/>
+                </a:solidFill>
+              </a:rPr>
+            </a:br>
+            <a:r>
+              <a:rPr lang="en-US" altLang="ko-KR" sz="900">
+                <a:solidFill>
+                  <a:schemeClr val="tx2"/>
+                </a:solidFill>
+              </a:rPr>
+              <a:t>Pod Info</a:t>
+            </a:r>
+          </a:p>
+        </p:txBody>
+      </p:sp>
       <p:cxnSp>
         <p:nvCxnSpPr>
-          <p:cNvPr id="197" name="직선 연결선 196">
-            <a:extLst>
-              <a:ext uri="{FF2B5EF4-FFF2-40B4-BE49-F238E27FC236}">
-                <a16:creationId xmlns:a16="http://schemas.microsoft.com/office/drawing/2014/main" id="{0B035290-AE35-48D8-8A88-0478A6E3FF13}"/>
+          <p:cNvPr id="77" name="직선 연결선 76">
+            <a:extLst>
+              <a:ext uri="{FF2B5EF4-FFF2-40B4-BE49-F238E27FC236}">
+                <a16:creationId xmlns:a16="http://schemas.microsoft.com/office/drawing/2014/main" id="{6CC454AD-80FE-4D49-9D14-28826F1414A4}"/>
               </a:ext>
             </a:extLst>
           </p:cNvPr>
@@ -6899,8 +7103,8 @@
         </p:nvCxnSpPr>
         <p:spPr>
           <a:xfrm flipH="1">
-            <a:off x="1547664" y="1798734"/>
-            <a:ext cx="602935" cy="421111"/>
+            <a:off x="1475656" y="2238215"/>
+            <a:ext cx="602935" cy="203137"/>
           </a:xfrm>
           <a:prstGeom prst="line">
             <a:avLst/>
@@ -6930,10 +7134,10 @@
       </p:cxnSp>
       <p:cxnSp>
         <p:nvCxnSpPr>
-          <p:cNvPr id="200" name="직선 연결선 199">
-            <a:extLst>
-              <a:ext uri="{FF2B5EF4-FFF2-40B4-BE49-F238E27FC236}">
-                <a16:creationId xmlns:a16="http://schemas.microsoft.com/office/drawing/2014/main" id="{C6F906FD-0E3D-4D46-8B25-A7787170AE2F}"/>
+          <p:cNvPr id="80" name="직선 연결선 79">
+            <a:extLst>
+              <a:ext uri="{FF2B5EF4-FFF2-40B4-BE49-F238E27FC236}">
+                <a16:creationId xmlns:a16="http://schemas.microsoft.com/office/drawing/2014/main" id="{9144CB26-FC68-430F-9B0A-A7BBBE6E4C6C}"/>
               </a:ext>
             </a:extLst>
           </p:cNvPr>
@@ -6944,8 +7148,8 @@
         </p:nvCxnSpPr>
         <p:spPr>
           <a:xfrm flipH="1">
-            <a:off x="1547664" y="1798734"/>
-            <a:ext cx="602935" cy="1645247"/>
+            <a:off x="1475656" y="2238215"/>
+            <a:ext cx="602935" cy="1092300"/>
           </a:xfrm>
           <a:prstGeom prst="line">
             <a:avLst/>
@@ -6973,65 +7177,10 @@
           </a:fontRef>
         </p:style>
       </p:cxnSp>
-      <p:sp>
-        <p:nvSpPr>
-          <p:cNvPr id="203" name="TextBox 202">
-            <a:extLst>
-              <a:ext uri="{FF2B5EF4-FFF2-40B4-BE49-F238E27FC236}">
-                <a16:creationId xmlns:a16="http://schemas.microsoft.com/office/drawing/2014/main" id="{8C02B63B-0CF9-4F6A-A8A0-D8B748C037AE}"/>
-              </a:ext>
-            </a:extLst>
-          </p:cNvPr>
-          <p:cNvSpPr txBox="1"/>
-          <p:nvPr/>
-        </p:nvSpPr>
-        <p:spPr>
-          <a:xfrm>
-            <a:off x="1090094" y="2625485"/>
-            <a:ext cx="745717" cy="400110"/>
-          </a:xfrm>
-          <a:prstGeom prst="rect">
-            <a:avLst/>
-          </a:prstGeom>
-          <a:noFill/>
-        </p:spPr>
-        <p:txBody>
-          <a:bodyPr wrap="none" rtlCol="0">
-            <a:spAutoFit/>
-          </a:bodyPr>
-          <a:lstStyle/>
-          <a:p>
-            <a:pPr algn="ctr"/>
-            <a:r>
-              <a:rPr lang="en-US" altLang="ko-KR" sz="1000">
-                <a:solidFill>
-                  <a:schemeClr val="tx2"/>
-                </a:solidFill>
-              </a:rPr>
-              <a:t>1. Target </a:t>
-            </a:r>
-            <a:br>
-              <a:rPr lang="en-US" altLang="ko-KR" sz="1000">
-                <a:solidFill>
-                  <a:schemeClr val="tx2"/>
-                </a:solidFill>
-              </a:rPr>
-            </a:br>
-            <a:r>
-              <a:rPr lang="en-US" altLang="ko-KR" sz="1000">
-                <a:solidFill>
-                  <a:schemeClr val="tx2"/>
-                </a:solidFill>
-              </a:rPr>
-              <a:t>Pod Info</a:t>
-            </a:r>
-          </a:p>
-        </p:txBody>
-      </p:sp>
     </p:spTree>
     <p:extLst>
       <p:ext uri="{BB962C8B-B14F-4D97-AF65-F5344CB8AC3E}">
-        <p14:creationId xmlns:p14="http://schemas.microsoft.com/office/powerpoint/2010/main" val="2880442582"/>
+        <p14:creationId xmlns:p14="http://schemas.microsoft.com/office/powerpoint/2010/main" val="489861658"/>
       </p:ext>
     </p:extLst>
   </p:cSld>
@@ -7112,12 +7261,12 @@
         </p:nvSpPr>
         <p:spPr>
           <a:xfrm>
-            <a:off x="3131840" y="1419630"/>
-            <a:ext cx="3725655" cy="2849672"/>
+            <a:off x="3131840" y="1449174"/>
+            <a:ext cx="4013092" cy="2820128"/>
           </a:xfrm>
           <a:prstGeom prst="roundRect">
             <a:avLst>
-              <a:gd name="adj" fmla="val 7328"/>
+              <a:gd name="adj" fmla="val 4798"/>
             </a:avLst>
           </a:prstGeom>
         </p:spPr>
@@ -7162,8 +7311,8 @@
         </p:nvSpPr>
         <p:spPr>
           <a:xfrm>
-            <a:off x="5300024" y="2476143"/>
-            <a:ext cx="1437738" cy="1535767"/>
+            <a:off x="5582534" y="2476143"/>
+            <a:ext cx="1437738" cy="1547217"/>
           </a:xfrm>
           <a:prstGeom prst="roundRect">
             <a:avLst>
@@ -7211,7 +7360,7 @@
         </p:nvSpPr>
         <p:spPr>
           <a:xfrm>
-            <a:off x="5439849" y="2825540"/>
+            <a:off x="5722359" y="2825540"/>
             <a:ext cx="1158087" cy="1107328"/>
           </a:xfrm>
           <a:prstGeom prst="roundRect">
@@ -7261,7 +7410,7 @@
         </p:nvSpPr>
         <p:spPr>
           <a:xfrm>
-            <a:off x="5562027" y="3273223"/>
+            <a:off x="5844537" y="3273223"/>
             <a:ext cx="913730" cy="246314"/>
           </a:xfrm>
           <a:prstGeom prst="roundRect">
@@ -7515,17 +7664,19 @@
         <p:spPr>
           <a:xfrm>
             <a:off x="4424901" y="2624055"/>
-            <a:ext cx="1137126" cy="772325"/>
+            <a:ext cx="1419636" cy="772325"/>
           </a:xfrm>
           <a:prstGeom prst="line">
             <a:avLst/>
           </a:prstGeom>
           <a:ln w="19050">
             <a:solidFill>
-              <a:schemeClr val="tx1"/>
+              <a:schemeClr val="accent5">
+                <a:lumMod val="75000"/>
+              </a:schemeClr>
             </a:solidFill>
-            <a:headEnd type="none" w="med" len="med"/>
-            <a:tailEnd type="none" w="med" len="med"/>
+            <a:headEnd type="arrow" w="med" len="med"/>
+            <a:tailEnd type="arrow" w="med" len="med"/>
           </a:ln>
         </p:spPr>
         <p:style>
@@ -7761,17 +7912,19 @@
         <p:spPr>
           <a:xfrm flipV="1">
             <a:off x="4424901" y="3725311"/>
-            <a:ext cx="1137126" cy="122880"/>
+            <a:ext cx="1419636" cy="122880"/>
           </a:xfrm>
           <a:prstGeom prst="line">
             <a:avLst/>
           </a:prstGeom>
           <a:ln w="19050">
             <a:solidFill>
-              <a:schemeClr val="tx1"/>
+              <a:schemeClr val="accent5">
+                <a:lumMod val="75000"/>
+              </a:schemeClr>
             </a:solidFill>
-            <a:headEnd type="none" w="med" len="med"/>
-            <a:tailEnd type="none" w="med" len="med"/>
+            <a:headEnd type="arrow" w="med" len="med"/>
+            <a:tailEnd type="arrow" w="med" len="med"/>
           </a:ln>
         </p:spPr>
         <p:style>
@@ -7803,7 +7956,7 @@
         </p:nvSpPr>
         <p:spPr>
           <a:xfrm>
-            <a:off x="5535149" y="2022498"/>
+            <a:off x="5817659" y="2022498"/>
             <a:ext cx="967486" cy="343769"/>
           </a:xfrm>
           <a:prstGeom prst="roundRect">
@@ -7857,16 +8010,18 @@
         <p:spPr>
           <a:xfrm flipV="1">
             <a:off x="3968036" y="2194383"/>
-            <a:ext cx="1567113" cy="306515"/>
+            <a:ext cx="1849623" cy="306515"/>
           </a:xfrm>
           <a:prstGeom prst="line">
             <a:avLst/>
           </a:prstGeom>
           <a:ln w="19050">
             <a:solidFill>
-              <a:schemeClr val="tx1"/>
+              <a:schemeClr val="accent6">
+                <a:lumMod val="75000"/>
+              </a:schemeClr>
             </a:solidFill>
-            <a:headEnd type="none" w="med" len="med"/>
+            <a:headEnd type="arrow" w="med" len="med"/>
             <a:tailEnd type="none" w="med" len="med"/>
           </a:ln>
         </p:spPr>
@@ -7899,7 +8054,7 @@
         </p:nvSpPr>
         <p:spPr>
           <a:xfrm>
-            <a:off x="5562027" y="3602154"/>
+            <a:off x="5844537" y="3602154"/>
             <a:ext cx="913730" cy="246314"/>
           </a:xfrm>
           <a:prstGeom prst="roundRect">
@@ -7954,253 +8109,18 @@
         <p:spPr>
           <a:xfrm flipV="1">
             <a:off x="3968036" y="2194383"/>
-            <a:ext cx="1567113" cy="1530651"/>
+            <a:ext cx="1849623" cy="1530651"/>
           </a:xfrm>
           <a:prstGeom prst="line">
             <a:avLst/>
           </a:prstGeom>
           <a:ln w="19050">
             <a:solidFill>
-              <a:schemeClr val="tx1"/>
+              <a:schemeClr val="accent6">
+                <a:lumMod val="75000"/>
+              </a:schemeClr>
             </a:solidFill>
-            <a:headEnd type="none" w="med" len="med"/>
-            <a:tailEnd type="none" w="med" len="med"/>
-          </a:ln>
-        </p:spPr>
-        <p:style>
-          <a:lnRef idx="1">
-            <a:schemeClr val="accent1"/>
-          </a:lnRef>
-          <a:fillRef idx="0">
-            <a:schemeClr val="accent1"/>
-          </a:fillRef>
-          <a:effectRef idx="0">
-            <a:schemeClr val="accent1"/>
-          </a:effectRef>
-          <a:fontRef idx="minor">
-            <a:schemeClr val="tx1"/>
-          </a:fontRef>
-        </p:style>
-      </p:cxnSp>
-      <p:sp>
-        <p:nvSpPr>
-          <p:cNvPr id="118" name="사각형: 둥근 모서리 117">
-            <a:extLst>
-              <a:ext uri="{FF2B5EF4-FFF2-40B4-BE49-F238E27FC236}">
-                <a16:creationId xmlns:a16="http://schemas.microsoft.com/office/drawing/2014/main" id="{813CABC7-9949-4374-87F5-3A6F7B9A92EF}"/>
-              </a:ext>
-            </a:extLst>
-          </p:cNvPr>
-          <p:cNvSpPr/>
-          <p:nvPr/>
-        </p:nvSpPr>
-        <p:spPr>
-          <a:xfrm>
-            <a:off x="1630095" y="1419630"/>
-            <a:ext cx="1275452" cy="343769"/>
-          </a:xfrm>
-          <a:prstGeom prst="roundRect">
-            <a:avLst>
-              <a:gd name="adj" fmla="val 15872"/>
-            </a:avLst>
-          </a:prstGeom>
-        </p:spPr>
-        <p:style>
-          <a:lnRef idx="2">
-            <a:schemeClr val="dk1"/>
-          </a:lnRef>
-          <a:fillRef idx="1">
-            <a:schemeClr val="lt1"/>
-          </a:fillRef>
-          <a:effectRef idx="0">
-            <a:schemeClr val="dk1"/>
-          </a:effectRef>
-          <a:fontRef idx="minor">
-            <a:schemeClr val="dk1"/>
-          </a:fontRef>
-        </p:style>
-        <p:txBody>
-          <a:bodyPr rtlCol="0" anchor="ctr"/>
-          <a:lstStyle/>
-          <a:p>
-            <a:pPr algn="ctr"/>
-            <a:r>
-              <a:rPr lang="en-US" altLang="ko-KR" sz="1200"/>
-              <a:t>K8s API Server</a:t>
-            </a:r>
-          </a:p>
-        </p:txBody>
-      </p:sp>
-      <p:cxnSp>
-        <p:nvCxnSpPr>
-          <p:cNvPr id="119" name="직선 연결선 118">
-            <a:extLst>
-              <a:ext uri="{FF2B5EF4-FFF2-40B4-BE49-F238E27FC236}">
-                <a16:creationId xmlns:a16="http://schemas.microsoft.com/office/drawing/2014/main" id="{632AD898-AD55-4821-A736-210152B88AF3}"/>
-              </a:ext>
-            </a:extLst>
-          </p:cNvPr>
-          <p:cNvCxnSpPr>
-            <a:cxnSpLocks/>
-            <a:stCxn id="97" idx="0"/>
-            <a:endCxn id="118" idx="2"/>
-          </p:cNvCxnSpPr>
-          <p:nvPr/>
-        </p:nvCxnSpPr>
-        <p:spPr>
-          <a:xfrm flipV="1">
-            <a:off x="1664886" y="1763399"/>
-            <a:ext cx="602935" cy="456446"/>
-          </a:xfrm>
-          <a:prstGeom prst="line">
-            <a:avLst/>
-          </a:prstGeom>
-          <a:ln w="19050">
-            <a:solidFill>
-              <a:schemeClr val="tx1"/>
-            </a:solidFill>
-            <a:headEnd type="none" w="med" len="med"/>
-            <a:tailEnd type="none" w="med" len="med"/>
-          </a:ln>
-        </p:spPr>
-        <p:style>
-          <a:lnRef idx="1">
-            <a:schemeClr val="accent1"/>
-          </a:lnRef>
-          <a:fillRef idx="0">
-            <a:schemeClr val="accent1"/>
-          </a:fillRef>
-          <a:effectRef idx="0">
-            <a:schemeClr val="accent1"/>
-          </a:effectRef>
-          <a:fontRef idx="minor">
-            <a:schemeClr val="tx1"/>
-          </a:fontRef>
-        </p:style>
-      </p:cxnSp>
-      <p:cxnSp>
-        <p:nvCxnSpPr>
-          <p:cNvPr id="121" name="직선 연결선 120">
-            <a:extLst>
-              <a:ext uri="{FF2B5EF4-FFF2-40B4-BE49-F238E27FC236}">
-                <a16:creationId xmlns:a16="http://schemas.microsoft.com/office/drawing/2014/main" id="{3B758C3D-86D8-4341-B303-8289D52FC058}"/>
-              </a:ext>
-            </a:extLst>
-          </p:cNvPr>
-          <p:cNvCxnSpPr>
-            <a:cxnSpLocks/>
-            <a:stCxn id="107" idx="0"/>
-            <a:endCxn id="118" idx="2"/>
-          </p:cNvCxnSpPr>
-          <p:nvPr/>
-        </p:nvCxnSpPr>
-        <p:spPr>
-          <a:xfrm flipV="1">
-            <a:off x="1664886" y="1763399"/>
-            <a:ext cx="602935" cy="1680582"/>
-          </a:xfrm>
-          <a:prstGeom prst="line">
-            <a:avLst/>
-          </a:prstGeom>
-          <a:ln w="19050">
-            <a:solidFill>
-              <a:schemeClr val="tx1"/>
-            </a:solidFill>
-            <a:headEnd type="none" w="med" len="med"/>
-            <a:tailEnd type="none" w="med" len="med"/>
-          </a:ln>
-        </p:spPr>
-        <p:style>
-          <a:lnRef idx="1">
-            <a:schemeClr val="accent1"/>
-          </a:lnRef>
-          <a:fillRef idx="0">
-            <a:schemeClr val="accent1"/>
-          </a:fillRef>
-          <a:effectRef idx="0">
-            <a:schemeClr val="accent1"/>
-          </a:effectRef>
-          <a:fontRef idx="minor">
-            <a:schemeClr val="tx1"/>
-          </a:fontRef>
-        </p:style>
-      </p:cxnSp>
-      <p:cxnSp>
-        <p:nvCxnSpPr>
-          <p:cNvPr id="138" name="직선 연결선 137">
-            <a:extLst>
-              <a:ext uri="{FF2B5EF4-FFF2-40B4-BE49-F238E27FC236}">
-                <a16:creationId xmlns:a16="http://schemas.microsoft.com/office/drawing/2014/main" id="{A5180D89-44B2-4282-A206-CD78A8427DC0}"/>
-              </a:ext>
-            </a:extLst>
-          </p:cNvPr>
-          <p:cNvCxnSpPr>
-            <a:cxnSpLocks/>
-            <a:stCxn id="118" idx="2"/>
-            <a:endCxn id="76" idx="1"/>
-          </p:cNvCxnSpPr>
-          <p:nvPr/>
-        </p:nvCxnSpPr>
-        <p:spPr>
-          <a:xfrm>
-            <a:off x="2267821" y="1763399"/>
-            <a:ext cx="981344" cy="628331"/>
-          </a:xfrm>
-          <a:prstGeom prst="line">
-            <a:avLst/>
-          </a:prstGeom>
-          <a:ln w="19050">
-            <a:solidFill>
-              <a:schemeClr val="tx1"/>
-            </a:solidFill>
-            <a:headEnd type="none" w="med" len="med"/>
-            <a:tailEnd type="none" w="med" len="med"/>
-          </a:ln>
-        </p:spPr>
-        <p:style>
-          <a:lnRef idx="1">
-            <a:schemeClr val="accent1"/>
-          </a:lnRef>
-          <a:fillRef idx="0">
-            <a:schemeClr val="accent1"/>
-          </a:fillRef>
-          <a:effectRef idx="0">
-            <a:schemeClr val="accent1"/>
-          </a:effectRef>
-          <a:fontRef idx="minor">
-            <a:schemeClr val="tx1"/>
-          </a:fontRef>
-        </p:style>
-      </p:cxnSp>
-      <p:cxnSp>
-        <p:nvCxnSpPr>
-          <p:cNvPr id="141" name="직선 연결선 140">
-            <a:extLst>
-              <a:ext uri="{FF2B5EF4-FFF2-40B4-BE49-F238E27FC236}">
-                <a16:creationId xmlns:a16="http://schemas.microsoft.com/office/drawing/2014/main" id="{9A583628-BFA9-4601-8DA5-EEFD1C44B3D8}"/>
-              </a:ext>
-            </a:extLst>
-          </p:cNvPr>
-          <p:cNvCxnSpPr>
-            <a:cxnSpLocks/>
-            <a:stCxn id="118" idx="2"/>
-            <a:endCxn id="104" idx="1"/>
-          </p:cNvCxnSpPr>
-          <p:nvPr/>
-        </p:nvCxnSpPr>
-        <p:spPr>
-          <a:xfrm>
-            <a:off x="2267821" y="1763399"/>
-            <a:ext cx="981344" cy="1852467"/>
-          </a:xfrm>
-          <a:prstGeom prst="line">
-            <a:avLst/>
-          </a:prstGeom>
-          <a:ln w="19050">
-            <a:solidFill>
-              <a:schemeClr val="tx1"/>
-            </a:solidFill>
-            <a:headEnd type="none" w="med" len="med"/>
+            <a:headEnd type="arrow" w="med" len="med"/>
             <a:tailEnd type="none" w="med" len="med"/>
           </a:ln>
         </p:spPr>
@@ -8245,10 +8165,12 @@
           </a:prstGeom>
           <a:ln w="19050">
             <a:solidFill>
-              <a:schemeClr val="tx1"/>
+              <a:schemeClr val="accent3">
+                <a:lumMod val="50000"/>
+              </a:schemeClr>
             </a:solidFill>
-            <a:headEnd type="none" w="med" len="med"/>
-            <a:tailEnd type="none" w="med" len="med"/>
+            <a:headEnd type="arrow" w="med" len="med"/>
+            <a:tailEnd type="arrow" w="med" len="med"/>
           </a:ln>
         </p:spPr>
         <p:style>
@@ -8292,10 +8214,59 @@
           </a:prstGeom>
           <a:ln w="19050">
             <a:solidFill>
-              <a:schemeClr val="tx1"/>
+              <a:schemeClr val="accent3">
+                <a:lumMod val="50000"/>
+              </a:schemeClr>
+            </a:solidFill>
+            <a:headEnd type="arrow" w="med" len="med"/>
+            <a:tailEnd type="arrow" w="med" len="med"/>
+          </a:ln>
+        </p:spPr>
+        <p:style>
+          <a:lnRef idx="1">
+            <a:schemeClr val="accent1"/>
+          </a:lnRef>
+          <a:fillRef idx="0">
+            <a:schemeClr val="accent1"/>
+          </a:fillRef>
+          <a:effectRef idx="0">
+            <a:schemeClr val="accent1"/>
+          </a:effectRef>
+          <a:fontRef idx="minor">
+            <a:schemeClr val="tx1"/>
+          </a:fontRef>
+        </p:style>
+      </p:cxnSp>
+      <p:cxnSp>
+        <p:nvCxnSpPr>
+          <p:cNvPr id="166" name="직선 연결선 165">
+            <a:extLst>
+              <a:ext uri="{FF2B5EF4-FFF2-40B4-BE49-F238E27FC236}">
+                <a16:creationId xmlns:a16="http://schemas.microsoft.com/office/drawing/2014/main" id="{58D49100-35B4-469F-9E6E-737DDD1F0E13}"/>
+              </a:ext>
+            </a:extLst>
+          </p:cNvPr>
+          <p:cNvCxnSpPr>
+            <a:cxnSpLocks/>
+            <a:stCxn id="97" idx="0"/>
+            <a:endCxn id="177" idx="2"/>
+          </p:cNvCxnSpPr>
+          <p:nvPr/>
+        </p:nvCxnSpPr>
+        <p:spPr>
+          <a:xfrm flipV="1">
+            <a:off x="1664886" y="1798734"/>
+            <a:ext cx="602935" cy="421111"/>
+          </a:xfrm>
+          <a:prstGeom prst="line">
+            <a:avLst/>
+          </a:prstGeom>
+          <a:ln w="19050">
+            <a:solidFill>
+              <a:srgbClr val="C00000"/>
             </a:solidFill>
             <a:headEnd type="none" w="med" len="med"/>
-            <a:tailEnd type="none" w="med" len="med"/>
+            <a:tailEnd type="arrow" w="med" len="med"/>
           </a:ln>
         </p:spPr>
         <p:style>
@@ -8313,12 +8284,59 @@
           </a:fontRef>
         </p:style>
       </p:cxnSp>
-      <p:sp>
-        <p:nvSpPr>
-          <p:cNvPr id="155" name="TextBox 154">
-            <a:extLst>
-              <a:ext uri="{FF2B5EF4-FFF2-40B4-BE49-F238E27FC236}">
-                <a16:creationId xmlns:a16="http://schemas.microsoft.com/office/drawing/2014/main" id="{56B744D6-D06B-4CDE-9075-54B64482DD69}"/>
+      <p:cxnSp>
+        <p:nvCxnSpPr>
+          <p:cNvPr id="169" name="직선 연결선 168">
+            <a:extLst>
+              <a:ext uri="{FF2B5EF4-FFF2-40B4-BE49-F238E27FC236}">
+                <a16:creationId xmlns:a16="http://schemas.microsoft.com/office/drawing/2014/main" id="{ACAD8B84-FF18-4428-8F09-F18327EB84E9}"/>
+              </a:ext>
+            </a:extLst>
+          </p:cNvPr>
+          <p:cNvCxnSpPr>
+            <a:cxnSpLocks/>
+            <a:stCxn id="107" idx="0"/>
+            <a:endCxn id="177" idx="2"/>
+          </p:cNvCxnSpPr>
+          <p:nvPr/>
+        </p:nvCxnSpPr>
+        <p:spPr>
+          <a:xfrm flipV="1">
+            <a:off x="1664886" y="1798734"/>
+            <a:ext cx="602935" cy="1645247"/>
+          </a:xfrm>
+          <a:prstGeom prst="line">
+            <a:avLst/>
+          </a:prstGeom>
+          <a:ln w="19050">
+            <a:solidFill>
+              <a:srgbClr val="C00000"/>
+            </a:solidFill>
+            <a:headEnd type="none" w="med" len="med"/>
+            <a:tailEnd type="arrow" w="med" len="med"/>
+          </a:ln>
+        </p:spPr>
+        <p:style>
+          <a:lnRef idx="1">
+            <a:schemeClr val="accent1"/>
+          </a:lnRef>
+          <a:fillRef idx="0">
+            <a:schemeClr val="accent1"/>
+          </a:fillRef>
+          <a:effectRef idx="0">
+            <a:schemeClr val="accent1"/>
+          </a:effectRef>
+          <a:fontRef idx="minor">
+            <a:schemeClr val="tx1"/>
+          </a:fontRef>
+        </p:style>
+      </p:cxnSp>
+      <p:sp>
+        <p:nvSpPr>
+          <p:cNvPr id="173" name="TextBox 172">
+            <a:extLst>
+              <a:ext uri="{FF2B5EF4-FFF2-40B4-BE49-F238E27FC236}">
+                <a16:creationId xmlns:a16="http://schemas.microsoft.com/office/drawing/2014/main" id="{BD2AD389-2B67-4051-B3A3-96981B3AF459}"/>
               </a:ext>
             </a:extLst>
           </p:cNvPr>
@@ -8327,8 +8345,59 @@
         </p:nvSpPr>
         <p:spPr>
           <a:xfrm>
-            <a:off x="2175347" y="3694326"/>
-            <a:ext cx="1018228" cy="430887"/>
+            <a:off x="3059832" y="1451560"/>
+            <a:ext cx="1080120" cy="400110"/>
+          </a:xfrm>
+          <a:prstGeom prst="rect">
+            <a:avLst/>
+          </a:prstGeom>
+          <a:noFill/>
+        </p:spPr>
+        <p:txBody>
+          <a:bodyPr wrap="square" rtlCol="0">
+            <a:spAutoFit/>
+          </a:bodyPr>
+          <a:lstStyle/>
+          <a:p>
+            <a:pPr algn="ctr"/>
+            <a:r>
+              <a:rPr lang="en-US" altLang="ko-KR" sz="1000">
+                <a:solidFill>
+                  <a:srgbClr val="C00000"/>
+                </a:solidFill>
+              </a:rPr>
+              <a:t>2. Create</a:t>
+            </a:r>
+          </a:p>
+          <a:p>
+            <a:pPr algn="ctr"/>
+            <a:r>
+              <a:rPr lang="en-US" altLang="ko-KR" sz="1000">
+                <a:solidFill>
+                  <a:srgbClr val="C00000"/>
+                </a:solidFill>
+              </a:rPr>
+              <a:t>cnsenter Pod</a:t>
+            </a:r>
+          </a:p>
+        </p:txBody>
+      </p:sp>
+      <p:sp>
+        <p:nvSpPr>
+          <p:cNvPr id="174" name="TextBox 173">
+            <a:extLst>
+              <a:ext uri="{FF2B5EF4-FFF2-40B4-BE49-F238E27FC236}">
+                <a16:creationId xmlns:a16="http://schemas.microsoft.com/office/drawing/2014/main" id="{9FD11E01-2D1A-4B75-B208-5A3135ADE32E}"/>
+              </a:ext>
+            </a:extLst>
+          </p:cNvPr>
+          <p:cNvSpPr txBox="1"/>
+          <p:nvPr/>
+        </p:nvSpPr>
+        <p:spPr>
+          <a:xfrm>
+            <a:off x="2205262" y="3287067"/>
+            <a:ext cx="946092" cy="400110"/>
           </a:xfrm>
           <a:prstGeom prst="rect">
             <a:avLst/>
@@ -8343,14 +8412,26 @@
           <a:p>
             <a:pPr algn="ctr"/>
             <a:r>
-              <a:rPr lang="en-US" altLang="ko-KR" sz="1100"/>
-              <a:t>stdin/</a:t>
+              <a:rPr lang="en-US" altLang="ko-KR" sz="1000">
+                <a:solidFill>
+                  <a:schemeClr val="accent3">
+                    <a:lumMod val="50000"/>
+                  </a:schemeClr>
+                </a:solidFill>
+              </a:rPr>
+              <a:t>5. stdin/</a:t>
             </a:r>
           </a:p>
           <a:p>
             <a:pPr algn="ctr"/>
             <a:r>
-              <a:rPr lang="en-US" altLang="ko-KR" sz="1100"/>
+              <a:rPr lang="en-US" altLang="ko-KR" sz="1000">
+                <a:solidFill>
+                  <a:schemeClr val="accent3">
+                    <a:lumMod val="50000"/>
+                  </a:schemeClr>
+                </a:solidFill>
+              </a:rPr>
               <a:t>stdout/stderr</a:t>
             </a:r>
           </a:p>
@@ -8358,10 +8439,10 @@
       </p:sp>
       <p:sp>
         <p:nvSpPr>
-          <p:cNvPr id="156" name="TextBox 155">
-            <a:extLst>
-              <a:ext uri="{FF2B5EF4-FFF2-40B4-BE49-F238E27FC236}">
-                <a16:creationId xmlns:a16="http://schemas.microsoft.com/office/drawing/2014/main" id="{468BB3B5-C4C1-485E-B73F-11757B0EF42A}"/>
+          <p:cNvPr id="175" name="TextBox 174">
+            <a:extLst>
+              <a:ext uri="{FF2B5EF4-FFF2-40B4-BE49-F238E27FC236}">
+                <a16:creationId xmlns:a16="http://schemas.microsoft.com/office/drawing/2014/main" id="{D193FA13-80AB-4D61-97D6-0F70120E06DA}"/>
               </a:ext>
             </a:extLst>
           </p:cNvPr>
@@ -8370,8 +8451,8 @@
         </p:nvSpPr>
         <p:spPr>
           <a:xfrm>
-            <a:off x="2415347" y="2068902"/>
-            <a:ext cx="596638" cy="261610"/>
+            <a:off x="4734934" y="1877302"/>
+            <a:ext cx="1019831" cy="400110"/>
           </a:xfrm>
           <a:prstGeom prst="rect">
             <a:avLst/>
@@ -8386,8 +8467,370 @@
           <a:p>
             <a:pPr algn="ctr"/>
             <a:r>
-              <a:rPr lang="en-US" altLang="ko-KR" sz="1100"/>
-              <a:t>Create</a:t>
+              <a:rPr lang="en-US" altLang="ko-KR" sz="1000">
+                <a:solidFill>
+                  <a:schemeClr val="accent6">
+                    <a:lumMod val="75000"/>
+                  </a:schemeClr>
+                </a:solidFill>
+              </a:rPr>
+              <a:t>3. Target </a:t>
+            </a:r>
+          </a:p>
+          <a:p>
+            <a:pPr algn="ctr"/>
+            <a:r>
+              <a:rPr lang="en-US" altLang="ko-KR" sz="1000">
+                <a:solidFill>
+                  <a:schemeClr val="accent6">
+                    <a:lumMod val="75000"/>
+                  </a:schemeClr>
+                </a:solidFill>
+              </a:rPr>
+              <a:t>Container Info</a:t>
+            </a:r>
+          </a:p>
+        </p:txBody>
+      </p:sp>
+      <p:sp>
+        <p:nvSpPr>
+          <p:cNvPr id="176" name="TextBox 175">
+            <a:extLst>
+              <a:ext uri="{FF2B5EF4-FFF2-40B4-BE49-F238E27FC236}">
+                <a16:creationId xmlns:a16="http://schemas.microsoft.com/office/drawing/2014/main" id="{3850B006-F78F-4C1F-9633-7731E00D16EF}"/>
+              </a:ext>
+            </a:extLst>
+          </p:cNvPr>
+          <p:cNvSpPr txBox="1"/>
+          <p:nvPr/>
+        </p:nvSpPr>
+        <p:spPr>
+          <a:xfrm>
+            <a:off x="4646717" y="3379204"/>
+            <a:ext cx="992579" cy="400110"/>
+          </a:xfrm>
+          <a:prstGeom prst="rect">
+            <a:avLst/>
+          </a:prstGeom>
+          <a:noFill/>
+        </p:spPr>
+        <p:txBody>
+          <a:bodyPr wrap="none" rtlCol="0">
+            <a:spAutoFit/>
+          </a:bodyPr>
+          <a:lstStyle/>
+          <a:p>
+            <a:pPr algn="ctr"/>
+            <a:r>
+              <a:rPr lang="en-US" altLang="ko-KR" sz="1000">
+                <a:solidFill>
+                  <a:schemeClr val="accent5">
+                    <a:lumMod val="75000"/>
+                  </a:schemeClr>
+                </a:solidFill>
+              </a:rPr>
+              <a:t>4. Exec, stdin/</a:t>
+            </a:r>
+          </a:p>
+          <a:p>
+            <a:pPr algn="ctr"/>
+            <a:r>
+              <a:rPr lang="en-US" altLang="ko-KR" sz="1000">
+                <a:solidFill>
+                  <a:schemeClr val="accent5">
+                    <a:lumMod val="75000"/>
+                  </a:schemeClr>
+                </a:solidFill>
+              </a:rPr>
+              <a:t>stdout/stderr</a:t>
+            </a:r>
+          </a:p>
+        </p:txBody>
+      </p:sp>
+      <p:sp>
+        <p:nvSpPr>
+          <p:cNvPr id="177" name="사각형: 둥근 모서리 176">
+            <a:extLst>
+              <a:ext uri="{FF2B5EF4-FFF2-40B4-BE49-F238E27FC236}">
+                <a16:creationId xmlns:a16="http://schemas.microsoft.com/office/drawing/2014/main" id="{F0313CED-D3EC-40B9-89EF-76D36AAC8E5D}"/>
+              </a:ext>
+            </a:extLst>
+          </p:cNvPr>
+          <p:cNvSpPr/>
+          <p:nvPr/>
+        </p:nvSpPr>
+        <p:spPr>
+          <a:xfrm>
+            <a:off x="1630095" y="1454965"/>
+            <a:ext cx="1275452" cy="343769"/>
+          </a:xfrm>
+          <a:prstGeom prst="roundRect">
+            <a:avLst>
+              <a:gd name="adj" fmla="val 15872"/>
+            </a:avLst>
+          </a:prstGeom>
+        </p:spPr>
+        <p:style>
+          <a:lnRef idx="2">
+            <a:schemeClr val="dk1"/>
+          </a:lnRef>
+          <a:fillRef idx="1">
+            <a:schemeClr val="lt1"/>
+          </a:fillRef>
+          <a:effectRef idx="0">
+            <a:schemeClr val="dk1"/>
+          </a:effectRef>
+          <a:fontRef idx="minor">
+            <a:schemeClr val="dk1"/>
+          </a:fontRef>
+        </p:style>
+        <p:txBody>
+          <a:bodyPr rtlCol="0" anchor="ctr"/>
+          <a:lstStyle/>
+          <a:p>
+            <a:pPr algn="ctr"/>
+            <a:r>
+              <a:rPr lang="en-US" altLang="ko-KR" sz="1200"/>
+              <a:t>K8s API Server</a:t>
+            </a:r>
+          </a:p>
+        </p:txBody>
+      </p:sp>
+      <p:cxnSp>
+        <p:nvCxnSpPr>
+          <p:cNvPr id="183" name="직선 연결선 182">
+            <a:extLst>
+              <a:ext uri="{FF2B5EF4-FFF2-40B4-BE49-F238E27FC236}">
+                <a16:creationId xmlns:a16="http://schemas.microsoft.com/office/drawing/2014/main" id="{7D8DAC15-ABC0-4B6D-AC8E-3D80BE555C91}"/>
+              </a:ext>
+            </a:extLst>
+          </p:cNvPr>
+          <p:cNvCxnSpPr>
+            <a:cxnSpLocks/>
+            <a:stCxn id="177" idx="2"/>
+            <a:endCxn id="76" idx="0"/>
+          </p:cNvCxnSpPr>
+          <p:nvPr/>
+        </p:nvCxnSpPr>
+        <p:spPr>
+          <a:xfrm>
+            <a:off x="2267821" y="1798734"/>
+            <a:ext cx="1700215" cy="52936"/>
+          </a:xfrm>
+          <a:prstGeom prst="line">
+            <a:avLst/>
+          </a:prstGeom>
+          <a:ln w="19050">
+            <a:solidFill>
+              <a:srgbClr val="C00000"/>
+            </a:solidFill>
+            <a:headEnd type="none" w="med" len="med"/>
+            <a:tailEnd type="arrow" w="med" len="med"/>
+          </a:ln>
+        </p:spPr>
+        <p:style>
+          <a:lnRef idx="1">
+            <a:schemeClr val="accent1"/>
+          </a:lnRef>
+          <a:fillRef idx="0">
+            <a:schemeClr val="accent1"/>
+          </a:fillRef>
+          <a:effectRef idx="0">
+            <a:schemeClr val="accent1"/>
+          </a:effectRef>
+          <a:fontRef idx="minor">
+            <a:schemeClr val="tx1"/>
+          </a:fontRef>
+        </p:style>
+      </p:cxnSp>
+      <p:cxnSp>
+        <p:nvCxnSpPr>
+          <p:cNvPr id="189" name="직선 연결선 188">
+            <a:extLst>
+              <a:ext uri="{FF2B5EF4-FFF2-40B4-BE49-F238E27FC236}">
+                <a16:creationId xmlns:a16="http://schemas.microsoft.com/office/drawing/2014/main" id="{5E7E076A-4769-4578-9E58-30626FD9BB72}"/>
+              </a:ext>
+            </a:extLst>
+          </p:cNvPr>
+          <p:cNvCxnSpPr>
+            <a:cxnSpLocks/>
+            <a:stCxn id="177" idx="2"/>
+            <a:endCxn id="104" idx="0"/>
+          </p:cNvCxnSpPr>
+          <p:nvPr/>
+        </p:nvCxnSpPr>
+        <p:spPr>
+          <a:xfrm>
+            <a:off x="2267821" y="1798734"/>
+            <a:ext cx="1700215" cy="1277072"/>
+          </a:xfrm>
+          <a:prstGeom prst="line">
+            <a:avLst/>
+          </a:prstGeom>
+          <a:ln w="19050">
+            <a:solidFill>
+              <a:srgbClr val="C00000"/>
+            </a:solidFill>
+            <a:headEnd type="none" w="med" len="med"/>
+            <a:tailEnd type="arrow" w="med" len="med"/>
+          </a:ln>
+        </p:spPr>
+        <p:style>
+          <a:lnRef idx="1">
+            <a:schemeClr val="accent1"/>
+          </a:lnRef>
+          <a:fillRef idx="0">
+            <a:schemeClr val="accent1"/>
+          </a:fillRef>
+          <a:effectRef idx="0">
+            <a:schemeClr val="accent1"/>
+          </a:effectRef>
+          <a:fontRef idx="minor">
+            <a:schemeClr val="tx1"/>
+          </a:fontRef>
+        </p:style>
+      </p:cxnSp>
+      <p:cxnSp>
+        <p:nvCxnSpPr>
+          <p:cNvPr id="197" name="직선 연결선 196">
+            <a:extLst>
+              <a:ext uri="{FF2B5EF4-FFF2-40B4-BE49-F238E27FC236}">
+                <a16:creationId xmlns:a16="http://schemas.microsoft.com/office/drawing/2014/main" id="{0B035290-AE35-48D8-8A88-0478A6E3FF13}"/>
+              </a:ext>
+            </a:extLst>
+          </p:cNvPr>
+          <p:cNvCxnSpPr>
+            <a:cxnSpLocks/>
+          </p:cNvCxnSpPr>
+          <p:nvPr/>
+        </p:nvCxnSpPr>
+        <p:spPr>
+          <a:xfrm flipH="1">
+            <a:off x="1547664" y="1798734"/>
+            <a:ext cx="602935" cy="421111"/>
+          </a:xfrm>
+          <a:prstGeom prst="line">
+            <a:avLst/>
+          </a:prstGeom>
+          <a:ln w="19050">
+            <a:solidFill>
+              <a:schemeClr val="tx2"/>
+            </a:solidFill>
+            <a:headEnd type="none" w="med" len="med"/>
+            <a:tailEnd type="arrow" w="med" len="med"/>
+          </a:ln>
+        </p:spPr>
+        <p:style>
+          <a:lnRef idx="1">
+            <a:schemeClr val="accent1"/>
+          </a:lnRef>
+          <a:fillRef idx="0">
+            <a:schemeClr val="accent1"/>
+          </a:fillRef>
+          <a:effectRef idx="0">
+            <a:schemeClr val="accent1"/>
+          </a:effectRef>
+          <a:fontRef idx="minor">
+            <a:schemeClr val="tx1"/>
+          </a:fontRef>
+        </p:style>
+      </p:cxnSp>
+      <p:cxnSp>
+        <p:nvCxnSpPr>
+          <p:cNvPr id="200" name="직선 연결선 199">
+            <a:extLst>
+              <a:ext uri="{FF2B5EF4-FFF2-40B4-BE49-F238E27FC236}">
+                <a16:creationId xmlns:a16="http://schemas.microsoft.com/office/drawing/2014/main" id="{C6F906FD-0E3D-4D46-8B25-A7787170AE2F}"/>
+              </a:ext>
+            </a:extLst>
+          </p:cNvPr>
+          <p:cNvCxnSpPr>
+            <a:cxnSpLocks/>
+          </p:cNvCxnSpPr>
+          <p:nvPr/>
+        </p:nvCxnSpPr>
+        <p:spPr>
+          <a:xfrm flipH="1">
+            <a:off x="1547664" y="1798734"/>
+            <a:ext cx="602935" cy="1645247"/>
+          </a:xfrm>
+          <a:prstGeom prst="line">
+            <a:avLst/>
+          </a:prstGeom>
+          <a:ln w="19050">
+            <a:solidFill>
+              <a:schemeClr val="tx2"/>
+            </a:solidFill>
+            <a:headEnd type="none" w="med" len="med"/>
+            <a:tailEnd type="arrow" w="med" len="med"/>
+          </a:ln>
+        </p:spPr>
+        <p:style>
+          <a:lnRef idx="1">
+            <a:schemeClr val="accent1"/>
+          </a:lnRef>
+          <a:fillRef idx="0">
+            <a:schemeClr val="accent1"/>
+          </a:fillRef>
+          <a:effectRef idx="0">
+            <a:schemeClr val="accent1"/>
+          </a:effectRef>
+          <a:fontRef idx="minor">
+            <a:schemeClr val="tx1"/>
+          </a:fontRef>
+        </p:style>
+      </p:cxnSp>
+      <p:sp>
+        <p:nvSpPr>
+          <p:cNvPr id="203" name="TextBox 202">
+            <a:extLst>
+              <a:ext uri="{FF2B5EF4-FFF2-40B4-BE49-F238E27FC236}">
+                <a16:creationId xmlns:a16="http://schemas.microsoft.com/office/drawing/2014/main" id="{8C02B63B-0CF9-4F6A-A8A0-D8B748C037AE}"/>
+              </a:ext>
+            </a:extLst>
+          </p:cNvPr>
+          <p:cNvSpPr txBox="1"/>
+          <p:nvPr/>
+        </p:nvSpPr>
+        <p:spPr>
+          <a:xfrm>
+            <a:off x="1090094" y="2625485"/>
+            <a:ext cx="745717" cy="400110"/>
+          </a:xfrm>
+          <a:prstGeom prst="rect">
+            <a:avLst/>
+          </a:prstGeom>
+          <a:noFill/>
+        </p:spPr>
+        <p:txBody>
+          <a:bodyPr wrap="none" rtlCol="0">
+            <a:spAutoFit/>
+          </a:bodyPr>
+          <a:lstStyle/>
+          <a:p>
+            <a:pPr algn="ctr"/>
+            <a:r>
+              <a:rPr lang="en-US" altLang="ko-KR" sz="1000">
+                <a:solidFill>
+                  <a:schemeClr val="tx2"/>
+                </a:solidFill>
+              </a:rPr>
+              <a:t>1. Target </a:t>
+            </a:r>
+            <a:br>
+              <a:rPr lang="en-US" altLang="ko-KR" sz="1000">
+                <a:solidFill>
+                  <a:schemeClr val="tx2"/>
+                </a:solidFill>
+              </a:rPr>
+            </a:br>
+            <a:r>
+              <a:rPr lang="en-US" altLang="ko-KR" sz="1000">
+                <a:solidFill>
+                  <a:schemeClr val="tx2"/>
+                </a:solidFill>
+              </a:rPr>
+              <a:t>Pod Info</a:t>
             </a:r>
           </a:p>
         </p:txBody>
@@ -8395,7 +8838,7 @@
     </p:spTree>
     <p:extLst>
       <p:ext uri="{BB962C8B-B14F-4D97-AF65-F5344CB8AC3E}">
-        <p14:creationId xmlns:p14="http://schemas.microsoft.com/office/powerpoint/2010/main" val="2695993015"/>
+        <p14:creationId xmlns:p14="http://schemas.microsoft.com/office/powerpoint/2010/main" val="2880442582"/>
       </p:ext>
     </p:extLst>
   </p:cSld>
@@ -8505,6 +8948,1370 @@
           <a:p>
             <a:pPr algn="ctr"/>
             <a:r>
+              <a:rPr lang="en-US" altLang="ko-KR" sz="1200"/>
+              <a:t>K8s Node</a:t>
+            </a:r>
+            <a:endParaRPr lang="ko-KR" altLang="en-US" sz="1200"/>
+          </a:p>
+        </p:txBody>
+      </p:sp>
+      <p:sp>
+        <p:nvSpPr>
+          <p:cNvPr id="58" name="사각형: 둥근 모서리 57">
+            <a:extLst>
+              <a:ext uri="{FF2B5EF4-FFF2-40B4-BE49-F238E27FC236}">
+                <a16:creationId xmlns:a16="http://schemas.microsoft.com/office/drawing/2014/main" id="{5E4E3A93-5115-4E7C-8846-FD81D33318F8}"/>
+              </a:ext>
+            </a:extLst>
+          </p:cNvPr>
+          <p:cNvSpPr/>
+          <p:nvPr/>
+        </p:nvSpPr>
+        <p:spPr>
+          <a:xfrm>
+            <a:off x="5300024" y="2476143"/>
+            <a:ext cx="1437738" cy="1535767"/>
+          </a:xfrm>
+          <a:prstGeom prst="roundRect">
+            <a:avLst>
+              <a:gd name="adj" fmla="val 9324"/>
+            </a:avLst>
+          </a:prstGeom>
+        </p:spPr>
+        <p:style>
+          <a:lnRef idx="2">
+            <a:schemeClr val="dk1"/>
+          </a:lnRef>
+          <a:fillRef idx="1">
+            <a:schemeClr val="lt1"/>
+          </a:fillRef>
+          <a:effectRef idx="0">
+            <a:schemeClr val="dk1"/>
+          </a:effectRef>
+          <a:fontRef idx="minor">
+            <a:schemeClr val="dk1"/>
+          </a:fontRef>
+        </p:style>
+        <p:txBody>
+          <a:bodyPr rtlCol="0" anchor="t"/>
+          <a:lstStyle/>
+          <a:p>
+            <a:pPr algn="ctr"/>
+            <a:r>
+              <a:rPr lang="en-US" altLang="ko-KR" sz="1200"/>
+              <a:t>Target Pod</a:t>
+            </a:r>
+          </a:p>
+        </p:txBody>
+      </p:sp>
+      <p:sp>
+        <p:nvSpPr>
+          <p:cNvPr id="73" name="사각형: 둥근 모서리 72">
+            <a:extLst>
+              <a:ext uri="{FF2B5EF4-FFF2-40B4-BE49-F238E27FC236}">
+                <a16:creationId xmlns:a16="http://schemas.microsoft.com/office/drawing/2014/main" id="{20A1C239-0408-4124-83E9-53DEDE4CD75F}"/>
+              </a:ext>
+            </a:extLst>
+          </p:cNvPr>
+          <p:cNvSpPr/>
+          <p:nvPr/>
+        </p:nvSpPr>
+        <p:spPr>
+          <a:xfrm>
+            <a:off x="5439849" y="2825540"/>
+            <a:ext cx="1158087" cy="1107328"/>
+          </a:xfrm>
+          <a:prstGeom prst="roundRect">
+            <a:avLst>
+              <a:gd name="adj" fmla="val 12203"/>
+            </a:avLst>
+          </a:prstGeom>
+        </p:spPr>
+        <p:style>
+          <a:lnRef idx="2">
+            <a:schemeClr val="dk1"/>
+          </a:lnRef>
+          <a:fillRef idx="1">
+            <a:schemeClr val="lt1"/>
+          </a:fillRef>
+          <a:effectRef idx="0">
+            <a:schemeClr val="dk1"/>
+          </a:effectRef>
+          <a:fontRef idx="minor">
+            <a:schemeClr val="dk1"/>
+          </a:fontRef>
+        </p:style>
+        <p:txBody>
+          <a:bodyPr rtlCol="0" anchor="t"/>
+          <a:lstStyle/>
+          <a:p>
+            <a:pPr algn="ctr"/>
+            <a:r>
+              <a:rPr lang="en-US" altLang="ko-KR" sz="1100"/>
+              <a:t>Target Container</a:t>
+            </a:r>
+            <a:endParaRPr lang="ko-KR" altLang="en-US" sz="1100"/>
+          </a:p>
+        </p:txBody>
+      </p:sp>
+      <p:sp>
+        <p:nvSpPr>
+          <p:cNvPr id="75" name="사각형: 둥근 모서리 74">
+            <a:extLst>
+              <a:ext uri="{FF2B5EF4-FFF2-40B4-BE49-F238E27FC236}">
+                <a16:creationId xmlns:a16="http://schemas.microsoft.com/office/drawing/2014/main" id="{8F1EE6BD-7693-4A3E-8600-9E6C11463346}"/>
+              </a:ext>
+            </a:extLst>
+          </p:cNvPr>
+          <p:cNvSpPr/>
+          <p:nvPr/>
+        </p:nvSpPr>
+        <p:spPr>
+          <a:xfrm>
+            <a:off x="5562027" y="3273223"/>
+            <a:ext cx="913730" cy="246314"/>
+          </a:xfrm>
+          <a:prstGeom prst="roundRect">
+            <a:avLst>
+              <a:gd name="adj" fmla="val 12203"/>
+            </a:avLst>
+          </a:prstGeom>
+        </p:spPr>
+        <p:style>
+          <a:lnRef idx="2">
+            <a:schemeClr val="dk1"/>
+          </a:lnRef>
+          <a:fillRef idx="1">
+            <a:schemeClr val="lt1"/>
+          </a:fillRef>
+          <a:effectRef idx="0">
+            <a:schemeClr val="dk1"/>
+          </a:effectRef>
+          <a:fontRef idx="minor">
+            <a:schemeClr val="dk1"/>
+          </a:fontRef>
+        </p:style>
+        <p:txBody>
+          <a:bodyPr rtlCol="0" anchor="ctr"/>
+          <a:lstStyle/>
+          <a:p>
+            <a:pPr algn="ctr"/>
+            <a:r>
+              <a:rPr lang="en-US" altLang="ko-KR" sz="1000"/>
+              <a:t>Command</a:t>
+            </a:r>
+            <a:endParaRPr lang="ko-KR" altLang="en-US" sz="1000"/>
+          </a:p>
+        </p:txBody>
+      </p:sp>
+      <p:sp>
+        <p:nvSpPr>
+          <p:cNvPr id="76" name="사각형: 둥근 모서리 75">
+            <a:extLst>
+              <a:ext uri="{FF2B5EF4-FFF2-40B4-BE49-F238E27FC236}">
+                <a16:creationId xmlns:a16="http://schemas.microsoft.com/office/drawing/2014/main" id="{BDE92DF2-161D-48F5-B5DC-344818B6C7B7}"/>
+              </a:ext>
+            </a:extLst>
+          </p:cNvPr>
+          <p:cNvSpPr/>
+          <p:nvPr/>
+        </p:nvSpPr>
+        <p:spPr>
+          <a:xfrm>
+            <a:off x="3249165" y="1851670"/>
+            <a:ext cx="1437742" cy="1080120"/>
+          </a:xfrm>
+          <a:prstGeom prst="roundRect">
+            <a:avLst>
+              <a:gd name="adj" fmla="val 10708"/>
+            </a:avLst>
+          </a:prstGeom>
+        </p:spPr>
+        <p:style>
+          <a:lnRef idx="2">
+            <a:schemeClr val="dk1"/>
+          </a:lnRef>
+          <a:fillRef idx="1">
+            <a:schemeClr val="lt1"/>
+          </a:fillRef>
+          <a:effectRef idx="0">
+            <a:schemeClr val="dk1"/>
+          </a:effectRef>
+          <a:fontRef idx="minor">
+            <a:schemeClr val="dk1"/>
+          </a:fontRef>
+        </p:style>
+        <p:txBody>
+          <a:bodyPr rtlCol="0" anchor="t"/>
+          <a:lstStyle/>
+          <a:p>
+            <a:pPr algn="ctr"/>
+            <a:r>
+              <a:rPr lang="en-US" altLang="ko-KR" sz="1200" b="1"/>
+              <a:t>cnsenter Pod</a:t>
+            </a:r>
+          </a:p>
+        </p:txBody>
+      </p:sp>
+      <p:sp>
+        <p:nvSpPr>
+          <p:cNvPr id="86" name="사각형: 둥근 모서리 85">
+            <a:extLst>
+              <a:ext uri="{FF2B5EF4-FFF2-40B4-BE49-F238E27FC236}">
+                <a16:creationId xmlns:a16="http://schemas.microsoft.com/office/drawing/2014/main" id="{5BFD3EF6-C382-4C58-B89E-FD1B110AD873}"/>
+              </a:ext>
+            </a:extLst>
+          </p:cNvPr>
+          <p:cNvSpPr/>
+          <p:nvPr/>
+        </p:nvSpPr>
+        <p:spPr>
+          <a:xfrm>
+            <a:off x="3388993" y="2186294"/>
+            <a:ext cx="1158087" cy="648072"/>
+          </a:xfrm>
+          <a:prstGeom prst="roundRect">
+            <a:avLst>
+              <a:gd name="adj" fmla="val 12203"/>
+            </a:avLst>
+          </a:prstGeom>
+        </p:spPr>
+        <p:style>
+          <a:lnRef idx="2">
+            <a:schemeClr val="dk1"/>
+          </a:lnRef>
+          <a:fillRef idx="1">
+            <a:schemeClr val="lt1"/>
+          </a:fillRef>
+          <a:effectRef idx="0">
+            <a:schemeClr val="dk1"/>
+          </a:effectRef>
+          <a:fontRef idx="minor">
+            <a:schemeClr val="dk1"/>
+          </a:fontRef>
+        </p:style>
+        <p:txBody>
+          <a:bodyPr rtlCol="0" anchor="t"/>
+          <a:lstStyle/>
+          <a:p>
+            <a:pPr algn="ctr"/>
+            <a:r>
+              <a:rPr lang="en-US" altLang="ko-KR" sz="1100"/>
+              <a:t>Container</a:t>
+            </a:r>
+            <a:endParaRPr lang="ko-KR" altLang="en-US" sz="1100"/>
+          </a:p>
+        </p:txBody>
+      </p:sp>
+      <p:sp>
+        <p:nvSpPr>
+          <p:cNvPr id="95" name="사각형: 둥근 모서리 94">
+            <a:extLst>
+              <a:ext uri="{FF2B5EF4-FFF2-40B4-BE49-F238E27FC236}">
+                <a16:creationId xmlns:a16="http://schemas.microsoft.com/office/drawing/2014/main" id="{EB16ECCF-8C18-448E-851C-7E5A42A5F131}"/>
+              </a:ext>
+            </a:extLst>
+          </p:cNvPr>
+          <p:cNvSpPr/>
+          <p:nvPr/>
+        </p:nvSpPr>
+        <p:spPr>
+          <a:xfrm>
+            <a:off x="3511171" y="2500898"/>
+            <a:ext cx="913730" cy="246314"/>
+          </a:xfrm>
+          <a:prstGeom prst="roundRect">
+            <a:avLst>
+              <a:gd name="adj" fmla="val 12203"/>
+            </a:avLst>
+          </a:prstGeom>
+        </p:spPr>
+        <p:style>
+          <a:lnRef idx="2">
+            <a:schemeClr val="dk1"/>
+          </a:lnRef>
+          <a:fillRef idx="1">
+            <a:schemeClr val="lt1"/>
+          </a:fillRef>
+          <a:effectRef idx="0">
+            <a:schemeClr val="dk1"/>
+          </a:effectRef>
+          <a:fontRef idx="minor">
+            <a:schemeClr val="dk1"/>
+          </a:fontRef>
+        </p:style>
+        <p:txBody>
+          <a:bodyPr rtlCol="0" anchor="ctr"/>
+          <a:lstStyle/>
+          <a:p>
+            <a:pPr algn="ctr"/>
+            <a:r>
+              <a:rPr lang="en-US" altLang="ko-KR" sz="1000"/>
+              <a:t>cnsenter</a:t>
+            </a:r>
+            <a:endParaRPr lang="ko-KR" altLang="en-US" sz="1000"/>
+          </a:p>
+        </p:txBody>
+      </p:sp>
+      <p:sp>
+        <p:nvSpPr>
+          <p:cNvPr id="97" name="사각형: 둥근 모서리 96">
+            <a:extLst>
+              <a:ext uri="{FF2B5EF4-FFF2-40B4-BE49-F238E27FC236}">
+                <a16:creationId xmlns:a16="http://schemas.microsoft.com/office/drawing/2014/main" id="{38E3355C-06D5-4D3D-AC10-D3369B96A92C}"/>
+              </a:ext>
+            </a:extLst>
+          </p:cNvPr>
+          <p:cNvSpPr/>
+          <p:nvPr/>
+        </p:nvSpPr>
+        <p:spPr>
+          <a:xfrm>
+            <a:off x="1181806" y="2219845"/>
+            <a:ext cx="966160" cy="343769"/>
+          </a:xfrm>
+          <a:prstGeom prst="roundRect">
+            <a:avLst>
+              <a:gd name="adj" fmla="val 12203"/>
+            </a:avLst>
+          </a:prstGeom>
+        </p:spPr>
+        <p:style>
+          <a:lnRef idx="2">
+            <a:schemeClr val="dk1"/>
+          </a:lnRef>
+          <a:fillRef idx="1">
+            <a:schemeClr val="lt1"/>
+          </a:fillRef>
+          <a:effectRef idx="0">
+            <a:schemeClr val="dk1"/>
+          </a:effectRef>
+          <a:fontRef idx="minor">
+            <a:schemeClr val="dk1"/>
+          </a:fontRef>
+        </p:style>
+        <p:txBody>
+          <a:bodyPr rtlCol="0" anchor="ctr"/>
+          <a:lstStyle/>
+          <a:p>
+            <a:pPr algn="ctr"/>
+            <a:r>
+              <a:rPr lang="en-US" altLang="ko-KR" sz="1200" b="1"/>
+              <a:t>kpexec</a:t>
+            </a:r>
+            <a:endParaRPr lang="ko-KR" altLang="en-US" sz="1200" b="1"/>
+          </a:p>
+        </p:txBody>
+      </p:sp>
+      <p:cxnSp>
+        <p:nvCxnSpPr>
+          <p:cNvPr id="100" name="직선 연결선 99">
+            <a:extLst>
+              <a:ext uri="{FF2B5EF4-FFF2-40B4-BE49-F238E27FC236}">
+                <a16:creationId xmlns:a16="http://schemas.microsoft.com/office/drawing/2014/main" id="{CBCBE498-15CF-47C1-A767-3415FF031064}"/>
+              </a:ext>
+            </a:extLst>
+          </p:cNvPr>
+          <p:cNvCxnSpPr>
+            <a:cxnSpLocks/>
+            <a:stCxn id="95" idx="3"/>
+            <a:endCxn id="75" idx="1"/>
+          </p:cNvCxnSpPr>
+          <p:nvPr/>
+        </p:nvCxnSpPr>
+        <p:spPr>
+          <a:xfrm>
+            <a:off x="4424901" y="2624055"/>
+            <a:ext cx="1137126" cy="772325"/>
+          </a:xfrm>
+          <a:prstGeom prst="line">
+            <a:avLst/>
+          </a:prstGeom>
+          <a:ln w="19050">
+            <a:solidFill>
+              <a:schemeClr val="tx1"/>
+            </a:solidFill>
+            <a:headEnd type="none" w="med" len="med"/>
+            <a:tailEnd type="none" w="med" len="med"/>
+          </a:ln>
+        </p:spPr>
+        <p:style>
+          <a:lnRef idx="1">
+            <a:schemeClr val="accent1"/>
+          </a:lnRef>
+          <a:fillRef idx="0">
+            <a:schemeClr val="accent1"/>
+          </a:fillRef>
+          <a:effectRef idx="0">
+            <a:schemeClr val="accent1"/>
+          </a:effectRef>
+          <a:fontRef idx="minor">
+            <a:schemeClr val="tx1"/>
+          </a:fontRef>
+        </p:style>
+      </p:cxnSp>
+      <p:sp>
+        <p:nvSpPr>
+          <p:cNvPr id="104" name="사각형: 둥근 모서리 103">
+            <a:extLst>
+              <a:ext uri="{FF2B5EF4-FFF2-40B4-BE49-F238E27FC236}">
+                <a16:creationId xmlns:a16="http://schemas.microsoft.com/office/drawing/2014/main" id="{89D1C3E8-C31D-4A5F-A7DC-450B53202FFD}"/>
+              </a:ext>
+            </a:extLst>
+          </p:cNvPr>
+          <p:cNvSpPr/>
+          <p:nvPr/>
+        </p:nvSpPr>
+        <p:spPr>
+          <a:xfrm>
+            <a:off x="3249165" y="3075806"/>
+            <a:ext cx="1437742" cy="1080120"/>
+          </a:xfrm>
+          <a:prstGeom prst="roundRect">
+            <a:avLst>
+              <a:gd name="adj" fmla="val 10708"/>
+            </a:avLst>
+          </a:prstGeom>
+        </p:spPr>
+        <p:style>
+          <a:lnRef idx="2">
+            <a:schemeClr val="dk1"/>
+          </a:lnRef>
+          <a:fillRef idx="1">
+            <a:schemeClr val="lt1"/>
+          </a:fillRef>
+          <a:effectRef idx="0">
+            <a:schemeClr val="dk1"/>
+          </a:effectRef>
+          <a:fontRef idx="minor">
+            <a:schemeClr val="dk1"/>
+          </a:fontRef>
+        </p:style>
+        <p:txBody>
+          <a:bodyPr rtlCol="0" anchor="t"/>
+          <a:lstStyle/>
+          <a:p>
+            <a:pPr algn="ctr"/>
+            <a:r>
+              <a:rPr lang="en-US" altLang="ko-KR" sz="1200" b="1"/>
+              <a:t>cnsenter Pod</a:t>
+            </a:r>
+          </a:p>
+        </p:txBody>
+      </p:sp>
+      <p:sp>
+        <p:nvSpPr>
+          <p:cNvPr id="105" name="사각형: 둥근 모서리 104">
+            <a:extLst>
+              <a:ext uri="{FF2B5EF4-FFF2-40B4-BE49-F238E27FC236}">
+                <a16:creationId xmlns:a16="http://schemas.microsoft.com/office/drawing/2014/main" id="{D116828F-79BC-48AA-866E-AEF62A75E40E}"/>
+              </a:ext>
+            </a:extLst>
+          </p:cNvPr>
+          <p:cNvSpPr/>
+          <p:nvPr/>
+        </p:nvSpPr>
+        <p:spPr>
+          <a:xfrm>
+            <a:off x="3388993" y="3410430"/>
+            <a:ext cx="1158087" cy="648072"/>
+          </a:xfrm>
+          <a:prstGeom prst="roundRect">
+            <a:avLst>
+              <a:gd name="adj" fmla="val 12203"/>
+            </a:avLst>
+          </a:prstGeom>
+        </p:spPr>
+        <p:style>
+          <a:lnRef idx="2">
+            <a:schemeClr val="dk1"/>
+          </a:lnRef>
+          <a:fillRef idx="1">
+            <a:schemeClr val="lt1"/>
+          </a:fillRef>
+          <a:effectRef idx="0">
+            <a:schemeClr val="dk1"/>
+          </a:effectRef>
+          <a:fontRef idx="minor">
+            <a:schemeClr val="dk1"/>
+          </a:fontRef>
+        </p:style>
+        <p:txBody>
+          <a:bodyPr rtlCol="0" anchor="t"/>
+          <a:lstStyle/>
+          <a:p>
+            <a:pPr algn="ctr"/>
+            <a:r>
+              <a:rPr lang="en-US" altLang="ko-KR" sz="1100"/>
+              <a:t>Container</a:t>
+            </a:r>
+            <a:endParaRPr lang="ko-KR" altLang="en-US" sz="1100"/>
+          </a:p>
+        </p:txBody>
+      </p:sp>
+      <p:sp>
+        <p:nvSpPr>
+          <p:cNvPr id="106" name="사각형: 둥근 모서리 105">
+            <a:extLst>
+              <a:ext uri="{FF2B5EF4-FFF2-40B4-BE49-F238E27FC236}">
+                <a16:creationId xmlns:a16="http://schemas.microsoft.com/office/drawing/2014/main" id="{8815D6C1-B29B-4468-AE0B-58C97020F805}"/>
+              </a:ext>
+            </a:extLst>
+          </p:cNvPr>
+          <p:cNvSpPr/>
+          <p:nvPr/>
+        </p:nvSpPr>
+        <p:spPr>
+          <a:xfrm>
+            <a:off x="3511171" y="3725034"/>
+            <a:ext cx="913730" cy="246314"/>
+          </a:xfrm>
+          <a:prstGeom prst="roundRect">
+            <a:avLst>
+              <a:gd name="adj" fmla="val 12203"/>
+            </a:avLst>
+          </a:prstGeom>
+        </p:spPr>
+        <p:style>
+          <a:lnRef idx="2">
+            <a:schemeClr val="dk1"/>
+          </a:lnRef>
+          <a:fillRef idx="1">
+            <a:schemeClr val="lt1"/>
+          </a:fillRef>
+          <a:effectRef idx="0">
+            <a:schemeClr val="dk1"/>
+          </a:effectRef>
+          <a:fontRef idx="minor">
+            <a:schemeClr val="dk1"/>
+          </a:fontRef>
+        </p:style>
+        <p:txBody>
+          <a:bodyPr rtlCol="0" anchor="ctr"/>
+          <a:lstStyle/>
+          <a:p>
+            <a:pPr algn="ctr"/>
+            <a:r>
+              <a:rPr lang="en-US" altLang="ko-KR" sz="1000"/>
+              <a:t>cnsenter</a:t>
+            </a:r>
+            <a:endParaRPr lang="ko-KR" altLang="en-US" sz="1000"/>
+          </a:p>
+        </p:txBody>
+      </p:sp>
+      <p:sp>
+        <p:nvSpPr>
+          <p:cNvPr id="107" name="사각형: 둥근 모서리 106">
+            <a:extLst>
+              <a:ext uri="{FF2B5EF4-FFF2-40B4-BE49-F238E27FC236}">
+                <a16:creationId xmlns:a16="http://schemas.microsoft.com/office/drawing/2014/main" id="{63205508-003E-4060-BF2B-5840DEB4E7D8}"/>
+              </a:ext>
+            </a:extLst>
+          </p:cNvPr>
+          <p:cNvSpPr/>
+          <p:nvPr/>
+        </p:nvSpPr>
+        <p:spPr>
+          <a:xfrm>
+            <a:off x="1181806" y="3443981"/>
+            <a:ext cx="966160" cy="343769"/>
+          </a:xfrm>
+          <a:prstGeom prst="roundRect">
+            <a:avLst>
+              <a:gd name="adj" fmla="val 12203"/>
+            </a:avLst>
+          </a:prstGeom>
+        </p:spPr>
+        <p:style>
+          <a:lnRef idx="2">
+            <a:schemeClr val="dk1"/>
+          </a:lnRef>
+          <a:fillRef idx="1">
+            <a:schemeClr val="lt1"/>
+          </a:fillRef>
+          <a:effectRef idx="0">
+            <a:schemeClr val="dk1"/>
+          </a:effectRef>
+          <a:fontRef idx="minor">
+            <a:schemeClr val="dk1"/>
+          </a:fontRef>
+        </p:style>
+        <p:txBody>
+          <a:bodyPr rtlCol="0" anchor="ctr"/>
+          <a:lstStyle/>
+          <a:p>
+            <a:pPr algn="ctr"/>
+            <a:r>
+              <a:rPr lang="en-US" altLang="ko-KR" sz="1200" b="1"/>
+              <a:t>kpexec</a:t>
+            </a:r>
+            <a:endParaRPr lang="ko-KR" altLang="en-US" sz="1200" b="1"/>
+          </a:p>
+        </p:txBody>
+      </p:sp>
+      <p:cxnSp>
+        <p:nvCxnSpPr>
+          <p:cNvPr id="109" name="직선 연결선 108">
+            <a:extLst>
+              <a:ext uri="{FF2B5EF4-FFF2-40B4-BE49-F238E27FC236}">
+                <a16:creationId xmlns:a16="http://schemas.microsoft.com/office/drawing/2014/main" id="{0EC68B17-28CA-426D-8F62-C665355F3C05}"/>
+              </a:ext>
+            </a:extLst>
+          </p:cNvPr>
+          <p:cNvCxnSpPr>
+            <a:cxnSpLocks/>
+            <a:stCxn id="106" idx="3"/>
+            <a:endCxn id="116" idx="1"/>
+          </p:cNvCxnSpPr>
+          <p:nvPr/>
+        </p:nvCxnSpPr>
+        <p:spPr>
+          <a:xfrm flipV="1">
+            <a:off x="4424901" y="3725311"/>
+            <a:ext cx="1137126" cy="122880"/>
+          </a:xfrm>
+          <a:prstGeom prst="line">
+            <a:avLst/>
+          </a:prstGeom>
+          <a:ln w="19050">
+            <a:solidFill>
+              <a:schemeClr val="tx1"/>
+            </a:solidFill>
+            <a:headEnd type="none" w="med" len="med"/>
+            <a:tailEnd type="none" w="med" len="med"/>
+          </a:ln>
+        </p:spPr>
+        <p:style>
+          <a:lnRef idx="1">
+            <a:schemeClr val="accent1"/>
+          </a:lnRef>
+          <a:fillRef idx="0">
+            <a:schemeClr val="accent1"/>
+          </a:fillRef>
+          <a:effectRef idx="0">
+            <a:schemeClr val="accent1"/>
+          </a:effectRef>
+          <a:fontRef idx="minor">
+            <a:schemeClr val="tx1"/>
+          </a:fontRef>
+        </p:style>
+      </p:cxnSp>
+      <p:sp>
+        <p:nvSpPr>
+          <p:cNvPr id="114" name="사각형: 둥근 모서리 113">
+            <a:extLst>
+              <a:ext uri="{FF2B5EF4-FFF2-40B4-BE49-F238E27FC236}">
+                <a16:creationId xmlns:a16="http://schemas.microsoft.com/office/drawing/2014/main" id="{56D24251-3F3F-49C4-B369-CC29EEFFE0D5}"/>
+              </a:ext>
+            </a:extLst>
+          </p:cNvPr>
+          <p:cNvSpPr/>
+          <p:nvPr/>
+        </p:nvSpPr>
+        <p:spPr>
+          <a:xfrm>
+            <a:off x="5535149" y="2022498"/>
+            <a:ext cx="967486" cy="343769"/>
+          </a:xfrm>
+          <a:prstGeom prst="roundRect">
+            <a:avLst>
+              <a:gd name="adj" fmla="val 12203"/>
+            </a:avLst>
+          </a:prstGeom>
+        </p:spPr>
+        <p:style>
+          <a:lnRef idx="2">
+            <a:schemeClr val="dk1"/>
+          </a:lnRef>
+          <a:fillRef idx="1">
+            <a:schemeClr val="lt1"/>
+          </a:fillRef>
+          <a:effectRef idx="0">
+            <a:schemeClr val="dk1"/>
+          </a:effectRef>
+          <a:fontRef idx="minor">
+            <a:schemeClr val="dk1"/>
+          </a:fontRef>
+        </p:style>
+        <p:txBody>
+          <a:bodyPr rtlCol="0" anchor="ctr"/>
+          <a:lstStyle/>
+          <a:p>
+            <a:pPr algn="ctr"/>
+            <a:r>
+              <a:rPr lang="en-US" altLang="ko-KR" sz="1200"/>
+              <a:t>containerd</a:t>
+            </a:r>
+          </a:p>
+        </p:txBody>
+      </p:sp>
+      <p:cxnSp>
+        <p:nvCxnSpPr>
+          <p:cNvPr id="115" name="직선 연결선 114">
+            <a:extLst>
+              <a:ext uri="{FF2B5EF4-FFF2-40B4-BE49-F238E27FC236}">
+                <a16:creationId xmlns:a16="http://schemas.microsoft.com/office/drawing/2014/main" id="{33B08333-2B73-40E0-83C5-F60864115EF5}"/>
+              </a:ext>
+            </a:extLst>
+          </p:cNvPr>
+          <p:cNvCxnSpPr>
+            <a:cxnSpLocks/>
+            <a:stCxn id="95" idx="0"/>
+            <a:endCxn id="114" idx="1"/>
+          </p:cNvCxnSpPr>
+          <p:nvPr/>
+        </p:nvCxnSpPr>
+        <p:spPr>
+          <a:xfrm flipV="1">
+            <a:off x="3968036" y="2194383"/>
+            <a:ext cx="1567113" cy="306515"/>
+          </a:xfrm>
+          <a:prstGeom prst="line">
+            <a:avLst/>
+          </a:prstGeom>
+          <a:ln w="19050">
+            <a:solidFill>
+              <a:schemeClr val="tx1"/>
+            </a:solidFill>
+            <a:headEnd type="none" w="med" len="med"/>
+            <a:tailEnd type="none" w="med" len="med"/>
+          </a:ln>
+        </p:spPr>
+        <p:style>
+          <a:lnRef idx="1">
+            <a:schemeClr val="accent1"/>
+          </a:lnRef>
+          <a:fillRef idx="0">
+            <a:schemeClr val="accent1"/>
+          </a:fillRef>
+          <a:effectRef idx="0">
+            <a:schemeClr val="accent1"/>
+          </a:effectRef>
+          <a:fontRef idx="minor">
+            <a:schemeClr val="tx1"/>
+          </a:fontRef>
+        </p:style>
+      </p:cxnSp>
+      <p:sp>
+        <p:nvSpPr>
+          <p:cNvPr id="116" name="사각형: 둥근 모서리 115">
+            <a:extLst>
+              <a:ext uri="{FF2B5EF4-FFF2-40B4-BE49-F238E27FC236}">
+                <a16:creationId xmlns:a16="http://schemas.microsoft.com/office/drawing/2014/main" id="{38C5C11C-4A8F-4547-9118-09BDA4094820}"/>
+              </a:ext>
+            </a:extLst>
+          </p:cNvPr>
+          <p:cNvSpPr/>
+          <p:nvPr/>
+        </p:nvSpPr>
+        <p:spPr>
+          <a:xfrm>
+            <a:off x="5562027" y="3602154"/>
+            <a:ext cx="913730" cy="246314"/>
+          </a:xfrm>
+          <a:prstGeom prst="roundRect">
+            <a:avLst>
+              <a:gd name="adj" fmla="val 12203"/>
+            </a:avLst>
+          </a:prstGeom>
+        </p:spPr>
+        <p:style>
+          <a:lnRef idx="2">
+            <a:schemeClr val="dk1"/>
+          </a:lnRef>
+          <a:fillRef idx="1">
+            <a:schemeClr val="lt1"/>
+          </a:fillRef>
+          <a:effectRef idx="0">
+            <a:schemeClr val="dk1"/>
+          </a:effectRef>
+          <a:fontRef idx="minor">
+            <a:schemeClr val="dk1"/>
+          </a:fontRef>
+        </p:style>
+        <p:txBody>
+          <a:bodyPr rtlCol="0" anchor="ctr"/>
+          <a:lstStyle/>
+          <a:p>
+            <a:pPr algn="ctr"/>
+            <a:r>
+              <a:rPr lang="en-US" altLang="ko-KR" sz="1000"/>
+              <a:t>Command</a:t>
+            </a:r>
+            <a:endParaRPr lang="ko-KR" altLang="en-US" sz="1000"/>
+          </a:p>
+        </p:txBody>
+      </p:sp>
+      <p:cxnSp>
+        <p:nvCxnSpPr>
+          <p:cNvPr id="117" name="직선 연결선 116">
+            <a:extLst>
+              <a:ext uri="{FF2B5EF4-FFF2-40B4-BE49-F238E27FC236}">
+                <a16:creationId xmlns:a16="http://schemas.microsoft.com/office/drawing/2014/main" id="{1A9B72C6-99DD-4895-8D95-E572C0B32140}"/>
+              </a:ext>
+            </a:extLst>
+          </p:cNvPr>
+          <p:cNvCxnSpPr>
+            <a:cxnSpLocks/>
+            <a:stCxn id="106" idx="0"/>
+            <a:endCxn id="114" idx="1"/>
+          </p:cNvCxnSpPr>
+          <p:nvPr/>
+        </p:nvCxnSpPr>
+        <p:spPr>
+          <a:xfrm flipV="1">
+            <a:off x="3968036" y="2194383"/>
+            <a:ext cx="1567113" cy="1530651"/>
+          </a:xfrm>
+          <a:prstGeom prst="line">
+            <a:avLst/>
+          </a:prstGeom>
+          <a:ln w="19050">
+            <a:solidFill>
+              <a:schemeClr val="tx1"/>
+            </a:solidFill>
+            <a:headEnd type="none" w="med" len="med"/>
+            <a:tailEnd type="none" w="med" len="med"/>
+          </a:ln>
+        </p:spPr>
+        <p:style>
+          <a:lnRef idx="1">
+            <a:schemeClr val="accent1"/>
+          </a:lnRef>
+          <a:fillRef idx="0">
+            <a:schemeClr val="accent1"/>
+          </a:fillRef>
+          <a:effectRef idx="0">
+            <a:schemeClr val="accent1"/>
+          </a:effectRef>
+          <a:fontRef idx="minor">
+            <a:schemeClr val="tx1"/>
+          </a:fontRef>
+        </p:style>
+      </p:cxnSp>
+      <p:sp>
+        <p:nvSpPr>
+          <p:cNvPr id="118" name="사각형: 둥근 모서리 117">
+            <a:extLst>
+              <a:ext uri="{FF2B5EF4-FFF2-40B4-BE49-F238E27FC236}">
+                <a16:creationId xmlns:a16="http://schemas.microsoft.com/office/drawing/2014/main" id="{813CABC7-9949-4374-87F5-3A6F7B9A92EF}"/>
+              </a:ext>
+            </a:extLst>
+          </p:cNvPr>
+          <p:cNvSpPr/>
+          <p:nvPr/>
+        </p:nvSpPr>
+        <p:spPr>
+          <a:xfrm>
+            <a:off x="1630095" y="1419630"/>
+            <a:ext cx="1275452" cy="343769"/>
+          </a:xfrm>
+          <a:prstGeom prst="roundRect">
+            <a:avLst>
+              <a:gd name="adj" fmla="val 15872"/>
+            </a:avLst>
+          </a:prstGeom>
+        </p:spPr>
+        <p:style>
+          <a:lnRef idx="2">
+            <a:schemeClr val="dk1"/>
+          </a:lnRef>
+          <a:fillRef idx="1">
+            <a:schemeClr val="lt1"/>
+          </a:fillRef>
+          <a:effectRef idx="0">
+            <a:schemeClr val="dk1"/>
+          </a:effectRef>
+          <a:fontRef idx="minor">
+            <a:schemeClr val="dk1"/>
+          </a:fontRef>
+        </p:style>
+        <p:txBody>
+          <a:bodyPr rtlCol="0" anchor="ctr"/>
+          <a:lstStyle/>
+          <a:p>
+            <a:pPr algn="ctr"/>
+            <a:r>
+              <a:rPr lang="en-US" altLang="ko-KR" sz="1200"/>
+              <a:t>K8s API Server</a:t>
+            </a:r>
+          </a:p>
+        </p:txBody>
+      </p:sp>
+      <p:cxnSp>
+        <p:nvCxnSpPr>
+          <p:cNvPr id="119" name="직선 연결선 118">
+            <a:extLst>
+              <a:ext uri="{FF2B5EF4-FFF2-40B4-BE49-F238E27FC236}">
+                <a16:creationId xmlns:a16="http://schemas.microsoft.com/office/drawing/2014/main" id="{632AD898-AD55-4821-A736-210152B88AF3}"/>
+              </a:ext>
+            </a:extLst>
+          </p:cNvPr>
+          <p:cNvCxnSpPr>
+            <a:cxnSpLocks/>
+            <a:stCxn id="97" idx="0"/>
+            <a:endCxn id="118" idx="2"/>
+          </p:cNvCxnSpPr>
+          <p:nvPr/>
+        </p:nvCxnSpPr>
+        <p:spPr>
+          <a:xfrm flipV="1">
+            <a:off x="1664886" y="1763399"/>
+            <a:ext cx="602935" cy="456446"/>
+          </a:xfrm>
+          <a:prstGeom prst="line">
+            <a:avLst/>
+          </a:prstGeom>
+          <a:ln w="19050">
+            <a:solidFill>
+              <a:schemeClr val="tx1"/>
+            </a:solidFill>
+            <a:headEnd type="none" w="med" len="med"/>
+            <a:tailEnd type="none" w="med" len="med"/>
+          </a:ln>
+        </p:spPr>
+        <p:style>
+          <a:lnRef idx="1">
+            <a:schemeClr val="accent1"/>
+          </a:lnRef>
+          <a:fillRef idx="0">
+            <a:schemeClr val="accent1"/>
+          </a:fillRef>
+          <a:effectRef idx="0">
+            <a:schemeClr val="accent1"/>
+          </a:effectRef>
+          <a:fontRef idx="minor">
+            <a:schemeClr val="tx1"/>
+          </a:fontRef>
+        </p:style>
+      </p:cxnSp>
+      <p:cxnSp>
+        <p:nvCxnSpPr>
+          <p:cNvPr id="121" name="직선 연결선 120">
+            <a:extLst>
+              <a:ext uri="{FF2B5EF4-FFF2-40B4-BE49-F238E27FC236}">
+                <a16:creationId xmlns:a16="http://schemas.microsoft.com/office/drawing/2014/main" id="{3B758C3D-86D8-4341-B303-8289D52FC058}"/>
+              </a:ext>
+            </a:extLst>
+          </p:cNvPr>
+          <p:cNvCxnSpPr>
+            <a:cxnSpLocks/>
+            <a:stCxn id="107" idx="0"/>
+            <a:endCxn id="118" idx="2"/>
+          </p:cNvCxnSpPr>
+          <p:nvPr/>
+        </p:nvCxnSpPr>
+        <p:spPr>
+          <a:xfrm flipV="1">
+            <a:off x="1664886" y="1763399"/>
+            <a:ext cx="602935" cy="1680582"/>
+          </a:xfrm>
+          <a:prstGeom prst="line">
+            <a:avLst/>
+          </a:prstGeom>
+          <a:ln w="19050">
+            <a:solidFill>
+              <a:schemeClr val="tx1"/>
+            </a:solidFill>
+            <a:headEnd type="none" w="med" len="med"/>
+            <a:tailEnd type="none" w="med" len="med"/>
+          </a:ln>
+        </p:spPr>
+        <p:style>
+          <a:lnRef idx="1">
+            <a:schemeClr val="accent1"/>
+          </a:lnRef>
+          <a:fillRef idx="0">
+            <a:schemeClr val="accent1"/>
+          </a:fillRef>
+          <a:effectRef idx="0">
+            <a:schemeClr val="accent1"/>
+          </a:effectRef>
+          <a:fontRef idx="minor">
+            <a:schemeClr val="tx1"/>
+          </a:fontRef>
+        </p:style>
+      </p:cxnSp>
+      <p:cxnSp>
+        <p:nvCxnSpPr>
+          <p:cNvPr id="138" name="직선 연결선 137">
+            <a:extLst>
+              <a:ext uri="{FF2B5EF4-FFF2-40B4-BE49-F238E27FC236}">
+                <a16:creationId xmlns:a16="http://schemas.microsoft.com/office/drawing/2014/main" id="{A5180D89-44B2-4282-A206-CD78A8427DC0}"/>
+              </a:ext>
+            </a:extLst>
+          </p:cNvPr>
+          <p:cNvCxnSpPr>
+            <a:cxnSpLocks/>
+            <a:stCxn id="118" idx="2"/>
+            <a:endCxn id="76" idx="1"/>
+          </p:cNvCxnSpPr>
+          <p:nvPr/>
+        </p:nvCxnSpPr>
+        <p:spPr>
+          <a:xfrm>
+            <a:off x="2267821" y="1763399"/>
+            <a:ext cx="981344" cy="628331"/>
+          </a:xfrm>
+          <a:prstGeom prst="line">
+            <a:avLst/>
+          </a:prstGeom>
+          <a:ln w="19050">
+            <a:solidFill>
+              <a:schemeClr val="tx1"/>
+            </a:solidFill>
+            <a:headEnd type="none" w="med" len="med"/>
+            <a:tailEnd type="none" w="med" len="med"/>
+          </a:ln>
+        </p:spPr>
+        <p:style>
+          <a:lnRef idx="1">
+            <a:schemeClr val="accent1"/>
+          </a:lnRef>
+          <a:fillRef idx="0">
+            <a:schemeClr val="accent1"/>
+          </a:fillRef>
+          <a:effectRef idx="0">
+            <a:schemeClr val="accent1"/>
+          </a:effectRef>
+          <a:fontRef idx="minor">
+            <a:schemeClr val="tx1"/>
+          </a:fontRef>
+        </p:style>
+      </p:cxnSp>
+      <p:cxnSp>
+        <p:nvCxnSpPr>
+          <p:cNvPr id="141" name="직선 연결선 140">
+            <a:extLst>
+              <a:ext uri="{FF2B5EF4-FFF2-40B4-BE49-F238E27FC236}">
+                <a16:creationId xmlns:a16="http://schemas.microsoft.com/office/drawing/2014/main" id="{9A583628-BFA9-4601-8DA5-EEFD1C44B3D8}"/>
+              </a:ext>
+            </a:extLst>
+          </p:cNvPr>
+          <p:cNvCxnSpPr>
+            <a:cxnSpLocks/>
+            <a:stCxn id="118" idx="2"/>
+            <a:endCxn id="104" idx="1"/>
+          </p:cNvCxnSpPr>
+          <p:nvPr/>
+        </p:nvCxnSpPr>
+        <p:spPr>
+          <a:xfrm>
+            <a:off x="2267821" y="1763399"/>
+            <a:ext cx="981344" cy="1852467"/>
+          </a:xfrm>
+          <a:prstGeom prst="line">
+            <a:avLst/>
+          </a:prstGeom>
+          <a:ln w="19050">
+            <a:solidFill>
+              <a:schemeClr val="tx1"/>
+            </a:solidFill>
+            <a:headEnd type="none" w="med" len="med"/>
+            <a:tailEnd type="none" w="med" len="med"/>
+          </a:ln>
+        </p:spPr>
+        <p:style>
+          <a:lnRef idx="1">
+            <a:schemeClr val="accent1"/>
+          </a:lnRef>
+          <a:fillRef idx="0">
+            <a:schemeClr val="accent1"/>
+          </a:fillRef>
+          <a:effectRef idx="0">
+            <a:schemeClr val="accent1"/>
+          </a:effectRef>
+          <a:fontRef idx="minor">
+            <a:schemeClr val="tx1"/>
+          </a:fontRef>
+        </p:style>
+      </p:cxnSp>
+      <p:cxnSp>
+        <p:nvCxnSpPr>
+          <p:cNvPr id="145" name="직선 연결선 144">
+            <a:extLst>
+              <a:ext uri="{FF2B5EF4-FFF2-40B4-BE49-F238E27FC236}">
+                <a16:creationId xmlns:a16="http://schemas.microsoft.com/office/drawing/2014/main" id="{E05BB714-3DD9-43A8-8B1B-7EC4BABEC022}"/>
+              </a:ext>
+            </a:extLst>
+          </p:cNvPr>
+          <p:cNvCxnSpPr>
+            <a:cxnSpLocks/>
+            <a:stCxn id="97" idx="3"/>
+            <a:endCxn id="95" idx="1"/>
+          </p:cNvCxnSpPr>
+          <p:nvPr/>
+        </p:nvCxnSpPr>
+        <p:spPr>
+          <a:xfrm>
+            <a:off x="2147966" y="2391730"/>
+            <a:ext cx="1363205" cy="232325"/>
+          </a:xfrm>
+          <a:prstGeom prst="line">
+            <a:avLst/>
+          </a:prstGeom>
+          <a:ln w="19050">
+            <a:solidFill>
+              <a:schemeClr val="tx1"/>
+            </a:solidFill>
+            <a:headEnd type="none" w="med" len="med"/>
+            <a:tailEnd type="none" w="med" len="med"/>
+          </a:ln>
+        </p:spPr>
+        <p:style>
+          <a:lnRef idx="1">
+            <a:schemeClr val="accent1"/>
+          </a:lnRef>
+          <a:fillRef idx="0">
+            <a:schemeClr val="accent1"/>
+          </a:fillRef>
+          <a:effectRef idx="0">
+            <a:schemeClr val="accent1"/>
+          </a:effectRef>
+          <a:fontRef idx="minor">
+            <a:schemeClr val="tx1"/>
+          </a:fontRef>
+        </p:style>
+      </p:cxnSp>
+      <p:cxnSp>
+        <p:nvCxnSpPr>
+          <p:cNvPr id="148" name="직선 연결선 147">
+            <a:extLst>
+              <a:ext uri="{FF2B5EF4-FFF2-40B4-BE49-F238E27FC236}">
+                <a16:creationId xmlns:a16="http://schemas.microsoft.com/office/drawing/2014/main" id="{C913F3DE-B6C8-4CA4-AB3F-BE5589A46E4E}"/>
+              </a:ext>
+            </a:extLst>
+          </p:cNvPr>
+          <p:cNvCxnSpPr>
+            <a:cxnSpLocks/>
+            <a:stCxn id="107" idx="3"/>
+            <a:endCxn id="106" idx="1"/>
+          </p:cNvCxnSpPr>
+          <p:nvPr/>
+        </p:nvCxnSpPr>
+        <p:spPr>
+          <a:xfrm>
+            <a:off x="2147966" y="3615866"/>
+            <a:ext cx="1363205" cy="232325"/>
+          </a:xfrm>
+          <a:prstGeom prst="line">
+            <a:avLst/>
+          </a:prstGeom>
+          <a:ln w="19050">
+            <a:solidFill>
+              <a:schemeClr val="tx1"/>
+            </a:solidFill>
+            <a:headEnd type="none" w="med" len="med"/>
+            <a:tailEnd type="none" w="med" len="med"/>
+          </a:ln>
+        </p:spPr>
+        <p:style>
+          <a:lnRef idx="1">
+            <a:schemeClr val="accent1"/>
+          </a:lnRef>
+          <a:fillRef idx="0">
+            <a:schemeClr val="accent1"/>
+          </a:fillRef>
+          <a:effectRef idx="0">
+            <a:schemeClr val="accent1"/>
+          </a:effectRef>
+          <a:fontRef idx="minor">
+            <a:schemeClr val="tx1"/>
+          </a:fontRef>
+        </p:style>
+      </p:cxnSp>
+      <p:sp>
+        <p:nvSpPr>
+          <p:cNvPr id="155" name="TextBox 154">
+            <a:extLst>
+              <a:ext uri="{FF2B5EF4-FFF2-40B4-BE49-F238E27FC236}">
+                <a16:creationId xmlns:a16="http://schemas.microsoft.com/office/drawing/2014/main" id="{56B744D6-D06B-4CDE-9075-54B64482DD69}"/>
+              </a:ext>
+            </a:extLst>
+          </p:cNvPr>
+          <p:cNvSpPr txBox="1"/>
+          <p:nvPr/>
+        </p:nvSpPr>
+        <p:spPr>
+          <a:xfrm>
+            <a:off x="2175347" y="3694326"/>
+            <a:ext cx="1018228" cy="430887"/>
+          </a:xfrm>
+          <a:prstGeom prst="rect">
+            <a:avLst/>
+          </a:prstGeom>
+          <a:noFill/>
+        </p:spPr>
+        <p:txBody>
+          <a:bodyPr wrap="none" rtlCol="0">
+            <a:spAutoFit/>
+          </a:bodyPr>
+          <a:lstStyle/>
+          <a:p>
+            <a:pPr algn="ctr"/>
+            <a:r>
+              <a:rPr lang="en-US" altLang="ko-KR" sz="1100"/>
+              <a:t>stdin/</a:t>
+            </a:r>
+          </a:p>
+          <a:p>
+            <a:pPr algn="ctr"/>
+            <a:r>
+              <a:rPr lang="en-US" altLang="ko-KR" sz="1100"/>
+              <a:t>stdout/stderr</a:t>
+            </a:r>
+          </a:p>
+        </p:txBody>
+      </p:sp>
+      <p:sp>
+        <p:nvSpPr>
+          <p:cNvPr id="156" name="TextBox 155">
+            <a:extLst>
+              <a:ext uri="{FF2B5EF4-FFF2-40B4-BE49-F238E27FC236}">
+                <a16:creationId xmlns:a16="http://schemas.microsoft.com/office/drawing/2014/main" id="{468BB3B5-C4C1-485E-B73F-11757B0EF42A}"/>
+              </a:ext>
+            </a:extLst>
+          </p:cNvPr>
+          <p:cNvSpPr txBox="1"/>
+          <p:nvPr/>
+        </p:nvSpPr>
+        <p:spPr>
+          <a:xfrm>
+            <a:off x="2415347" y="2068902"/>
+            <a:ext cx="596638" cy="261610"/>
+          </a:xfrm>
+          <a:prstGeom prst="rect">
+            <a:avLst/>
+          </a:prstGeom>
+          <a:noFill/>
+        </p:spPr>
+        <p:txBody>
+          <a:bodyPr wrap="none" rtlCol="0">
+            <a:spAutoFit/>
+          </a:bodyPr>
+          <a:lstStyle/>
+          <a:p>
+            <a:pPr algn="ctr"/>
+            <a:r>
+              <a:rPr lang="en-US" altLang="ko-KR" sz="1100"/>
+              <a:t>Create</a:t>
+            </a:r>
+          </a:p>
+        </p:txBody>
+      </p:sp>
+    </p:spTree>
+    <p:extLst>
+      <p:ext uri="{BB962C8B-B14F-4D97-AF65-F5344CB8AC3E}">
+        <p14:creationId xmlns:p14="http://schemas.microsoft.com/office/powerpoint/2010/main" val="2695993015"/>
+      </p:ext>
+    </p:extLst>
+  </p:cSld>
+  <p:clrMapOvr>
+    <a:masterClrMapping/>
+  </p:clrMapOvr>
+</p:sld>
+</file>
+
+<file path=ppt/slides/slide6.xml><?xml version="1.0" encoding="utf-8"?>
+<p:sld xmlns:a="http://schemas.openxmlformats.org/drawingml/2006/main" xmlns:r="http://schemas.openxmlformats.org/officeDocument/2006/relationships" xmlns:p="http://schemas.openxmlformats.org/presentationml/2006/main">
+  <p:cSld>
+    <p:spTree>
+      <p:nvGrpSpPr>
+        <p:cNvPr id="1" name=""/>
+        <p:cNvGrpSpPr/>
+        <p:nvPr/>
+      </p:nvGrpSpPr>
+      <p:grpSpPr>
+        <a:xfrm>
+          <a:off x="0" y="0"/>
+          <a:ext cx="0" cy="0"/>
+          <a:chOff x="0" y="0"/>
+          <a:chExt cx="0" cy="0"/>
+        </a:xfrm>
+      </p:grpSpPr>
+      <p:sp>
+        <p:nvSpPr>
+          <p:cNvPr id="2" name="제목 1">
+            <a:extLst>
+              <a:ext uri="{FF2B5EF4-FFF2-40B4-BE49-F238E27FC236}">
+                <a16:creationId xmlns:a16="http://schemas.microsoft.com/office/drawing/2014/main" id="{8738443D-5E72-49E2-86AC-581D61C41C39}"/>
+              </a:ext>
+            </a:extLst>
+          </p:cNvPr>
+          <p:cNvSpPr>
+            <a:spLocks noGrp="1"/>
+          </p:cNvSpPr>
+          <p:nvPr>
+            <p:ph type="title"/>
+          </p:nvPr>
+        </p:nvSpPr>
+        <p:spPr>
+          <a:xfrm>
+            <a:off x="457200" y="-92546"/>
+            <a:ext cx="8229600" cy="857250"/>
+          </a:xfrm>
+        </p:spPr>
+        <p:txBody>
+          <a:bodyPr>
+            <a:normAutofit/>
+          </a:bodyPr>
+          <a:lstStyle/>
+          <a:p>
+            <a:r>
+              <a:rPr lang="en-US" altLang="ko-KR" err="1"/>
+              <a:t>Kpexec</a:t>
+            </a:r>
+            <a:r>
+              <a:rPr lang="en-US" altLang="ko-KR"/>
+              <a:t> Architecture</a:t>
+            </a:r>
+            <a:endParaRPr lang="ko-KR" altLang="en-US"/>
+          </a:p>
+        </p:txBody>
+      </p:sp>
+      <p:sp>
+        <p:nvSpPr>
+          <p:cNvPr id="54" name="사각형: 둥근 모서리 53">
+            <a:extLst>
+              <a:ext uri="{FF2B5EF4-FFF2-40B4-BE49-F238E27FC236}">
+                <a16:creationId xmlns:a16="http://schemas.microsoft.com/office/drawing/2014/main" id="{D8641BDD-0AFF-4D61-B8C3-8E3FCF9748B7}"/>
+              </a:ext>
+            </a:extLst>
+          </p:cNvPr>
+          <p:cNvSpPr/>
+          <p:nvPr/>
+        </p:nvSpPr>
+        <p:spPr>
+          <a:xfrm>
+            <a:off x="3131840" y="1419630"/>
+            <a:ext cx="3725655" cy="2849672"/>
+          </a:xfrm>
+          <a:prstGeom prst="roundRect">
+            <a:avLst>
+              <a:gd name="adj" fmla="val 7328"/>
+            </a:avLst>
+          </a:prstGeom>
+        </p:spPr>
+        <p:style>
+          <a:lnRef idx="2">
+            <a:schemeClr val="dk1"/>
+          </a:lnRef>
+          <a:fillRef idx="1">
+            <a:schemeClr val="lt1"/>
+          </a:fillRef>
+          <a:effectRef idx="0">
+            <a:schemeClr val="dk1"/>
+          </a:effectRef>
+          <a:fontRef idx="minor">
+            <a:schemeClr val="dk1"/>
+          </a:fontRef>
+        </p:style>
+        <p:txBody>
+          <a:bodyPr rtlCol="0" anchor="t"/>
+          <a:lstStyle/>
+          <a:p>
+            <a:pPr algn="ctr"/>
+            <a:r>
               <a:rPr lang="en-US" altLang="ko-KR" sz="1400"/>
               <a:t>K8s Node</a:t>
             </a:r>
@@ -9796,7 +11603,7 @@
 </p:sld>
 </file>
 
-<file path=ppt/slides/slide6.xml><?xml version="1.0" encoding="utf-8"?>
+<file path=ppt/slides/slide7.xml><?xml version="1.0" encoding="utf-8"?>
 <p:sld xmlns:a="http://schemas.openxmlformats.org/drawingml/2006/main" xmlns:r="http://schemas.openxmlformats.org/officeDocument/2006/relationships" xmlns:p="http://schemas.openxmlformats.org/presentationml/2006/main">
   <p:cSld>
     <p:spTree>
